--- a/slides/ppt/08_JDBC.pptx
+++ b/slides/ppt/08_JDBC.pptx
@@ -10,23 +10,23 @@
   <p:sldIdLst>
     <p:sldId id="256" r:id="rId2"/>
     <p:sldId id="331" r:id="rId3"/>
-    <p:sldId id="259" r:id="rId4"/>
-    <p:sldId id="277" r:id="rId5"/>
-    <p:sldId id="287" r:id="rId6"/>
-    <p:sldId id="307" r:id="rId7"/>
-    <p:sldId id="308" r:id="rId8"/>
-    <p:sldId id="297" r:id="rId9"/>
-    <p:sldId id="288" r:id="rId10"/>
-    <p:sldId id="310" r:id="rId11"/>
-    <p:sldId id="289" r:id="rId12"/>
-    <p:sldId id="309" r:id="rId13"/>
-    <p:sldId id="316" r:id="rId14"/>
-    <p:sldId id="290" r:id="rId15"/>
-    <p:sldId id="317" r:id="rId16"/>
-    <p:sldId id="326" r:id="rId17"/>
-    <p:sldId id="333" r:id="rId18"/>
-    <p:sldId id="291" r:id="rId19"/>
-    <p:sldId id="325" r:id="rId20"/>
+    <p:sldId id="334" r:id="rId4"/>
+    <p:sldId id="259" r:id="rId5"/>
+    <p:sldId id="277" r:id="rId6"/>
+    <p:sldId id="287" r:id="rId7"/>
+    <p:sldId id="307" r:id="rId8"/>
+    <p:sldId id="308" r:id="rId9"/>
+    <p:sldId id="297" r:id="rId10"/>
+    <p:sldId id="288" r:id="rId11"/>
+    <p:sldId id="310" r:id="rId12"/>
+    <p:sldId id="289" r:id="rId13"/>
+    <p:sldId id="309" r:id="rId14"/>
+    <p:sldId id="316" r:id="rId15"/>
+    <p:sldId id="290" r:id="rId16"/>
+    <p:sldId id="317" r:id="rId17"/>
+    <p:sldId id="326" r:id="rId18"/>
+    <p:sldId id="333" r:id="rId19"/>
+    <p:sldId id="291" r:id="rId20"/>
     <p:sldId id="328" r:id="rId21"/>
     <p:sldId id="273" r:id="rId22"/>
     <p:sldId id="322" r:id="rId23"/>
@@ -252,14 +252,14 @@
           <a:effectLst/>
           <a:extLst>
             <a:ext uri="{909E8E84-426E-40dd-AFC4-6F175D3DCCD1}">
-              <a14:hiddenFill xmlns="" xmlns:a14="http://schemas.microsoft.com/office/drawing/2010/main">
+              <a14:hiddenFill xmlns:a14="http://schemas.microsoft.com/office/drawing/2010/main" xmlns="">
                 <a:solidFill>
                   <a:schemeClr val="accent1"/>
                 </a:solidFill>
               </a14:hiddenFill>
             </a:ext>
             <a:ext uri="{91240B29-F687-4f45-9708-019B960494DF}">
-              <a14:hiddenLine xmlns="" xmlns:a14="http://schemas.microsoft.com/office/drawing/2010/main" w="9525">
+              <a14:hiddenLine xmlns:a14="http://schemas.microsoft.com/office/drawing/2010/main" xmlns="" w="9525">
                 <a:solidFill>
                   <a:schemeClr val="tx1"/>
                 </a:solidFill>
@@ -269,7 +269,7 @@
               </a14:hiddenLine>
             </a:ext>
             <a:ext uri="{AF507438-7753-43e0-B8FC-AC1667EBCBE1}">
-              <a14:hiddenEffects xmlns="" xmlns:a14="http://schemas.microsoft.com/office/drawing/2010/main">
+              <a14:hiddenEffects xmlns:a14="http://schemas.microsoft.com/office/drawing/2010/main" xmlns="">
                 <a:effectLst>
                   <a:outerShdw blurRad="63500" dist="38099" dir="2700000" algn="ctr" rotWithShape="0">
                     <a:schemeClr val="bg2">
@@ -280,7 +280,7 @@
               </a14:hiddenEffects>
             </a:ext>
             <a:ext uri="{FAA26D3D-D897-4be2-8F04-BA451C77F1D7}">
-              <ma14:placeholderFlag xmlns="" xmlns:ma14="http://schemas.microsoft.com/office/mac/drawingml/2011/main" val="1"/>
+              <ma14:placeholderFlag xmlns:ma14="http://schemas.microsoft.com/office/mac/drawingml/2011/main" xmlns="" val="1"/>
             </a:ext>
           </a:extLst>
         </p:spPr>
@@ -325,14 +325,14 @@
           <a:effectLst/>
           <a:extLst>
             <a:ext uri="{909E8E84-426E-40dd-AFC4-6F175D3DCCD1}">
-              <a14:hiddenFill xmlns="" xmlns:a14="http://schemas.microsoft.com/office/drawing/2010/main">
+              <a14:hiddenFill xmlns:a14="http://schemas.microsoft.com/office/drawing/2010/main" xmlns="">
                 <a:solidFill>
                   <a:schemeClr val="accent1"/>
                 </a:solidFill>
               </a14:hiddenFill>
             </a:ext>
             <a:ext uri="{91240B29-F687-4f45-9708-019B960494DF}">
-              <a14:hiddenLine xmlns="" xmlns:a14="http://schemas.microsoft.com/office/drawing/2010/main" w="9525">
+              <a14:hiddenLine xmlns:a14="http://schemas.microsoft.com/office/drawing/2010/main" xmlns="" w="9525">
                 <a:solidFill>
                   <a:schemeClr val="tx1"/>
                 </a:solidFill>
@@ -342,7 +342,7 @@
               </a14:hiddenLine>
             </a:ext>
             <a:ext uri="{AF507438-7753-43e0-B8FC-AC1667EBCBE1}">
-              <a14:hiddenEffects xmlns="" xmlns:a14="http://schemas.microsoft.com/office/drawing/2010/main">
+              <a14:hiddenEffects xmlns:a14="http://schemas.microsoft.com/office/drawing/2010/main" xmlns="">
                 <a:effectLst>
                   <a:outerShdw blurRad="63500" dist="38099" dir="2700000" algn="ctr" rotWithShape="0">
                     <a:schemeClr val="bg2">
@@ -353,7 +353,7 @@
               </a14:hiddenEffects>
             </a:ext>
             <a:ext uri="{FAA26D3D-D897-4be2-8F04-BA451C77F1D7}">
-              <ma14:placeholderFlag xmlns="" xmlns:ma14="http://schemas.microsoft.com/office/mac/drawingml/2011/main" val="1"/>
+              <ma14:placeholderFlag xmlns:ma14="http://schemas.microsoft.com/office/mac/drawingml/2011/main" xmlns="" val="1"/>
             </a:ext>
           </a:extLst>
         </p:spPr>
@@ -403,7 +403,7 @@
           <a:effectLst/>
           <a:extLst>
             <a:ext uri="{AF507438-7753-43e0-B8FC-AC1667EBCBE1}">
-              <a14:hiddenEffects xmlns="" xmlns:a14="http://schemas.microsoft.com/office/drawing/2010/main">
+              <a14:hiddenEffects xmlns:a14="http://schemas.microsoft.com/office/drawing/2010/main" xmlns="">
                 <a:effectLst>
                   <a:outerShdw blurRad="63500" dist="38099" dir="2700000" algn="ctr" rotWithShape="0">
                     <a:srgbClr val="000000">
@@ -414,7 +414,7 @@
               </a14:hiddenEffects>
             </a:ext>
             <a:ext uri="{53640926-AAD7-44d8-BBD7-CCE9431645EC}">
-              <a14:shadowObscured xmlns="" xmlns:a14="http://schemas.microsoft.com/office/drawing/2010/main" val="1"/>
+              <a14:shadowObscured xmlns:a14="http://schemas.microsoft.com/office/drawing/2010/main" xmlns="" val="1"/>
             </a:ext>
           </a:extLst>
         </p:spPr>
@@ -444,14 +444,14 @@
           <a:effectLst/>
           <a:extLst>
             <a:ext uri="{909E8E84-426E-40dd-AFC4-6F175D3DCCD1}">
-              <a14:hiddenFill xmlns="" xmlns:a14="http://schemas.microsoft.com/office/drawing/2010/main">
+              <a14:hiddenFill xmlns:a14="http://schemas.microsoft.com/office/drawing/2010/main" xmlns="">
                 <a:solidFill>
                   <a:schemeClr val="accent1"/>
                 </a:solidFill>
               </a14:hiddenFill>
             </a:ext>
             <a:ext uri="{91240B29-F687-4f45-9708-019B960494DF}">
-              <a14:hiddenLine xmlns="" xmlns:a14="http://schemas.microsoft.com/office/drawing/2010/main" w="9525">
+              <a14:hiddenLine xmlns:a14="http://schemas.microsoft.com/office/drawing/2010/main" xmlns="" w="9525">
                 <a:solidFill>
                   <a:schemeClr val="tx1"/>
                 </a:solidFill>
@@ -461,7 +461,7 @@
               </a14:hiddenLine>
             </a:ext>
             <a:ext uri="{AF507438-7753-43e0-B8FC-AC1667EBCBE1}">
-              <a14:hiddenEffects xmlns="" xmlns:a14="http://schemas.microsoft.com/office/drawing/2010/main">
+              <a14:hiddenEffects xmlns:a14="http://schemas.microsoft.com/office/drawing/2010/main" xmlns="">
                 <a:effectLst>
                   <a:outerShdw blurRad="63500" dist="38099" dir="2700000" algn="ctr" rotWithShape="0">
                     <a:schemeClr val="bg2">
@@ -472,7 +472,7 @@
               </a14:hiddenEffects>
             </a:ext>
             <a:ext uri="{FAA26D3D-D897-4be2-8F04-BA451C77F1D7}">
-              <ma14:placeholderFlag xmlns="" xmlns:ma14="http://schemas.microsoft.com/office/mac/drawingml/2011/main" val="1"/>
+              <ma14:placeholderFlag xmlns:ma14="http://schemas.microsoft.com/office/mac/drawingml/2011/main" xmlns="" val="1"/>
             </a:ext>
           </a:extLst>
         </p:spPr>
@@ -545,14 +545,14 @@
           <a:effectLst/>
           <a:extLst>
             <a:ext uri="{909E8E84-426E-40dd-AFC4-6F175D3DCCD1}">
-              <a14:hiddenFill xmlns="" xmlns:a14="http://schemas.microsoft.com/office/drawing/2010/main">
+              <a14:hiddenFill xmlns:a14="http://schemas.microsoft.com/office/drawing/2010/main" xmlns="">
                 <a:solidFill>
                   <a:schemeClr val="accent1"/>
                 </a:solidFill>
               </a14:hiddenFill>
             </a:ext>
             <a:ext uri="{91240B29-F687-4f45-9708-019B960494DF}">
-              <a14:hiddenLine xmlns="" xmlns:a14="http://schemas.microsoft.com/office/drawing/2010/main" w="9525">
+              <a14:hiddenLine xmlns:a14="http://schemas.microsoft.com/office/drawing/2010/main" xmlns="" w="9525">
                 <a:solidFill>
                   <a:schemeClr val="tx1"/>
                 </a:solidFill>
@@ -562,7 +562,7 @@
               </a14:hiddenLine>
             </a:ext>
             <a:ext uri="{AF507438-7753-43e0-B8FC-AC1667EBCBE1}">
-              <a14:hiddenEffects xmlns="" xmlns:a14="http://schemas.microsoft.com/office/drawing/2010/main">
+              <a14:hiddenEffects xmlns:a14="http://schemas.microsoft.com/office/drawing/2010/main" xmlns="">
                 <a:effectLst>
                   <a:outerShdw blurRad="63500" dist="38099" dir="2700000" algn="ctr" rotWithShape="0">
                     <a:schemeClr val="bg2">
@@ -573,7 +573,7 @@
               </a14:hiddenEffects>
             </a:ext>
             <a:ext uri="{FAA26D3D-D897-4be2-8F04-BA451C77F1D7}">
-              <ma14:placeholderFlag xmlns="" xmlns:ma14="http://schemas.microsoft.com/office/mac/drawingml/2011/main" val="1"/>
+              <ma14:placeholderFlag xmlns:ma14="http://schemas.microsoft.com/office/mac/drawingml/2011/main" xmlns="" val="1"/>
             </a:ext>
           </a:extLst>
         </p:spPr>
@@ -618,14 +618,14 @@
           <a:effectLst/>
           <a:extLst>
             <a:ext uri="{909E8E84-426E-40dd-AFC4-6F175D3DCCD1}">
-              <a14:hiddenFill xmlns="" xmlns:a14="http://schemas.microsoft.com/office/drawing/2010/main">
+              <a14:hiddenFill xmlns:a14="http://schemas.microsoft.com/office/drawing/2010/main" xmlns="">
                 <a:solidFill>
                   <a:schemeClr val="accent1"/>
                 </a:solidFill>
               </a14:hiddenFill>
             </a:ext>
             <a:ext uri="{91240B29-F687-4f45-9708-019B960494DF}">
-              <a14:hiddenLine xmlns="" xmlns:a14="http://schemas.microsoft.com/office/drawing/2010/main" w="9525">
+              <a14:hiddenLine xmlns:a14="http://schemas.microsoft.com/office/drawing/2010/main" xmlns="" w="9525">
                 <a:solidFill>
                   <a:schemeClr val="tx1"/>
                 </a:solidFill>
@@ -635,7 +635,7 @@
               </a14:hiddenLine>
             </a:ext>
             <a:ext uri="{AF507438-7753-43e0-B8FC-AC1667EBCBE1}">
-              <a14:hiddenEffects xmlns="" xmlns:a14="http://schemas.microsoft.com/office/drawing/2010/main">
+              <a14:hiddenEffects xmlns:a14="http://schemas.microsoft.com/office/drawing/2010/main" xmlns="">
                 <a:effectLst>
                   <a:outerShdw blurRad="63500" dist="38099" dir="2700000" algn="ctr" rotWithShape="0">
                     <a:schemeClr val="bg2">
@@ -646,7 +646,7 @@
               </a14:hiddenEffects>
             </a:ext>
             <a:ext uri="{FAA26D3D-D897-4be2-8F04-BA451C77F1D7}">
-              <ma14:placeholderFlag xmlns="" xmlns:ma14="http://schemas.microsoft.com/office/mac/drawingml/2011/main" val="1"/>
+              <ma14:placeholderFlag xmlns:ma14="http://schemas.microsoft.com/office/mac/drawingml/2011/main" xmlns="" val="1"/>
             </a:ext>
           </a:extLst>
         </p:spPr>
@@ -861,7 +861,7 @@
           <a:ln/>
           <a:extLst>
             <a:ext uri="{FAA26D3D-D897-4be2-8F04-BA451C77F1D7}">
-              <ma14:placeholderFlag xmlns="" xmlns:ma14="http://schemas.microsoft.com/office/mac/drawingml/2011/main" val="1"/>
+              <ma14:placeholderFlag xmlns:ma14="http://schemas.microsoft.com/office/mac/drawingml/2011/main" xmlns="" val="1"/>
             </a:ext>
           </a:extLst>
         </p:spPr>
@@ -950,7 +950,7 @@
           <a:ln/>
           <a:extLst>
             <a:ext uri="{FAA26D3D-D897-4be2-8F04-BA451C77F1D7}">
-              <ma14:placeholderFlag xmlns="" xmlns:ma14="http://schemas.microsoft.com/office/mac/drawingml/2011/main" val="1"/>
+              <ma14:placeholderFlag xmlns:ma14="http://schemas.microsoft.com/office/mac/drawingml/2011/main" xmlns="" val="1"/>
             </a:ext>
           </a:extLst>
         </p:spPr>
@@ -1039,7 +1039,7 @@
           <a:ln/>
           <a:extLst>
             <a:ext uri="{FAA26D3D-D897-4be2-8F04-BA451C77F1D7}">
-              <ma14:placeholderFlag xmlns="" xmlns:ma14="http://schemas.microsoft.com/office/mac/drawingml/2011/main" val="1"/>
+              <ma14:placeholderFlag xmlns:ma14="http://schemas.microsoft.com/office/mac/drawingml/2011/main" xmlns="" val="1"/>
             </a:ext>
           </a:extLst>
         </p:spPr>
@@ -4149,10 +4149,182 @@
           </a:bodyPr>
           <a:lstStyle/>
           <a:p>
+            <a:pPr>
+              <a:lnSpc>
+                <a:spcPct val="90000"/>
+              </a:lnSpc>
+            </a:pPr>
             <a:r>
               <a:rPr lang="en-US" dirty="0"/>
               <a:t>2. Establish a Connection (with URL)</a:t>
             </a:r>
+          </a:p>
+        </p:txBody>
+      </p:sp>
+      <p:sp>
+        <p:nvSpPr>
+          <p:cNvPr id="70659" name="Rectangle 3"/>
+          <p:cNvSpPr>
+            <a:spLocks noGrp="1" noChangeArrowheads="1"/>
+          </p:cNvSpPr>
+          <p:nvPr>
+            <p:ph idx="1"/>
+          </p:nvPr>
+        </p:nvSpPr>
+        <p:spPr>
+          <a:xfrm>
+            <a:off x="457200" y="1719263"/>
+            <a:ext cx="8458200" cy="4910137"/>
+          </a:xfrm>
+        </p:spPr>
+        <p:txBody>
+          <a:bodyPr>
+            <a:normAutofit/>
+          </a:bodyPr>
+          <a:lstStyle/>
+          <a:p>
+            <a:r>
+              <a:rPr lang="en-US" sz="2400" dirty="0" err="1">
+                <a:latin typeface="Consolas"/>
+                <a:cs typeface="Consolas"/>
+              </a:rPr>
+              <a:t>DriverManager.getConnection</a:t>
+            </a:r>
+            <a:r>
+              <a:rPr lang="en-US" sz="2400" dirty="0">
+                <a:latin typeface="Consolas"/>
+                <a:cs typeface="Consolas"/>
+              </a:rPr>
+              <a:t>(String </a:t>
+            </a:r>
+            <a:r>
+              <a:rPr lang="en-US" sz="2400" dirty="0" err="1">
+                <a:latin typeface="Consolas"/>
+                <a:cs typeface="Consolas"/>
+              </a:rPr>
+              <a:t>url</a:t>
+            </a:r>
+            <a:r>
+              <a:rPr lang="en-US" sz="2400" dirty="0">
+                <a:latin typeface="Consolas"/>
+                <a:cs typeface="Consolas"/>
+              </a:rPr>
+              <a:t>);</a:t>
+            </a:r>
+          </a:p>
+          <a:p>
+            <a:r>
+              <a:rPr lang="en-US" sz="2400" dirty="0" err="1">
+                <a:latin typeface="Consolas"/>
+                <a:cs typeface="Consolas"/>
+              </a:rPr>
+              <a:t>DriverManager.getConnection</a:t>
+            </a:r>
+            <a:r>
+              <a:rPr lang="en-US" sz="2400" dirty="0">
+                <a:latin typeface="Consolas"/>
+                <a:cs typeface="Consolas"/>
+              </a:rPr>
+              <a:t>(String </a:t>
+            </a:r>
+            <a:r>
+              <a:rPr lang="en-US" sz="2400" dirty="0" err="1">
+                <a:latin typeface="Consolas"/>
+                <a:cs typeface="Consolas"/>
+              </a:rPr>
+              <a:t>url</a:t>
+            </a:r>
+            <a:r>
+              <a:rPr lang="en-US" sz="2400" dirty="0">
+                <a:latin typeface="Consolas"/>
+                <a:cs typeface="Consolas"/>
+              </a:rPr>
+              <a:t>, </a:t>
+            </a:r>
+          </a:p>
+          <a:p>
+            <a:pPr marL="0" indent="0">
+              <a:buNone/>
+            </a:pPr>
+            <a:r>
+              <a:rPr lang="en-US" sz="2400" dirty="0">
+                <a:latin typeface="Consolas"/>
+                <a:cs typeface="Consolas"/>
+              </a:rPr>
+              <a:t>                               Properties prop);</a:t>
+            </a:r>
+          </a:p>
+          <a:p>
+            <a:r>
+              <a:rPr lang="en-US" sz="2400" dirty="0" err="1">
+                <a:latin typeface="Consolas"/>
+                <a:cs typeface="Consolas"/>
+              </a:rPr>
+              <a:t>DriverManager.getConnection</a:t>
+            </a:r>
+            <a:r>
+              <a:rPr lang="en-US" sz="2400" dirty="0">
+                <a:latin typeface="Consolas"/>
+                <a:cs typeface="Consolas"/>
+              </a:rPr>
+              <a:t>(String </a:t>
+            </a:r>
+            <a:r>
+              <a:rPr lang="en-US" sz="2400" dirty="0" err="1">
+                <a:latin typeface="Consolas"/>
+                <a:cs typeface="Consolas"/>
+              </a:rPr>
+              <a:t>url</a:t>
+            </a:r>
+            <a:r>
+              <a:rPr lang="en-US" sz="2400" dirty="0">
+                <a:latin typeface="Consolas"/>
+                <a:cs typeface="Consolas"/>
+              </a:rPr>
+              <a:t>, </a:t>
+            </a:r>
+          </a:p>
+          <a:p>
+            <a:pPr marL="0" indent="0">
+              <a:buNone/>
+            </a:pPr>
+            <a:r>
+              <a:rPr lang="en-US" sz="2400" dirty="0">
+                <a:latin typeface="Consolas"/>
+                <a:cs typeface="Consolas"/>
+              </a:rPr>
+              <a:t>							           String user, </a:t>
+            </a:r>
+          </a:p>
+          <a:p>
+            <a:pPr marL="0" indent="0">
+              <a:buNone/>
+            </a:pPr>
+            <a:r>
+              <a:rPr lang="en-US" sz="2400" dirty="0">
+                <a:latin typeface="Consolas"/>
+                <a:cs typeface="Consolas"/>
+              </a:rPr>
+              <a:t>                              String password);</a:t>
+            </a:r>
+          </a:p>
+          <a:p>
+            <a:pPr>
+              <a:lnSpc>
+                <a:spcPct val="90000"/>
+              </a:lnSpc>
+              <a:buFont typeface="Wingdings" charset="0"/>
+              <a:buNone/>
+            </a:pPr>
+            <a:endParaRPr lang="en-US" sz="2400" dirty="0"/>
+          </a:p>
+          <a:p>
+            <a:pPr marL="742950" lvl="1" indent="-285750">
+              <a:lnSpc>
+                <a:spcPct val="90000"/>
+              </a:lnSpc>
+            </a:pPr>
+            <a:endParaRPr lang="en-US" sz="2400" dirty="0"/>
           </a:p>
         </p:txBody>
       </p:sp>
@@ -4175,6 +4347,605 @@
               <a:rPr lang="en-US"/>
               <a:pPr/>
               <a:t>10</a:t>
+            </a:fld>
+            <a:endParaRPr lang="en-US"/>
+          </a:p>
+        </p:txBody>
+      </p:sp>
+    </p:spTree>
+  </p:cSld>
+  <p:clrMapOvr>
+    <a:masterClrMapping/>
+  </p:clrMapOvr>
+  <p:timing>
+    <p:tnLst>
+      <p:par>
+        <p:cTn id="1" dur="indefinite" restart="never" nodeType="tmRoot">
+          <p:childTnLst>
+            <p:seq concurrent="1" nextAc="seek">
+              <p:cTn id="2" dur="indefinite" nodeType="mainSeq">
+                <p:childTnLst>
+                  <p:par>
+                    <p:cTn id="3" fill="hold" nodeType="clickPar">
+                      <p:stCondLst>
+                        <p:cond delay="indefinite"/>
+                        <p:cond evt="onBegin" delay="0">
+                          <p:tn val="2"/>
+                        </p:cond>
+                      </p:stCondLst>
+                      <p:childTnLst>
+                        <p:par>
+                          <p:cTn id="4" fill="hold" nodeType="withGroup">
+                            <p:stCondLst>
+                              <p:cond delay="0"/>
+                            </p:stCondLst>
+                            <p:childTnLst>
+                              <p:par>
+                                <p:cTn id="5" presetID="53" presetClass="entr" presetSubtype="0" fill="hold" grpId="0" nodeType="withEffect">
+                                  <p:stCondLst>
+                                    <p:cond delay="0"/>
+                                  </p:stCondLst>
+                                  <p:childTnLst>
+                                    <p:set>
+                                      <p:cBhvr>
+                                        <p:cTn id="6" dur="1" fill="hold">
+                                          <p:stCondLst>
+                                            <p:cond delay="0"/>
+                                          </p:stCondLst>
+                                        </p:cTn>
+                                        <p:tgtEl>
+                                          <p:spTgt spid="70658"/>
+                                        </p:tgtEl>
+                                        <p:attrNameLst>
+                                          <p:attrName>style.visibility</p:attrName>
+                                        </p:attrNameLst>
+                                      </p:cBhvr>
+                                      <p:to>
+                                        <p:strVal val="visible"/>
+                                      </p:to>
+                                    </p:set>
+                                    <p:anim calcmode="lin" valueType="num">
+                                      <p:cBhvr>
+                                        <p:cTn id="7" dur="500" fill="hold"/>
+                                        <p:tgtEl>
+                                          <p:spTgt spid="70658"/>
+                                        </p:tgtEl>
+                                        <p:attrNameLst>
+                                          <p:attrName>ppt_w</p:attrName>
+                                        </p:attrNameLst>
+                                      </p:cBhvr>
+                                      <p:tavLst>
+                                        <p:tav tm="0">
+                                          <p:val>
+                                            <p:fltVal val="0"/>
+                                          </p:val>
+                                        </p:tav>
+                                        <p:tav tm="100000">
+                                          <p:val>
+                                            <p:strVal val="#ppt_w"/>
+                                          </p:val>
+                                        </p:tav>
+                                      </p:tavLst>
+                                    </p:anim>
+                                    <p:anim calcmode="lin" valueType="num">
+                                      <p:cBhvr>
+                                        <p:cTn id="8" dur="500" fill="hold"/>
+                                        <p:tgtEl>
+                                          <p:spTgt spid="70658"/>
+                                        </p:tgtEl>
+                                        <p:attrNameLst>
+                                          <p:attrName>ppt_h</p:attrName>
+                                        </p:attrNameLst>
+                                      </p:cBhvr>
+                                      <p:tavLst>
+                                        <p:tav tm="0">
+                                          <p:val>
+                                            <p:fltVal val="0"/>
+                                          </p:val>
+                                        </p:tav>
+                                        <p:tav tm="100000">
+                                          <p:val>
+                                            <p:strVal val="#ppt_h"/>
+                                          </p:val>
+                                        </p:tav>
+                                      </p:tavLst>
+                                    </p:anim>
+                                    <p:animEffect transition="in" filter="fade">
+                                      <p:cBhvr>
+                                        <p:cTn id="9" dur="500"/>
+                                        <p:tgtEl>
+                                          <p:spTgt spid="70658"/>
+                                        </p:tgtEl>
+                                      </p:cBhvr>
+                                    </p:animEffect>
+                                  </p:childTnLst>
+                                </p:cTn>
+                              </p:par>
+                            </p:childTnLst>
+                          </p:cTn>
+                        </p:par>
+                      </p:childTnLst>
+                    </p:cTn>
+                  </p:par>
+                  <p:par>
+                    <p:cTn id="10" fill="hold">
+                      <p:stCondLst>
+                        <p:cond delay="indefinite"/>
+                      </p:stCondLst>
+                      <p:childTnLst>
+                        <p:par>
+                          <p:cTn id="11" fill="hold">
+                            <p:stCondLst>
+                              <p:cond delay="0"/>
+                            </p:stCondLst>
+                            <p:childTnLst>
+                              <p:par>
+                                <p:cTn id="12" presetID="10" presetClass="entr" presetSubtype="0" fill="hold" grpId="0" nodeType="clickEffect">
+                                  <p:stCondLst>
+                                    <p:cond delay="0"/>
+                                  </p:stCondLst>
+                                  <p:childTnLst>
+                                    <p:set>
+                                      <p:cBhvr>
+                                        <p:cTn id="13" dur="1" fill="hold">
+                                          <p:stCondLst>
+                                            <p:cond delay="0"/>
+                                          </p:stCondLst>
+                                        </p:cTn>
+                                        <p:tgtEl>
+                                          <p:spTgt spid="70659">
+                                            <p:txEl>
+                                              <p:pRg st="0" end="0"/>
+                                            </p:txEl>
+                                          </p:spTgt>
+                                        </p:tgtEl>
+                                        <p:attrNameLst>
+                                          <p:attrName>style.visibility</p:attrName>
+                                        </p:attrNameLst>
+                                      </p:cBhvr>
+                                      <p:to>
+                                        <p:strVal val="visible"/>
+                                      </p:to>
+                                    </p:set>
+                                    <p:animEffect transition="in" filter="fade">
+                                      <p:cBhvr>
+                                        <p:cTn id="14" dur="1000">
+                                          <p:stCondLst>
+                                            <p:cond delay="0"/>
+                                          </p:stCondLst>
+                                        </p:cTn>
+                                        <p:tgtEl>
+                                          <p:spTgt spid="70659">
+                                            <p:txEl>
+                                              <p:pRg st="0" end="0"/>
+                                            </p:txEl>
+                                          </p:spTgt>
+                                        </p:tgtEl>
+                                      </p:cBhvr>
+                                    </p:animEffect>
+                                  </p:childTnLst>
+                                </p:cTn>
+                              </p:par>
+                            </p:childTnLst>
+                          </p:cTn>
+                        </p:par>
+                      </p:childTnLst>
+                    </p:cTn>
+                  </p:par>
+                  <p:par>
+                    <p:cTn id="15" fill="hold">
+                      <p:stCondLst>
+                        <p:cond delay="indefinite"/>
+                      </p:stCondLst>
+                      <p:childTnLst>
+                        <p:par>
+                          <p:cTn id="16" fill="hold">
+                            <p:stCondLst>
+                              <p:cond delay="0"/>
+                            </p:stCondLst>
+                            <p:childTnLst>
+                              <p:par>
+                                <p:cTn id="17" presetID="10" presetClass="entr" presetSubtype="0" fill="hold" grpId="0" nodeType="clickEffect">
+                                  <p:stCondLst>
+                                    <p:cond delay="0"/>
+                                  </p:stCondLst>
+                                  <p:childTnLst>
+                                    <p:set>
+                                      <p:cBhvr>
+                                        <p:cTn id="18" dur="1" fill="hold">
+                                          <p:stCondLst>
+                                            <p:cond delay="0"/>
+                                          </p:stCondLst>
+                                        </p:cTn>
+                                        <p:tgtEl>
+                                          <p:spTgt spid="70659">
+                                            <p:txEl>
+                                              <p:pRg st="1" end="1"/>
+                                            </p:txEl>
+                                          </p:spTgt>
+                                        </p:tgtEl>
+                                        <p:attrNameLst>
+                                          <p:attrName>style.visibility</p:attrName>
+                                        </p:attrNameLst>
+                                      </p:cBhvr>
+                                      <p:to>
+                                        <p:strVal val="visible"/>
+                                      </p:to>
+                                    </p:set>
+                                    <p:animEffect transition="in" filter="fade">
+                                      <p:cBhvr>
+                                        <p:cTn id="19" dur="1000">
+                                          <p:stCondLst>
+                                            <p:cond delay="0"/>
+                                          </p:stCondLst>
+                                        </p:cTn>
+                                        <p:tgtEl>
+                                          <p:spTgt spid="70659">
+                                            <p:txEl>
+                                              <p:pRg st="1" end="1"/>
+                                            </p:txEl>
+                                          </p:spTgt>
+                                        </p:tgtEl>
+                                      </p:cBhvr>
+                                    </p:animEffect>
+                                  </p:childTnLst>
+                                </p:cTn>
+                              </p:par>
+                            </p:childTnLst>
+                          </p:cTn>
+                        </p:par>
+                      </p:childTnLst>
+                    </p:cTn>
+                  </p:par>
+                  <p:par>
+                    <p:cTn id="20" fill="hold">
+                      <p:stCondLst>
+                        <p:cond delay="indefinite"/>
+                      </p:stCondLst>
+                      <p:childTnLst>
+                        <p:par>
+                          <p:cTn id="21" fill="hold">
+                            <p:stCondLst>
+                              <p:cond delay="0"/>
+                            </p:stCondLst>
+                            <p:childTnLst>
+                              <p:par>
+                                <p:cTn id="22" presetID="10" presetClass="entr" presetSubtype="0" fill="hold" grpId="0" nodeType="clickEffect">
+                                  <p:stCondLst>
+                                    <p:cond delay="0"/>
+                                  </p:stCondLst>
+                                  <p:childTnLst>
+                                    <p:set>
+                                      <p:cBhvr>
+                                        <p:cTn id="23" dur="1" fill="hold">
+                                          <p:stCondLst>
+                                            <p:cond delay="0"/>
+                                          </p:stCondLst>
+                                        </p:cTn>
+                                        <p:tgtEl>
+                                          <p:spTgt spid="70659">
+                                            <p:txEl>
+                                              <p:pRg st="2" end="2"/>
+                                            </p:txEl>
+                                          </p:spTgt>
+                                        </p:tgtEl>
+                                        <p:attrNameLst>
+                                          <p:attrName>style.visibility</p:attrName>
+                                        </p:attrNameLst>
+                                      </p:cBhvr>
+                                      <p:to>
+                                        <p:strVal val="visible"/>
+                                      </p:to>
+                                    </p:set>
+                                    <p:animEffect transition="in" filter="fade">
+                                      <p:cBhvr>
+                                        <p:cTn id="24" dur="1000">
+                                          <p:stCondLst>
+                                            <p:cond delay="0"/>
+                                          </p:stCondLst>
+                                        </p:cTn>
+                                        <p:tgtEl>
+                                          <p:spTgt spid="70659">
+                                            <p:txEl>
+                                              <p:pRg st="2" end="2"/>
+                                            </p:txEl>
+                                          </p:spTgt>
+                                        </p:tgtEl>
+                                      </p:cBhvr>
+                                    </p:animEffect>
+                                  </p:childTnLst>
+                                </p:cTn>
+                              </p:par>
+                            </p:childTnLst>
+                          </p:cTn>
+                        </p:par>
+                      </p:childTnLst>
+                    </p:cTn>
+                  </p:par>
+                  <p:par>
+                    <p:cTn id="25" fill="hold">
+                      <p:stCondLst>
+                        <p:cond delay="indefinite"/>
+                      </p:stCondLst>
+                      <p:childTnLst>
+                        <p:par>
+                          <p:cTn id="26" fill="hold">
+                            <p:stCondLst>
+                              <p:cond delay="0"/>
+                            </p:stCondLst>
+                            <p:childTnLst>
+                              <p:par>
+                                <p:cTn id="27" presetID="10" presetClass="entr" presetSubtype="0" fill="hold" grpId="0" nodeType="clickEffect">
+                                  <p:stCondLst>
+                                    <p:cond delay="0"/>
+                                  </p:stCondLst>
+                                  <p:childTnLst>
+                                    <p:set>
+                                      <p:cBhvr>
+                                        <p:cTn id="28" dur="1" fill="hold">
+                                          <p:stCondLst>
+                                            <p:cond delay="0"/>
+                                          </p:stCondLst>
+                                        </p:cTn>
+                                        <p:tgtEl>
+                                          <p:spTgt spid="70659">
+                                            <p:txEl>
+                                              <p:pRg st="3" end="3"/>
+                                            </p:txEl>
+                                          </p:spTgt>
+                                        </p:tgtEl>
+                                        <p:attrNameLst>
+                                          <p:attrName>style.visibility</p:attrName>
+                                        </p:attrNameLst>
+                                      </p:cBhvr>
+                                      <p:to>
+                                        <p:strVal val="visible"/>
+                                      </p:to>
+                                    </p:set>
+                                    <p:animEffect transition="in" filter="fade">
+                                      <p:cBhvr>
+                                        <p:cTn id="29" dur="1000">
+                                          <p:stCondLst>
+                                            <p:cond delay="0"/>
+                                          </p:stCondLst>
+                                        </p:cTn>
+                                        <p:tgtEl>
+                                          <p:spTgt spid="70659">
+                                            <p:txEl>
+                                              <p:pRg st="3" end="3"/>
+                                            </p:txEl>
+                                          </p:spTgt>
+                                        </p:tgtEl>
+                                      </p:cBhvr>
+                                    </p:animEffect>
+                                  </p:childTnLst>
+                                </p:cTn>
+                              </p:par>
+                            </p:childTnLst>
+                          </p:cTn>
+                        </p:par>
+                      </p:childTnLst>
+                    </p:cTn>
+                  </p:par>
+                  <p:par>
+                    <p:cTn id="30" fill="hold">
+                      <p:stCondLst>
+                        <p:cond delay="indefinite"/>
+                      </p:stCondLst>
+                      <p:childTnLst>
+                        <p:par>
+                          <p:cTn id="31" fill="hold">
+                            <p:stCondLst>
+                              <p:cond delay="0"/>
+                            </p:stCondLst>
+                            <p:childTnLst>
+                              <p:par>
+                                <p:cTn id="32" presetID="10" presetClass="entr" presetSubtype="0" fill="hold" grpId="0" nodeType="clickEffect">
+                                  <p:stCondLst>
+                                    <p:cond delay="0"/>
+                                  </p:stCondLst>
+                                  <p:childTnLst>
+                                    <p:set>
+                                      <p:cBhvr>
+                                        <p:cTn id="33" dur="1" fill="hold">
+                                          <p:stCondLst>
+                                            <p:cond delay="0"/>
+                                          </p:stCondLst>
+                                        </p:cTn>
+                                        <p:tgtEl>
+                                          <p:spTgt spid="70659">
+                                            <p:txEl>
+                                              <p:pRg st="4" end="4"/>
+                                            </p:txEl>
+                                          </p:spTgt>
+                                        </p:tgtEl>
+                                        <p:attrNameLst>
+                                          <p:attrName>style.visibility</p:attrName>
+                                        </p:attrNameLst>
+                                      </p:cBhvr>
+                                      <p:to>
+                                        <p:strVal val="visible"/>
+                                      </p:to>
+                                    </p:set>
+                                    <p:animEffect transition="in" filter="fade">
+                                      <p:cBhvr>
+                                        <p:cTn id="34" dur="1000">
+                                          <p:stCondLst>
+                                            <p:cond delay="0"/>
+                                          </p:stCondLst>
+                                        </p:cTn>
+                                        <p:tgtEl>
+                                          <p:spTgt spid="70659">
+                                            <p:txEl>
+                                              <p:pRg st="4" end="4"/>
+                                            </p:txEl>
+                                          </p:spTgt>
+                                        </p:tgtEl>
+                                      </p:cBhvr>
+                                    </p:animEffect>
+                                  </p:childTnLst>
+                                </p:cTn>
+                              </p:par>
+                            </p:childTnLst>
+                          </p:cTn>
+                        </p:par>
+                      </p:childTnLst>
+                    </p:cTn>
+                  </p:par>
+                  <p:par>
+                    <p:cTn id="35" fill="hold">
+                      <p:stCondLst>
+                        <p:cond delay="indefinite"/>
+                      </p:stCondLst>
+                      <p:childTnLst>
+                        <p:par>
+                          <p:cTn id="36" fill="hold">
+                            <p:stCondLst>
+                              <p:cond delay="0"/>
+                            </p:stCondLst>
+                            <p:childTnLst>
+                              <p:par>
+                                <p:cTn id="37" presetID="10" presetClass="entr" presetSubtype="0" fill="hold" grpId="0" nodeType="clickEffect">
+                                  <p:stCondLst>
+                                    <p:cond delay="0"/>
+                                  </p:stCondLst>
+                                  <p:childTnLst>
+                                    <p:set>
+                                      <p:cBhvr>
+                                        <p:cTn id="38" dur="1" fill="hold">
+                                          <p:stCondLst>
+                                            <p:cond delay="0"/>
+                                          </p:stCondLst>
+                                        </p:cTn>
+                                        <p:tgtEl>
+                                          <p:spTgt spid="70659">
+                                            <p:txEl>
+                                              <p:pRg st="5" end="5"/>
+                                            </p:txEl>
+                                          </p:spTgt>
+                                        </p:tgtEl>
+                                        <p:attrNameLst>
+                                          <p:attrName>style.visibility</p:attrName>
+                                        </p:attrNameLst>
+                                      </p:cBhvr>
+                                      <p:to>
+                                        <p:strVal val="visible"/>
+                                      </p:to>
+                                    </p:set>
+                                    <p:animEffect transition="in" filter="fade">
+                                      <p:cBhvr>
+                                        <p:cTn id="39" dur="1000">
+                                          <p:stCondLst>
+                                            <p:cond delay="0"/>
+                                          </p:stCondLst>
+                                        </p:cTn>
+                                        <p:tgtEl>
+                                          <p:spTgt spid="70659">
+                                            <p:txEl>
+                                              <p:pRg st="5" end="5"/>
+                                            </p:txEl>
+                                          </p:spTgt>
+                                        </p:tgtEl>
+                                      </p:cBhvr>
+                                    </p:animEffect>
+                                  </p:childTnLst>
+                                </p:cTn>
+                              </p:par>
+                            </p:childTnLst>
+                          </p:cTn>
+                        </p:par>
+                      </p:childTnLst>
+                    </p:cTn>
+                  </p:par>
+                </p:childTnLst>
+              </p:cTn>
+              <p:prevCondLst>
+                <p:cond evt="onPrev" delay="0">
+                  <p:tgtEl>
+                    <p:sldTgt/>
+                  </p:tgtEl>
+                </p:cond>
+              </p:prevCondLst>
+              <p:nextCondLst>
+                <p:cond evt="onNext" delay="0">
+                  <p:tgtEl>
+                    <p:sldTgt/>
+                  </p:tgtEl>
+                </p:cond>
+              </p:nextCondLst>
+            </p:seq>
+          </p:childTnLst>
+        </p:cTn>
+      </p:par>
+    </p:tnLst>
+    <p:bldLst>
+      <p:bldP spid="70658" grpId="0"/>
+      <p:bldP spid="70659" grpId="0" uiExpand="1" build="p"/>
+    </p:bldLst>
+  </p:timing>
+</p:sld>
+</file>
+
+<file path=ppt/slides/slide11.xml><?xml version="1.0" encoding="utf-8"?>
+<p:sld xmlns:a="http://schemas.openxmlformats.org/drawingml/2006/main" xmlns:r="http://schemas.openxmlformats.org/officeDocument/2006/relationships" xmlns:p="http://schemas.openxmlformats.org/presentationml/2006/main" showMasterPhAnim="0">
+  <p:cSld>
+    <p:spTree>
+      <p:nvGrpSpPr>
+        <p:cNvPr id="1" name=""/>
+        <p:cNvGrpSpPr/>
+        <p:nvPr/>
+      </p:nvGrpSpPr>
+      <p:grpSpPr>
+        <a:xfrm>
+          <a:off x="0" y="0"/>
+          <a:ext cx="0" cy="0"/>
+          <a:chOff x="0" y="0"/>
+          <a:chExt cx="0" cy="0"/>
+        </a:xfrm>
+      </p:grpSpPr>
+      <p:sp>
+        <p:nvSpPr>
+          <p:cNvPr id="70658" name="Rectangle 2"/>
+          <p:cNvSpPr>
+            <a:spLocks noGrp="1" noChangeArrowheads="1"/>
+          </p:cNvSpPr>
+          <p:nvPr>
+            <p:ph type="title"/>
+          </p:nvPr>
+        </p:nvSpPr>
+        <p:spPr/>
+        <p:txBody>
+          <a:bodyPr>
+            <a:normAutofit fontScale="90000"/>
+          </a:bodyPr>
+          <a:lstStyle/>
+          <a:p>
+            <a:r>
+              <a:rPr lang="en-US" dirty="0"/>
+              <a:t>2. Establish a Connection (with URL)</a:t>
+            </a:r>
+          </a:p>
+        </p:txBody>
+      </p:sp>
+      <p:sp>
+        <p:nvSpPr>
+          <p:cNvPr id="5" name="Slide Number Placeholder 5"/>
+          <p:cNvSpPr>
+            <a:spLocks noGrp="1"/>
+          </p:cNvSpPr>
+          <p:nvPr>
+            <p:ph type="sldNum" sz="quarter" idx="12"/>
+          </p:nvPr>
+        </p:nvSpPr>
+        <p:spPr/>
+        <p:txBody>
+          <a:bodyPr/>
+          <a:lstStyle/>
+          <a:p>
+            <a:fld id="{96A1889A-6288-F942-BB21-FEAA21406FE8}" type="slidenum">
+              <a:rPr lang="en-US"/>
+              <a:pPr/>
+              <a:t>11</a:t>
             </a:fld>
             <a:endParaRPr lang="en-US"/>
           </a:p>
@@ -4394,7 +5165,7 @@
                 <a:latin typeface="Consolas"/>
                 <a:cs typeface="Consolas"/>
               </a:rPr>
-              <a:t>	“</a:t>
+              <a:t>“</a:t>
             </a:r>
             <a:r>
               <a:rPr lang="en-US" sz="2200" dirty="0" err="1">
@@ -4468,7 +5239,7 @@
             </a:r>
             <a:r>
               <a:rPr lang="en-US" dirty="0"/>
-              <a:t>provided by JDBC</a:t>
+              <a:t>defined within JDBC</a:t>
             </a:r>
           </a:p>
           <a:p>
@@ -4627,7 +5398,7 @@
 </p:sld>
 </file>
 
-<file path=ppt/slides/slide11.xml><?xml version="1.0" encoding="utf-8"?>
+<file path=ppt/slides/slide12.xml><?xml version="1.0" encoding="utf-8"?>
 <p:sld xmlns:a="http://schemas.openxmlformats.org/drawingml/2006/main" xmlns:r="http://schemas.openxmlformats.org/officeDocument/2006/relationships" xmlns:p="http://schemas.openxmlformats.org/presentationml/2006/main" showMasterPhAnim="0">
   <p:cSld>
     <p:spTree>
@@ -4746,7 +5517,7 @@
             </a:r>
             <a:r>
               <a:rPr lang="en-US" sz="2800" dirty="0"/>
-              <a:t> interfaces define the methods and properties that enable you to</a:t>
+              <a:t> interfaces define the methods and properties enabling developers to</a:t>
             </a:r>
             <a:r>
               <a:rPr lang="en-US" sz="2800" dirty="0">
@@ -4769,7 +5540,7 @@
             </a:pPr>
             <a:r>
               <a:rPr lang="en-US" sz="2800" dirty="0"/>
-              <a:t>They also define methods that help </a:t>
+              <a:t>They also define methods helping </a:t>
             </a:r>
             <a:r>
               <a:rPr lang="en-US" sz="2800" dirty="0">
@@ -4804,7 +5575,7 @@
             <a:fld id="{37269C18-1232-404A-8701-4A53C9CEBED2}" type="slidenum">
               <a:rPr lang="en-US"/>
               <a:pPr/>
-              <a:t>11</a:t>
+              <a:t>12</a:t>
             </a:fld>
             <a:endParaRPr lang="en-US"/>
           </a:p>
@@ -5006,7 +5777,7 @@
 </p:sld>
 </file>
 
-<file path=ppt/slides/slide12.xml><?xml version="1.0" encoding="utf-8"?>
+<file path=ppt/slides/slide13.xml><?xml version="1.0" encoding="utf-8"?>
 <p:sld xmlns:a="http://schemas.openxmlformats.org/drawingml/2006/main" xmlns:r="http://schemas.openxmlformats.org/officeDocument/2006/relationships" xmlns:p="http://schemas.openxmlformats.org/presentationml/2006/main" showMasterPhAnim="0">
   <p:cSld>
     <p:spTree>
@@ -5063,7 +5834,7 @@
             <a:fld id="{37269C18-1232-404A-8701-4A53C9CEBED2}" type="slidenum">
               <a:rPr lang="en-US"/>
               <a:pPr/>
-              <a:t>12</a:t>
+              <a:t>13</a:t>
             </a:fld>
             <a:endParaRPr lang="en-US"/>
           </a:p>
@@ -5242,7 +6013,7 @@
 </p:sld>
 </file>
 
-<file path=ppt/slides/slide13.xml><?xml version="1.0" encoding="utf-8"?>
+<file path=ppt/slides/slide14.xml><?xml version="1.0" encoding="utf-8"?>
 <p:sld xmlns:a="http://schemas.openxmlformats.org/drawingml/2006/main" xmlns:r="http://schemas.openxmlformats.org/officeDocument/2006/relationships" xmlns:p="http://schemas.openxmlformats.org/presentationml/2006/main" showMasterPhAnim="0">
   <p:cSld>
     <p:spTree>
@@ -5299,7 +6070,7 @@
             <a:fld id="{9D157C24-24F5-FD46-8622-AD520763FDEC}" type="slidenum">
               <a:rPr lang="en-US"/>
               <a:pPr/>
-              <a:t>13</a:t>
+              <a:t>14</a:t>
             </a:fld>
             <a:endParaRPr lang="en-US"/>
           </a:p>
@@ -5371,7 +6142,7 @@
             </a:r>
             <a:r>
               <a:rPr lang="en-US" dirty="0"/>
-              <a:t>: Returns the </a:t>
+              <a:t>: Used for </a:t>
             </a:r>
             <a:r>
               <a:rPr lang="en-US" dirty="0">
@@ -5381,11 +6152,50 @@
                   </a:schemeClr>
                 </a:solidFill>
               </a:rPr>
+              <a:t>writing</a:t>
+            </a:r>
+            <a:r>
+              <a:rPr lang="en-US" dirty="0"/>
+              <a:t> the database. Use this method to execute SQL statements such as </a:t>
+            </a:r>
+            <a:r>
+              <a:rPr lang="en-US" dirty="0">
+                <a:solidFill>
+                  <a:srgbClr val="E46C0A"/>
+                </a:solidFill>
+              </a:rPr>
+              <a:t>INSERT, UPDATE, DELETE, CREATE TABLE, DROP TABLE, etc</a:t>
+            </a:r>
+            <a:r>
+              <a:rPr lang="en-US" dirty="0"/>
+              <a:t>. Returns the </a:t>
+            </a:r>
+            <a:r>
+              <a:rPr lang="en-US" dirty="0">
+                <a:solidFill>
+                  <a:schemeClr val="accent6">
+                    <a:lumMod val="75000"/>
+                  </a:schemeClr>
+                </a:solidFill>
+              </a:rPr>
               <a:t>number of rows</a:t>
             </a:r>
             <a:r>
               <a:rPr lang="en-US" dirty="0"/>
-              <a:t> affected by the execution of the SQL statement. Use this method to execute SQL statements for which you expect to get a number of rows affected - for example, an </a:t>
+              <a:t> affected by the execution of the SQL statement. </a:t>
+            </a:r>
+          </a:p>
+          <a:p>
+            <a:endParaRPr lang="en-US" dirty="0"/>
+          </a:p>
+          <a:p>
+            <a:r>
+              <a:rPr lang="en-US" dirty="0" err="1">
+                <a:solidFill>
+                  <a:srgbClr val="E46C0A"/>
+                </a:solidFill>
+              </a:rPr>
+              <a:t>ResultSet</a:t>
             </a:r>
             <a:r>
               <a:rPr lang="en-US" dirty="0">
@@ -5393,17 +6203,54 @@
                   <a:srgbClr val="E46C0A"/>
                 </a:solidFill>
               </a:rPr>
-              <a:t>INSERT, UPDATE, or DELETE </a:t>
+              <a:t> </a:t>
+            </a:r>
+            <a:r>
+              <a:rPr lang="en-US" dirty="0" err="1">
+                <a:solidFill>
+                  <a:srgbClr val="E46C0A"/>
+                </a:solidFill>
+              </a:rPr>
+              <a:t>executeQuery</a:t>
+            </a:r>
+            <a:r>
+              <a:rPr lang="en-US" dirty="0">
+                <a:solidFill>
+                  <a:srgbClr val="E46C0A"/>
+                </a:solidFill>
+              </a:rPr>
+              <a:t> (String SQL)</a:t>
             </a:r>
             <a:r>
               <a:rPr lang="en-US" dirty="0"/>
-              <a:t>statement.</a:t>
-            </a:r>
-          </a:p>
-          <a:p>
-            <a:endParaRPr lang="en-US" dirty="0"/>
-          </a:p>
-          <a:p>
+              <a:t>: Used for </a:t>
+            </a:r>
+            <a:r>
+              <a:rPr lang="en-US" dirty="0">
+                <a:solidFill>
+                  <a:schemeClr val="accent6">
+                    <a:lumMod val="75000"/>
+                  </a:schemeClr>
+                </a:solidFill>
+              </a:rPr>
+              <a:t>reading</a:t>
+            </a:r>
+            <a:r>
+              <a:rPr lang="en-US" dirty="0"/>
+              <a:t> the database. Use this method to execute SQL statements such as </a:t>
+            </a:r>
+            <a:r>
+              <a:rPr lang="en-US" dirty="0">
+                <a:solidFill>
+                  <a:srgbClr val="E46C0A"/>
+                </a:solidFill>
+              </a:rPr>
+              <a:t>SELECT</a:t>
+            </a:r>
+            <a:r>
+              <a:rPr lang="en-US" dirty="0"/>
+              <a:t>. Returns a </a:t>
+            </a:r>
             <a:r>
               <a:rPr lang="en-US" dirty="0" err="1">
                 <a:solidFill>
@@ -5413,56 +6260,8 @@
               <a:t>ResultSet</a:t>
             </a:r>
             <a:r>
-              <a:rPr lang="en-US" dirty="0">
-                <a:solidFill>
-                  <a:srgbClr val="E46C0A"/>
-                </a:solidFill>
-              </a:rPr>
-              <a:t> </a:t>
-            </a:r>
-            <a:r>
-              <a:rPr lang="en-US" dirty="0" err="1">
-                <a:solidFill>
-                  <a:srgbClr val="E46C0A"/>
-                </a:solidFill>
-              </a:rPr>
-              <a:t>executeQuery</a:t>
-            </a:r>
-            <a:r>
-              <a:rPr lang="en-US" dirty="0">
-                <a:solidFill>
-                  <a:srgbClr val="E46C0A"/>
-                </a:solidFill>
-              </a:rPr>
-              <a:t> (String SQL)</a:t>
-            </a:r>
-            <a:r>
               <a:rPr lang="en-US" dirty="0"/>
-              <a:t>: Returns a </a:t>
-            </a:r>
-            <a:r>
-              <a:rPr lang="en-US" dirty="0" err="1">
-                <a:solidFill>
-                  <a:srgbClr val="E46C0A"/>
-                </a:solidFill>
-              </a:rPr>
-              <a:t>ResultSet</a:t>
-            </a:r>
-            <a:r>
-              <a:rPr lang="en-US" dirty="0"/>
-              <a:t> object. Use this method when you expect to get a result set, as you would with a </a:t>
-            </a:r>
-            <a:r>
-              <a:rPr lang="en-US" dirty="0">
-                <a:solidFill>
-                  <a:srgbClr val="E46C0A"/>
-                </a:solidFill>
-              </a:rPr>
-              <a:t>SELECT</a:t>
-            </a:r>
-            <a:r>
-              <a:rPr lang="en-US" dirty="0"/>
-              <a:t> statement.</a:t>
+              <a:t> object. </a:t>
             </a:r>
           </a:p>
         </p:txBody>
@@ -5615,7 +6414,7 @@
 </p:sld>
 </file>
 
-<file path=ppt/slides/slide14.xml><?xml version="1.0" encoding="utf-8"?>
+<file path=ppt/slides/slide15.xml><?xml version="1.0" encoding="utf-8"?>
 <p:sld xmlns:a="http://schemas.openxmlformats.org/drawingml/2006/main" xmlns:r="http://schemas.openxmlformats.org/officeDocument/2006/relationships" xmlns:p="http://schemas.openxmlformats.org/presentationml/2006/main" showMasterPhAnim="0">
   <p:cSld>
     <p:spTree>
@@ -5898,38 +6697,52 @@
               <a:buNone/>
             </a:pPr>
             <a:r>
-              <a:rPr lang="en-US" sz="2400" dirty="0">
+              <a:rPr lang="en-US" sz="2000" dirty="0">
                 <a:latin typeface="Calibri"/>
                 <a:cs typeface="Calibri"/>
               </a:rPr>
-              <a:t>The String passed to the Statement methods depends on the specific </a:t>
-            </a:r>
-            <a:r>
-              <a:rPr lang="en-US" sz="2400" dirty="0">
-                <a:solidFill>
-                  <a:srgbClr val="E46C0A"/>
-                </a:solidFill>
+              <a:t>The String passed to the </a:t>
+            </a:r>
+            <a:r>
+              <a:rPr lang="en-US" sz="2000" dirty="0" err="1">
                 <a:latin typeface="Calibri"/>
                 <a:cs typeface="Calibri"/>
               </a:rPr>
-              <a:t>SQL dialect </a:t>
-            </a:r>
-            <a:r>
-              <a:rPr lang="en-US" sz="2400" dirty="0">
+              <a:t>statement.execute</a:t>
+            </a:r>
+            <a:r>
+              <a:rPr lang="en-US" sz="2000" dirty="0">
                 <a:latin typeface="Calibri"/>
                 <a:cs typeface="Calibri"/>
               </a:rPr>
-              <a:t>used by the database.</a:t>
-            </a:r>
-            <a:r>
-              <a:rPr lang="en-US" sz="2400" dirty="0">
+              <a:t>* methods depends on the specific </a:t>
+            </a:r>
+            <a:r>
+              <a:rPr lang="en-US" sz="2000" dirty="0">
                 <a:solidFill>
                   <a:srgbClr val="E46C0A"/>
                 </a:solidFill>
                 <a:latin typeface="Calibri"/>
                 <a:cs typeface="Calibri"/>
               </a:rPr>
-              <a:t> It is not Java!</a:t>
+              <a:t>SQL dialect </a:t>
+            </a:r>
+            <a:r>
+              <a:rPr lang="en-US" sz="2000" dirty="0">
+                <a:latin typeface="Calibri"/>
+                <a:cs typeface="Calibri"/>
+              </a:rPr>
+              <a:t>used by the database.</a:t>
+            </a:r>
+            <a:r>
+              <a:rPr lang="en-US" sz="2000" dirty="0">
+                <a:solidFill>
+                  <a:srgbClr val="E46C0A"/>
+                </a:solidFill>
+                <a:latin typeface="Calibri"/>
+                <a:cs typeface="Calibri"/>
+              </a:rPr>
+              <a:t> It is SQL, not Java!</a:t>
             </a:r>
           </a:p>
           <a:p>
@@ -5976,7 +6789,7 @@
             <a:fld id="{9D157C24-24F5-FD46-8622-AD520763FDEC}" type="slidenum">
               <a:rPr lang="en-US"/>
               <a:pPr/>
-              <a:t>14</a:t>
+              <a:t>15</a:t>
             </a:fld>
             <a:endParaRPr lang="en-US"/>
           </a:p>
@@ -6601,7 +7414,7 @@
 </p:sld>
 </file>
 
-<file path=ppt/slides/slide15.xml><?xml version="1.0" encoding="utf-8"?>
+<file path=ppt/slides/slide16.xml><?xml version="1.0" encoding="utf-8"?>
 <p:sld xmlns:a="http://schemas.openxmlformats.org/drawingml/2006/main" xmlns:r="http://schemas.openxmlformats.org/officeDocument/2006/relationships" xmlns:p="http://schemas.openxmlformats.org/presentationml/2006/main" showMasterPhAnim="0">
   <p:cSld>
     <p:spTree>
@@ -6668,7 +7481,7 @@
             <a:fld id="{BEA599AD-1364-ED49-B121-8E8AD5D3D49C}" type="slidenum">
               <a:rPr lang="en-US"/>
               <a:pPr/>
-              <a:t>15</a:t>
+              <a:t>16</a:t>
             </a:fld>
             <a:endParaRPr lang="en-US"/>
           </a:p>
@@ -6687,16 +7500,16 @@
         <p:spPr/>
         <p:txBody>
           <a:bodyPr>
-            <a:normAutofit fontScale="92500" lnSpcReduction="10000"/>
+            <a:normAutofit lnSpcReduction="10000"/>
           </a:bodyPr>
           <a:lstStyle/>
           <a:p>
             <a:r>
-              <a:rPr lang="en-US"/>
+              <a:rPr lang="en-US" sz="2800" dirty="0"/>
               <a:t>The </a:t>
             </a:r>
             <a:r>
-              <a:rPr lang="en-US">
+              <a:rPr lang="en-US" sz="2800" dirty="0" err="1">
                 <a:solidFill>
                   <a:srgbClr val="E46C0A"/>
                 </a:solidFill>
@@ -6704,114 +7517,90 @@
               <a:t>java.sql.ResultSet</a:t>
             </a:r>
             <a:r>
-              <a:rPr lang="en-US"/>
-              <a:t> </a:t>
-            </a:r>
-            <a:r>
-              <a:rPr lang="en-US" dirty="0"/>
-              <a:t>interface represents </a:t>
-            </a:r>
-            <a:r>
-              <a:rPr lang="en-US"/>
-              <a:t>the </a:t>
-            </a:r>
-            <a:r>
-              <a:rPr lang="en-US">
+              <a:rPr lang="en-US" sz="2800" dirty="0"/>
+              <a:t> interface represents the </a:t>
+            </a:r>
+            <a:r>
+              <a:rPr lang="en-US" sz="2800" dirty="0">
                 <a:solidFill>
                   <a:srgbClr val="E46C0A"/>
                 </a:solidFill>
               </a:rPr>
-              <a:t>result </a:t>
-            </a:r>
-            <a:r>
-              <a:rPr lang="en-US" dirty="0">
+              <a:t>result set of a database query</a:t>
+            </a:r>
+            <a:r>
+              <a:rPr lang="en-US" sz="2800" dirty="0"/>
+              <a:t>. Objects implementing the </a:t>
+            </a:r>
+            <a:r>
+              <a:rPr lang="en-US" sz="2800" dirty="0" err="1"/>
+              <a:t>ResultSet</a:t>
+            </a:r>
+            <a:r>
+              <a:rPr lang="en-US" sz="2800" dirty="0"/>
+              <a:t> interface maintain a </a:t>
+            </a:r>
+            <a:r>
+              <a:rPr lang="en-US" sz="2800" dirty="0">
                 <a:solidFill>
                   <a:srgbClr val="E46C0A"/>
                 </a:solidFill>
               </a:rPr>
-              <a:t>set of a database query</a:t>
-            </a:r>
-            <a:r>
-              <a:rPr lang="en-US" dirty="0"/>
-              <a:t>. </a:t>
-            </a:r>
-            <a:r>
-              <a:rPr lang="en-US"/>
-              <a:t>A ResultSet </a:t>
-            </a:r>
-            <a:r>
-              <a:rPr lang="en-US" dirty="0"/>
-              <a:t>object maintains a </a:t>
-            </a:r>
-            <a:r>
-              <a:rPr lang="en-US" dirty="0">
+              <a:t>cursor pointing to the current row</a:t>
+            </a:r>
+            <a:r>
+              <a:rPr lang="en-US" sz="2800" dirty="0"/>
+              <a:t> in the result set.</a:t>
+            </a:r>
+          </a:p>
+          <a:p>
+            <a:pPr lvl="1"/>
+            <a:r>
+              <a:rPr lang="en-US" sz="2400" dirty="0">
                 <a:solidFill>
                   <a:srgbClr val="E46C0A"/>
                 </a:solidFill>
               </a:rPr>
-              <a:t>cursor that points to the current row</a:t>
-            </a:r>
-            <a:r>
-              <a:rPr lang="en-US" dirty="0"/>
-              <a:t> in </a:t>
-            </a:r>
-            <a:r>
-              <a:rPr lang="en-US"/>
-              <a:t>the result </a:t>
-            </a:r>
-            <a:r>
-              <a:rPr lang="en-US" dirty="0"/>
-              <a:t>set.</a:t>
-            </a:r>
+              <a:t>Navigational methods</a:t>
+            </a:r>
+            <a:r>
+              <a:rPr lang="en-US" sz="2400" dirty="0"/>
+              <a:t>: Used to move the cursor around the </a:t>
+            </a:r>
+            <a:r>
+              <a:rPr lang="en-US" sz="2400" dirty="0" err="1"/>
+              <a:t>ResultSet</a:t>
+            </a:r>
+            <a:endParaRPr lang="en-US" sz="2400" dirty="0"/>
           </a:p>
           <a:p>
             <a:pPr lvl="1"/>
             <a:r>
-              <a:rPr lang="en-US" dirty="0">
+              <a:rPr lang="en-US" sz="2400" dirty="0">
                 <a:solidFill>
                   <a:srgbClr val="E46C0A"/>
                 </a:solidFill>
               </a:rPr>
-              <a:t>Navigational methods</a:t>
-            </a:r>
-            <a:r>
-              <a:rPr lang="en-US" dirty="0"/>
-              <a:t>: Used to move the cursor around </a:t>
-            </a:r>
-            <a:r>
-              <a:rPr lang="en-US"/>
-              <a:t>the ResultSet</a:t>
-            </a:r>
-            <a:endParaRPr lang="en-US" dirty="0"/>
+              <a:t>Get methods</a:t>
+            </a:r>
+            <a:r>
+              <a:rPr lang="en-US" sz="2400" dirty="0"/>
+              <a:t>: Used to view the data in the columns of the current row being pointed by the cursor.</a:t>
+            </a:r>
           </a:p>
           <a:p>
             <a:pPr lvl="1"/>
             <a:r>
-              <a:rPr lang="en-US" dirty="0">
+              <a:rPr lang="en-US" sz="2400" dirty="0">
                 <a:solidFill>
                   <a:srgbClr val="E46C0A"/>
                 </a:solidFill>
               </a:rPr>
-              <a:t>Get methods</a:t>
-            </a:r>
-            <a:r>
-              <a:rPr lang="en-US" dirty="0"/>
-              <a:t>: Used to view the data in the columns of the current row being pointed by the cursor.</a:t>
-            </a:r>
-          </a:p>
-          <a:p>
-            <a:pPr lvl="1"/>
-            <a:r>
-              <a:rPr lang="en-US" dirty="0">
-                <a:solidFill>
-                  <a:srgbClr val="E46C0A"/>
-                </a:solidFill>
-              </a:rPr>
               <a:t>Update methods</a:t>
             </a:r>
             <a:r>
-              <a:rPr lang="en-US" dirty="0"/>
-              <a:t>: Used to update the data in the columns of the current row. The updates can then be updated in the underlying database as well.</a:t>
+              <a:rPr lang="en-US" sz="2400" dirty="0"/>
+              <a:t>: Used to update the data in the columns of the current row. Updates are transparently written within the underlying database (if supported)</a:t>
             </a:r>
           </a:p>
         </p:txBody>
@@ -6964,7 +7753,7 @@
 </p:sld>
 </file>
 
-<file path=ppt/slides/slide16.xml><?xml version="1.0" encoding="utf-8"?>
+<file path=ppt/slides/slide17.xml><?xml version="1.0" encoding="utf-8"?>
 <p:sld xmlns:a="http://schemas.openxmlformats.org/drawingml/2006/main" xmlns:r="http://schemas.openxmlformats.org/officeDocument/2006/relationships" xmlns:p="http://schemas.openxmlformats.org/presentationml/2006/main">
   <p:cSld>
     <p:spTree>
@@ -7021,7 +7810,7 @@
             <a:fld id="{4C5F9F1B-9DEF-0147-BEFB-CE1B18546A63}" type="slidenum">
               <a:rPr lang="en-US" smtClean="0"/>
               <a:pPr/>
-              <a:t>16</a:t>
+              <a:t>17</a:t>
             </a:fld>
             <a:endParaRPr lang="en-US"/>
           </a:p>
@@ -7100,7 +7889,7 @@
 </p:sld>
 </file>
 
-<file path=ppt/slides/slide17.xml><?xml version="1.0" encoding="utf-8"?>
+<file path=ppt/slides/slide18.xml><?xml version="1.0" encoding="utf-8"?>
 <p:sld xmlns:a="http://schemas.openxmlformats.org/drawingml/2006/main" xmlns:r="http://schemas.openxmlformats.org/officeDocument/2006/relationships" xmlns:p="http://schemas.openxmlformats.org/presentationml/2006/main">
   <p:cSld>
     <p:spTree>
@@ -7152,7 +7941,7 @@
         <p:spPr/>
         <p:txBody>
           <a:bodyPr>
-            <a:normAutofit/>
+            <a:normAutofit lnSpcReduction="10000"/>
           </a:bodyPr>
           <a:lstStyle/>
           <a:p>
@@ -7192,7 +7981,39 @@
                   <a:srgbClr val="E46C0A"/>
                 </a:solidFill>
               </a:rPr>
-              <a:t>primitive data type</a:t>
+              <a:t>primitive data type. </a:t>
+            </a:r>
+            <a:r>
+              <a:rPr lang="en-US" sz="2800" dirty="0"/>
+              <a:t>Columns can be selected via either </a:t>
+            </a:r>
+            <a:r>
+              <a:rPr lang="en-US" sz="2800" dirty="0">
+                <a:solidFill>
+                  <a:schemeClr val="accent6">
+                    <a:lumMod val="75000"/>
+                  </a:schemeClr>
+                </a:solidFill>
+              </a:rPr>
+              <a:t>name</a:t>
+            </a:r>
+            <a:r>
+              <a:rPr lang="en-US" sz="2800" dirty="0"/>
+              <a:t> or </a:t>
+            </a:r>
+            <a:r>
+              <a:rPr lang="en-US" sz="2800" dirty="0">
+                <a:solidFill>
+                  <a:schemeClr val="accent6">
+                    <a:lumMod val="75000"/>
+                  </a:schemeClr>
+                </a:solidFill>
+              </a:rPr>
+              <a:t>id</a:t>
+            </a:r>
+            <a:r>
+              <a:rPr lang="en-US" sz="2800" dirty="0"/>
+              <a:t>.</a:t>
             </a:r>
           </a:p>
           <a:p>
@@ -7344,7 +8165,7 @@
             <a:fld id="{4C5F9F1B-9DEF-0147-BEFB-CE1B18546A63}" type="slidenum">
               <a:rPr lang="en-US" smtClean="0"/>
               <a:pPr/>
-              <a:t>17</a:t>
+              <a:t>18</a:t>
             </a:fld>
             <a:endParaRPr lang="en-US"/>
           </a:p>
@@ -7363,7 +8184,7 @@
 </p:sld>
 </file>
 
-<file path=ppt/slides/slide18.xml><?xml version="1.0" encoding="utf-8"?>
+<file path=ppt/slides/slide19.xml><?xml version="1.0" encoding="utf-8"?>
 <p:sld xmlns:a="http://schemas.openxmlformats.org/drawingml/2006/main" xmlns:r="http://schemas.openxmlformats.org/officeDocument/2006/relationships" xmlns:p="http://schemas.openxmlformats.org/presentationml/2006/main" showMasterPhAnim="0">
   <p:cSld>
     <p:spTree>
@@ -7390,25 +8211,15 @@
             <p:ph type="title"/>
           </p:nvPr>
         </p:nvSpPr>
-        <p:spPr>
-          <a:xfrm>
-            <a:off x="457200" y="160338"/>
-            <a:ext cx="7543800" cy="1295400"/>
-          </a:xfrm>
-        </p:spPr>
+        <p:spPr/>
         <p:txBody>
           <a:bodyPr/>
           <a:lstStyle/>
           <a:p>
             <a:r>
               <a:rPr lang="en-US" dirty="0"/>
-              <a:t>5. </a:t>
-            </a:r>
-            <a:r>
-              <a:rPr lang="en-US"/>
-              <a:t>Get ResultSet</a:t>
-            </a:r>
-            <a:endParaRPr lang="en-US" dirty="0"/>
+              <a:t>Get methods</a:t>
+            </a:r>
           </a:p>
         </p:txBody>
       </p:sp>
@@ -7419,15 +8230,10 @@
             <a:spLocks noGrp="1" noChangeArrowheads="1"/>
           </p:cNvSpPr>
           <p:nvPr>
-            <p:ph idx="1"/>
+            <p:ph sz="half" idx="1"/>
           </p:nvPr>
         </p:nvSpPr>
-        <p:spPr>
-          <a:xfrm>
-            <a:off x="457200" y="1684338"/>
-            <a:ext cx="8534400" cy="4411662"/>
-          </a:xfrm>
-        </p:spPr>
+        <p:spPr/>
         <p:txBody>
           <a:bodyPr>
             <a:normAutofit/>
@@ -7439,35 +8245,42 @@
               <a:buNone/>
             </a:pPr>
             <a:r>
-              <a:rPr lang="en-US" sz="2400">
-                <a:latin typeface="Consolas"/>
-                <a:cs typeface="Consolas"/>
-              </a:rPr>
-              <a:t>ResultSet </a:t>
-            </a:r>
-            <a:r>
-              <a:rPr lang="en-US" sz="2400" dirty="0" err="1">
+              <a:rPr lang="en-US" sz="2000" dirty="0" err="1">
+                <a:latin typeface="Consolas"/>
+                <a:cs typeface="Consolas"/>
+              </a:rPr>
+              <a:t>ResultSet</a:t>
+            </a:r>
+            <a:r>
+              <a:rPr lang="en-US" sz="2000" dirty="0">
+                <a:latin typeface="Consolas"/>
+                <a:cs typeface="Consolas"/>
+              </a:rPr>
+              <a:t> </a:t>
+            </a:r>
+            <a:r>
+              <a:rPr lang="en-US" sz="2000" dirty="0" err="1">
                 <a:latin typeface="Consolas"/>
                 <a:cs typeface="Consolas"/>
               </a:rPr>
               <a:t>rs</a:t>
             </a:r>
             <a:r>
-              <a:rPr lang="en-US" sz="2400" dirty="0">
+              <a:rPr lang="en-US" sz="2000" dirty="0">
                 <a:latin typeface="Consolas"/>
                 <a:cs typeface="Consolas"/>
               </a:rPr>
               <a:t> = </a:t>
             </a:r>
             <a:r>
-              <a:rPr lang="en-US" sz="2400" dirty="0" err="1">
+              <a:rPr lang="en-US" sz="2000" dirty="0" err="1">
                 <a:latin typeface="Consolas"/>
                 <a:cs typeface="Consolas"/>
               </a:rPr>
               <a:t>statement.executeQuery</a:t>
             </a:r>
             <a:r>
-              <a:rPr lang="en-US" sz="2400" dirty="0">
+              <a:rPr lang="en-US" sz="2000" dirty="0">
                 <a:latin typeface="Consolas"/>
                 <a:cs typeface="Consolas"/>
               </a:rPr>
@@ -7480,7 +8293,7 @@
               <a:buNone/>
             </a:pPr>
             <a:r>
-              <a:rPr lang="en-US" sz="2400" dirty="0">
+              <a:rPr lang="en-US" sz="2000" dirty="0">
                 <a:latin typeface="Consolas"/>
                 <a:cs typeface="Consolas"/>
               </a:rPr>
@@ -7492,7 +8305,7 @@
               <a:buFont typeface="Wingdings" charset="0"/>
               <a:buNone/>
             </a:pPr>
-            <a:endParaRPr lang="en-US" sz="2400" dirty="0">
+            <a:endParaRPr lang="en-US" sz="2000" dirty="0">
               <a:latin typeface="Consolas"/>
               <a:cs typeface="Consolas"/>
             </a:endParaRPr>
@@ -7503,14 +8316,14 @@
               <a:buNone/>
             </a:pPr>
             <a:r>
-              <a:rPr lang="en-US" sz="2400" dirty="0">
+              <a:rPr lang="en-US" sz="2000" dirty="0">
                 <a:latin typeface="Consolas"/>
                 <a:cs typeface="Consolas"/>
               </a:rPr>
               <a:t>while(</a:t>
             </a:r>
             <a:r>
-              <a:rPr lang="en-US" sz="2400" dirty="0" err="1">
+              <a:rPr lang="en-US" sz="2000" dirty="0" err="1">
                 <a:solidFill>
                   <a:schemeClr val="accent6">
                     <a:lumMod val="75000"/>
@@ -7522,7 +8335,7 @@
               <a:t>rs.next</a:t>
             </a:r>
             <a:r>
-              <a:rPr lang="en-US" sz="2400" dirty="0">
+              <a:rPr lang="en-US" sz="2000" dirty="0">
                 <a:solidFill>
                   <a:schemeClr val="accent6">
                     <a:lumMod val="75000"/>
@@ -7534,7 +8347,7 @@
               <a:t>()</a:t>
             </a:r>
             <a:r>
-              <a:rPr lang="en-US" sz="2400" dirty="0">
+              <a:rPr lang="en-US" sz="2000" dirty="0">
                 <a:latin typeface="Consolas"/>
                 <a:cs typeface="Consolas"/>
               </a:rPr>
@@ -7547,21 +8360,21 @@
               <a:buNone/>
             </a:pPr>
             <a:r>
-              <a:rPr lang="en-US" sz="2400" dirty="0">
+              <a:rPr lang="en-US" sz="2000" dirty="0">
                 <a:latin typeface="Consolas"/>
                 <a:cs typeface="Consolas"/>
               </a:rPr>
               <a:t>	</a:t>
             </a:r>
             <a:r>
-              <a:rPr lang="en-US" sz="2400" dirty="0" err="1">
+              <a:rPr lang="en-US" sz="2000" dirty="0" err="1">
                 <a:latin typeface="Consolas"/>
                 <a:cs typeface="Consolas"/>
               </a:rPr>
               <a:t>rs.</a:t>
             </a:r>
             <a:r>
-              <a:rPr lang="en-US" sz="2400" dirty="0" err="1">
+              <a:rPr lang="en-US" sz="2000" dirty="0" err="1">
                 <a:solidFill>
                   <a:schemeClr val="accent6">
                     <a:lumMod val="75000"/>
@@ -7573,7 +8386,7 @@
               <a:t>getInt</a:t>
             </a:r>
             <a:r>
-              <a:rPr lang="en-US" sz="2400" dirty="0">
+              <a:rPr lang="en-US" sz="2000" dirty="0">
                 <a:latin typeface="Consolas"/>
                 <a:cs typeface="Consolas"/>
               </a:rPr>
@@ -7586,21 +8399,21 @@
               <a:buNone/>
             </a:pPr>
             <a:r>
-              <a:rPr lang="en-US" sz="2400" dirty="0">
+              <a:rPr lang="en-US" sz="2000" dirty="0">
                 <a:latin typeface="Consolas"/>
                 <a:cs typeface="Consolas"/>
               </a:rPr>
               <a:t>	</a:t>
             </a:r>
             <a:r>
-              <a:rPr lang="en-US" sz="2400" dirty="0" err="1">
+              <a:rPr lang="en-US" sz="2000" dirty="0" err="1">
                 <a:latin typeface="Consolas"/>
                 <a:cs typeface="Consolas"/>
               </a:rPr>
               <a:t>rs.</a:t>
             </a:r>
             <a:r>
-              <a:rPr lang="en-US" sz="2400" dirty="0" err="1">
+              <a:rPr lang="en-US" sz="2000" dirty="0" err="1">
                 <a:solidFill>
                   <a:srgbClr val="E46C0A"/>
                 </a:solidFill>
@@ -7610,21 +8423,21 @@
               <a:t>getString</a:t>
             </a:r>
             <a:r>
-              <a:rPr lang="en-US" sz="2400" dirty="0">
+              <a:rPr lang="en-US" sz="2000" dirty="0">
                 <a:latin typeface="Consolas"/>
                 <a:cs typeface="Consolas"/>
               </a:rPr>
               <a:t>(“</a:t>
             </a:r>
             <a:r>
-              <a:rPr lang="en-US" sz="2400" dirty="0" err="1">
+              <a:rPr lang="en-US" sz="2000" dirty="0" err="1">
                 <a:latin typeface="Consolas"/>
                 <a:cs typeface="Consolas"/>
               </a:rPr>
               <a:t>cf</a:t>
             </a:r>
             <a:r>
-              <a:rPr lang="en-US" sz="2400" dirty="0">
+              <a:rPr lang="en-US" sz="2000" dirty="0">
                 <a:latin typeface="Consolas"/>
                 <a:cs typeface="Consolas"/>
               </a:rPr>
@@ -7637,21 +8450,21 @@
               <a:buNone/>
             </a:pPr>
             <a:r>
-              <a:rPr lang="en-US" sz="2400" dirty="0">
+              <a:rPr lang="en-US" sz="2000" dirty="0">
                 <a:latin typeface="Consolas"/>
                 <a:cs typeface="Consolas"/>
               </a:rPr>
               <a:t>	</a:t>
             </a:r>
             <a:r>
-              <a:rPr lang="en-US" sz="2400" dirty="0" err="1">
+              <a:rPr lang="en-US" sz="2000" dirty="0" err="1">
                 <a:latin typeface="Consolas"/>
                 <a:cs typeface="Consolas"/>
               </a:rPr>
               <a:t>rs.</a:t>
             </a:r>
             <a:r>
-              <a:rPr lang="en-US" sz="2400" dirty="0" err="1">
+              <a:rPr lang="en-US" sz="2000" dirty="0" err="1">
                 <a:solidFill>
                   <a:srgbClr val="E46C0A"/>
                 </a:solidFill>
@@ -7661,7 +8474,7 @@
               <a:t>getString</a:t>
             </a:r>
             <a:r>
-              <a:rPr lang="en-US" sz="2400" dirty="0">
+              <a:rPr lang="en-US" sz="2000" dirty="0">
                 <a:latin typeface="Consolas"/>
                 <a:cs typeface="Consolas"/>
               </a:rPr>
@@ -7674,21 +8487,21 @@
               <a:buNone/>
             </a:pPr>
             <a:r>
-              <a:rPr lang="en-US" sz="2400" dirty="0">
+              <a:rPr lang="en-US" sz="2000" dirty="0">
                 <a:latin typeface="Consolas"/>
                 <a:cs typeface="Consolas"/>
               </a:rPr>
               <a:t>	</a:t>
             </a:r>
             <a:r>
-              <a:rPr lang="en-US" sz="2400" dirty="0" err="1">
+              <a:rPr lang="en-US" sz="2000" dirty="0" err="1">
                 <a:latin typeface="Consolas"/>
                 <a:cs typeface="Consolas"/>
               </a:rPr>
               <a:t>rs.</a:t>
             </a:r>
             <a:r>
-              <a:rPr lang="en-US" sz="2400" dirty="0" err="1">
+              <a:rPr lang="en-US" sz="2000" dirty="0" err="1">
                 <a:solidFill>
                   <a:srgbClr val="E46C0A"/>
                 </a:solidFill>
@@ -7698,7 +8511,7 @@
               <a:t>getString</a:t>
             </a:r>
             <a:r>
-              <a:rPr lang="en-US" sz="2400" dirty="0">
+              <a:rPr lang="en-US" sz="2000" dirty="0">
                 <a:latin typeface="Consolas"/>
                 <a:cs typeface="Consolas"/>
               </a:rPr>
@@ -7711,7 +8524,7 @@
               <a:buNone/>
             </a:pPr>
             <a:r>
-              <a:rPr lang="en-US" sz="2400" dirty="0">
+              <a:rPr lang="en-US" sz="2000" dirty="0">
                 <a:latin typeface="Consolas"/>
                 <a:cs typeface="Consolas"/>
               </a:rPr>
@@ -7723,10 +8536,328 @@
               <a:buFont typeface="Wingdings" charset="0"/>
               <a:buNone/>
             </a:pPr>
-            <a:endParaRPr lang="en-US" sz="1800" dirty="0">
+            <a:endParaRPr lang="en-US" sz="1600" dirty="0">
               <a:latin typeface="Consolas"/>
               <a:cs typeface="Consolas"/>
             </a:endParaRPr>
+          </a:p>
+        </p:txBody>
+      </p:sp>
+      <p:sp>
+        <p:nvSpPr>
+          <p:cNvPr id="2" name="Content Placeholder 1">
+            <a:extLst>
+              <a:ext uri="{FF2B5EF4-FFF2-40B4-BE49-F238E27FC236}">
+                <a16:creationId xmlns:a16="http://schemas.microsoft.com/office/drawing/2014/main" id="{1A17A880-DBC3-024D-8ABE-A5A7F339E3AA}"/>
+              </a:ext>
+            </a:extLst>
+          </p:cNvPr>
+          <p:cNvSpPr>
+            <a:spLocks noGrp="1"/>
+          </p:cNvSpPr>
+          <p:nvPr>
+            <p:ph sz="half" idx="2"/>
+          </p:nvPr>
+        </p:nvSpPr>
+        <p:spPr/>
+        <p:txBody>
+          <a:bodyPr>
+            <a:normAutofit/>
+          </a:bodyPr>
+          <a:lstStyle/>
+          <a:p>
+            <a:pPr>
+              <a:buFont typeface="Wingdings" charset="0"/>
+              <a:buNone/>
+            </a:pPr>
+            <a:r>
+              <a:rPr lang="en-US" sz="2000" dirty="0" err="1">
+                <a:latin typeface="Consolas"/>
+                <a:cs typeface="Consolas"/>
+              </a:rPr>
+              <a:t>ResultSet</a:t>
+            </a:r>
+            <a:r>
+              <a:rPr lang="en-US" sz="2000" dirty="0">
+                <a:latin typeface="Consolas"/>
+                <a:cs typeface="Consolas"/>
+              </a:rPr>
+              <a:t> </a:t>
+            </a:r>
+            <a:r>
+              <a:rPr lang="en-US" sz="2000" dirty="0" err="1">
+                <a:latin typeface="Consolas"/>
+                <a:cs typeface="Consolas"/>
+              </a:rPr>
+              <a:t>rs</a:t>
+            </a:r>
+            <a:r>
+              <a:rPr lang="en-US" sz="2000" dirty="0">
+                <a:latin typeface="Consolas"/>
+                <a:cs typeface="Consolas"/>
+              </a:rPr>
+              <a:t> = </a:t>
+            </a:r>
+            <a:r>
+              <a:rPr lang="en-US" sz="2000" dirty="0" err="1">
+                <a:latin typeface="Consolas"/>
+                <a:cs typeface="Consolas"/>
+              </a:rPr>
+              <a:t>statement.executeQuery</a:t>
+            </a:r>
+            <a:r>
+              <a:rPr lang="en-US" sz="2000" dirty="0">
+                <a:latin typeface="Consolas"/>
+                <a:cs typeface="Consolas"/>
+              </a:rPr>
+              <a:t>(</a:t>
+            </a:r>
+          </a:p>
+          <a:p>
+            <a:pPr>
+              <a:buFont typeface="Wingdings" charset="0"/>
+              <a:buNone/>
+            </a:pPr>
+            <a:r>
+              <a:rPr lang="en-US" sz="2000" dirty="0">
+                <a:latin typeface="Consolas"/>
+                <a:cs typeface="Consolas"/>
+              </a:rPr>
+              <a:t>	"SELECT * FROM person");</a:t>
+            </a:r>
+          </a:p>
+          <a:p>
+            <a:pPr>
+              <a:buFont typeface="Wingdings" charset="0"/>
+              <a:buNone/>
+            </a:pPr>
+            <a:endParaRPr lang="en-US" sz="2000" dirty="0">
+              <a:latin typeface="Consolas"/>
+              <a:cs typeface="Consolas"/>
+            </a:endParaRPr>
+          </a:p>
+          <a:p>
+            <a:pPr>
+              <a:buFont typeface="Wingdings" charset="0"/>
+              <a:buNone/>
+            </a:pPr>
+            <a:r>
+              <a:rPr lang="en-US" sz="2000" dirty="0">
+                <a:latin typeface="Consolas"/>
+                <a:cs typeface="Consolas"/>
+              </a:rPr>
+              <a:t>while(</a:t>
+            </a:r>
+            <a:r>
+              <a:rPr lang="en-US" sz="2000" dirty="0" err="1">
+                <a:solidFill>
+                  <a:schemeClr val="accent6">
+                    <a:lumMod val="75000"/>
+                  </a:schemeClr>
+                </a:solidFill>
+                <a:latin typeface="Consolas"/>
+                <a:cs typeface="Consolas"/>
+              </a:rPr>
+              <a:t>rs.next</a:t>
+            </a:r>
+            <a:r>
+              <a:rPr lang="en-US" sz="2000" dirty="0">
+                <a:solidFill>
+                  <a:schemeClr val="accent6">
+                    <a:lumMod val="75000"/>
+                  </a:schemeClr>
+                </a:solidFill>
+                <a:latin typeface="Consolas"/>
+                <a:cs typeface="Consolas"/>
+              </a:rPr>
+              <a:t>()</a:t>
+            </a:r>
+            <a:r>
+              <a:rPr lang="en-US" sz="2000" dirty="0">
+                <a:latin typeface="Consolas"/>
+                <a:cs typeface="Consolas"/>
+              </a:rPr>
+              <a:t>) {</a:t>
+            </a:r>
+          </a:p>
+          <a:p>
+            <a:pPr>
+              <a:buFont typeface="Wingdings" charset="0"/>
+              <a:buNone/>
+            </a:pPr>
+            <a:r>
+              <a:rPr lang="en-US" sz="2000" dirty="0">
+                <a:latin typeface="Consolas"/>
+                <a:cs typeface="Consolas"/>
+              </a:rPr>
+              <a:t>	</a:t>
+            </a:r>
+            <a:r>
+              <a:rPr lang="en-US" sz="2000" dirty="0" err="1">
+                <a:latin typeface="Consolas"/>
+                <a:cs typeface="Consolas"/>
+              </a:rPr>
+              <a:t>rs.</a:t>
+            </a:r>
+            <a:r>
+              <a:rPr lang="en-US" sz="2000" dirty="0" err="1">
+                <a:solidFill>
+                  <a:schemeClr val="accent6">
+                    <a:lumMod val="75000"/>
+                  </a:schemeClr>
+                </a:solidFill>
+                <a:latin typeface="Consolas"/>
+                <a:cs typeface="Consolas"/>
+              </a:rPr>
+              <a:t>getInt</a:t>
+            </a:r>
+            <a:r>
+              <a:rPr lang="en-US" sz="2000" dirty="0">
+                <a:latin typeface="Consolas"/>
+                <a:cs typeface="Consolas"/>
+              </a:rPr>
+              <a:t>(1);</a:t>
+            </a:r>
+          </a:p>
+          <a:p>
+            <a:pPr>
+              <a:buFont typeface="Wingdings" charset="0"/>
+              <a:buNone/>
+            </a:pPr>
+            <a:r>
+              <a:rPr lang="en-US" sz="2000" dirty="0">
+                <a:latin typeface="Consolas"/>
+                <a:cs typeface="Consolas"/>
+              </a:rPr>
+              <a:t>	</a:t>
+            </a:r>
+            <a:r>
+              <a:rPr lang="en-US" sz="2000" dirty="0" err="1">
+                <a:latin typeface="Consolas"/>
+                <a:cs typeface="Consolas"/>
+              </a:rPr>
+              <a:t>rs.</a:t>
+            </a:r>
+            <a:r>
+              <a:rPr lang="en-US" sz="2000" dirty="0" err="1">
+                <a:solidFill>
+                  <a:srgbClr val="E46C0A"/>
+                </a:solidFill>
+                <a:latin typeface="Consolas"/>
+                <a:cs typeface="Consolas"/>
+              </a:rPr>
+              <a:t>getString</a:t>
+            </a:r>
+            <a:r>
+              <a:rPr lang="en-US" sz="2000" dirty="0">
+                <a:latin typeface="Consolas"/>
+                <a:cs typeface="Consolas"/>
+              </a:rPr>
+              <a:t>(2);</a:t>
+            </a:r>
+          </a:p>
+          <a:p>
+            <a:pPr>
+              <a:buFont typeface="Wingdings" charset="0"/>
+              <a:buNone/>
+            </a:pPr>
+            <a:r>
+              <a:rPr lang="en-US" sz="2000" dirty="0">
+                <a:latin typeface="Consolas"/>
+                <a:cs typeface="Consolas"/>
+              </a:rPr>
+              <a:t>	</a:t>
+            </a:r>
+            <a:r>
+              <a:rPr lang="en-US" sz="2000" dirty="0" err="1">
+                <a:latin typeface="Consolas"/>
+                <a:cs typeface="Consolas"/>
+              </a:rPr>
+              <a:t>rs.</a:t>
+            </a:r>
+            <a:r>
+              <a:rPr lang="en-US" sz="2000" dirty="0" err="1">
+                <a:solidFill>
+                  <a:srgbClr val="E46C0A"/>
+                </a:solidFill>
+                <a:latin typeface="Consolas"/>
+                <a:cs typeface="Consolas"/>
+              </a:rPr>
+              <a:t>getString</a:t>
+            </a:r>
+            <a:r>
+              <a:rPr lang="en-US" sz="2000" dirty="0">
+                <a:latin typeface="Consolas"/>
+                <a:cs typeface="Consolas"/>
+              </a:rPr>
+              <a:t>(3);</a:t>
+            </a:r>
+          </a:p>
+          <a:p>
+            <a:pPr>
+              <a:buFont typeface="Wingdings" charset="0"/>
+              <a:buNone/>
+            </a:pPr>
+            <a:r>
+              <a:rPr lang="en-US" sz="2000" dirty="0">
+                <a:latin typeface="Consolas"/>
+                <a:cs typeface="Consolas"/>
+              </a:rPr>
+              <a:t>	</a:t>
+            </a:r>
+            <a:r>
+              <a:rPr lang="en-US" sz="2000" dirty="0" err="1">
+                <a:latin typeface="Consolas"/>
+                <a:cs typeface="Consolas"/>
+              </a:rPr>
+              <a:t>rs.</a:t>
+            </a:r>
+            <a:r>
+              <a:rPr lang="en-US" sz="2000" dirty="0" err="1">
+                <a:solidFill>
+                  <a:srgbClr val="E46C0A"/>
+                </a:solidFill>
+                <a:latin typeface="Consolas"/>
+                <a:cs typeface="Consolas"/>
+              </a:rPr>
+              <a:t>getString</a:t>
+            </a:r>
+            <a:r>
+              <a:rPr lang="en-US" sz="2000" dirty="0">
+                <a:latin typeface="Consolas"/>
+                <a:cs typeface="Consolas"/>
+              </a:rPr>
+              <a:t>(4);</a:t>
+            </a:r>
+          </a:p>
+          <a:p>
+            <a:pPr>
+              <a:buFont typeface="Wingdings" charset="0"/>
+              <a:buNone/>
+            </a:pPr>
+            <a:r>
+              <a:rPr lang="en-US" sz="2000" dirty="0">
+                <a:latin typeface="Consolas"/>
+                <a:cs typeface="Consolas"/>
+              </a:rPr>
+              <a:t>}</a:t>
+            </a:r>
+          </a:p>
+          <a:p>
+            <a:pPr>
+              <a:buFont typeface="Wingdings" charset="0"/>
+              <a:buNone/>
+            </a:pPr>
+            <a:endParaRPr lang="en-US" sz="2000" dirty="0">
+              <a:latin typeface="Consolas"/>
+              <a:cs typeface="Consolas"/>
+            </a:endParaRPr>
+          </a:p>
+          <a:p>
+            <a:pPr marL="0" indent="0">
+              <a:buNone/>
+            </a:pPr>
+            <a:endParaRPr lang="en-GB" sz="2000" dirty="0"/>
           </a:p>
         </p:txBody>
       </p:sp>
@@ -7748,7 +8879,7 @@
             <a:fld id="{BEA599AD-1364-ED49-B121-8E8AD5D3D49C}" type="slidenum">
               <a:rPr lang="en-US"/>
               <a:pPr/>
-              <a:t>18</a:t>
+              <a:t>19</a:t>
             </a:fld>
             <a:endParaRPr lang="en-US"/>
           </a:p>
@@ -8346,980 +9477,6 @@
 </p:sld>
 </file>
 
-<file path=ppt/slides/slide19.xml><?xml version="1.0" encoding="utf-8"?>
-<p:sld xmlns:a="http://schemas.openxmlformats.org/drawingml/2006/main" xmlns:r="http://schemas.openxmlformats.org/officeDocument/2006/relationships" xmlns:p="http://schemas.openxmlformats.org/presentationml/2006/main" showMasterPhAnim="0">
-  <p:cSld>
-    <p:spTree>
-      <p:nvGrpSpPr>
-        <p:cNvPr id="1" name=""/>
-        <p:cNvGrpSpPr/>
-        <p:nvPr/>
-      </p:nvGrpSpPr>
-      <p:grpSpPr>
-        <a:xfrm>
-          <a:off x="0" y="0"/>
-          <a:ext cx="0" cy="0"/>
-          <a:chOff x="0" y="0"/>
-          <a:chExt cx="0" cy="0"/>
-        </a:xfrm>
-      </p:grpSpPr>
-      <p:sp>
-        <p:nvSpPr>
-          <p:cNvPr id="73730" name="Rectangle 2"/>
-          <p:cNvSpPr>
-            <a:spLocks noGrp="1" noChangeArrowheads="1"/>
-          </p:cNvSpPr>
-          <p:nvPr>
-            <p:ph type="title"/>
-          </p:nvPr>
-        </p:nvSpPr>
-        <p:spPr>
-          <a:xfrm>
-            <a:off x="457200" y="160338"/>
-            <a:ext cx="7543800" cy="1295400"/>
-          </a:xfrm>
-        </p:spPr>
-        <p:txBody>
-          <a:bodyPr/>
-          <a:lstStyle/>
-          <a:p>
-            <a:r>
-              <a:rPr lang="en-US" dirty="0"/>
-              <a:t>5. </a:t>
-            </a:r>
-            <a:r>
-              <a:rPr lang="en-US"/>
-              <a:t>Get ResultSet</a:t>
-            </a:r>
-            <a:endParaRPr lang="en-US" dirty="0"/>
-          </a:p>
-        </p:txBody>
-      </p:sp>
-      <p:sp>
-        <p:nvSpPr>
-          <p:cNvPr id="73731" name="Rectangle 3"/>
-          <p:cNvSpPr>
-            <a:spLocks noGrp="1" noChangeArrowheads="1"/>
-          </p:cNvSpPr>
-          <p:nvPr>
-            <p:ph idx="1"/>
-          </p:nvPr>
-        </p:nvSpPr>
-        <p:spPr>
-          <a:xfrm>
-            <a:off x="457200" y="1684338"/>
-            <a:ext cx="8534400" cy="4411662"/>
-          </a:xfrm>
-        </p:spPr>
-        <p:txBody>
-          <a:bodyPr>
-            <a:normAutofit/>
-          </a:bodyPr>
-          <a:lstStyle/>
-          <a:p>
-            <a:pPr>
-              <a:buFont typeface="Wingdings" charset="0"/>
-              <a:buNone/>
-            </a:pPr>
-            <a:r>
-              <a:rPr lang="en-US" sz="2400">
-                <a:latin typeface="Consolas"/>
-                <a:cs typeface="Consolas"/>
-              </a:rPr>
-              <a:t>ResultSet </a:t>
-            </a:r>
-            <a:r>
-              <a:rPr lang="en-US" sz="2400" dirty="0" err="1">
-                <a:latin typeface="Consolas"/>
-                <a:cs typeface="Consolas"/>
-              </a:rPr>
-              <a:t>rs</a:t>
-            </a:r>
-            <a:r>
-              <a:rPr lang="en-US" sz="2400" dirty="0">
-                <a:latin typeface="Consolas"/>
-                <a:cs typeface="Consolas"/>
-              </a:rPr>
-              <a:t> = </a:t>
-            </a:r>
-            <a:r>
-              <a:rPr lang="en-US" sz="2400" dirty="0" err="1">
-                <a:latin typeface="Consolas"/>
-                <a:cs typeface="Consolas"/>
-              </a:rPr>
-              <a:t>statement.executeQuery</a:t>
-            </a:r>
-            <a:r>
-              <a:rPr lang="en-US" sz="2400" dirty="0">
-                <a:latin typeface="Consolas"/>
-                <a:cs typeface="Consolas"/>
-              </a:rPr>
-              <a:t>(</a:t>
-            </a:r>
-          </a:p>
-          <a:p>
-            <a:pPr>
-              <a:buFont typeface="Wingdings" charset="0"/>
-              <a:buNone/>
-            </a:pPr>
-            <a:r>
-              <a:rPr lang="en-US" sz="2400" dirty="0">
-                <a:latin typeface="Consolas"/>
-                <a:cs typeface="Consolas"/>
-              </a:rPr>
-              <a:t>	"SELECT * FROM person");</a:t>
-            </a:r>
-          </a:p>
-          <a:p>
-            <a:pPr>
-              <a:buFont typeface="Wingdings" charset="0"/>
-              <a:buNone/>
-            </a:pPr>
-            <a:endParaRPr lang="en-US" sz="2400" dirty="0">
-              <a:latin typeface="Consolas"/>
-              <a:cs typeface="Consolas"/>
-            </a:endParaRPr>
-          </a:p>
-          <a:p>
-            <a:pPr>
-              <a:buFont typeface="Wingdings" charset="0"/>
-              <a:buNone/>
-            </a:pPr>
-            <a:r>
-              <a:rPr lang="en-US" sz="2400" dirty="0">
-                <a:latin typeface="Consolas"/>
-                <a:cs typeface="Consolas"/>
-              </a:rPr>
-              <a:t>while(</a:t>
-            </a:r>
-            <a:r>
-              <a:rPr lang="en-US" sz="2400" dirty="0" err="1">
-                <a:solidFill>
-                  <a:schemeClr val="accent6">
-                    <a:lumMod val="75000"/>
-                  </a:schemeClr>
-                </a:solidFill>
-                <a:latin typeface="Consolas"/>
-                <a:cs typeface="Consolas"/>
-              </a:rPr>
-              <a:t>rs.next</a:t>
-            </a:r>
-            <a:r>
-              <a:rPr lang="en-US" sz="2400" dirty="0">
-                <a:solidFill>
-                  <a:schemeClr val="accent6">
-                    <a:lumMod val="75000"/>
-                  </a:schemeClr>
-                </a:solidFill>
-                <a:latin typeface="Consolas"/>
-                <a:cs typeface="Consolas"/>
-              </a:rPr>
-              <a:t>()</a:t>
-            </a:r>
-            <a:r>
-              <a:rPr lang="en-US" sz="2400" dirty="0">
-                <a:latin typeface="Consolas"/>
-                <a:cs typeface="Consolas"/>
-              </a:rPr>
-              <a:t>) {</a:t>
-            </a:r>
-          </a:p>
-          <a:p>
-            <a:pPr>
-              <a:buFont typeface="Wingdings" charset="0"/>
-              <a:buNone/>
-            </a:pPr>
-            <a:r>
-              <a:rPr lang="en-US" sz="2400" dirty="0">
-                <a:latin typeface="Consolas"/>
-                <a:cs typeface="Consolas"/>
-              </a:rPr>
-              <a:t>	</a:t>
-            </a:r>
-            <a:r>
-              <a:rPr lang="en-US" sz="2400" dirty="0" err="1">
-                <a:latin typeface="Consolas"/>
-                <a:cs typeface="Consolas"/>
-              </a:rPr>
-              <a:t>rs.</a:t>
-            </a:r>
-            <a:r>
-              <a:rPr lang="en-US" sz="2400" dirty="0" err="1">
-                <a:solidFill>
-                  <a:schemeClr val="accent6">
-                    <a:lumMod val="75000"/>
-                  </a:schemeClr>
-                </a:solidFill>
-                <a:latin typeface="Consolas"/>
-                <a:cs typeface="Consolas"/>
-              </a:rPr>
-              <a:t>getInt</a:t>
-            </a:r>
-            <a:r>
-              <a:rPr lang="en-US" sz="2400" dirty="0">
-                <a:latin typeface="Consolas"/>
-                <a:cs typeface="Consolas"/>
-              </a:rPr>
-              <a:t>(1);</a:t>
-            </a:r>
-          </a:p>
-          <a:p>
-            <a:pPr>
-              <a:buFont typeface="Wingdings" charset="0"/>
-              <a:buNone/>
-            </a:pPr>
-            <a:r>
-              <a:rPr lang="en-US" sz="2400" dirty="0">
-                <a:latin typeface="Consolas"/>
-                <a:cs typeface="Consolas"/>
-              </a:rPr>
-              <a:t>	</a:t>
-            </a:r>
-            <a:r>
-              <a:rPr lang="en-US" sz="2400" dirty="0" err="1">
-                <a:latin typeface="Consolas"/>
-                <a:cs typeface="Consolas"/>
-              </a:rPr>
-              <a:t>rs.</a:t>
-            </a:r>
-            <a:r>
-              <a:rPr lang="en-US" sz="2400" dirty="0" err="1">
-                <a:solidFill>
-                  <a:srgbClr val="E46C0A"/>
-                </a:solidFill>
-                <a:latin typeface="Consolas"/>
-                <a:cs typeface="Consolas"/>
-              </a:rPr>
-              <a:t>getString</a:t>
-            </a:r>
-            <a:r>
-              <a:rPr lang="en-US" sz="2400" dirty="0">
-                <a:latin typeface="Consolas"/>
-                <a:cs typeface="Consolas"/>
-              </a:rPr>
-              <a:t>(2);</a:t>
-            </a:r>
-          </a:p>
-          <a:p>
-            <a:pPr>
-              <a:buFont typeface="Wingdings" charset="0"/>
-              <a:buNone/>
-            </a:pPr>
-            <a:r>
-              <a:rPr lang="en-US" sz="2400" dirty="0">
-                <a:latin typeface="Consolas"/>
-                <a:cs typeface="Consolas"/>
-              </a:rPr>
-              <a:t>	</a:t>
-            </a:r>
-            <a:r>
-              <a:rPr lang="en-US" sz="2400" dirty="0" err="1">
-                <a:latin typeface="Consolas"/>
-                <a:cs typeface="Consolas"/>
-              </a:rPr>
-              <a:t>rs.</a:t>
-            </a:r>
-            <a:r>
-              <a:rPr lang="en-US" sz="2400" dirty="0" err="1">
-                <a:solidFill>
-                  <a:srgbClr val="E46C0A"/>
-                </a:solidFill>
-                <a:latin typeface="Consolas"/>
-                <a:cs typeface="Consolas"/>
-              </a:rPr>
-              <a:t>getString</a:t>
-            </a:r>
-            <a:r>
-              <a:rPr lang="en-US" sz="2400" dirty="0">
-                <a:latin typeface="Consolas"/>
-                <a:cs typeface="Consolas"/>
-              </a:rPr>
-              <a:t>(3);</a:t>
-            </a:r>
-          </a:p>
-          <a:p>
-            <a:pPr>
-              <a:buFont typeface="Wingdings" charset="0"/>
-              <a:buNone/>
-            </a:pPr>
-            <a:r>
-              <a:rPr lang="en-US" sz="2400" dirty="0">
-                <a:latin typeface="Consolas"/>
-                <a:cs typeface="Consolas"/>
-              </a:rPr>
-              <a:t>	</a:t>
-            </a:r>
-            <a:r>
-              <a:rPr lang="en-US" sz="2400" dirty="0" err="1">
-                <a:latin typeface="Consolas"/>
-                <a:cs typeface="Consolas"/>
-              </a:rPr>
-              <a:t>rs.</a:t>
-            </a:r>
-            <a:r>
-              <a:rPr lang="en-US" sz="2400" dirty="0" err="1">
-                <a:solidFill>
-                  <a:srgbClr val="E46C0A"/>
-                </a:solidFill>
-                <a:latin typeface="Consolas"/>
-                <a:cs typeface="Consolas"/>
-              </a:rPr>
-              <a:t>getString</a:t>
-            </a:r>
-            <a:r>
-              <a:rPr lang="en-US" sz="2400" dirty="0">
-                <a:latin typeface="Consolas"/>
-                <a:cs typeface="Consolas"/>
-              </a:rPr>
-              <a:t>(4);</a:t>
-            </a:r>
-          </a:p>
-          <a:p>
-            <a:pPr>
-              <a:buFont typeface="Wingdings" charset="0"/>
-              <a:buNone/>
-            </a:pPr>
-            <a:r>
-              <a:rPr lang="en-US" sz="2400" dirty="0">
-                <a:latin typeface="Consolas"/>
-                <a:cs typeface="Consolas"/>
-              </a:rPr>
-              <a:t>}</a:t>
-            </a:r>
-          </a:p>
-          <a:p>
-            <a:pPr>
-              <a:buFont typeface="Wingdings" charset="0"/>
-              <a:buNone/>
-            </a:pPr>
-            <a:endParaRPr lang="en-US" sz="1800" dirty="0">
-              <a:latin typeface="Consolas"/>
-              <a:cs typeface="Consolas"/>
-            </a:endParaRPr>
-          </a:p>
-        </p:txBody>
-      </p:sp>
-      <p:sp>
-        <p:nvSpPr>
-          <p:cNvPr id="5" name="Slide Number Placeholder 5"/>
-          <p:cNvSpPr>
-            <a:spLocks noGrp="1"/>
-          </p:cNvSpPr>
-          <p:nvPr>
-            <p:ph type="sldNum" sz="quarter" idx="12"/>
-          </p:nvPr>
-        </p:nvSpPr>
-        <p:spPr/>
-        <p:txBody>
-          <a:bodyPr/>
-          <a:lstStyle/>
-          <a:p>
-            <a:fld id="{BEA599AD-1364-ED49-B121-8E8AD5D3D49C}" type="slidenum">
-              <a:rPr lang="en-US"/>
-              <a:pPr/>
-              <a:t>19</a:t>
-            </a:fld>
-            <a:endParaRPr lang="en-US"/>
-          </a:p>
-        </p:txBody>
-      </p:sp>
-    </p:spTree>
-    <p:extLst>
-      <p:ext uri="{BB962C8B-B14F-4D97-AF65-F5344CB8AC3E}">
-        <p14:creationId xmlns:p14="http://schemas.microsoft.com/office/powerpoint/2010/main" val="1404285617"/>
-      </p:ext>
-    </p:extLst>
-  </p:cSld>
-  <p:clrMapOvr>
-    <a:masterClrMapping/>
-  </p:clrMapOvr>
-  <p:timing>
-    <p:tnLst>
-      <p:par>
-        <p:cTn id="1" dur="indefinite" restart="never" nodeType="tmRoot">
-          <p:childTnLst>
-            <p:seq concurrent="1" nextAc="seek">
-              <p:cTn id="2" dur="indefinite" nodeType="mainSeq">
-                <p:childTnLst>
-                  <p:par>
-                    <p:cTn id="3" fill="hold" nodeType="clickPar">
-                      <p:stCondLst>
-                        <p:cond delay="indefinite"/>
-                        <p:cond evt="onBegin" delay="0">
-                          <p:tn val="2"/>
-                        </p:cond>
-                      </p:stCondLst>
-                      <p:childTnLst>
-                        <p:par>
-                          <p:cTn id="4" fill="hold" nodeType="withGroup">
-                            <p:stCondLst>
-                              <p:cond delay="0"/>
-                            </p:stCondLst>
-                            <p:childTnLst>
-                              <p:par>
-                                <p:cTn id="5" presetID="53" presetClass="entr" presetSubtype="0" fill="hold" grpId="0" nodeType="withEffect">
-                                  <p:stCondLst>
-                                    <p:cond delay="0"/>
-                                  </p:stCondLst>
-                                  <p:childTnLst>
-                                    <p:set>
-                                      <p:cBhvr>
-                                        <p:cTn id="6" dur="1" fill="hold">
-                                          <p:stCondLst>
-                                            <p:cond delay="0"/>
-                                          </p:stCondLst>
-                                        </p:cTn>
-                                        <p:tgtEl>
-                                          <p:spTgt spid="73730"/>
-                                        </p:tgtEl>
-                                        <p:attrNameLst>
-                                          <p:attrName>style.visibility</p:attrName>
-                                        </p:attrNameLst>
-                                      </p:cBhvr>
-                                      <p:to>
-                                        <p:strVal val="visible"/>
-                                      </p:to>
-                                    </p:set>
-                                    <p:anim calcmode="lin" valueType="num">
-                                      <p:cBhvr>
-                                        <p:cTn id="7" dur="500" fill="hold"/>
-                                        <p:tgtEl>
-                                          <p:spTgt spid="73730"/>
-                                        </p:tgtEl>
-                                        <p:attrNameLst>
-                                          <p:attrName>ppt_w</p:attrName>
-                                        </p:attrNameLst>
-                                      </p:cBhvr>
-                                      <p:tavLst>
-                                        <p:tav tm="0">
-                                          <p:val>
-                                            <p:fltVal val="0"/>
-                                          </p:val>
-                                        </p:tav>
-                                        <p:tav tm="100000">
-                                          <p:val>
-                                            <p:strVal val="#ppt_w"/>
-                                          </p:val>
-                                        </p:tav>
-                                      </p:tavLst>
-                                    </p:anim>
-                                    <p:anim calcmode="lin" valueType="num">
-                                      <p:cBhvr>
-                                        <p:cTn id="8" dur="500" fill="hold"/>
-                                        <p:tgtEl>
-                                          <p:spTgt spid="73730"/>
-                                        </p:tgtEl>
-                                        <p:attrNameLst>
-                                          <p:attrName>ppt_h</p:attrName>
-                                        </p:attrNameLst>
-                                      </p:cBhvr>
-                                      <p:tavLst>
-                                        <p:tav tm="0">
-                                          <p:val>
-                                            <p:fltVal val="0"/>
-                                          </p:val>
-                                        </p:tav>
-                                        <p:tav tm="100000">
-                                          <p:val>
-                                            <p:strVal val="#ppt_h"/>
-                                          </p:val>
-                                        </p:tav>
-                                      </p:tavLst>
-                                    </p:anim>
-                                    <p:animEffect transition="in" filter="fade">
-                                      <p:cBhvr>
-                                        <p:cTn id="9" dur="500"/>
-                                        <p:tgtEl>
-                                          <p:spTgt spid="73730"/>
-                                        </p:tgtEl>
-                                      </p:cBhvr>
-                                    </p:animEffect>
-                                  </p:childTnLst>
-                                </p:cTn>
-                              </p:par>
-                            </p:childTnLst>
-                          </p:cTn>
-                        </p:par>
-                        <p:par>
-                          <p:cTn id="10" fill="hold" nodeType="afterGroup">
-                            <p:stCondLst>
-                              <p:cond delay="500"/>
-                            </p:stCondLst>
-                            <p:childTnLst>
-                              <p:par>
-                                <p:cTn id="11" presetID="10" presetClass="entr" presetSubtype="0" fill="hold" grpId="0" nodeType="afterEffect">
-                                  <p:stCondLst>
-                                    <p:cond delay="0"/>
-                                  </p:stCondLst>
-                                  <p:childTnLst>
-                                    <p:set>
-                                      <p:cBhvr>
-                                        <p:cTn id="12" dur="1" fill="hold">
-                                          <p:stCondLst>
-                                            <p:cond delay="0"/>
-                                          </p:stCondLst>
-                                        </p:cTn>
-                                        <p:tgtEl>
-                                          <p:spTgt spid="73731">
-                                            <p:txEl>
-                                              <p:pRg st="0" end="0"/>
-                                            </p:txEl>
-                                          </p:spTgt>
-                                        </p:tgtEl>
-                                        <p:attrNameLst>
-                                          <p:attrName>style.visibility</p:attrName>
-                                        </p:attrNameLst>
-                                      </p:cBhvr>
-                                      <p:to>
-                                        <p:strVal val="visible"/>
-                                      </p:to>
-                                    </p:set>
-                                    <p:animEffect transition="in" filter="fade">
-                                      <p:cBhvr>
-                                        <p:cTn id="13" dur="1000">
-                                          <p:stCondLst>
-                                            <p:cond delay="0"/>
-                                          </p:stCondLst>
-                                        </p:cTn>
-                                        <p:tgtEl>
-                                          <p:spTgt spid="73731">
-                                            <p:txEl>
-                                              <p:pRg st="0" end="0"/>
-                                            </p:txEl>
-                                          </p:spTgt>
-                                        </p:tgtEl>
-                                      </p:cBhvr>
-                                    </p:animEffect>
-                                  </p:childTnLst>
-                                </p:cTn>
-                              </p:par>
-                            </p:childTnLst>
-                          </p:cTn>
-                        </p:par>
-                        <p:par>
-                          <p:cTn id="14" fill="hold">
-                            <p:stCondLst>
-                              <p:cond delay="1500"/>
-                            </p:stCondLst>
-                            <p:childTnLst>
-                              <p:par>
-                                <p:cTn id="15" presetID="10" presetClass="entr" presetSubtype="0" fill="hold" grpId="0" nodeType="afterEffect">
-                                  <p:stCondLst>
-                                    <p:cond delay="0"/>
-                                  </p:stCondLst>
-                                  <p:childTnLst>
-                                    <p:set>
-                                      <p:cBhvr>
-                                        <p:cTn id="16" dur="1" fill="hold">
-                                          <p:stCondLst>
-                                            <p:cond delay="0"/>
-                                          </p:stCondLst>
-                                        </p:cTn>
-                                        <p:tgtEl>
-                                          <p:spTgt spid="73731">
-                                            <p:txEl>
-                                              <p:pRg st="1" end="1"/>
-                                            </p:txEl>
-                                          </p:spTgt>
-                                        </p:tgtEl>
-                                        <p:attrNameLst>
-                                          <p:attrName>style.visibility</p:attrName>
-                                        </p:attrNameLst>
-                                      </p:cBhvr>
-                                      <p:to>
-                                        <p:strVal val="visible"/>
-                                      </p:to>
-                                    </p:set>
-                                    <p:animEffect transition="in" filter="fade">
-                                      <p:cBhvr>
-                                        <p:cTn id="17" dur="1000">
-                                          <p:stCondLst>
-                                            <p:cond delay="0"/>
-                                          </p:stCondLst>
-                                        </p:cTn>
-                                        <p:tgtEl>
-                                          <p:spTgt spid="73731">
-                                            <p:txEl>
-                                              <p:pRg st="1" end="1"/>
-                                            </p:txEl>
-                                          </p:spTgt>
-                                        </p:tgtEl>
-                                      </p:cBhvr>
-                                    </p:animEffect>
-                                  </p:childTnLst>
-                                </p:cTn>
-                              </p:par>
-                            </p:childTnLst>
-                          </p:cTn>
-                        </p:par>
-                        <p:par>
-                          <p:cTn id="18" fill="hold">
-                            <p:stCondLst>
-                              <p:cond delay="2500"/>
-                            </p:stCondLst>
-                            <p:childTnLst>
-                              <p:par>
-                                <p:cTn id="19" presetID="10" presetClass="entr" presetSubtype="0" fill="hold" grpId="0" nodeType="afterEffect">
-                                  <p:stCondLst>
-                                    <p:cond delay="0"/>
-                                  </p:stCondLst>
-                                  <p:childTnLst>
-                                    <p:set>
-                                      <p:cBhvr>
-                                        <p:cTn id="20" dur="1" fill="hold">
-                                          <p:stCondLst>
-                                            <p:cond delay="0"/>
-                                          </p:stCondLst>
-                                        </p:cTn>
-                                        <p:tgtEl>
-                                          <p:spTgt spid="73731">
-                                            <p:txEl>
-                                              <p:pRg st="3" end="3"/>
-                                            </p:txEl>
-                                          </p:spTgt>
-                                        </p:tgtEl>
-                                        <p:attrNameLst>
-                                          <p:attrName>style.visibility</p:attrName>
-                                        </p:attrNameLst>
-                                      </p:cBhvr>
-                                      <p:to>
-                                        <p:strVal val="visible"/>
-                                      </p:to>
-                                    </p:set>
-                                    <p:animEffect transition="in" filter="fade">
-                                      <p:cBhvr>
-                                        <p:cTn id="21" dur="1000">
-                                          <p:stCondLst>
-                                            <p:cond delay="0"/>
-                                          </p:stCondLst>
-                                        </p:cTn>
-                                        <p:tgtEl>
-                                          <p:spTgt spid="73731">
-                                            <p:txEl>
-                                              <p:pRg st="3" end="3"/>
-                                            </p:txEl>
-                                          </p:spTgt>
-                                        </p:tgtEl>
-                                      </p:cBhvr>
-                                    </p:animEffect>
-                                  </p:childTnLst>
-                                </p:cTn>
-                              </p:par>
-                            </p:childTnLst>
-                          </p:cTn>
-                        </p:par>
-                        <p:par>
-                          <p:cTn id="22" fill="hold">
-                            <p:stCondLst>
-                              <p:cond delay="3500"/>
-                            </p:stCondLst>
-                            <p:childTnLst>
-                              <p:par>
-                                <p:cTn id="23" presetID="10" presetClass="entr" presetSubtype="0" fill="hold" grpId="0" nodeType="afterEffect">
-                                  <p:stCondLst>
-                                    <p:cond delay="0"/>
-                                  </p:stCondLst>
-                                  <p:childTnLst>
-                                    <p:set>
-                                      <p:cBhvr>
-                                        <p:cTn id="24" dur="1" fill="hold">
-                                          <p:stCondLst>
-                                            <p:cond delay="0"/>
-                                          </p:stCondLst>
-                                        </p:cTn>
-                                        <p:tgtEl>
-                                          <p:spTgt spid="73731">
-                                            <p:txEl>
-                                              <p:pRg st="4" end="4"/>
-                                            </p:txEl>
-                                          </p:spTgt>
-                                        </p:tgtEl>
-                                        <p:attrNameLst>
-                                          <p:attrName>style.visibility</p:attrName>
-                                        </p:attrNameLst>
-                                      </p:cBhvr>
-                                      <p:to>
-                                        <p:strVal val="visible"/>
-                                      </p:to>
-                                    </p:set>
-                                    <p:animEffect transition="in" filter="fade">
-                                      <p:cBhvr>
-                                        <p:cTn id="25" dur="1000">
-                                          <p:stCondLst>
-                                            <p:cond delay="0"/>
-                                          </p:stCondLst>
-                                        </p:cTn>
-                                        <p:tgtEl>
-                                          <p:spTgt spid="73731">
-                                            <p:txEl>
-                                              <p:pRg st="4" end="4"/>
-                                            </p:txEl>
-                                          </p:spTgt>
-                                        </p:tgtEl>
-                                      </p:cBhvr>
-                                    </p:animEffect>
-                                  </p:childTnLst>
-                                </p:cTn>
-                              </p:par>
-                            </p:childTnLst>
-                          </p:cTn>
-                        </p:par>
-                        <p:par>
-                          <p:cTn id="26" fill="hold">
-                            <p:stCondLst>
-                              <p:cond delay="4500"/>
-                            </p:stCondLst>
-                            <p:childTnLst>
-                              <p:par>
-                                <p:cTn id="27" presetID="10" presetClass="entr" presetSubtype="0" fill="hold" grpId="0" nodeType="afterEffect">
-                                  <p:stCondLst>
-                                    <p:cond delay="0"/>
-                                  </p:stCondLst>
-                                  <p:childTnLst>
-                                    <p:set>
-                                      <p:cBhvr>
-                                        <p:cTn id="28" dur="1" fill="hold">
-                                          <p:stCondLst>
-                                            <p:cond delay="0"/>
-                                          </p:stCondLst>
-                                        </p:cTn>
-                                        <p:tgtEl>
-                                          <p:spTgt spid="73731">
-                                            <p:txEl>
-                                              <p:pRg st="5" end="5"/>
-                                            </p:txEl>
-                                          </p:spTgt>
-                                        </p:tgtEl>
-                                        <p:attrNameLst>
-                                          <p:attrName>style.visibility</p:attrName>
-                                        </p:attrNameLst>
-                                      </p:cBhvr>
-                                      <p:to>
-                                        <p:strVal val="visible"/>
-                                      </p:to>
-                                    </p:set>
-                                    <p:animEffect transition="in" filter="fade">
-                                      <p:cBhvr>
-                                        <p:cTn id="29" dur="1000">
-                                          <p:stCondLst>
-                                            <p:cond delay="0"/>
-                                          </p:stCondLst>
-                                        </p:cTn>
-                                        <p:tgtEl>
-                                          <p:spTgt spid="73731">
-                                            <p:txEl>
-                                              <p:pRg st="5" end="5"/>
-                                            </p:txEl>
-                                          </p:spTgt>
-                                        </p:tgtEl>
-                                      </p:cBhvr>
-                                    </p:animEffect>
-                                  </p:childTnLst>
-                                </p:cTn>
-                              </p:par>
-                            </p:childTnLst>
-                          </p:cTn>
-                        </p:par>
-                        <p:par>
-                          <p:cTn id="30" fill="hold">
-                            <p:stCondLst>
-                              <p:cond delay="5500"/>
-                            </p:stCondLst>
-                            <p:childTnLst>
-                              <p:par>
-                                <p:cTn id="31" presetID="10" presetClass="entr" presetSubtype="0" fill="hold" grpId="0" nodeType="afterEffect">
-                                  <p:stCondLst>
-                                    <p:cond delay="0"/>
-                                  </p:stCondLst>
-                                  <p:childTnLst>
-                                    <p:set>
-                                      <p:cBhvr>
-                                        <p:cTn id="32" dur="1" fill="hold">
-                                          <p:stCondLst>
-                                            <p:cond delay="0"/>
-                                          </p:stCondLst>
-                                        </p:cTn>
-                                        <p:tgtEl>
-                                          <p:spTgt spid="73731">
-                                            <p:txEl>
-                                              <p:pRg st="6" end="6"/>
-                                            </p:txEl>
-                                          </p:spTgt>
-                                        </p:tgtEl>
-                                        <p:attrNameLst>
-                                          <p:attrName>style.visibility</p:attrName>
-                                        </p:attrNameLst>
-                                      </p:cBhvr>
-                                      <p:to>
-                                        <p:strVal val="visible"/>
-                                      </p:to>
-                                    </p:set>
-                                    <p:animEffect transition="in" filter="fade">
-                                      <p:cBhvr>
-                                        <p:cTn id="33" dur="1000">
-                                          <p:stCondLst>
-                                            <p:cond delay="0"/>
-                                          </p:stCondLst>
-                                        </p:cTn>
-                                        <p:tgtEl>
-                                          <p:spTgt spid="73731">
-                                            <p:txEl>
-                                              <p:pRg st="6" end="6"/>
-                                            </p:txEl>
-                                          </p:spTgt>
-                                        </p:tgtEl>
-                                      </p:cBhvr>
-                                    </p:animEffect>
-                                  </p:childTnLst>
-                                </p:cTn>
-                              </p:par>
-                            </p:childTnLst>
-                          </p:cTn>
-                        </p:par>
-                        <p:par>
-                          <p:cTn id="34" fill="hold">
-                            <p:stCondLst>
-                              <p:cond delay="6500"/>
-                            </p:stCondLst>
-                            <p:childTnLst>
-                              <p:par>
-                                <p:cTn id="35" presetID="10" presetClass="entr" presetSubtype="0" fill="hold" grpId="0" nodeType="afterEffect">
-                                  <p:stCondLst>
-                                    <p:cond delay="0"/>
-                                  </p:stCondLst>
-                                  <p:childTnLst>
-                                    <p:set>
-                                      <p:cBhvr>
-                                        <p:cTn id="36" dur="1" fill="hold">
-                                          <p:stCondLst>
-                                            <p:cond delay="0"/>
-                                          </p:stCondLst>
-                                        </p:cTn>
-                                        <p:tgtEl>
-                                          <p:spTgt spid="73731">
-                                            <p:txEl>
-                                              <p:pRg st="7" end="7"/>
-                                            </p:txEl>
-                                          </p:spTgt>
-                                        </p:tgtEl>
-                                        <p:attrNameLst>
-                                          <p:attrName>style.visibility</p:attrName>
-                                        </p:attrNameLst>
-                                      </p:cBhvr>
-                                      <p:to>
-                                        <p:strVal val="visible"/>
-                                      </p:to>
-                                    </p:set>
-                                    <p:animEffect transition="in" filter="fade">
-                                      <p:cBhvr>
-                                        <p:cTn id="37" dur="1000">
-                                          <p:stCondLst>
-                                            <p:cond delay="0"/>
-                                          </p:stCondLst>
-                                        </p:cTn>
-                                        <p:tgtEl>
-                                          <p:spTgt spid="73731">
-                                            <p:txEl>
-                                              <p:pRg st="7" end="7"/>
-                                            </p:txEl>
-                                          </p:spTgt>
-                                        </p:tgtEl>
-                                      </p:cBhvr>
-                                    </p:animEffect>
-                                  </p:childTnLst>
-                                </p:cTn>
-                              </p:par>
-                            </p:childTnLst>
-                          </p:cTn>
-                        </p:par>
-                        <p:par>
-                          <p:cTn id="38" fill="hold">
-                            <p:stCondLst>
-                              <p:cond delay="7500"/>
-                            </p:stCondLst>
-                            <p:childTnLst>
-                              <p:par>
-                                <p:cTn id="39" presetID="10" presetClass="entr" presetSubtype="0" fill="hold" grpId="0" nodeType="afterEffect">
-                                  <p:stCondLst>
-                                    <p:cond delay="0"/>
-                                  </p:stCondLst>
-                                  <p:childTnLst>
-                                    <p:set>
-                                      <p:cBhvr>
-                                        <p:cTn id="40" dur="1" fill="hold">
-                                          <p:stCondLst>
-                                            <p:cond delay="0"/>
-                                          </p:stCondLst>
-                                        </p:cTn>
-                                        <p:tgtEl>
-                                          <p:spTgt spid="73731">
-                                            <p:txEl>
-                                              <p:pRg st="8" end="8"/>
-                                            </p:txEl>
-                                          </p:spTgt>
-                                        </p:tgtEl>
-                                        <p:attrNameLst>
-                                          <p:attrName>style.visibility</p:attrName>
-                                        </p:attrNameLst>
-                                      </p:cBhvr>
-                                      <p:to>
-                                        <p:strVal val="visible"/>
-                                      </p:to>
-                                    </p:set>
-                                    <p:animEffect transition="in" filter="fade">
-                                      <p:cBhvr>
-                                        <p:cTn id="41" dur="1000">
-                                          <p:stCondLst>
-                                            <p:cond delay="0"/>
-                                          </p:stCondLst>
-                                        </p:cTn>
-                                        <p:tgtEl>
-                                          <p:spTgt spid="73731">
-                                            <p:txEl>
-                                              <p:pRg st="8" end="8"/>
-                                            </p:txEl>
-                                          </p:spTgt>
-                                        </p:tgtEl>
-                                      </p:cBhvr>
-                                    </p:animEffect>
-                                  </p:childTnLst>
-                                </p:cTn>
-                              </p:par>
-                            </p:childTnLst>
-                          </p:cTn>
-                        </p:par>
-                      </p:childTnLst>
-                    </p:cTn>
-                  </p:par>
-                </p:childTnLst>
-              </p:cTn>
-              <p:prevCondLst>
-                <p:cond evt="onPrev" delay="0">
-                  <p:tgtEl>
-                    <p:sldTgt/>
-                  </p:tgtEl>
-                </p:cond>
-              </p:prevCondLst>
-              <p:nextCondLst>
-                <p:cond evt="onNext" delay="0">
-                  <p:tgtEl>
-                    <p:sldTgt/>
-                  </p:tgtEl>
-                </p:cond>
-              </p:nextCondLst>
-            </p:seq>
-          </p:childTnLst>
-        </p:cTn>
-      </p:par>
-    </p:tnLst>
-    <p:bldLst>
-      <p:bldP spid="73730" grpId="0"/>
-      <p:bldP spid="73731" grpId="0" build="p"/>
-    </p:bldLst>
-  </p:timing>
-</p:sld>
-</file>
-
 <file path=ppt/slides/slide2.xml><?xml version="1.0" encoding="utf-8"?>
 <p:sld xmlns:a="http://schemas.openxmlformats.org/drawingml/2006/main" xmlns:r="http://schemas.openxmlformats.org/officeDocument/2006/relationships" xmlns:p="http://schemas.openxmlformats.org/presentationml/2006/main">
   <p:cSld>
@@ -9354,7 +9511,7 @@
           <a:p>
             <a:r>
               <a:rPr lang="en-US" dirty="0"/>
-              <a:t>DBMS Networking</a:t>
+              <a:t>Networked DBMS</a:t>
             </a:r>
           </a:p>
         </p:txBody>
@@ -9377,10 +9534,6 @@
           <a:lstStyle/>
           <a:p>
             <a:r>
-              <a:rPr lang="en-US" sz="2800" dirty="0"/>
-              <a:t>The most of </a:t>
-            </a:r>
-            <a:r>
               <a:rPr lang="en-US" sz="2800" dirty="0">
                 <a:solidFill>
                   <a:schemeClr val="accent6">
@@ -9388,19 +9541,7 @@
                   </a:schemeClr>
                 </a:solidFill>
               </a:rPr>
-              <a:t>DBMS</a:t>
-            </a:r>
-            <a:r>
-              <a:rPr lang="en-US" sz="2800" dirty="0"/>
-              <a:t> make use of the </a:t>
-            </a:r>
-            <a:r>
-              <a:rPr lang="en-US" sz="2800" dirty="0">
-                <a:solidFill>
-                  <a:srgbClr val="E46C0A"/>
-                </a:solidFill>
-              </a:rPr>
-              <a:t>TCP transport protocol. </a:t>
+              <a:t>The most of DBMS make use of the TCP protocol for communicating with applications. </a:t>
             </a:r>
             <a:r>
               <a:rPr lang="en-US" sz="2800" dirty="0"/>
@@ -9551,8 +9692,8 @@
         </p:blipFill>
         <p:spPr>
           <a:xfrm>
-            <a:off x="3712980" y="3124200"/>
-            <a:ext cx="6151271" cy="3382963"/>
+            <a:off x="4191000" y="3523941"/>
+            <a:ext cx="5825651" cy="3203884"/>
           </a:xfrm>
           <a:prstGeom prst="rect">
             <a:avLst/>
@@ -9606,7 +9747,7 @@
           <a:p>
             <a:r>
               <a:rPr lang="en-US" dirty="0"/>
-              <a:t>Finding Columns</a:t>
+              <a:t>Get methods</a:t>
             </a:r>
           </a:p>
         </p:txBody>
@@ -9896,7 +10037,7 @@
                 <a:latin typeface="Consolas"/>
                 <a:cs typeface="Consolas"/>
               </a:rPr>
-              <a:t>result.next</a:t>
+              <a:t>rs.next</a:t>
             </a:r>
             <a:r>
               <a:rPr lang="en-US" sz="1800" dirty="0">
@@ -10715,7 +10856,7 @@
                   <a:srgbClr val="000000"/>
                 </a:solidFill>
               </a:rPr>
-              <a:t>Programs should recover from errors and leave the database in a consistent state. </a:t>
+              <a:t>Programs should recover from errors and </a:t>
             </a:r>
             <a:r>
               <a:rPr lang="en-US" sz="2800" dirty="0">
@@ -10725,13 +10866,31 @@
                   </a:schemeClr>
                 </a:solidFill>
               </a:rPr>
+              <a:t>always</a:t>
+            </a:r>
+            <a:r>
+              <a:rPr lang="en-US" sz="2800" dirty="0">
+                <a:solidFill>
+                  <a:srgbClr val="000000"/>
+                </a:solidFill>
+              </a:rPr>
+              <a:t> leave the database in a consistent state. </a:t>
+            </a:r>
+            <a:r>
+              <a:rPr lang="en-US" sz="2800" dirty="0">
+                <a:solidFill>
+                  <a:schemeClr val="accent6">
+                    <a:lumMod val="75000"/>
+                  </a:schemeClr>
+                </a:solidFill>
+              </a:rPr>
               <a:t>Runtime errors must be minimized in industrial applications!</a:t>
             </a:r>
           </a:p>
           <a:p>
             <a:r>
               <a:rPr lang="en-US" sz="2800" dirty="0"/>
-              <a:t>If a statement in the try block throws an exception or warning, it must be caught in one of the corresponding catch statements.</a:t>
+              <a:t>If a statement throws an exception, it must be caught within a catch statement.</a:t>
             </a:r>
           </a:p>
           <a:p>
@@ -11848,8 +12007,12 @@
           <a:lstStyle/>
           <a:p>
             <a:r>
-              <a:rPr lang="en-US"/>
-              <a:t>Advanced ResultSet</a:t>
+              <a:rPr lang="en-US" dirty="0"/>
+              <a:t>Advanced </a:t>
+            </a:r>
+            <a:r>
+              <a:rPr lang="en-US" dirty="0" err="1"/>
+              <a:t>ResultSet</a:t>
             </a:r>
             <a:endParaRPr lang="en-US" dirty="0"/>
           </a:p>
@@ -11873,20 +12036,12 @@
           <a:lstStyle/>
           <a:p>
             <a:r>
-              <a:rPr lang="en-US" sz="2800"/>
-              <a:t>ResultSet </a:t>
+              <a:rPr lang="en-US" sz="2800" dirty="0" err="1"/>
+              <a:t>ResultSet</a:t>
             </a:r>
             <a:r>
               <a:rPr lang="en-US" sz="2800" dirty="0"/>
-              <a:t>is an </a:t>
-            </a:r>
-            <a:r>
-              <a:rPr lang="en-US" sz="2800" dirty="0" err="1"/>
-              <a:t>Iterable</a:t>
-            </a:r>
-            <a:r>
-              <a:rPr lang="en-US" sz="2800" dirty="0"/>
-              <a:t> class.</a:t>
+              <a:t> are iterator-like objects</a:t>
             </a:r>
           </a:p>
           <a:p>
@@ -11914,10 +12069,17 @@
               <a:t>TYPE_FORWARD_ONLY</a:t>
             </a:r>
             <a:r>
-              <a:rPr lang="en-US" sz="2800"/>
-              <a:t>) ResultSet </a:t>
-            </a:r>
-            <a:endParaRPr lang="en-US" sz="2800" dirty="0"/>
+              <a:rPr lang="en-US" sz="2800" dirty="0"/>
+              <a:t>) </a:t>
+            </a:r>
+            <a:r>
+              <a:rPr lang="en-US" sz="2800" dirty="0" err="1"/>
+              <a:t>ResultSet</a:t>
+            </a:r>
+            <a:r>
+              <a:rPr lang="en-US" sz="2800" dirty="0"/>
+              <a:t> </a:t>
+            </a:r>
           </a:p>
           <a:p>
             <a:pPr lvl="1"/>
@@ -12065,11 +12227,11 @@
           <a:p>
             <a:r>
               <a:rPr lang="en-US" dirty="0"/>
-              <a:t>5. </a:t>
-            </a:r>
-            <a:r>
-              <a:rPr lang="en-US"/>
-              <a:t>Get ResultSet</a:t>
+              <a:t>Advanced </a:t>
+            </a:r>
+            <a:r>
+              <a:rPr lang="en-US" dirty="0" err="1"/>
+              <a:t>ResultSet</a:t>
             </a:r>
             <a:endParaRPr lang="en-US" dirty="0"/>
           </a:p>
@@ -12784,7 +12946,7 @@
 </file>
 
 <file path=ppt/slides/slide3.xml><?xml version="1.0" encoding="utf-8"?>
-<p:sld xmlns:a="http://schemas.openxmlformats.org/drawingml/2006/main" xmlns:r="http://schemas.openxmlformats.org/officeDocument/2006/relationships" xmlns:p="http://schemas.openxmlformats.org/presentationml/2006/main" showMasterPhAnim="0">
+<p:sld xmlns:a="http://schemas.openxmlformats.org/drawingml/2006/main" xmlns:r="http://schemas.openxmlformats.org/officeDocument/2006/relationships" xmlns:p="http://schemas.openxmlformats.org/presentationml/2006/main">
   <p:cSld>
     <p:spTree>
       <p:nvGrpSpPr>
@@ -12802,9 +12964,9 @@
       </p:grpSpPr>
       <p:sp>
         <p:nvSpPr>
-          <p:cNvPr id="13314" name="Rectangle 2"/>
+          <p:cNvPr id="2" name="Title 1"/>
           <p:cNvSpPr>
-            <a:spLocks noGrp="1" noChangeArrowheads="1"/>
+            <a:spLocks noGrp="1"/>
           </p:cNvSpPr>
           <p:nvPr>
             <p:ph type="title"/>
@@ -12816,20 +12978,17 @@
           <a:lstStyle/>
           <a:p>
             <a:r>
-              <a:rPr lang="en-US" altLang="zh-TW">
-                <a:ea typeface="標楷體" charset="0"/>
-                <a:cs typeface="標楷體" charset="0"/>
-              </a:rPr>
-              <a:t>What is JDBC?</a:t>
+              <a:rPr lang="en-US" dirty="0"/>
+              <a:t>Local DB</a:t>
             </a:r>
           </a:p>
         </p:txBody>
       </p:sp>
       <p:sp>
         <p:nvSpPr>
-          <p:cNvPr id="13315" name="Rectangle 3"/>
+          <p:cNvPr id="3" name="Content Placeholder 2"/>
           <p:cNvSpPr>
-            <a:spLocks noGrp="1" noChangeArrowheads="1"/>
+            <a:spLocks noGrp="1"/>
           </p:cNvSpPr>
           <p:nvPr>
             <p:ph idx="1"/>
@@ -12837,159 +12996,74 @@
         </p:nvSpPr>
         <p:spPr/>
         <p:txBody>
-          <a:bodyPr/>
+          <a:bodyPr>
+            <a:normAutofit/>
+          </a:bodyPr>
           <a:lstStyle/>
           <a:p>
             <a:r>
-              <a:rPr lang="en-US" altLang="zh-TW" sz="2400" i="1" dirty="0">
-                <a:ea typeface="標楷體" charset="0"/>
-                <a:cs typeface="標楷體" charset="0"/>
-              </a:rPr>
-              <a:t>“An </a:t>
-            </a:r>
-            <a:r>
-              <a:rPr lang="en-US" altLang="zh-TW" sz="2400" i="1" dirty="0">
-                <a:solidFill>
-                  <a:srgbClr val="E46C0A"/>
-                </a:solidFill>
-                <a:ea typeface="標楷體" charset="0"/>
-                <a:cs typeface="標楷體" charset="0"/>
-              </a:rPr>
-              <a:t>API</a:t>
-            </a:r>
-            <a:r>
-              <a:rPr lang="en-US" altLang="zh-TW" sz="2400" i="1" dirty="0">
-                <a:ea typeface="標楷體" charset="0"/>
-                <a:cs typeface="標楷體" charset="0"/>
-              </a:rPr>
-              <a:t> that lets you access virtually </a:t>
-            </a:r>
-            <a:r>
-              <a:rPr lang="en-US" altLang="zh-TW" sz="2400" i="1" dirty="0">
+              <a:rPr lang="en-US" sz="2400" dirty="0"/>
+              <a:t>There is also a family of libraries </a:t>
+            </a:r>
+            <a:r>
+              <a:rPr lang="en-US" sz="2400" dirty="0">
                 <a:solidFill>
                   <a:schemeClr val="accent6">
                     <a:lumMod val="75000"/>
                   </a:schemeClr>
                 </a:solidFill>
-                <a:ea typeface="標楷體" charset="0"/>
-                <a:cs typeface="標楷體" charset="0"/>
-              </a:rPr>
-              <a:t>any tabular data source </a:t>
-            </a:r>
-            <a:r>
-              <a:rPr lang="en-US" altLang="zh-TW" sz="2400" i="1" dirty="0">
-                <a:ea typeface="標楷體" charset="0"/>
-                <a:cs typeface="標楷體" charset="0"/>
-              </a:rPr>
-              <a:t>from the Java programming language”</a:t>
+              </a:rPr>
+              <a:t>capable of simulating a DBMS connection while providing access to a local file using the SQL metaphor</a:t>
+            </a:r>
+            <a:r>
+              <a:rPr lang="en-US" sz="2400" dirty="0"/>
+              <a:t>. The most </a:t>
+            </a:r>
+            <a:r>
+              <a:rPr lang="en-US" sz="2400" dirty="0" err="1"/>
+              <a:t>promiment</a:t>
+            </a:r>
+            <a:r>
+              <a:rPr lang="en-US" sz="2400" dirty="0"/>
+              <a:t> example of this category is </a:t>
+            </a:r>
+            <a:r>
+              <a:rPr lang="en-US" sz="2400" dirty="0">
+                <a:solidFill>
+                  <a:schemeClr val="accent6">
+                    <a:lumMod val="75000"/>
+                  </a:schemeClr>
+                </a:solidFill>
+              </a:rPr>
+              <a:t>SQLite</a:t>
+            </a:r>
+            <a:r>
+              <a:rPr lang="en-US" sz="2400" dirty="0"/>
+              <a:t>.</a:t>
             </a:r>
           </a:p>
           <a:p>
             <a:pPr lvl="1"/>
             <a:r>
-              <a:rPr lang="en-US" altLang="zh-TW" sz="2400" dirty="0">
-                <a:ea typeface="標楷體" charset="0"/>
-                <a:cs typeface="標楷體" charset="0"/>
-              </a:rPr>
-              <a:t>What’s an API? </a:t>
-            </a:r>
-            <a:r>
-              <a:rPr lang="en-US" altLang="zh-TW" sz="2400" i="1" dirty="0">
-                <a:ea typeface="標楷體" charset="0"/>
-                <a:cs typeface="標楷體" charset="0"/>
-              </a:rPr>
-              <a:t>Application Programming Interface</a:t>
+              <a:rPr lang="en-US" sz="2000" dirty="0"/>
+              <a:t>Widely used on the Android platform</a:t>
             </a:r>
           </a:p>
           <a:p>
             <a:pPr lvl="1"/>
             <a:r>
-              <a:rPr lang="en-US" altLang="zh-TW" sz="2400" dirty="0">
-                <a:ea typeface="標楷體" charset="0"/>
-                <a:cs typeface="標楷體" charset="0"/>
-              </a:rPr>
-              <a:t>What’s a tabular data source? </a:t>
-            </a:r>
-            <a:r>
-              <a:rPr lang="en-US" altLang="zh-TW" sz="2400" dirty="0">
-                <a:solidFill>
-                  <a:srgbClr val="E46C0A"/>
-                </a:solidFill>
-                <a:ea typeface="標楷體" charset="0"/>
-                <a:cs typeface="標楷體" charset="0"/>
-              </a:rPr>
-              <a:t>Relational</a:t>
-            </a:r>
-            <a:r>
-              <a:rPr lang="en-US" altLang="zh-TW" sz="2400" dirty="0">
-                <a:solidFill>
-                  <a:srgbClr val="0000FF"/>
-                </a:solidFill>
-                <a:ea typeface="標楷體" charset="0"/>
-                <a:cs typeface="標楷體" charset="0"/>
-              </a:rPr>
-              <a:t> </a:t>
-            </a:r>
-            <a:r>
-              <a:rPr lang="en-US" altLang="zh-TW" sz="2400" dirty="0">
-                <a:solidFill>
-                  <a:srgbClr val="E46C0A"/>
-                </a:solidFill>
-                <a:ea typeface="標楷體" charset="0"/>
-                <a:cs typeface="標楷體" charset="0"/>
-              </a:rPr>
-              <a:t>databases,</a:t>
-            </a:r>
-            <a:r>
-              <a:rPr lang="en-US" altLang="zh-TW" sz="2400" dirty="0">
-                <a:ea typeface="標楷體" charset="0"/>
-                <a:cs typeface="標楷體" charset="0"/>
-              </a:rPr>
-              <a:t> </a:t>
-            </a:r>
-            <a:r>
-              <a:rPr lang="en-US" altLang="zh-TW" sz="2400" dirty="0">
-                <a:solidFill>
-                  <a:srgbClr val="E46C0A"/>
-                </a:solidFill>
-                <a:ea typeface="標楷體" charset="0"/>
-                <a:cs typeface="標楷體" charset="0"/>
-              </a:rPr>
-              <a:t>spreadsheets, flat files</a:t>
-            </a:r>
-            <a:endParaRPr lang="en-US" altLang="zh-TW" sz="2400" dirty="0">
-              <a:ea typeface="標楷體" charset="0"/>
-              <a:cs typeface="標楷體" charset="0"/>
-            </a:endParaRPr>
-          </a:p>
-          <a:p>
-            <a:r>
-              <a:rPr lang="en-US" altLang="zh-TW" sz="2400" dirty="0">
-                <a:ea typeface="標楷體" charset="0"/>
-                <a:cs typeface="標楷體" charset="0"/>
-              </a:rPr>
-              <a:t>We’ll focus on accessing relational databases. Nevertheless, </a:t>
-            </a:r>
-            <a:r>
-              <a:rPr lang="en-US" altLang="zh-TW" sz="2400" b="1" dirty="0">
-                <a:ea typeface="標楷體" charset="0"/>
-                <a:cs typeface="標楷體" charset="0"/>
-              </a:rPr>
-              <a:t>using the same principles </a:t>
-            </a:r>
-            <a:r>
-              <a:rPr lang="en-US" altLang="zh-TW" sz="2400" dirty="0">
-                <a:ea typeface="標楷體" charset="0"/>
-                <a:cs typeface="標楷體" charset="0"/>
-              </a:rPr>
-              <a:t>all others data sources can be accessed</a:t>
-            </a:r>
+              <a:rPr lang="it-IT" sz="1600" dirty="0">
+                <a:hlinkClick r:id="rId2"/>
+              </a:rPr>
+              <a:t>https://developer.android.com/reference/android/database/sqlite/SQLiteDatabase</a:t>
+            </a:r>
+            <a:endParaRPr lang="en-US" sz="1600" dirty="0"/>
           </a:p>
         </p:txBody>
       </p:sp>
       <p:sp>
         <p:nvSpPr>
-          <p:cNvPr id="5" name="Slide Number Placeholder 5"/>
+          <p:cNvPr id="4" name="Slide Number Placeholder 3"/>
           <p:cNvSpPr>
             <a:spLocks noGrp="1"/>
           </p:cNvSpPr>
@@ -13002,8 +13076,8 @@
           <a:bodyPr/>
           <a:lstStyle/>
           <a:p>
-            <a:fld id="{BFF61341-EF06-1342-9A48-428369D47930}" type="slidenum">
-              <a:rPr lang="en-US"/>
+            <a:fld id="{4C5F9F1B-9DEF-0147-BEFB-CE1B18546A63}" type="slidenum">
+              <a:rPr lang="en-US" smtClean="0"/>
               <a:pPr/>
               <a:t>3</a:t>
             </a:fld>
@@ -13011,389 +13085,47 @@
           </a:p>
         </p:txBody>
       </p:sp>
+      <p:pic>
+        <p:nvPicPr>
+          <p:cNvPr id="5" name="Content Placeholder 5" descr="Screen Shot 2017-12-22 at 16.23.21 (2).png"/>
+          <p:cNvPicPr>
+            <a:picLocks noChangeAspect="1"/>
+          </p:cNvPicPr>
+          <p:nvPr/>
+        </p:nvPicPr>
+        <p:blipFill>
+          <a:blip r:embed="rId3">
+            <a:extLst>
+              <a:ext uri="{28A0092B-C50C-407E-A947-70E740481C1C}">
+                <a14:useLocalDpi xmlns:a14="http://schemas.microsoft.com/office/drawing/2010/main" val="0"/>
+              </a:ext>
+            </a:extLst>
+          </a:blip>
+          <a:srcRect l="-31137" r="-31137"/>
+          <a:stretch>
+            <a:fillRect/>
+          </a:stretch>
+        </p:blipFill>
+        <p:spPr>
+          <a:xfrm>
+            <a:off x="4419600" y="3902953"/>
+            <a:ext cx="5181600" cy="2849681"/>
+          </a:xfrm>
+          <a:prstGeom prst="rect">
+            <a:avLst/>
+          </a:prstGeom>
+        </p:spPr>
+      </p:pic>
     </p:spTree>
+    <p:extLst>
+      <p:ext uri="{BB962C8B-B14F-4D97-AF65-F5344CB8AC3E}">
+        <p14:creationId xmlns:p14="http://schemas.microsoft.com/office/powerpoint/2010/main" val="1264646830"/>
+      </p:ext>
+    </p:extLst>
   </p:cSld>
   <p:clrMapOvr>
     <a:masterClrMapping/>
   </p:clrMapOvr>
-  <p:timing>
-    <p:tnLst>
-      <p:par>
-        <p:cTn id="1" dur="indefinite" restart="never" nodeType="tmRoot">
-          <p:childTnLst>
-            <p:seq concurrent="1" nextAc="seek">
-              <p:cTn id="2" dur="indefinite" nodeType="mainSeq">
-                <p:childTnLst>
-                  <p:par>
-                    <p:cTn id="3" fill="hold" nodeType="clickPar">
-                      <p:stCondLst>
-                        <p:cond delay="indefinite"/>
-                        <p:cond evt="onBegin" delay="0">
-                          <p:tn val="2"/>
-                        </p:cond>
-                      </p:stCondLst>
-                      <p:childTnLst>
-                        <p:par>
-                          <p:cTn id="4" fill="hold" nodeType="withGroup">
-                            <p:stCondLst>
-                              <p:cond delay="0"/>
-                            </p:stCondLst>
-                            <p:childTnLst>
-                              <p:par>
-                                <p:cTn id="5" presetID="53" presetClass="entr" presetSubtype="0" fill="hold" grpId="0" nodeType="withEffect">
-                                  <p:stCondLst>
-                                    <p:cond delay="0"/>
-                                  </p:stCondLst>
-                                  <p:childTnLst>
-                                    <p:set>
-                                      <p:cBhvr>
-                                        <p:cTn id="6" dur="1" fill="hold">
-                                          <p:stCondLst>
-                                            <p:cond delay="0"/>
-                                          </p:stCondLst>
-                                        </p:cTn>
-                                        <p:tgtEl>
-                                          <p:spTgt spid="13314"/>
-                                        </p:tgtEl>
-                                        <p:attrNameLst>
-                                          <p:attrName>style.visibility</p:attrName>
-                                        </p:attrNameLst>
-                                      </p:cBhvr>
-                                      <p:to>
-                                        <p:strVal val="visible"/>
-                                      </p:to>
-                                    </p:set>
-                                    <p:anim calcmode="lin" valueType="num">
-                                      <p:cBhvr>
-                                        <p:cTn id="7" dur="500" fill="hold"/>
-                                        <p:tgtEl>
-                                          <p:spTgt spid="13314"/>
-                                        </p:tgtEl>
-                                        <p:attrNameLst>
-                                          <p:attrName>ppt_w</p:attrName>
-                                        </p:attrNameLst>
-                                      </p:cBhvr>
-                                      <p:tavLst>
-                                        <p:tav tm="0">
-                                          <p:val>
-                                            <p:fltVal val="0"/>
-                                          </p:val>
-                                        </p:tav>
-                                        <p:tav tm="100000">
-                                          <p:val>
-                                            <p:strVal val="#ppt_w"/>
-                                          </p:val>
-                                        </p:tav>
-                                      </p:tavLst>
-                                    </p:anim>
-                                    <p:anim calcmode="lin" valueType="num">
-                                      <p:cBhvr>
-                                        <p:cTn id="8" dur="500" fill="hold"/>
-                                        <p:tgtEl>
-                                          <p:spTgt spid="13314"/>
-                                        </p:tgtEl>
-                                        <p:attrNameLst>
-                                          <p:attrName>ppt_h</p:attrName>
-                                        </p:attrNameLst>
-                                      </p:cBhvr>
-                                      <p:tavLst>
-                                        <p:tav tm="0">
-                                          <p:val>
-                                            <p:fltVal val="0"/>
-                                          </p:val>
-                                        </p:tav>
-                                        <p:tav tm="100000">
-                                          <p:val>
-                                            <p:strVal val="#ppt_h"/>
-                                          </p:val>
-                                        </p:tav>
-                                      </p:tavLst>
-                                    </p:anim>
-                                    <p:animEffect transition="in" filter="fade">
-                                      <p:cBhvr>
-                                        <p:cTn id="9" dur="500"/>
-                                        <p:tgtEl>
-                                          <p:spTgt spid="13314"/>
-                                        </p:tgtEl>
-                                      </p:cBhvr>
-                                    </p:animEffect>
-                                  </p:childTnLst>
-                                </p:cTn>
-                              </p:par>
-                            </p:childTnLst>
-                          </p:cTn>
-                        </p:par>
-                      </p:childTnLst>
-                    </p:cTn>
-                  </p:par>
-                  <p:par>
-                    <p:cTn id="10" fill="hold" nodeType="clickPar">
-                      <p:stCondLst>
-                        <p:cond delay="indefinite"/>
-                      </p:stCondLst>
-                      <p:childTnLst>
-                        <p:par>
-                          <p:cTn id="11" fill="hold" nodeType="withGroup">
-                            <p:stCondLst>
-                              <p:cond delay="0"/>
-                            </p:stCondLst>
-                            <p:childTnLst>
-                              <p:par>
-                                <p:cTn id="12" presetID="10" presetClass="entr" presetSubtype="0" fill="hold" grpId="0" nodeType="clickEffect">
-                                  <p:stCondLst>
-                                    <p:cond delay="0"/>
-                                  </p:stCondLst>
-                                  <p:childTnLst>
-                                    <p:set>
-                                      <p:cBhvr>
-                                        <p:cTn id="13" dur="1" fill="hold">
-                                          <p:stCondLst>
-                                            <p:cond delay="0"/>
-                                          </p:stCondLst>
-                                        </p:cTn>
-                                        <p:tgtEl>
-                                          <p:spTgt spid="13315">
-                                            <p:txEl>
-                                              <p:pRg st="0" end="0"/>
-                                            </p:txEl>
-                                          </p:spTgt>
-                                        </p:tgtEl>
-                                        <p:attrNameLst>
-                                          <p:attrName>style.visibility</p:attrName>
-                                        </p:attrNameLst>
-                                      </p:cBhvr>
-                                      <p:to>
-                                        <p:strVal val="visible"/>
-                                      </p:to>
-                                    </p:set>
-                                    <p:animEffect transition="in" filter="fade">
-                                      <p:cBhvr>
-                                        <p:cTn id="14" dur="1000">
-                                          <p:stCondLst>
-                                            <p:cond delay="0"/>
-                                          </p:stCondLst>
-                                        </p:cTn>
-                                        <p:tgtEl>
-                                          <p:spTgt spid="13315">
-                                            <p:txEl>
-                                              <p:pRg st="0" end="0"/>
-                                            </p:txEl>
-                                          </p:spTgt>
-                                        </p:tgtEl>
-                                      </p:cBhvr>
-                                    </p:animEffect>
-                                  </p:childTnLst>
-                                </p:cTn>
-                              </p:par>
-                            </p:childTnLst>
-                          </p:cTn>
-                        </p:par>
-                        <p:par>
-                          <p:cTn id="15" fill="hold" nodeType="afterGroup">
-                            <p:stCondLst>
-                              <p:cond delay="1000"/>
-                            </p:stCondLst>
-                            <p:childTnLst>
-                              <p:par>
-                                <p:cTn id="16" presetID="10" presetClass="entr" presetSubtype="0" fill="hold" grpId="0" nodeType="afterEffect">
-                                  <p:stCondLst>
-                                    <p:cond delay="0"/>
-                                  </p:stCondLst>
-                                  <p:childTnLst>
-                                    <p:set>
-                                      <p:cBhvr>
-                                        <p:cTn id="17" dur="1" fill="hold">
-                                          <p:stCondLst>
-                                            <p:cond delay="0"/>
-                                          </p:stCondLst>
-                                        </p:cTn>
-                                        <p:tgtEl>
-                                          <p:spTgt spid="13315">
-                                            <p:txEl>
-                                              <p:pRg st="1" end="1"/>
-                                            </p:txEl>
-                                          </p:spTgt>
-                                        </p:tgtEl>
-                                        <p:attrNameLst>
-                                          <p:attrName>style.visibility</p:attrName>
-                                        </p:attrNameLst>
-                                      </p:cBhvr>
-                                      <p:to>
-                                        <p:strVal val="visible"/>
-                                      </p:to>
-                                    </p:set>
-                                    <p:animEffect transition="in" filter="fade">
-                                      <p:cBhvr>
-                                        <p:cTn id="18" dur="1000">
-                                          <p:stCondLst>
-                                            <p:cond delay="0"/>
-                                          </p:stCondLst>
-                                        </p:cTn>
-                                        <p:tgtEl>
-                                          <p:spTgt spid="13315">
-                                            <p:txEl>
-                                              <p:pRg st="1" end="1"/>
-                                            </p:txEl>
-                                          </p:spTgt>
-                                        </p:tgtEl>
-                                      </p:cBhvr>
-                                    </p:animEffect>
-                                  </p:childTnLst>
-                                </p:cTn>
-                              </p:par>
-                            </p:childTnLst>
-                          </p:cTn>
-                        </p:par>
-                        <p:par>
-                          <p:cTn id="19" fill="hold">
-                            <p:stCondLst>
-                              <p:cond delay="2000"/>
-                            </p:stCondLst>
-                            <p:childTnLst>
-                              <p:par>
-                                <p:cTn id="20" presetID="10" presetClass="entr" presetSubtype="0" fill="hold" grpId="0" nodeType="afterEffect">
-                                  <p:stCondLst>
-                                    <p:cond delay="0"/>
-                                  </p:stCondLst>
-                                  <p:childTnLst>
-                                    <p:set>
-                                      <p:cBhvr>
-                                        <p:cTn id="21" dur="1" fill="hold">
-                                          <p:stCondLst>
-                                            <p:cond delay="0"/>
-                                          </p:stCondLst>
-                                        </p:cTn>
-                                        <p:tgtEl>
-                                          <p:spTgt spid="13315">
-                                            <p:txEl>
-                                              <p:pRg st="2" end="2"/>
-                                            </p:txEl>
-                                          </p:spTgt>
-                                        </p:tgtEl>
-                                        <p:attrNameLst>
-                                          <p:attrName>style.visibility</p:attrName>
-                                        </p:attrNameLst>
-                                      </p:cBhvr>
-                                      <p:to>
-                                        <p:strVal val="visible"/>
-                                      </p:to>
-                                    </p:set>
-                                    <p:animEffect transition="in" filter="fade">
-                                      <p:cBhvr>
-                                        <p:cTn id="22" dur="1000">
-                                          <p:stCondLst>
-                                            <p:cond delay="0"/>
-                                          </p:stCondLst>
-                                        </p:cTn>
-                                        <p:tgtEl>
-                                          <p:spTgt spid="13315">
-                                            <p:txEl>
-                                              <p:pRg st="2" end="2"/>
-                                            </p:txEl>
-                                          </p:spTgt>
-                                        </p:tgtEl>
-                                      </p:cBhvr>
-                                    </p:animEffect>
-                                  </p:childTnLst>
-                                </p:cTn>
-                              </p:par>
-                            </p:childTnLst>
-                          </p:cTn>
-                        </p:par>
-                      </p:childTnLst>
-                    </p:cTn>
-                  </p:par>
-                  <p:par>
-                    <p:cTn id="23" fill="hold" nodeType="clickPar">
-                      <p:stCondLst>
-                        <p:cond delay="indefinite"/>
-                      </p:stCondLst>
-                      <p:childTnLst>
-                        <p:par>
-                          <p:cTn id="24" fill="hold" nodeType="withGroup">
-                            <p:stCondLst>
-                              <p:cond delay="0"/>
-                            </p:stCondLst>
-                            <p:childTnLst>
-                              <p:par>
-                                <p:cTn id="25" presetID="10" presetClass="entr" presetSubtype="0" fill="hold" grpId="0" nodeType="clickEffect">
-                                  <p:stCondLst>
-                                    <p:cond delay="0"/>
-                                  </p:stCondLst>
-                                  <p:childTnLst>
-                                    <p:set>
-                                      <p:cBhvr>
-                                        <p:cTn id="26" dur="1" fill="hold">
-                                          <p:stCondLst>
-                                            <p:cond delay="0"/>
-                                          </p:stCondLst>
-                                        </p:cTn>
-                                        <p:tgtEl>
-                                          <p:spTgt spid="13315">
-                                            <p:txEl>
-                                              <p:pRg st="3" end="3"/>
-                                            </p:txEl>
-                                          </p:spTgt>
-                                        </p:tgtEl>
-                                        <p:attrNameLst>
-                                          <p:attrName>style.visibility</p:attrName>
-                                        </p:attrNameLst>
-                                      </p:cBhvr>
-                                      <p:to>
-                                        <p:strVal val="visible"/>
-                                      </p:to>
-                                    </p:set>
-                                    <p:animEffect transition="in" filter="fade">
-                                      <p:cBhvr>
-                                        <p:cTn id="27" dur="1000">
-                                          <p:stCondLst>
-                                            <p:cond delay="0"/>
-                                          </p:stCondLst>
-                                        </p:cTn>
-                                        <p:tgtEl>
-                                          <p:spTgt spid="13315">
-                                            <p:txEl>
-                                              <p:pRg st="3" end="3"/>
-                                            </p:txEl>
-                                          </p:spTgt>
-                                        </p:tgtEl>
-                                      </p:cBhvr>
-                                    </p:animEffect>
-                                  </p:childTnLst>
-                                </p:cTn>
-                              </p:par>
-                            </p:childTnLst>
-                          </p:cTn>
-                        </p:par>
-                      </p:childTnLst>
-                    </p:cTn>
-                  </p:par>
-                </p:childTnLst>
-              </p:cTn>
-              <p:prevCondLst>
-                <p:cond evt="onPrev" delay="0">
-                  <p:tgtEl>
-                    <p:sldTgt/>
-                  </p:tgtEl>
-                </p:cond>
-              </p:prevCondLst>
-              <p:nextCondLst>
-                <p:cond evt="onNext" delay="0">
-                  <p:tgtEl>
-                    <p:sldTgt/>
-                  </p:tgtEl>
-                </p:cond>
-              </p:nextCondLst>
-            </p:seq>
-          </p:childTnLst>
-        </p:cTn>
-      </p:par>
-    </p:tnLst>
-    <p:bldLst>
-      <p:bldP spid="13314" grpId="0"/>
-      <p:bldP spid="13315" grpId="0" uiExpand="1" build="p"/>
-    </p:bldLst>
-  </p:timing>
 </p:sld>
 </file>
 
@@ -17078,7 +16810,7 @@
       </p:grpSpPr>
       <p:sp>
         <p:nvSpPr>
-          <p:cNvPr id="45058" name="Rectangle 2"/>
+          <p:cNvPr id="13314" name="Rectangle 2"/>
           <p:cNvSpPr>
             <a:spLocks noGrp="1" noChangeArrowheads="1"/>
           </p:cNvSpPr>
@@ -17086,26 +16818,172 @@
             <p:ph type="title"/>
           </p:nvPr>
         </p:nvSpPr>
-        <p:spPr>
-          <a:xfrm>
-            <a:off x="533400" y="-76200"/>
-            <a:ext cx="7543800" cy="1295400"/>
-          </a:xfrm>
-        </p:spPr>
+        <p:spPr/>
         <p:txBody>
           <a:bodyPr/>
           <a:lstStyle/>
           <a:p>
             <a:r>
-              <a:rPr lang="en-US"/>
-              <a:t>General Architecture</a:t>
+              <a:rPr lang="en-US" altLang="zh-TW">
+                <a:ea typeface="標楷體" charset="0"/>
+                <a:cs typeface="標楷體" charset="0"/>
+              </a:rPr>
+              <a:t>What is JDBC?</a:t>
             </a:r>
           </a:p>
         </p:txBody>
       </p:sp>
       <p:sp>
         <p:nvSpPr>
-          <p:cNvPr id="6" name="Slide Number Placeholder 5"/>
+          <p:cNvPr id="13315" name="Rectangle 3"/>
+          <p:cNvSpPr>
+            <a:spLocks noGrp="1" noChangeArrowheads="1"/>
+          </p:cNvSpPr>
+          <p:nvPr>
+            <p:ph idx="1"/>
+          </p:nvPr>
+        </p:nvSpPr>
+        <p:spPr/>
+        <p:txBody>
+          <a:bodyPr/>
+          <a:lstStyle/>
+          <a:p>
+            <a:r>
+              <a:rPr lang="en-US" altLang="zh-TW" sz="2400" i="1" dirty="0">
+                <a:ea typeface="標楷體" charset="0"/>
+                <a:cs typeface="標楷體" charset="0"/>
+              </a:rPr>
+              <a:t>“An </a:t>
+            </a:r>
+            <a:r>
+              <a:rPr lang="en-US" altLang="zh-TW" sz="2400" i="1" dirty="0">
+                <a:solidFill>
+                  <a:srgbClr val="E46C0A"/>
+                </a:solidFill>
+                <a:ea typeface="標楷體" charset="0"/>
+                <a:cs typeface="標楷體" charset="0"/>
+              </a:rPr>
+              <a:t>API</a:t>
+            </a:r>
+            <a:r>
+              <a:rPr lang="en-US" altLang="zh-TW" sz="2400" i="1" dirty="0">
+                <a:ea typeface="標楷體" charset="0"/>
+                <a:cs typeface="標楷體" charset="0"/>
+              </a:rPr>
+              <a:t> that lets you access virtually </a:t>
+            </a:r>
+            <a:r>
+              <a:rPr lang="en-US" altLang="zh-TW" sz="2400" i="1" dirty="0">
+                <a:solidFill>
+                  <a:schemeClr val="accent6">
+                    <a:lumMod val="75000"/>
+                  </a:schemeClr>
+                </a:solidFill>
+                <a:ea typeface="標楷體" charset="0"/>
+                <a:cs typeface="標楷體" charset="0"/>
+              </a:rPr>
+              <a:t>any tabular data source </a:t>
+            </a:r>
+            <a:r>
+              <a:rPr lang="en-US" altLang="zh-TW" sz="2400" i="1" dirty="0">
+                <a:ea typeface="標楷體" charset="0"/>
+                <a:cs typeface="標楷體" charset="0"/>
+              </a:rPr>
+              <a:t>from the Java programming language”</a:t>
+            </a:r>
+          </a:p>
+          <a:p>
+            <a:pPr lvl="1"/>
+            <a:r>
+              <a:rPr lang="en-US" altLang="zh-TW" sz="2400" dirty="0">
+                <a:ea typeface="標楷體" charset="0"/>
+                <a:cs typeface="標楷體" charset="0"/>
+              </a:rPr>
+              <a:t>What’s an API? </a:t>
+            </a:r>
+            <a:r>
+              <a:rPr lang="en-US" altLang="zh-TW" sz="2400" i="1" dirty="0">
+                <a:ea typeface="標楷體" charset="0"/>
+                <a:cs typeface="標楷體" charset="0"/>
+              </a:rPr>
+              <a:t>Application Programming Interface</a:t>
+            </a:r>
+          </a:p>
+          <a:p>
+            <a:pPr lvl="1"/>
+            <a:r>
+              <a:rPr lang="en-US" altLang="zh-TW" sz="2400" dirty="0">
+                <a:ea typeface="標楷體" charset="0"/>
+                <a:cs typeface="標楷體" charset="0"/>
+              </a:rPr>
+              <a:t>What’s a tabular data source? </a:t>
+            </a:r>
+            <a:r>
+              <a:rPr lang="en-US" altLang="zh-TW" sz="2400" dirty="0">
+                <a:solidFill>
+                  <a:srgbClr val="E46C0A"/>
+                </a:solidFill>
+                <a:ea typeface="標楷體" charset="0"/>
+                <a:cs typeface="標楷體" charset="0"/>
+              </a:rPr>
+              <a:t>Relational</a:t>
+            </a:r>
+            <a:r>
+              <a:rPr lang="en-US" altLang="zh-TW" sz="2400" dirty="0">
+                <a:solidFill>
+                  <a:srgbClr val="0000FF"/>
+                </a:solidFill>
+                <a:ea typeface="標楷體" charset="0"/>
+                <a:cs typeface="標楷體" charset="0"/>
+              </a:rPr>
+              <a:t> </a:t>
+            </a:r>
+            <a:r>
+              <a:rPr lang="en-US" altLang="zh-TW" sz="2400" dirty="0">
+                <a:solidFill>
+                  <a:srgbClr val="E46C0A"/>
+                </a:solidFill>
+                <a:ea typeface="標楷體" charset="0"/>
+                <a:cs typeface="標楷體" charset="0"/>
+              </a:rPr>
+              <a:t>databases,</a:t>
+            </a:r>
+            <a:r>
+              <a:rPr lang="en-US" altLang="zh-TW" sz="2400" dirty="0">
+                <a:ea typeface="標楷體" charset="0"/>
+                <a:cs typeface="標楷體" charset="0"/>
+              </a:rPr>
+              <a:t> </a:t>
+            </a:r>
+            <a:r>
+              <a:rPr lang="en-US" altLang="zh-TW" sz="2400" dirty="0">
+                <a:solidFill>
+                  <a:srgbClr val="E46C0A"/>
+                </a:solidFill>
+                <a:ea typeface="標楷體" charset="0"/>
+                <a:cs typeface="標楷體" charset="0"/>
+              </a:rPr>
+              <a:t>spreadsheets, CSV files</a:t>
+            </a:r>
+            <a:endParaRPr lang="en-US" altLang="zh-TW" sz="2400" dirty="0">
+              <a:ea typeface="標楷體" charset="0"/>
+              <a:cs typeface="標楷體" charset="0"/>
+            </a:endParaRPr>
+          </a:p>
+          <a:p>
+            <a:r>
+              <a:rPr lang="en-US" altLang="zh-TW" sz="2400" dirty="0">
+                <a:ea typeface="標楷體" charset="0"/>
+                <a:cs typeface="標楷體" charset="0"/>
+              </a:rPr>
+              <a:t>We’ll focus on accessing relational databases. Nevertheless, the same principles can be applied to all data sources.</a:t>
+            </a:r>
+          </a:p>
+        </p:txBody>
+      </p:sp>
+      <p:sp>
+        <p:nvSpPr>
+          <p:cNvPr id="5" name="Slide Number Placeholder 5"/>
           <p:cNvSpPr>
             <a:spLocks noGrp="1"/>
           </p:cNvSpPr>
@@ -17118,7 +16996,7 @@
           <a:bodyPr/>
           <a:lstStyle/>
           <a:p>
-            <a:fld id="{B3A78229-3126-9B4A-8B00-1ED9660AC9D7}" type="slidenum">
+            <a:fld id="{BFF61341-EF06-1342-9A48-428369D47930}" type="slidenum">
               <a:rPr lang="en-US"/>
               <a:pPr/>
               <a:t>4</a:t>
@@ -17127,35 +17005,6 @@
           </a:p>
         </p:txBody>
       </p:sp>
-      <p:pic>
-        <p:nvPicPr>
-          <p:cNvPr id="3" name="Picture 2" descr="maxresdefault.jpg"/>
-          <p:cNvPicPr>
-            <a:picLocks noChangeAspect="1"/>
-          </p:cNvPicPr>
-          <p:nvPr/>
-        </p:nvPicPr>
-        <p:blipFill rotWithShape="1">
-          <a:blip r:embed="rId2">
-            <a:extLst>
-              <a:ext uri="{28A0092B-C50C-407E-A947-70E740481C1C}">
-                <a14:useLocalDpi xmlns:a14="http://schemas.microsoft.com/office/drawing/2010/main" val="0"/>
-              </a:ext>
-            </a:extLst>
-          </a:blip>
-          <a:srcRect t="1159" b="2087"/>
-          <a:stretch/>
-        </p:blipFill>
-        <p:spPr>
-          <a:xfrm>
-            <a:off x="685799" y="1530095"/>
-            <a:ext cx="8153401" cy="4565905"/>
-          </a:xfrm>
-          <a:prstGeom prst="rect">
-            <a:avLst/>
-          </a:prstGeom>
-        </p:spPr>
-      </p:pic>
     </p:spTree>
   </p:cSld>
   <p:clrMapOvr>
@@ -17198,7 +17047,7 @@
                                           </p:stCondLst>
                                         </p:cTn>
                                         <p:tgtEl>
-                                          <p:spTgt spid="45058"/>
+                                          <p:spTgt spid="13314"/>
                                         </p:tgtEl>
                                         <p:attrNameLst>
                                           <p:attrName>style.visibility</p:attrName>
@@ -17212,7 +17061,7 @@
                                       <p:cBhvr>
                                         <p:cTn id="7" dur="500" fill="hold"/>
                                         <p:tgtEl>
-                                          <p:spTgt spid="45058"/>
+                                          <p:spTgt spid="13314"/>
                                         </p:tgtEl>
                                         <p:attrNameLst>
                                           <p:attrName>ppt_w</p:attrName>
@@ -17235,7 +17084,7 @@
                                       <p:cBhvr>
                                         <p:cTn id="8" dur="500" fill="hold"/>
                                         <p:tgtEl>
-                                          <p:spTgt spid="45058"/>
+                                          <p:spTgt spid="13314"/>
                                         </p:tgtEl>
                                         <p:attrNameLst>
                                           <p:attrName>ppt_h</p:attrName>
@@ -17258,7 +17107,249 @@
                                       <p:cBhvr>
                                         <p:cTn id="9" dur="500"/>
                                         <p:tgtEl>
-                                          <p:spTgt spid="45058"/>
+                                          <p:spTgt spid="13314"/>
+                                        </p:tgtEl>
+                                      </p:cBhvr>
+                                    </p:animEffect>
+                                  </p:childTnLst>
+                                </p:cTn>
+                              </p:par>
+                            </p:childTnLst>
+                          </p:cTn>
+                        </p:par>
+                      </p:childTnLst>
+                    </p:cTn>
+                  </p:par>
+                  <p:par>
+                    <p:cTn id="10" fill="hold" nodeType="clickPar">
+                      <p:stCondLst>
+                        <p:cond delay="indefinite"/>
+                      </p:stCondLst>
+                      <p:childTnLst>
+                        <p:par>
+                          <p:cTn id="11" fill="hold" nodeType="withGroup">
+                            <p:stCondLst>
+                              <p:cond delay="0"/>
+                            </p:stCondLst>
+                            <p:childTnLst>
+                              <p:par>
+                                <p:cTn id="12" presetID="10" presetClass="entr" presetSubtype="0" fill="hold" grpId="0" nodeType="clickEffect">
+                                  <p:stCondLst>
+                                    <p:cond delay="0"/>
+                                  </p:stCondLst>
+                                  <p:childTnLst>
+                                    <p:set>
+                                      <p:cBhvr>
+                                        <p:cTn id="13" dur="1" fill="hold">
+                                          <p:stCondLst>
+                                            <p:cond delay="0"/>
+                                          </p:stCondLst>
+                                        </p:cTn>
+                                        <p:tgtEl>
+                                          <p:spTgt spid="13315">
+                                            <p:txEl>
+                                              <p:pRg st="0" end="0"/>
+                                            </p:txEl>
+                                          </p:spTgt>
+                                        </p:tgtEl>
+                                        <p:attrNameLst>
+                                          <p:attrName>style.visibility</p:attrName>
+                                        </p:attrNameLst>
+                                      </p:cBhvr>
+                                      <p:to>
+                                        <p:strVal val="visible"/>
+                                      </p:to>
+                                    </p:set>
+                                    <p:animEffect transition="in" filter="fade">
+                                      <p:cBhvr>
+                                        <p:cTn id="14" dur="1000">
+                                          <p:stCondLst>
+                                            <p:cond delay="0"/>
+                                          </p:stCondLst>
+                                        </p:cTn>
+                                        <p:tgtEl>
+                                          <p:spTgt spid="13315">
+                                            <p:txEl>
+                                              <p:pRg st="0" end="0"/>
+                                            </p:txEl>
+                                          </p:spTgt>
+                                        </p:tgtEl>
+                                      </p:cBhvr>
+                                    </p:animEffect>
+                                  </p:childTnLst>
+                                </p:cTn>
+                              </p:par>
+                            </p:childTnLst>
+                          </p:cTn>
+                        </p:par>
+                        <p:par>
+                          <p:cTn id="15" fill="hold" nodeType="afterGroup">
+                            <p:stCondLst>
+                              <p:cond delay="1000"/>
+                            </p:stCondLst>
+                            <p:childTnLst>
+                              <p:par>
+                                <p:cTn id="16" presetID="10" presetClass="entr" presetSubtype="0" fill="hold" grpId="0" nodeType="afterEffect">
+                                  <p:stCondLst>
+                                    <p:cond delay="0"/>
+                                  </p:stCondLst>
+                                  <p:childTnLst>
+                                    <p:set>
+                                      <p:cBhvr>
+                                        <p:cTn id="17" dur="1" fill="hold">
+                                          <p:stCondLst>
+                                            <p:cond delay="0"/>
+                                          </p:stCondLst>
+                                        </p:cTn>
+                                        <p:tgtEl>
+                                          <p:spTgt spid="13315">
+                                            <p:txEl>
+                                              <p:pRg st="1" end="1"/>
+                                            </p:txEl>
+                                          </p:spTgt>
+                                        </p:tgtEl>
+                                        <p:attrNameLst>
+                                          <p:attrName>style.visibility</p:attrName>
+                                        </p:attrNameLst>
+                                      </p:cBhvr>
+                                      <p:to>
+                                        <p:strVal val="visible"/>
+                                      </p:to>
+                                    </p:set>
+                                    <p:animEffect transition="in" filter="fade">
+                                      <p:cBhvr>
+                                        <p:cTn id="18" dur="1000">
+                                          <p:stCondLst>
+                                            <p:cond delay="0"/>
+                                          </p:stCondLst>
+                                        </p:cTn>
+                                        <p:tgtEl>
+                                          <p:spTgt spid="13315">
+                                            <p:txEl>
+                                              <p:pRg st="1" end="1"/>
+                                            </p:txEl>
+                                          </p:spTgt>
+                                        </p:tgtEl>
+                                      </p:cBhvr>
+                                    </p:animEffect>
+                                  </p:childTnLst>
+                                </p:cTn>
+                              </p:par>
+                            </p:childTnLst>
+                          </p:cTn>
+                        </p:par>
+                        <p:par>
+                          <p:cTn id="19" fill="hold">
+                            <p:stCondLst>
+                              <p:cond delay="2000"/>
+                            </p:stCondLst>
+                            <p:childTnLst>
+                              <p:par>
+                                <p:cTn id="20" presetID="10" presetClass="entr" presetSubtype="0" fill="hold" grpId="0" nodeType="afterEffect">
+                                  <p:stCondLst>
+                                    <p:cond delay="0"/>
+                                  </p:stCondLst>
+                                  <p:childTnLst>
+                                    <p:set>
+                                      <p:cBhvr>
+                                        <p:cTn id="21" dur="1" fill="hold">
+                                          <p:stCondLst>
+                                            <p:cond delay="0"/>
+                                          </p:stCondLst>
+                                        </p:cTn>
+                                        <p:tgtEl>
+                                          <p:spTgt spid="13315">
+                                            <p:txEl>
+                                              <p:pRg st="2" end="2"/>
+                                            </p:txEl>
+                                          </p:spTgt>
+                                        </p:tgtEl>
+                                        <p:attrNameLst>
+                                          <p:attrName>style.visibility</p:attrName>
+                                        </p:attrNameLst>
+                                      </p:cBhvr>
+                                      <p:to>
+                                        <p:strVal val="visible"/>
+                                      </p:to>
+                                    </p:set>
+                                    <p:animEffect transition="in" filter="fade">
+                                      <p:cBhvr>
+                                        <p:cTn id="22" dur="1000">
+                                          <p:stCondLst>
+                                            <p:cond delay="0"/>
+                                          </p:stCondLst>
+                                        </p:cTn>
+                                        <p:tgtEl>
+                                          <p:spTgt spid="13315">
+                                            <p:txEl>
+                                              <p:pRg st="2" end="2"/>
+                                            </p:txEl>
+                                          </p:spTgt>
+                                        </p:tgtEl>
+                                      </p:cBhvr>
+                                    </p:animEffect>
+                                  </p:childTnLst>
+                                </p:cTn>
+                              </p:par>
+                            </p:childTnLst>
+                          </p:cTn>
+                        </p:par>
+                      </p:childTnLst>
+                    </p:cTn>
+                  </p:par>
+                  <p:par>
+                    <p:cTn id="23" fill="hold" nodeType="clickPar">
+                      <p:stCondLst>
+                        <p:cond delay="indefinite"/>
+                      </p:stCondLst>
+                      <p:childTnLst>
+                        <p:par>
+                          <p:cTn id="24" fill="hold" nodeType="withGroup">
+                            <p:stCondLst>
+                              <p:cond delay="0"/>
+                            </p:stCondLst>
+                            <p:childTnLst>
+                              <p:par>
+                                <p:cTn id="25" presetID="10" presetClass="entr" presetSubtype="0" fill="hold" grpId="0" nodeType="clickEffect">
+                                  <p:stCondLst>
+                                    <p:cond delay="0"/>
+                                  </p:stCondLst>
+                                  <p:childTnLst>
+                                    <p:set>
+                                      <p:cBhvr>
+                                        <p:cTn id="26" dur="1" fill="hold">
+                                          <p:stCondLst>
+                                            <p:cond delay="0"/>
+                                          </p:stCondLst>
+                                        </p:cTn>
+                                        <p:tgtEl>
+                                          <p:spTgt spid="13315">
+                                            <p:txEl>
+                                              <p:pRg st="3" end="3"/>
+                                            </p:txEl>
+                                          </p:spTgt>
+                                        </p:tgtEl>
+                                        <p:attrNameLst>
+                                          <p:attrName>style.visibility</p:attrName>
+                                        </p:attrNameLst>
+                                      </p:cBhvr>
+                                      <p:to>
+                                        <p:strVal val="visible"/>
+                                      </p:to>
+                                    </p:set>
+                                    <p:animEffect transition="in" filter="fade">
+                                      <p:cBhvr>
+                                        <p:cTn id="27" dur="1000">
+                                          <p:stCondLst>
+                                            <p:cond delay="0"/>
+                                          </p:stCondLst>
+                                        </p:cTn>
+                                        <p:tgtEl>
+                                          <p:spTgt spid="13315">
+                                            <p:txEl>
+                                              <p:pRg st="3" end="3"/>
+                                            </p:txEl>
+                                          </p:spTgt>
                                         </p:tgtEl>
                                       </p:cBhvr>
                                     </p:animEffect>
@@ -17293,7 +17384,8 @@
       </p:par>
     </p:tnLst>
     <p:bldLst>
-      <p:bldP spid="45058" grpId="0"/>
+      <p:bldP spid="13314" grpId="0"/>
+      <p:bldP spid="13315" grpId="0" uiExpand="1" build="p"/>
     </p:bldLst>
   </p:timing>
 </p:sld>
@@ -18579,6 +18671,246 @@
       </p:grpSpPr>
       <p:sp>
         <p:nvSpPr>
+          <p:cNvPr id="45058" name="Rectangle 2"/>
+          <p:cNvSpPr>
+            <a:spLocks noGrp="1" noChangeArrowheads="1"/>
+          </p:cNvSpPr>
+          <p:nvPr>
+            <p:ph type="title"/>
+          </p:nvPr>
+        </p:nvSpPr>
+        <p:spPr>
+          <a:xfrm>
+            <a:off x="533400" y="-76200"/>
+            <a:ext cx="7543800" cy="1295400"/>
+          </a:xfrm>
+        </p:spPr>
+        <p:txBody>
+          <a:bodyPr/>
+          <a:lstStyle/>
+          <a:p>
+            <a:r>
+              <a:rPr lang="en-US"/>
+              <a:t>General Architecture</a:t>
+            </a:r>
+          </a:p>
+        </p:txBody>
+      </p:sp>
+      <p:sp>
+        <p:nvSpPr>
+          <p:cNvPr id="6" name="Slide Number Placeholder 5"/>
+          <p:cNvSpPr>
+            <a:spLocks noGrp="1"/>
+          </p:cNvSpPr>
+          <p:nvPr>
+            <p:ph type="sldNum" sz="quarter" idx="12"/>
+          </p:nvPr>
+        </p:nvSpPr>
+        <p:spPr/>
+        <p:txBody>
+          <a:bodyPr/>
+          <a:lstStyle/>
+          <a:p>
+            <a:fld id="{B3A78229-3126-9B4A-8B00-1ED9660AC9D7}" type="slidenum">
+              <a:rPr lang="en-US"/>
+              <a:pPr/>
+              <a:t>5</a:t>
+            </a:fld>
+            <a:endParaRPr lang="en-US"/>
+          </a:p>
+        </p:txBody>
+      </p:sp>
+      <p:pic>
+        <p:nvPicPr>
+          <p:cNvPr id="3" name="Picture 2" descr="maxresdefault.jpg"/>
+          <p:cNvPicPr>
+            <a:picLocks noChangeAspect="1"/>
+          </p:cNvPicPr>
+          <p:nvPr/>
+        </p:nvPicPr>
+        <p:blipFill rotWithShape="1">
+          <a:blip r:embed="rId2">
+            <a:extLst>
+              <a:ext uri="{28A0092B-C50C-407E-A947-70E740481C1C}">
+                <a14:useLocalDpi xmlns:a14="http://schemas.microsoft.com/office/drawing/2010/main" val="0"/>
+              </a:ext>
+            </a:extLst>
+          </a:blip>
+          <a:srcRect t="1159" b="2087"/>
+          <a:stretch/>
+        </p:blipFill>
+        <p:spPr>
+          <a:xfrm>
+            <a:off x="685799" y="1530095"/>
+            <a:ext cx="8153401" cy="4565905"/>
+          </a:xfrm>
+          <a:prstGeom prst="rect">
+            <a:avLst/>
+          </a:prstGeom>
+        </p:spPr>
+      </p:pic>
+    </p:spTree>
+  </p:cSld>
+  <p:clrMapOvr>
+    <a:masterClrMapping/>
+  </p:clrMapOvr>
+  <p:timing>
+    <p:tnLst>
+      <p:par>
+        <p:cTn id="1" dur="indefinite" restart="never" nodeType="tmRoot">
+          <p:childTnLst>
+            <p:seq concurrent="1" nextAc="seek">
+              <p:cTn id="2" dur="indefinite" nodeType="mainSeq">
+                <p:childTnLst>
+                  <p:par>
+                    <p:cTn id="3" fill="hold" nodeType="clickPar">
+                      <p:stCondLst>
+                        <p:cond delay="indefinite"/>
+                        <p:cond evt="onBegin" delay="0">
+                          <p:tn val="2"/>
+                        </p:cond>
+                      </p:stCondLst>
+                      <p:childTnLst>
+                        <p:par>
+                          <p:cTn id="4" fill="hold" nodeType="withGroup">
+                            <p:stCondLst>
+                              <p:cond delay="0"/>
+                            </p:stCondLst>
+                            <p:childTnLst>
+                              <p:par>
+                                <p:cTn id="5" presetID="53" presetClass="entr" presetSubtype="0" fill="hold" grpId="0" nodeType="withEffect">
+                                  <p:stCondLst>
+                                    <p:cond delay="0"/>
+                                  </p:stCondLst>
+                                  <p:childTnLst>
+                                    <p:set>
+                                      <p:cBhvr>
+                                        <p:cTn id="6" dur="1" fill="hold">
+                                          <p:stCondLst>
+                                            <p:cond delay="0"/>
+                                          </p:stCondLst>
+                                        </p:cTn>
+                                        <p:tgtEl>
+                                          <p:spTgt spid="45058"/>
+                                        </p:tgtEl>
+                                        <p:attrNameLst>
+                                          <p:attrName>style.visibility</p:attrName>
+                                        </p:attrNameLst>
+                                      </p:cBhvr>
+                                      <p:to>
+                                        <p:strVal val="visible"/>
+                                      </p:to>
+                                    </p:set>
+                                    <p:anim calcmode="lin" valueType="num">
+                                      <p:cBhvr>
+                                        <p:cTn id="7" dur="500" fill="hold"/>
+                                        <p:tgtEl>
+                                          <p:spTgt spid="45058"/>
+                                        </p:tgtEl>
+                                        <p:attrNameLst>
+                                          <p:attrName>ppt_w</p:attrName>
+                                        </p:attrNameLst>
+                                      </p:cBhvr>
+                                      <p:tavLst>
+                                        <p:tav tm="0">
+                                          <p:val>
+                                            <p:fltVal val="0"/>
+                                          </p:val>
+                                        </p:tav>
+                                        <p:tav tm="100000">
+                                          <p:val>
+                                            <p:strVal val="#ppt_w"/>
+                                          </p:val>
+                                        </p:tav>
+                                      </p:tavLst>
+                                    </p:anim>
+                                    <p:anim calcmode="lin" valueType="num">
+                                      <p:cBhvr>
+                                        <p:cTn id="8" dur="500" fill="hold"/>
+                                        <p:tgtEl>
+                                          <p:spTgt spid="45058"/>
+                                        </p:tgtEl>
+                                        <p:attrNameLst>
+                                          <p:attrName>ppt_h</p:attrName>
+                                        </p:attrNameLst>
+                                      </p:cBhvr>
+                                      <p:tavLst>
+                                        <p:tav tm="0">
+                                          <p:val>
+                                            <p:fltVal val="0"/>
+                                          </p:val>
+                                        </p:tav>
+                                        <p:tav tm="100000">
+                                          <p:val>
+                                            <p:strVal val="#ppt_h"/>
+                                          </p:val>
+                                        </p:tav>
+                                      </p:tavLst>
+                                    </p:anim>
+                                    <p:animEffect transition="in" filter="fade">
+                                      <p:cBhvr>
+                                        <p:cTn id="9" dur="500"/>
+                                        <p:tgtEl>
+                                          <p:spTgt spid="45058"/>
+                                        </p:tgtEl>
+                                      </p:cBhvr>
+                                    </p:animEffect>
+                                  </p:childTnLst>
+                                </p:cTn>
+                              </p:par>
+                            </p:childTnLst>
+                          </p:cTn>
+                        </p:par>
+                      </p:childTnLst>
+                    </p:cTn>
+                  </p:par>
+                </p:childTnLst>
+              </p:cTn>
+              <p:prevCondLst>
+                <p:cond evt="onPrev" delay="0">
+                  <p:tgtEl>
+                    <p:sldTgt/>
+                  </p:tgtEl>
+                </p:cond>
+              </p:prevCondLst>
+              <p:nextCondLst>
+                <p:cond evt="onNext" delay="0">
+                  <p:tgtEl>
+                    <p:sldTgt/>
+                  </p:tgtEl>
+                </p:cond>
+              </p:nextCondLst>
+            </p:seq>
+          </p:childTnLst>
+        </p:cTn>
+      </p:par>
+    </p:tnLst>
+    <p:bldLst>
+      <p:bldP spid="45058" grpId="0"/>
+    </p:bldLst>
+  </p:timing>
+</p:sld>
+</file>
+
+<file path=ppt/slides/slide6.xml><?xml version="1.0" encoding="utf-8"?>
+<p:sld xmlns:a="http://schemas.openxmlformats.org/drawingml/2006/main" xmlns:r="http://schemas.openxmlformats.org/officeDocument/2006/relationships" xmlns:p="http://schemas.openxmlformats.org/presentationml/2006/main" showMasterPhAnim="0">
+  <p:cSld>
+    <p:spTree>
+      <p:nvGrpSpPr>
+        <p:cNvPr id="1" name=""/>
+        <p:cNvGrpSpPr/>
+        <p:nvPr/>
+      </p:nvGrpSpPr>
+      <p:grpSpPr>
+        <a:xfrm>
+          <a:off x="0" y="0"/>
+          <a:ext cx="0" cy="0"/>
+          <a:chOff x="0" y="0"/>
+          <a:chExt cx="0" cy="0"/>
+        </a:xfrm>
+      </p:grpSpPr>
+      <p:sp>
+        <p:nvSpPr>
           <p:cNvPr id="69634" name="Rectangle 2"/>
           <p:cNvSpPr>
             <a:spLocks noGrp="1" noChangeArrowheads="1"/>
@@ -18686,11 +19018,7 @@
                   </a:schemeClr>
                 </a:solidFill>
               </a:rPr>
-              <a:t>SQL </a:t>
-            </a:r>
-            <a:r>
-              <a:rPr lang="en-US" dirty="0"/>
-              <a:t>Statements</a:t>
+              <a:t>SQL Statements</a:t>
             </a:r>
           </a:p>
           <a:p>
@@ -18759,7 +19087,7 @@
             <a:fld id="{DEF4F081-0C2F-E04A-84CF-BAFF5DDABCDA}" type="slidenum">
               <a:rPr lang="en-US"/>
               <a:pPr/>
-              <a:t>5</a:t>
+              <a:t>6</a:t>
             </a:fld>
             <a:endParaRPr lang="en-US"/>
           </a:p>
@@ -19299,217 +19627,6 @@
 </p:sld>
 </file>
 
-<file path=ppt/slides/slide6.xml><?xml version="1.0" encoding="utf-8"?>
-<p:sld xmlns:a="http://schemas.openxmlformats.org/drawingml/2006/main" xmlns:r="http://schemas.openxmlformats.org/officeDocument/2006/relationships" xmlns:p="http://schemas.openxmlformats.org/presentationml/2006/main">
-  <p:cSld>
-    <p:spTree>
-      <p:nvGrpSpPr>
-        <p:cNvPr id="1" name=""/>
-        <p:cNvGrpSpPr/>
-        <p:nvPr/>
-      </p:nvGrpSpPr>
-      <p:grpSpPr>
-        <a:xfrm>
-          <a:off x="0" y="0"/>
-          <a:ext cx="0" cy="0"/>
-          <a:chOff x="0" y="0"/>
-          <a:chExt cx="0" cy="0"/>
-        </a:xfrm>
-      </p:grpSpPr>
-      <p:sp>
-        <p:nvSpPr>
-          <p:cNvPr id="2" name="Title 1"/>
-          <p:cNvSpPr>
-            <a:spLocks noGrp="1"/>
-          </p:cNvSpPr>
-          <p:nvPr>
-            <p:ph type="title"/>
-          </p:nvPr>
-        </p:nvSpPr>
-        <p:spPr/>
-        <p:txBody>
-          <a:bodyPr/>
-          <a:lstStyle/>
-          <a:p>
-            <a:r>
-              <a:rPr lang="en-US" dirty="0"/>
-              <a:t>Vendor specific drivers</a:t>
-            </a:r>
-          </a:p>
-        </p:txBody>
-      </p:sp>
-      <p:sp>
-        <p:nvSpPr>
-          <p:cNvPr id="3" name="Content Placeholder 2"/>
-          <p:cNvSpPr>
-            <a:spLocks noGrp="1"/>
-          </p:cNvSpPr>
-          <p:nvPr>
-            <p:ph idx="1"/>
-          </p:nvPr>
-        </p:nvSpPr>
-        <p:spPr/>
-        <p:txBody>
-          <a:bodyPr>
-            <a:normAutofit lnSpcReduction="10000"/>
-          </a:bodyPr>
-          <a:lstStyle/>
-          <a:p>
-            <a:r>
-              <a:rPr lang="en-US" sz="2600" dirty="0"/>
-              <a:t>JDBC drivers </a:t>
-            </a:r>
-            <a:r>
-              <a:rPr lang="en-US" sz="2600" dirty="0">
-                <a:solidFill>
-                  <a:srgbClr val="E46C0A"/>
-                </a:solidFill>
-              </a:rPr>
-              <a:t>provide the connection to the database</a:t>
-            </a:r>
-            <a:r>
-              <a:rPr lang="en-US" sz="2600" dirty="0"/>
-              <a:t> and </a:t>
-            </a:r>
-            <a:r>
-              <a:rPr lang="en-US" sz="2600" dirty="0">
-                <a:solidFill>
-                  <a:srgbClr val="E46C0A"/>
-                </a:solidFill>
-              </a:rPr>
-              <a:t>implement the protocol for transferring queries and results </a:t>
-            </a:r>
-            <a:r>
-              <a:rPr lang="en-US" sz="2600" dirty="0"/>
-              <a:t>between the client and the database.</a:t>
-            </a:r>
-          </a:p>
-          <a:p>
-            <a:r>
-              <a:rPr lang="en-US" sz="2600" dirty="0"/>
-              <a:t>There are 4 type of drivers. We refer to </a:t>
-            </a:r>
-            <a:r>
-              <a:rPr lang="en-US" sz="2600" dirty="0">
-                <a:solidFill>
-                  <a:schemeClr val="accent6">
-                    <a:lumMod val="75000"/>
-                  </a:schemeClr>
-                </a:solidFill>
-              </a:rPr>
-              <a:t>Type 4</a:t>
-            </a:r>
-            <a:r>
-              <a:rPr lang="en-US" sz="2600" dirty="0"/>
-              <a:t>: Pure Java (see Appendix II)</a:t>
-            </a:r>
-          </a:p>
-          <a:p>
-            <a:r>
-              <a:rPr lang="en-US" sz="2600" dirty="0"/>
-              <a:t>Each database needs a specific driver. They need to be </a:t>
-            </a:r>
-            <a:r>
-              <a:rPr lang="en-US" sz="2600" dirty="0">
-                <a:solidFill>
-                  <a:srgbClr val="E46C0A"/>
-                </a:solidFill>
-              </a:rPr>
-              <a:t>downloaded separately </a:t>
-            </a:r>
-          </a:p>
-          <a:p>
-            <a:pPr lvl="1"/>
-            <a:r>
-              <a:rPr lang="en-US" sz="2000" dirty="0"/>
-              <a:t>[</a:t>
-            </a:r>
-            <a:r>
-              <a:rPr lang="en-US" sz="2000" dirty="0" err="1"/>
-              <a:t>mySQL</a:t>
-            </a:r>
-            <a:r>
-              <a:rPr lang="en-US" sz="2000" dirty="0"/>
-              <a:t>] https://</a:t>
-            </a:r>
-            <a:r>
-              <a:rPr lang="en-US" sz="2000" dirty="0" err="1"/>
-              <a:t>dev.mysql.com</a:t>
-            </a:r>
-            <a:r>
-              <a:rPr lang="en-US" sz="2000" dirty="0"/>
-              <a:t>/downloads/connector/j/</a:t>
-            </a:r>
-          </a:p>
-          <a:p>
-            <a:pPr lvl="1"/>
-            <a:r>
-              <a:rPr lang="en-US" sz="2000" dirty="0"/>
-              <a:t>[SQLite] </a:t>
-            </a:r>
-            <a:r>
-              <a:rPr lang="en-US" sz="2000" dirty="0">
-                <a:hlinkClick r:id="rId2"/>
-              </a:rPr>
-              <a:t>https://github.com/xerial/sqlite-jdbc</a:t>
-            </a:r>
-            <a:endParaRPr lang="en-US" sz="2000" dirty="0"/>
-          </a:p>
-          <a:p>
-            <a:r>
-              <a:rPr lang="en-US" sz="2600" dirty="0"/>
-              <a:t>Drivers are Java binary libraries and </a:t>
-            </a:r>
-            <a:r>
-              <a:rPr lang="en-US" sz="2600" dirty="0">
-                <a:solidFill>
-                  <a:schemeClr val="accent6">
-                    <a:lumMod val="75000"/>
-                  </a:schemeClr>
-                </a:solidFill>
-              </a:rPr>
-              <a:t>must be included into the CLASSPATH</a:t>
-            </a:r>
-          </a:p>
-        </p:txBody>
-      </p:sp>
-      <p:sp>
-        <p:nvSpPr>
-          <p:cNvPr id="4" name="Slide Number Placeholder 3"/>
-          <p:cNvSpPr>
-            <a:spLocks noGrp="1"/>
-          </p:cNvSpPr>
-          <p:nvPr>
-            <p:ph type="sldNum" sz="quarter" idx="12"/>
-          </p:nvPr>
-        </p:nvSpPr>
-        <p:spPr/>
-        <p:txBody>
-          <a:bodyPr/>
-          <a:lstStyle/>
-          <a:p>
-            <a:fld id="{4C5F9F1B-9DEF-0147-BEFB-CE1B18546A63}" type="slidenum">
-              <a:rPr lang="en-US" smtClean="0"/>
-              <a:pPr/>
-              <a:t>6</a:t>
-            </a:fld>
-            <a:endParaRPr lang="en-US"/>
-          </a:p>
-        </p:txBody>
-      </p:sp>
-    </p:spTree>
-    <p:extLst>
-      <p:ext uri="{BB962C8B-B14F-4D97-AF65-F5344CB8AC3E}">
-        <p14:creationId xmlns:p14="http://schemas.microsoft.com/office/powerpoint/2010/main" val="963872785"/>
-      </p:ext>
-    </p:extLst>
-  </p:cSld>
-  <p:clrMapOvr>
-    <a:masterClrMapping/>
-  </p:clrMapOvr>
-</p:sld>
-</file>
-
 <file path=ppt/slides/slide7.xml><?xml version="1.0" encoding="utf-8"?>
 <p:sld xmlns:a="http://schemas.openxmlformats.org/drawingml/2006/main" xmlns:r="http://schemas.openxmlformats.org/officeDocument/2006/relationships" xmlns:p="http://schemas.openxmlformats.org/presentationml/2006/main">
   <p:cSld>
@@ -19551,6 +19668,137 @@
       </p:sp>
       <p:sp>
         <p:nvSpPr>
+          <p:cNvPr id="3" name="Content Placeholder 2"/>
+          <p:cNvSpPr>
+            <a:spLocks noGrp="1"/>
+          </p:cNvSpPr>
+          <p:nvPr>
+            <p:ph idx="1"/>
+          </p:nvPr>
+        </p:nvSpPr>
+        <p:spPr/>
+        <p:txBody>
+          <a:bodyPr>
+            <a:normAutofit lnSpcReduction="10000"/>
+          </a:bodyPr>
+          <a:lstStyle/>
+          <a:p>
+            <a:r>
+              <a:rPr lang="en-US" sz="2600" dirty="0"/>
+              <a:t>JDBC drivers </a:t>
+            </a:r>
+            <a:r>
+              <a:rPr lang="en-US" sz="2600" dirty="0">
+                <a:solidFill>
+                  <a:srgbClr val="E46C0A"/>
+                </a:solidFill>
+              </a:rPr>
+              <a:t>provide the connection to the database</a:t>
+            </a:r>
+            <a:r>
+              <a:rPr lang="en-US" sz="2600" dirty="0"/>
+              <a:t> and </a:t>
+            </a:r>
+            <a:r>
+              <a:rPr lang="en-US" sz="2600" dirty="0">
+                <a:solidFill>
+                  <a:srgbClr val="E46C0A"/>
+                </a:solidFill>
+              </a:rPr>
+              <a:t>implement the protocol for transferring queries and results </a:t>
+            </a:r>
+            <a:r>
+              <a:rPr lang="en-US" sz="2600" dirty="0"/>
+              <a:t>between the client and the database.</a:t>
+            </a:r>
+          </a:p>
+          <a:p>
+            <a:r>
+              <a:rPr lang="en-US" sz="2600" dirty="0"/>
+              <a:t>There are 4 type of drivers. We refer to </a:t>
+            </a:r>
+            <a:r>
+              <a:rPr lang="en-US" sz="2600" dirty="0">
+                <a:solidFill>
+                  <a:schemeClr val="accent6">
+                    <a:lumMod val="75000"/>
+                  </a:schemeClr>
+                </a:solidFill>
+              </a:rPr>
+              <a:t>Type 4: Pure Java </a:t>
+            </a:r>
+            <a:r>
+              <a:rPr lang="en-US" sz="2600" dirty="0"/>
+              <a:t>(see Appendix II)</a:t>
+            </a:r>
+          </a:p>
+          <a:p>
+            <a:r>
+              <a:rPr lang="en-US" sz="2600" dirty="0"/>
+              <a:t>Each database needs a specific driver. They need to be </a:t>
+            </a:r>
+            <a:r>
+              <a:rPr lang="en-US" sz="2600" dirty="0">
+                <a:solidFill>
+                  <a:srgbClr val="E46C0A"/>
+                </a:solidFill>
+              </a:rPr>
+              <a:t>downloaded separately </a:t>
+            </a:r>
+          </a:p>
+          <a:p>
+            <a:pPr lvl="1"/>
+            <a:r>
+              <a:rPr lang="en-US" sz="2000" dirty="0"/>
+              <a:t>[</a:t>
+            </a:r>
+            <a:r>
+              <a:rPr lang="en-US" sz="2000" dirty="0" err="1"/>
+              <a:t>mySQL</a:t>
+            </a:r>
+            <a:r>
+              <a:rPr lang="en-US" sz="2000" dirty="0"/>
+              <a:t>] https://</a:t>
+            </a:r>
+            <a:r>
+              <a:rPr lang="en-US" sz="2000" dirty="0" err="1"/>
+              <a:t>dev.mysql.com</a:t>
+            </a:r>
+            <a:r>
+              <a:rPr lang="en-US" sz="2000" dirty="0"/>
+              <a:t>/downloads/connector/j/</a:t>
+            </a:r>
+          </a:p>
+          <a:p>
+            <a:pPr lvl="1"/>
+            <a:r>
+              <a:rPr lang="en-US" sz="2000" dirty="0"/>
+              <a:t>[SQLite] </a:t>
+            </a:r>
+            <a:r>
+              <a:rPr lang="en-US" sz="2000" dirty="0">
+                <a:hlinkClick r:id="rId2"/>
+              </a:rPr>
+              <a:t>https://github.com/xerial/sqlite-jdbc</a:t>
+            </a:r>
+            <a:endParaRPr lang="en-US" sz="2000" dirty="0"/>
+          </a:p>
+          <a:p>
+            <a:r>
+              <a:rPr lang="en-US" sz="2600" dirty="0">
+                <a:solidFill>
+                  <a:schemeClr val="accent6">
+                    <a:lumMod val="75000"/>
+                  </a:schemeClr>
+                </a:solidFill>
+              </a:rPr>
+              <a:t>Drivers are Java binary classes (.class files) and must be included into the CLASSPATH</a:t>
+            </a:r>
+          </a:p>
+        </p:txBody>
+      </p:sp>
+      <p:sp>
+        <p:nvSpPr>
           <p:cNvPr id="4" name="Slide Number Placeholder 3"/>
           <p:cNvSpPr>
             <a:spLocks noGrp="1"/>
@@ -19568,6 +19816,82 @@
               <a:rPr lang="en-US" smtClean="0"/>
               <a:pPr/>
               <a:t>7</a:t>
+            </a:fld>
+            <a:endParaRPr lang="en-US"/>
+          </a:p>
+        </p:txBody>
+      </p:sp>
+    </p:spTree>
+    <p:extLst>
+      <p:ext uri="{BB962C8B-B14F-4D97-AF65-F5344CB8AC3E}">
+        <p14:creationId xmlns:p14="http://schemas.microsoft.com/office/powerpoint/2010/main" val="963872785"/>
+      </p:ext>
+    </p:extLst>
+  </p:cSld>
+  <p:clrMapOvr>
+    <a:masterClrMapping/>
+  </p:clrMapOvr>
+</p:sld>
+</file>
+
+<file path=ppt/slides/slide8.xml><?xml version="1.0" encoding="utf-8"?>
+<p:sld xmlns:a="http://schemas.openxmlformats.org/drawingml/2006/main" xmlns:r="http://schemas.openxmlformats.org/officeDocument/2006/relationships" xmlns:p="http://schemas.openxmlformats.org/presentationml/2006/main">
+  <p:cSld>
+    <p:spTree>
+      <p:nvGrpSpPr>
+        <p:cNvPr id="1" name=""/>
+        <p:cNvGrpSpPr/>
+        <p:nvPr/>
+      </p:nvGrpSpPr>
+      <p:grpSpPr>
+        <a:xfrm>
+          <a:off x="0" y="0"/>
+          <a:ext cx="0" cy="0"/>
+          <a:chOff x="0" y="0"/>
+          <a:chExt cx="0" cy="0"/>
+        </a:xfrm>
+      </p:grpSpPr>
+      <p:sp>
+        <p:nvSpPr>
+          <p:cNvPr id="2" name="Title 1"/>
+          <p:cNvSpPr>
+            <a:spLocks noGrp="1"/>
+          </p:cNvSpPr>
+          <p:nvPr>
+            <p:ph type="title"/>
+          </p:nvPr>
+        </p:nvSpPr>
+        <p:spPr/>
+        <p:txBody>
+          <a:bodyPr/>
+          <a:lstStyle/>
+          <a:p>
+            <a:r>
+              <a:rPr lang="en-US" dirty="0"/>
+              <a:t>Vendor specific drivers</a:t>
+            </a:r>
+          </a:p>
+        </p:txBody>
+      </p:sp>
+      <p:sp>
+        <p:nvSpPr>
+          <p:cNvPr id="4" name="Slide Number Placeholder 3"/>
+          <p:cNvSpPr>
+            <a:spLocks noGrp="1"/>
+          </p:cNvSpPr>
+          <p:nvPr>
+            <p:ph type="sldNum" sz="quarter" idx="12"/>
+          </p:nvPr>
+        </p:nvSpPr>
+        <p:spPr/>
+        <p:txBody>
+          <a:bodyPr/>
+          <a:lstStyle/>
+          <a:p>
+            <a:fld id="{4C5F9F1B-9DEF-0147-BEFB-CE1B18546A63}" type="slidenum">
+              <a:rPr lang="en-US" smtClean="0"/>
+              <a:pPr/>
+              <a:t>8</a:t>
             </a:fld>
             <a:endParaRPr lang="en-US"/>
           </a:p>
@@ -19616,7 +19940,7 @@
 </p:sld>
 </file>
 
-<file path=ppt/slides/slide8.xml><?xml version="1.0" encoding="utf-8"?>
+<file path=ppt/slides/slide9.xml><?xml version="1.0" encoding="utf-8"?>
 <p:sld xmlns:a="http://schemas.openxmlformats.org/drawingml/2006/main" xmlns:r="http://schemas.openxmlformats.org/officeDocument/2006/relationships" xmlns:p="http://schemas.openxmlformats.org/presentationml/2006/main" showMasterPhAnim="0">
   <p:cSld>
     <p:spTree>
@@ -19673,7 +19997,7 @@
             <a:fld id="{96A1889A-6288-F942-BB21-FEAA21406FE8}" type="slidenum">
               <a:rPr lang="en-US"/>
               <a:pPr/>
-              <a:t>8</a:t>
+              <a:t>9</a:t>
             </a:fld>
             <a:endParaRPr lang="en-US"/>
           </a:p>
@@ -19938,7 +20262,7 @@
               <a:rPr lang="en-US" sz="2800" dirty="0">
                 <a:latin typeface="Arial Unicode MS" charset="0"/>
               </a:rPr>
-              <a:t>JDBC is an abstract API mostly composed of interfaces and abstract classes. Concrete implementations are mostly provided with drivers.</a:t>
+              <a:t>JDBC is an abstract API mostly composed of interfaces and abstract classes. Concrete implementations are mostly provided within drivers.</a:t>
             </a:r>
           </a:p>
           <a:p>
@@ -20186,777 +20510,6 @@
     </p:tnLst>
     <p:bldLst>
       <p:bldP spid="70658" grpId="0"/>
-    </p:bldLst>
-  </p:timing>
-</p:sld>
-</file>
-
-<file path=ppt/slides/slide9.xml><?xml version="1.0" encoding="utf-8"?>
-<p:sld xmlns:a="http://schemas.openxmlformats.org/drawingml/2006/main" xmlns:r="http://schemas.openxmlformats.org/officeDocument/2006/relationships" xmlns:p="http://schemas.openxmlformats.org/presentationml/2006/main" showMasterPhAnim="0">
-  <p:cSld>
-    <p:spTree>
-      <p:nvGrpSpPr>
-        <p:cNvPr id="1" name=""/>
-        <p:cNvGrpSpPr/>
-        <p:nvPr/>
-      </p:nvGrpSpPr>
-      <p:grpSpPr>
-        <a:xfrm>
-          <a:off x="0" y="0"/>
-          <a:ext cx="0" cy="0"/>
-          <a:chOff x="0" y="0"/>
-          <a:chExt cx="0" cy="0"/>
-        </a:xfrm>
-      </p:grpSpPr>
-      <p:sp>
-        <p:nvSpPr>
-          <p:cNvPr id="70658" name="Rectangle 2"/>
-          <p:cNvSpPr>
-            <a:spLocks noGrp="1" noChangeArrowheads="1"/>
-          </p:cNvSpPr>
-          <p:nvPr>
-            <p:ph type="title"/>
-          </p:nvPr>
-        </p:nvSpPr>
-        <p:spPr/>
-        <p:txBody>
-          <a:bodyPr>
-            <a:normAutofit fontScale="90000"/>
-          </a:bodyPr>
-          <a:lstStyle/>
-          <a:p>
-            <a:pPr>
-              <a:lnSpc>
-                <a:spcPct val="90000"/>
-              </a:lnSpc>
-            </a:pPr>
-            <a:r>
-              <a:rPr lang="en-US" dirty="0"/>
-              <a:t>2. Establish a Connection (with URL)</a:t>
-            </a:r>
-          </a:p>
-        </p:txBody>
-      </p:sp>
-      <p:sp>
-        <p:nvSpPr>
-          <p:cNvPr id="70659" name="Rectangle 3"/>
-          <p:cNvSpPr>
-            <a:spLocks noGrp="1" noChangeArrowheads="1"/>
-          </p:cNvSpPr>
-          <p:nvPr>
-            <p:ph idx="1"/>
-          </p:nvPr>
-        </p:nvSpPr>
-        <p:spPr>
-          <a:xfrm>
-            <a:off x="457200" y="1719263"/>
-            <a:ext cx="8458200" cy="4910137"/>
-          </a:xfrm>
-        </p:spPr>
-        <p:txBody>
-          <a:bodyPr>
-            <a:normAutofit/>
-          </a:bodyPr>
-          <a:lstStyle/>
-          <a:p>
-            <a:r>
-              <a:rPr lang="en-US" sz="2400" dirty="0" err="1">
-                <a:latin typeface="Consolas"/>
-                <a:cs typeface="Consolas"/>
-              </a:rPr>
-              <a:t>DriverManager.getConnection</a:t>
-            </a:r>
-            <a:r>
-              <a:rPr lang="en-US" sz="2400" dirty="0">
-                <a:latin typeface="Consolas"/>
-                <a:cs typeface="Consolas"/>
-              </a:rPr>
-              <a:t>(String </a:t>
-            </a:r>
-            <a:r>
-              <a:rPr lang="en-US" sz="2400" dirty="0" err="1">
-                <a:latin typeface="Consolas"/>
-                <a:cs typeface="Consolas"/>
-              </a:rPr>
-              <a:t>url</a:t>
-            </a:r>
-            <a:r>
-              <a:rPr lang="en-US" sz="2400" dirty="0">
-                <a:latin typeface="Consolas"/>
-                <a:cs typeface="Consolas"/>
-              </a:rPr>
-              <a:t>);</a:t>
-            </a:r>
-          </a:p>
-          <a:p>
-            <a:r>
-              <a:rPr lang="en-US" sz="2400" dirty="0" err="1">
-                <a:latin typeface="Consolas"/>
-                <a:cs typeface="Consolas"/>
-              </a:rPr>
-              <a:t>DriverManager.getConnection</a:t>
-            </a:r>
-            <a:r>
-              <a:rPr lang="en-US" sz="2400" dirty="0">
-                <a:latin typeface="Consolas"/>
-                <a:cs typeface="Consolas"/>
-              </a:rPr>
-              <a:t>(String </a:t>
-            </a:r>
-            <a:r>
-              <a:rPr lang="en-US" sz="2400" dirty="0" err="1">
-                <a:latin typeface="Consolas"/>
-                <a:cs typeface="Consolas"/>
-              </a:rPr>
-              <a:t>url</a:t>
-            </a:r>
-            <a:r>
-              <a:rPr lang="en-US" sz="2400" dirty="0">
-                <a:latin typeface="Consolas"/>
-                <a:cs typeface="Consolas"/>
-              </a:rPr>
-              <a:t>, </a:t>
-            </a:r>
-          </a:p>
-          <a:p>
-            <a:pPr marL="0" indent="0">
-              <a:buNone/>
-            </a:pPr>
-            <a:r>
-              <a:rPr lang="en-US" sz="2400" dirty="0">
-                <a:latin typeface="Consolas"/>
-                <a:cs typeface="Consolas"/>
-              </a:rPr>
-              <a:t>                               Properties prop);</a:t>
-            </a:r>
-          </a:p>
-          <a:p>
-            <a:r>
-              <a:rPr lang="en-US" sz="2400" dirty="0" err="1">
-                <a:latin typeface="Consolas"/>
-                <a:cs typeface="Consolas"/>
-              </a:rPr>
-              <a:t>DriverManager.getConnection</a:t>
-            </a:r>
-            <a:r>
-              <a:rPr lang="en-US" sz="2400" dirty="0">
-                <a:latin typeface="Consolas"/>
-                <a:cs typeface="Consolas"/>
-              </a:rPr>
-              <a:t>(String </a:t>
-            </a:r>
-            <a:r>
-              <a:rPr lang="en-US" sz="2400" dirty="0" err="1">
-                <a:latin typeface="Consolas"/>
-                <a:cs typeface="Consolas"/>
-              </a:rPr>
-              <a:t>url</a:t>
-            </a:r>
-            <a:r>
-              <a:rPr lang="en-US" sz="2400" dirty="0">
-                <a:latin typeface="Consolas"/>
-                <a:cs typeface="Consolas"/>
-              </a:rPr>
-              <a:t>, </a:t>
-            </a:r>
-          </a:p>
-          <a:p>
-            <a:pPr marL="0" indent="0">
-              <a:buNone/>
-            </a:pPr>
-            <a:r>
-              <a:rPr lang="en-US" sz="2400" dirty="0">
-                <a:latin typeface="Consolas"/>
-                <a:cs typeface="Consolas"/>
-              </a:rPr>
-              <a:t>							           String user, </a:t>
-            </a:r>
-          </a:p>
-          <a:p>
-            <a:pPr marL="0" indent="0">
-              <a:buNone/>
-            </a:pPr>
-            <a:r>
-              <a:rPr lang="en-US" sz="2400" dirty="0">
-                <a:latin typeface="Consolas"/>
-                <a:cs typeface="Consolas"/>
-              </a:rPr>
-              <a:t>                              String password);</a:t>
-            </a:r>
-          </a:p>
-          <a:p>
-            <a:pPr>
-              <a:lnSpc>
-                <a:spcPct val="90000"/>
-              </a:lnSpc>
-              <a:buFont typeface="Wingdings" charset="0"/>
-              <a:buNone/>
-            </a:pPr>
-            <a:endParaRPr lang="en-US" sz="2400" dirty="0"/>
-          </a:p>
-          <a:p>
-            <a:pPr marL="742950" lvl="1" indent="-285750">
-              <a:lnSpc>
-                <a:spcPct val="90000"/>
-              </a:lnSpc>
-            </a:pPr>
-            <a:endParaRPr lang="en-US" sz="2400" dirty="0"/>
-          </a:p>
-        </p:txBody>
-      </p:sp>
-      <p:sp>
-        <p:nvSpPr>
-          <p:cNvPr id="5" name="Slide Number Placeholder 5"/>
-          <p:cNvSpPr>
-            <a:spLocks noGrp="1"/>
-          </p:cNvSpPr>
-          <p:nvPr>
-            <p:ph type="sldNum" sz="quarter" idx="12"/>
-          </p:nvPr>
-        </p:nvSpPr>
-        <p:spPr/>
-        <p:txBody>
-          <a:bodyPr/>
-          <a:lstStyle/>
-          <a:p>
-            <a:fld id="{96A1889A-6288-F942-BB21-FEAA21406FE8}" type="slidenum">
-              <a:rPr lang="en-US"/>
-              <a:pPr/>
-              <a:t>9</a:t>
-            </a:fld>
-            <a:endParaRPr lang="en-US"/>
-          </a:p>
-        </p:txBody>
-      </p:sp>
-    </p:spTree>
-  </p:cSld>
-  <p:clrMapOvr>
-    <a:masterClrMapping/>
-  </p:clrMapOvr>
-  <p:timing>
-    <p:tnLst>
-      <p:par>
-        <p:cTn id="1" dur="indefinite" restart="never" nodeType="tmRoot">
-          <p:childTnLst>
-            <p:seq concurrent="1" nextAc="seek">
-              <p:cTn id="2" dur="indefinite" nodeType="mainSeq">
-                <p:childTnLst>
-                  <p:par>
-                    <p:cTn id="3" fill="hold" nodeType="clickPar">
-                      <p:stCondLst>
-                        <p:cond delay="indefinite"/>
-                        <p:cond evt="onBegin" delay="0">
-                          <p:tn val="2"/>
-                        </p:cond>
-                      </p:stCondLst>
-                      <p:childTnLst>
-                        <p:par>
-                          <p:cTn id="4" fill="hold" nodeType="withGroup">
-                            <p:stCondLst>
-                              <p:cond delay="0"/>
-                            </p:stCondLst>
-                            <p:childTnLst>
-                              <p:par>
-                                <p:cTn id="5" presetID="53" presetClass="entr" presetSubtype="0" fill="hold" grpId="0" nodeType="withEffect">
-                                  <p:stCondLst>
-                                    <p:cond delay="0"/>
-                                  </p:stCondLst>
-                                  <p:childTnLst>
-                                    <p:set>
-                                      <p:cBhvr>
-                                        <p:cTn id="6" dur="1" fill="hold">
-                                          <p:stCondLst>
-                                            <p:cond delay="0"/>
-                                          </p:stCondLst>
-                                        </p:cTn>
-                                        <p:tgtEl>
-                                          <p:spTgt spid="70658"/>
-                                        </p:tgtEl>
-                                        <p:attrNameLst>
-                                          <p:attrName>style.visibility</p:attrName>
-                                        </p:attrNameLst>
-                                      </p:cBhvr>
-                                      <p:to>
-                                        <p:strVal val="visible"/>
-                                      </p:to>
-                                    </p:set>
-                                    <p:anim calcmode="lin" valueType="num">
-                                      <p:cBhvr>
-                                        <p:cTn id="7" dur="500" fill="hold"/>
-                                        <p:tgtEl>
-                                          <p:spTgt spid="70658"/>
-                                        </p:tgtEl>
-                                        <p:attrNameLst>
-                                          <p:attrName>ppt_w</p:attrName>
-                                        </p:attrNameLst>
-                                      </p:cBhvr>
-                                      <p:tavLst>
-                                        <p:tav tm="0">
-                                          <p:val>
-                                            <p:fltVal val="0"/>
-                                          </p:val>
-                                        </p:tav>
-                                        <p:tav tm="100000">
-                                          <p:val>
-                                            <p:strVal val="#ppt_w"/>
-                                          </p:val>
-                                        </p:tav>
-                                      </p:tavLst>
-                                    </p:anim>
-                                    <p:anim calcmode="lin" valueType="num">
-                                      <p:cBhvr>
-                                        <p:cTn id="8" dur="500" fill="hold"/>
-                                        <p:tgtEl>
-                                          <p:spTgt spid="70658"/>
-                                        </p:tgtEl>
-                                        <p:attrNameLst>
-                                          <p:attrName>ppt_h</p:attrName>
-                                        </p:attrNameLst>
-                                      </p:cBhvr>
-                                      <p:tavLst>
-                                        <p:tav tm="0">
-                                          <p:val>
-                                            <p:fltVal val="0"/>
-                                          </p:val>
-                                        </p:tav>
-                                        <p:tav tm="100000">
-                                          <p:val>
-                                            <p:strVal val="#ppt_h"/>
-                                          </p:val>
-                                        </p:tav>
-                                      </p:tavLst>
-                                    </p:anim>
-                                    <p:animEffect transition="in" filter="fade">
-                                      <p:cBhvr>
-                                        <p:cTn id="9" dur="500"/>
-                                        <p:tgtEl>
-                                          <p:spTgt spid="70658"/>
-                                        </p:tgtEl>
-                                      </p:cBhvr>
-                                    </p:animEffect>
-                                  </p:childTnLst>
-                                </p:cTn>
-                              </p:par>
-                            </p:childTnLst>
-                          </p:cTn>
-                        </p:par>
-                      </p:childTnLst>
-                    </p:cTn>
-                  </p:par>
-                  <p:par>
-                    <p:cTn id="10" fill="hold">
-                      <p:stCondLst>
-                        <p:cond delay="indefinite"/>
-                      </p:stCondLst>
-                      <p:childTnLst>
-                        <p:par>
-                          <p:cTn id="11" fill="hold">
-                            <p:stCondLst>
-                              <p:cond delay="0"/>
-                            </p:stCondLst>
-                            <p:childTnLst>
-                              <p:par>
-                                <p:cTn id="12" presetID="10" presetClass="entr" presetSubtype="0" fill="hold" grpId="0" nodeType="clickEffect">
-                                  <p:stCondLst>
-                                    <p:cond delay="0"/>
-                                  </p:stCondLst>
-                                  <p:childTnLst>
-                                    <p:set>
-                                      <p:cBhvr>
-                                        <p:cTn id="13" dur="1" fill="hold">
-                                          <p:stCondLst>
-                                            <p:cond delay="0"/>
-                                          </p:stCondLst>
-                                        </p:cTn>
-                                        <p:tgtEl>
-                                          <p:spTgt spid="70659">
-                                            <p:txEl>
-                                              <p:pRg st="0" end="0"/>
-                                            </p:txEl>
-                                          </p:spTgt>
-                                        </p:tgtEl>
-                                        <p:attrNameLst>
-                                          <p:attrName>style.visibility</p:attrName>
-                                        </p:attrNameLst>
-                                      </p:cBhvr>
-                                      <p:to>
-                                        <p:strVal val="visible"/>
-                                      </p:to>
-                                    </p:set>
-                                    <p:animEffect transition="in" filter="fade">
-                                      <p:cBhvr>
-                                        <p:cTn id="14" dur="1000">
-                                          <p:stCondLst>
-                                            <p:cond delay="0"/>
-                                          </p:stCondLst>
-                                        </p:cTn>
-                                        <p:tgtEl>
-                                          <p:spTgt spid="70659">
-                                            <p:txEl>
-                                              <p:pRg st="0" end="0"/>
-                                            </p:txEl>
-                                          </p:spTgt>
-                                        </p:tgtEl>
-                                      </p:cBhvr>
-                                    </p:animEffect>
-                                  </p:childTnLst>
-                                </p:cTn>
-                              </p:par>
-                            </p:childTnLst>
-                          </p:cTn>
-                        </p:par>
-                      </p:childTnLst>
-                    </p:cTn>
-                  </p:par>
-                  <p:par>
-                    <p:cTn id="15" fill="hold">
-                      <p:stCondLst>
-                        <p:cond delay="indefinite"/>
-                      </p:stCondLst>
-                      <p:childTnLst>
-                        <p:par>
-                          <p:cTn id="16" fill="hold">
-                            <p:stCondLst>
-                              <p:cond delay="0"/>
-                            </p:stCondLst>
-                            <p:childTnLst>
-                              <p:par>
-                                <p:cTn id="17" presetID="10" presetClass="entr" presetSubtype="0" fill="hold" grpId="0" nodeType="clickEffect">
-                                  <p:stCondLst>
-                                    <p:cond delay="0"/>
-                                  </p:stCondLst>
-                                  <p:childTnLst>
-                                    <p:set>
-                                      <p:cBhvr>
-                                        <p:cTn id="18" dur="1" fill="hold">
-                                          <p:stCondLst>
-                                            <p:cond delay="0"/>
-                                          </p:stCondLst>
-                                        </p:cTn>
-                                        <p:tgtEl>
-                                          <p:spTgt spid="70659">
-                                            <p:txEl>
-                                              <p:pRg st="1" end="1"/>
-                                            </p:txEl>
-                                          </p:spTgt>
-                                        </p:tgtEl>
-                                        <p:attrNameLst>
-                                          <p:attrName>style.visibility</p:attrName>
-                                        </p:attrNameLst>
-                                      </p:cBhvr>
-                                      <p:to>
-                                        <p:strVal val="visible"/>
-                                      </p:to>
-                                    </p:set>
-                                    <p:animEffect transition="in" filter="fade">
-                                      <p:cBhvr>
-                                        <p:cTn id="19" dur="1000">
-                                          <p:stCondLst>
-                                            <p:cond delay="0"/>
-                                          </p:stCondLst>
-                                        </p:cTn>
-                                        <p:tgtEl>
-                                          <p:spTgt spid="70659">
-                                            <p:txEl>
-                                              <p:pRg st="1" end="1"/>
-                                            </p:txEl>
-                                          </p:spTgt>
-                                        </p:tgtEl>
-                                      </p:cBhvr>
-                                    </p:animEffect>
-                                  </p:childTnLst>
-                                </p:cTn>
-                              </p:par>
-                            </p:childTnLst>
-                          </p:cTn>
-                        </p:par>
-                      </p:childTnLst>
-                    </p:cTn>
-                  </p:par>
-                  <p:par>
-                    <p:cTn id="20" fill="hold">
-                      <p:stCondLst>
-                        <p:cond delay="indefinite"/>
-                      </p:stCondLst>
-                      <p:childTnLst>
-                        <p:par>
-                          <p:cTn id="21" fill="hold">
-                            <p:stCondLst>
-                              <p:cond delay="0"/>
-                            </p:stCondLst>
-                            <p:childTnLst>
-                              <p:par>
-                                <p:cTn id="22" presetID="10" presetClass="entr" presetSubtype="0" fill="hold" grpId="0" nodeType="clickEffect">
-                                  <p:stCondLst>
-                                    <p:cond delay="0"/>
-                                  </p:stCondLst>
-                                  <p:childTnLst>
-                                    <p:set>
-                                      <p:cBhvr>
-                                        <p:cTn id="23" dur="1" fill="hold">
-                                          <p:stCondLst>
-                                            <p:cond delay="0"/>
-                                          </p:stCondLst>
-                                        </p:cTn>
-                                        <p:tgtEl>
-                                          <p:spTgt spid="70659">
-                                            <p:txEl>
-                                              <p:pRg st="2" end="2"/>
-                                            </p:txEl>
-                                          </p:spTgt>
-                                        </p:tgtEl>
-                                        <p:attrNameLst>
-                                          <p:attrName>style.visibility</p:attrName>
-                                        </p:attrNameLst>
-                                      </p:cBhvr>
-                                      <p:to>
-                                        <p:strVal val="visible"/>
-                                      </p:to>
-                                    </p:set>
-                                    <p:animEffect transition="in" filter="fade">
-                                      <p:cBhvr>
-                                        <p:cTn id="24" dur="1000">
-                                          <p:stCondLst>
-                                            <p:cond delay="0"/>
-                                          </p:stCondLst>
-                                        </p:cTn>
-                                        <p:tgtEl>
-                                          <p:spTgt spid="70659">
-                                            <p:txEl>
-                                              <p:pRg st="2" end="2"/>
-                                            </p:txEl>
-                                          </p:spTgt>
-                                        </p:tgtEl>
-                                      </p:cBhvr>
-                                    </p:animEffect>
-                                  </p:childTnLst>
-                                </p:cTn>
-                              </p:par>
-                            </p:childTnLst>
-                          </p:cTn>
-                        </p:par>
-                      </p:childTnLst>
-                    </p:cTn>
-                  </p:par>
-                  <p:par>
-                    <p:cTn id="25" fill="hold">
-                      <p:stCondLst>
-                        <p:cond delay="indefinite"/>
-                      </p:stCondLst>
-                      <p:childTnLst>
-                        <p:par>
-                          <p:cTn id="26" fill="hold">
-                            <p:stCondLst>
-                              <p:cond delay="0"/>
-                            </p:stCondLst>
-                            <p:childTnLst>
-                              <p:par>
-                                <p:cTn id="27" presetID="10" presetClass="entr" presetSubtype="0" fill="hold" grpId="0" nodeType="clickEffect">
-                                  <p:stCondLst>
-                                    <p:cond delay="0"/>
-                                  </p:stCondLst>
-                                  <p:childTnLst>
-                                    <p:set>
-                                      <p:cBhvr>
-                                        <p:cTn id="28" dur="1" fill="hold">
-                                          <p:stCondLst>
-                                            <p:cond delay="0"/>
-                                          </p:stCondLst>
-                                        </p:cTn>
-                                        <p:tgtEl>
-                                          <p:spTgt spid="70659">
-                                            <p:txEl>
-                                              <p:pRg st="3" end="3"/>
-                                            </p:txEl>
-                                          </p:spTgt>
-                                        </p:tgtEl>
-                                        <p:attrNameLst>
-                                          <p:attrName>style.visibility</p:attrName>
-                                        </p:attrNameLst>
-                                      </p:cBhvr>
-                                      <p:to>
-                                        <p:strVal val="visible"/>
-                                      </p:to>
-                                    </p:set>
-                                    <p:animEffect transition="in" filter="fade">
-                                      <p:cBhvr>
-                                        <p:cTn id="29" dur="1000">
-                                          <p:stCondLst>
-                                            <p:cond delay="0"/>
-                                          </p:stCondLst>
-                                        </p:cTn>
-                                        <p:tgtEl>
-                                          <p:spTgt spid="70659">
-                                            <p:txEl>
-                                              <p:pRg st="3" end="3"/>
-                                            </p:txEl>
-                                          </p:spTgt>
-                                        </p:tgtEl>
-                                      </p:cBhvr>
-                                    </p:animEffect>
-                                  </p:childTnLst>
-                                </p:cTn>
-                              </p:par>
-                            </p:childTnLst>
-                          </p:cTn>
-                        </p:par>
-                      </p:childTnLst>
-                    </p:cTn>
-                  </p:par>
-                  <p:par>
-                    <p:cTn id="30" fill="hold">
-                      <p:stCondLst>
-                        <p:cond delay="indefinite"/>
-                      </p:stCondLst>
-                      <p:childTnLst>
-                        <p:par>
-                          <p:cTn id="31" fill="hold">
-                            <p:stCondLst>
-                              <p:cond delay="0"/>
-                            </p:stCondLst>
-                            <p:childTnLst>
-                              <p:par>
-                                <p:cTn id="32" presetID="10" presetClass="entr" presetSubtype="0" fill="hold" grpId="0" nodeType="clickEffect">
-                                  <p:stCondLst>
-                                    <p:cond delay="0"/>
-                                  </p:stCondLst>
-                                  <p:childTnLst>
-                                    <p:set>
-                                      <p:cBhvr>
-                                        <p:cTn id="33" dur="1" fill="hold">
-                                          <p:stCondLst>
-                                            <p:cond delay="0"/>
-                                          </p:stCondLst>
-                                        </p:cTn>
-                                        <p:tgtEl>
-                                          <p:spTgt spid="70659">
-                                            <p:txEl>
-                                              <p:pRg st="4" end="4"/>
-                                            </p:txEl>
-                                          </p:spTgt>
-                                        </p:tgtEl>
-                                        <p:attrNameLst>
-                                          <p:attrName>style.visibility</p:attrName>
-                                        </p:attrNameLst>
-                                      </p:cBhvr>
-                                      <p:to>
-                                        <p:strVal val="visible"/>
-                                      </p:to>
-                                    </p:set>
-                                    <p:animEffect transition="in" filter="fade">
-                                      <p:cBhvr>
-                                        <p:cTn id="34" dur="1000">
-                                          <p:stCondLst>
-                                            <p:cond delay="0"/>
-                                          </p:stCondLst>
-                                        </p:cTn>
-                                        <p:tgtEl>
-                                          <p:spTgt spid="70659">
-                                            <p:txEl>
-                                              <p:pRg st="4" end="4"/>
-                                            </p:txEl>
-                                          </p:spTgt>
-                                        </p:tgtEl>
-                                      </p:cBhvr>
-                                    </p:animEffect>
-                                  </p:childTnLst>
-                                </p:cTn>
-                              </p:par>
-                            </p:childTnLst>
-                          </p:cTn>
-                        </p:par>
-                      </p:childTnLst>
-                    </p:cTn>
-                  </p:par>
-                  <p:par>
-                    <p:cTn id="35" fill="hold">
-                      <p:stCondLst>
-                        <p:cond delay="indefinite"/>
-                      </p:stCondLst>
-                      <p:childTnLst>
-                        <p:par>
-                          <p:cTn id="36" fill="hold">
-                            <p:stCondLst>
-                              <p:cond delay="0"/>
-                            </p:stCondLst>
-                            <p:childTnLst>
-                              <p:par>
-                                <p:cTn id="37" presetID="10" presetClass="entr" presetSubtype="0" fill="hold" grpId="0" nodeType="clickEffect">
-                                  <p:stCondLst>
-                                    <p:cond delay="0"/>
-                                  </p:stCondLst>
-                                  <p:childTnLst>
-                                    <p:set>
-                                      <p:cBhvr>
-                                        <p:cTn id="38" dur="1" fill="hold">
-                                          <p:stCondLst>
-                                            <p:cond delay="0"/>
-                                          </p:stCondLst>
-                                        </p:cTn>
-                                        <p:tgtEl>
-                                          <p:spTgt spid="70659">
-                                            <p:txEl>
-                                              <p:pRg st="5" end="5"/>
-                                            </p:txEl>
-                                          </p:spTgt>
-                                        </p:tgtEl>
-                                        <p:attrNameLst>
-                                          <p:attrName>style.visibility</p:attrName>
-                                        </p:attrNameLst>
-                                      </p:cBhvr>
-                                      <p:to>
-                                        <p:strVal val="visible"/>
-                                      </p:to>
-                                    </p:set>
-                                    <p:animEffect transition="in" filter="fade">
-                                      <p:cBhvr>
-                                        <p:cTn id="39" dur="1000">
-                                          <p:stCondLst>
-                                            <p:cond delay="0"/>
-                                          </p:stCondLst>
-                                        </p:cTn>
-                                        <p:tgtEl>
-                                          <p:spTgt spid="70659">
-                                            <p:txEl>
-                                              <p:pRg st="5" end="5"/>
-                                            </p:txEl>
-                                          </p:spTgt>
-                                        </p:tgtEl>
-                                      </p:cBhvr>
-                                    </p:animEffect>
-                                  </p:childTnLst>
-                                </p:cTn>
-                              </p:par>
-                            </p:childTnLst>
-                          </p:cTn>
-                        </p:par>
-                      </p:childTnLst>
-                    </p:cTn>
-                  </p:par>
-                </p:childTnLst>
-              </p:cTn>
-              <p:prevCondLst>
-                <p:cond evt="onPrev" delay="0">
-                  <p:tgtEl>
-                    <p:sldTgt/>
-                  </p:tgtEl>
-                </p:cond>
-              </p:prevCondLst>
-              <p:nextCondLst>
-                <p:cond evt="onNext" delay="0">
-                  <p:tgtEl>
-                    <p:sldTgt/>
-                  </p:tgtEl>
-                </p:cond>
-              </p:nextCondLst>
-            </p:seq>
-          </p:childTnLst>
-        </p:cTn>
-      </p:par>
-    </p:tnLst>
-    <p:bldLst>
-      <p:bldP spid="70658" grpId="0"/>
-      <p:bldP spid="70659" grpId="0" uiExpand="1" build="p"/>
     </p:bldLst>
   </p:timing>
 </p:sld>

--- a/slides/ppt/08_JDBC.pptx
+++ b/slides/ppt/08_JDBC.pptx
@@ -252,14 +252,14 @@
           <a:effectLst/>
           <a:extLst>
             <a:ext uri="{909E8E84-426E-40dd-AFC4-6F175D3DCCD1}">
-              <a14:hiddenFill xmlns:a14="http://schemas.microsoft.com/office/drawing/2010/main" xmlns="">
+              <a14:hiddenFill xmlns="" xmlns:a14="http://schemas.microsoft.com/office/drawing/2010/main">
                 <a:solidFill>
                   <a:schemeClr val="accent1"/>
                 </a:solidFill>
               </a14:hiddenFill>
             </a:ext>
             <a:ext uri="{91240B29-F687-4f45-9708-019B960494DF}">
-              <a14:hiddenLine xmlns:a14="http://schemas.microsoft.com/office/drawing/2010/main" xmlns="" w="9525">
+              <a14:hiddenLine xmlns="" xmlns:a14="http://schemas.microsoft.com/office/drawing/2010/main" w="9525">
                 <a:solidFill>
                   <a:schemeClr val="tx1"/>
                 </a:solidFill>
@@ -269,7 +269,7 @@
               </a14:hiddenLine>
             </a:ext>
             <a:ext uri="{AF507438-7753-43e0-B8FC-AC1667EBCBE1}">
-              <a14:hiddenEffects xmlns:a14="http://schemas.microsoft.com/office/drawing/2010/main" xmlns="">
+              <a14:hiddenEffects xmlns="" xmlns:a14="http://schemas.microsoft.com/office/drawing/2010/main">
                 <a:effectLst>
                   <a:outerShdw blurRad="63500" dist="38099" dir="2700000" algn="ctr" rotWithShape="0">
                     <a:schemeClr val="bg2">
@@ -280,7 +280,7 @@
               </a14:hiddenEffects>
             </a:ext>
             <a:ext uri="{FAA26D3D-D897-4be2-8F04-BA451C77F1D7}">
-              <ma14:placeholderFlag xmlns:ma14="http://schemas.microsoft.com/office/mac/drawingml/2011/main" xmlns="" val="1"/>
+              <ma14:placeholderFlag xmlns="" xmlns:ma14="http://schemas.microsoft.com/office/mac/drawingml/2011/main" val="1"/>
             </a:ext>
           </a:extLst>
         </p:spPr>
@@ -325,14 +325,14 @@
           <a:effectLst/>
           <a:extLst>
             <a:ext uri="{909E8E84-426E-40dd-AFC4-6F175D3DCCD1}">
-              <a14:hiddenFill xmlns:a14="http://schemas.microsoft.com/office/drawing/2010/main" xmlns="">
+              <a14:hiddenFill xmlns="" xmlns:a14="http://schemas.microsoft.com/office/drawing/2010/main">
                 <a:solidFill>
                   <a:schemeClr val="accent1"/>
                 </a:solidFill>
               </a14:hiddenFill>
             </a:ext>
             <a:ext uri="{91240B29-F687-4f45-9708-019B960494DF}">
-              <a14:hiddenLine xmlns:a14="http://schemas.microsoft.com/office/drawing/2010/main" xmlns="" w="9525">
+              <a14:hiddenLine xmlns="" xmlns:a14="http://schemas.microsoft.com/office/drawing/2010/main" w="9525">
                 <a:solidFill>
                   <a:schemeClr val="tx1"/>
                 </a:solidFill>
@@ -342,7 +342,7 @@
               </a14:hiddenLine>
             </a:ext>
             <a:ext uri="{AF507438-7753-43e0-B8FC-AC1667EBCBE1}">
-              <a14:hiddenEffects xmlns:a14="http://schemas.microsoft.com/office/drawing/2010/main" xmlns="">
+              <a14:hiddenEffects xmlns="" xmlns:a14="http://schemas.microsoft.com/office/drawing/2010/main">
                 <a:effectLst>
                   <a:outerShdw blurRad="63500" dist="38099" dir="2700000" algn="ctr" rotWithShape="0">
                     <a:schemeClr val="bg2">
@@ -353,7 +353,7 @@
               </a14:hiddenEffects>
             </a:ext>
             <a:ext uri="{FAA26D3D-D897-4be2-8F04-BA451C77F1D7}">
-              <ma14:placeholderFlag xmlns:ma14="http://schemas.microsoft.com/office/mac/drawingml/2011/main" xmlns="" val="1"/>
+              <ma14:placeholderFlag xmlns="" xmlns:ma14="http://schemas.microsoft.com/office/mac/drawingml/2011/main" val="1"/>
             </a:ext>
           </a:extLst>
         </p:spPr>
@@ -403,7 +403,7 @@
           <a:effectLst/>
           <a:extLst>
             <a:ext uri="{AF507438-7753-43e0-B8FC-AC1667EBCBE1}">
-              <a14:hiddenEffects xmlns:a14="http://schemas.microsoft.com/office/drawing/2010/main" xmlns="">
+              <a14:hiddenEffects xmlns="" xmlns:a14="http://schemas.microsoft.com/office/drawing/2010/main">
                 <a:effectLst>
                   <a:outerShdw blurRad="63500" dist="38099" dir="2700000" algn="ctr" rotWithShape="0">
                     <a:srgbClr val="000000">
@@ -414,7 +414,7 @@
               </a14:hiddenEffects>
             </a:ext>
             <a:ext uri="{53640926-AAD7-44d8-BBD7-CCE9431645EC}">
-              <a14:shadowObscured xmlns:a14="http://schemas.microsoft.com/office/drawing/2010/main" xmlns="" val="1"/>
+              <a14:shadowObscured xmlns="" xmlns:a14="http://schemas.microsoft.com/office/drawing/2010/main" val="1"/>
             </a:ext>
           </a:extLst>
         </p:spPr>
@@ -444,14 +444,14 @@
           <a:effectLst/>
           <a:extLst>
             <a:ext uri="{909E8E84-426E-40dd-AFC4-6F175D3DCCD1}">
-              <a14:hiddenFill xmlns:a14="http://schemas.microsoft.com/office/drawing/2010/main" xmlns="">
+              <a14:hiddenFill xmlns="" xmlns:a14="http://schemas.microsoft.com/office/drawing/2010/main">
                 <a:solidFill>
                   <a:schemeClr val="accent1"/>
                 </a:solidFill>
               </a14:hiddenFill>
             </a:ext>
             <a:ext uri="{91240B29-F687-4f45-9708-019B960494DF}">
-              <a14:hiddenLine xmlns:a14="http://schemas.microsoft.com/office/drawing/2010/main" xmlns="" w="9525">
+              <a14:hiddenLine xmlns="" xmlns:a14="http://schemas.microsoft.com/office/drawing/2010/main" w="9525">
                 <a:solidFill>
                   <a:schemeClr val="tx1"/>
                 </a:solidFill>
@@ -461,7 +461,7 @@
               </a14:hiddenLine>
             </a:ext>
             <a:ext uri="{AF507438-7753-43e0-B8FC-AC1667EBCBE1}">
-              <a14:hiddenEffects xmlns:a14="http://schemas.microsoft.com/office/drawing/2010/main" xmlns="">
+              <a14:hiddenEffects xmlns="" xmlns:a14="http://schemas.microsoft.com/office/drawing/2010/main">
                 <a:effectLst>
                   <a:outerShdw blurRad="63500" dist="38099" dir="2700000" algn="ctr" rotWithShape="0">
                     <a:schemeClr val="bg2">
@@ -472,7 +472,7 @@
               </a14:hiddenEffects>
             </a:ext>
             <a:ext uri="{FAA26D3D-D897-4be2-8F04-BA451C77F1D7}">
-              <ma14:placeholderFlag xmlns:ma14="http://schemas.microsoft.com/office/mac/drawingml/2011/main" xmlns="" val="1"/>
+              <ma14:placeholderFlag xmlns="" xmlns:ma14="http://schemas.microsoft.com/office/mac/drawingml/2011/main" val="1"/>
             </a:ext>
           </a:extLst>
         </p:spPr>
@@ -545,14 +545,14 @@
           <a:effectLst/>
           <a:extLst>
             <a:ext uri="{909E8E84-426E-40dd-AFC4-6F175D3DCCD1}">
-              <a14:hiddenFill xmlns:a14="http://schemas.microsoft.com/office/drawing/2010/main" xmlns="">
+              <a14:hiddenFill xmlns="" xmlns:a14="http://schemas.microsoft.com/office/drawing/2010/main">
                 <a:solidFill>
                   <a:schemeClr val="accent1"/>
                 </a:solidFill>
               </a14:hiddenFill>
             </a:ext>
             <a:ext uri="{91240B29-F687-4f45-9708-019B960494DF}">
-              <a14:hiddenLine xmlns:a14="http://schemas.microsoft.com/office/drawing/2010/main" xmlns="" w="9525">
+              <a14:hiddenLine xmlns="" xmlns:a14="http://schemas.microsoft.com/office/drawing/2010/main" w="9525">
                 <a:solidFill>
                   <a:schemeClr val="tx1"/>
                 </a:solidFill>
@@ -562,7 +562,7 @@
               </a14:hiddenLine>
             </a:ext>
             <a:ext uri="{AF507438-7753-43e0-B8FC-AC1667EBCBE1}">
-              <a14:hiddenEffects xmlns:a14="http://schemas.microsoft.com/office/drawing/2010/main" xmlns="">
+              <a14:hiddenEffects xmlns="" xmlns:a14="http://schemas.microsoft.com/office/drawing/2010/main">
                 <a:effectLst>
                   <a:outerShdw blurRad="63500" dist="38099" dir="2700000" algn="ctr" rotWithShape="0">
                     <a:schemeClr val="bg2">
@@ -573,7 +573,7 @@
               </a14:hiddenEffects>
             </a:ext>
             <a:ext uri="{FAA26D3D-D897-4be2-8F04-BA451C77F1D7}">
-              <ma14:placeholderFlag xmlns:ma14="http://schemas.microsoft.com/office/mac/drawingml/2011/main" xmlns="" val="1"/>
+              <ma14:placeholderFlag xmlns="" xmlns:ma14="http://schemas.microsoft.com/office/mac/drawingml/2011/main" val="1"/>
             </a:ext>
           </a:extLst>
         </p:spPr>
@@ -618,14 +618,14 @@
           <a:effectLst/>
           <a:extLst>
             <a:ext uri="{909E8E84-426E-40dd-AFC4-6F175D3DCCD1}">
-              <a14:hiddenFill xmlns:a14="http://schemas.microsoft.com/office/drawing/2010/main" xmlns="">
+              <a14:hiddenFill xmlns="" xmlns:a14="http://schemas.microsoft.com/office/drawing/2010/main">
                 <a:solidFill>
                   <a:schemeClr val="accent1"/>
                 </a:solidFill>
               </a14:hiddenFill>
             </a:ext>
             <a:ext uri="{91240B29-F687-4f45-9708-019B960494DF}">
-              <a14:hiddenLine xmlns:a14="http://schemas.microsoft.com/office/drawing/2010/main" xmlns="" w="9525">
+              <a14:hiddenLine xmlns="" xmlns:a14="http://schemas.microsoft.com/office/drawing/2010/main" w="9525">
                 <a:solidFill>
                   <a:schemeClr val="tx1"/>
                 </a:solidFill>
@@ -635,7 +635,7 @@
               </a14:hiddenLine>
             </a:ext>
             <a:ext uri="{AF507438-7753-43e0-B8FC-AC1667EBCBE1}">
-              <a14:hiddenEffects xmlns:a14="http://schemas.microsoft.com/office/drawing/2010/main" xmlns="">
+              <a14:hiddenEffects xmlns="" xmlns:a14="http://schemas.microsoft.com/office/drawing/2010/main">
                 <a:effectLst>
                   <a:outerShdw blurRad="63500" dist="38099" dir="2700000" algn="ctr" rotWithShape="0">
                     <a:schemeClr val="bg2">
@@ -646,7 +646,7 @@
               </a14:hiddenEffects>
             </a:ext>
             <a:ext uri="{FAA26D3D-D897-4be2-8F04-BA451C77F1D7}">
-              <ma14:placeholderFlag xmlns:ma14="http://schemas.microsoft.com/office/mac/drawingml/2011/main" xmlns="" val="1"/>
+              <ma14:placeholderFlag xmlns="" xmlns:ma14="http://schemas.microsoft.com/office/mac/drawingml/2011/main" val="1"/>
             </a:ext>
           </a:extLst>
         </p:spPr>
@@ -861,7 +861,7 @@
           <a:ln/>
           <a:extLst>
             <a:ext uri="{FAA26D3D-D897-4be2-8F04-BA451C77F1D7}">
-              <ma14:placeholderFlag xmlns:ma14="http://schemas.microsoft.com/office/mac/drawingml/2011/main" xmlns="" val="1"/>
+              <ma14:placeholderFlag xmlns="" xmlns:ma14="http://schemas.microsoft.com/office/mac/drawingml/2011/main" val="1"/>
             </a:ext>
           </a:extLst>
         </p:spPr>
@@ -950,7 +950,7 @@
           <a:ln/>
           <a:extLst>
             <a:ext uri="{FAA26D3D-D897-4be2-8F04-BA451C77F1D7}">
-              <ma14:placeholderFlag xmlns:ma14="http://schemas.microsoft.com/office/mac/drawingml/2011/main" xmlns="" val="1"/>
+              <ma14:placeholderFlag xmlns="" xmlns:ma14="http://schemas.microsoft.com/office/mac/drawingml/2011/main" val="1"/>
             </a:ext>
           </a:extLst>
         </p:spPr>
@@ -1039,7 +1039,7 @@
           <a:ln/>
           <a:extLst>
             <a:ext uri="{FAA26D3D-D897-4be2-8F04-BA451C77F1D7}">
-              <ma14:placeholderFlag xmlns:ma14="http://schemas.microsoft.com/office/mac/drawingml/2011/main" xmlns="" val="1"/>
+              <ma14:placeholderFlag xmlns="" xmlns:ma14="http://schemas.microsoft.com/office/mac/drawingml/2011/main" val="1"/>
             </a:ext>
           </a:extLst>
         </p:spPr>
@@ -4251,61 +4251,65 @@
                 <a:latin typeface="Consolas"/>
                 <a:cs typeface="Consolas"/>
               </a:rPr>
+              <a:t>							           String user, </a:t>
+            </a:r>
+          </a:p>
+          <a:p>
+            <a:pPr marL="0" indent="0">
+              <a:buNone/>
+            </a:pPr>
+            <a:r>
+              <a:rPr lang="en-US" sz="2400">
+                <a:latin typeface="Consolas"/>
+                <a:cs typeface="Consolas"/>
+              </a:rPr>
+              <a:t>                              String password);</a:t>
+            </a:r>
+            <a:endParaRPr lang="en-US" sz="2400" dirty="0">
+              <a:latin typeface="Consolas"/>
+              <a:cs typeface="Consolas"/>
+            </a:endParaRPr>
+          </a:p>
+          <a:p>
+            <a:r>
+              <a:rPr lang="en-US" sz="2400" dirty="0" err="1">
+                <a:latin typeface="Consolas"/>
+                <a:cs typeface="Consolas"/>
+              </a:rPr>
+              <a:t>DriverManager.getConnection</a:t>
+            </a:r>
+            <a:r>
+              <a:rPr lang="en-US" sz="2400" dirty="0">
+                <a:latin typeface="Consolas"/>
+                <a:cs typeface="Consolas"/>
+              </a:rPr>
+              <a:t>(String </a:t>
+            </a:r>
+            <a:r>
+              <a:rPr lang="en-US" sz="2400" dirty="0" err="1">
+                <a:latin typeface="Consolas"/>
+                <a:cs typeface="Consolas"/>
+              </a:rPr>
+              <a:t>url</a:t>
+            </a:r>
+            <a:r>
+              <a:rPr lang="en-US" sz="2400" dirty="0">
+                <a:latin typeface="Consolas"/>
+                <a:cs typeface="Consolas"/>
+              </a:rPr>
+              <a:t>, </a:t>
+            </a:r>
+          </a:p>
+          <a:p>
+            <a:pPr marL="0" indent="0">
+              <a:buNone/>
+            </a:pPr>
+            <a:r>
+              <a:rPr lang="en-US" sz="2400" dirty="0">
+                <a:latin typeface="Consolas"/>
+                <a:cs typeface="Consolas"/>
+              </a:rPr>
               <a:t>                               Properties prop);</a:t>
-            </a:r>
-          </a:p>
-          <a:p>
-            <a:r>
-              <a:rPr lang="en-US" sz="2400" dirty="0" err="1">
-                <a:latin typeface="Consolas"/>
-                <a:cs typeface="Consolas"/>
-              </a:rPr>
-              <a:t>DriverManager.getConnection</a:t>
-            </a:r>
-            <a:r>
-              <a:rPr lang="en-US" sz="2400" dirty="0">
-                <a:latin typeface="Consolas"/>
-                <a:cs typeface="Consolas"/>
-              </a:rPr>
-              <a:t>(String </a:t>
-            </a:r>
-            <a:r>
-              <a:rPr lang="en-US" sz="2400" dirty="0" err="1">
-                <a:latin typeface="Consolas"/>
-                <a:cs typeface="Consolas"/>
-              </a:rPr>
-              <a:t>url</a:t>
-            </a:r>
-            <a:r>
-              <a:rPr lang="en-US" sz="2400" dirty="0">
-                <a:latin typeface="Consolas"/>
-                <a:cs typeface="Consolas"/>
-              </a:rPr>
-              <a:t>, </a:t>
-            </a:r>
-          </a:p>
-          <a:p>
-            <a:pPr marL="0" indent="0">
-              <a:buNone/>
-            </a:pPr>
-            <a:r>
-              <a:rPr lang="en-US" sz="2400" dirty="0">
-                <a:latin typeface="Consolas"/>
-                <a:cs typeface="Consolas"/>
-              </a:rPr>
-              <a:t>							           String user, </a:t>
-            </a:r>
-          </a:p>
-          <a:p>
-            <a:pPr marL="0" indent="0">
-              <a:buNone/>
-            </a:pPr>
-            <a:r>
-              <a:rPr lang="en-US" sz="2400" dirty="0">
-                <a:latin typeface="Consolas"/>
-                <a:cs typeface="Consolas"/>
-              </a:rPr>
-              <a:t>                              String password);</a:t>
             </a:r>
           </a:p>
           <a:p>
@@ -4357,532 +4361,6 @@
   <p:clrMapOvr>
     <a:masterClrMapping/>
   </p:clrMapOvr>
-  <p:timing>
-    <p:tnLst>
-      <p:par>
-        <p:cTn id="1" dur="indefinite" restart="never" nodeType="tmRoot">
-          <p:childTnLst>
-            <p:seq concurrent="1" nextAc="seek">
-              <p:cTn id="2" dur="indefinite" nodeType="mainSeq">
-                <p:childTnLst>
-                  <p:par>
-                    <p:cTn id="3" fill="hold" nodeType="clickPar">
-                      <p:stCondLst>
-                        <p:cond delay="indefinite"/>
-                        <p:cond evt="onBegin" delay="0">
-                          <p:tn val="2"/>
-                        </p:cond>
-                      </p:stCondLst>
-                      <p:childTnLst>
-                        <p:par>
-                          <p:cTn id="4" fill="hold" nodeType="withGroup">
-                            <p:stCondLst>
-                              <p:cond delay="0"/>
-                            </p:stCondLst>
-                            <p:childTnLst>
-                              <p:par>
-                                <p:cTn id="5" presetID="53" presetClass="entr" presetSubtype="0" fill="hold" grpId="0" nodeType="withEffect">
-                                  <p:stCondLst>
-                                    <p:cond delay="0"/>
-                                  </p:stCondLst>
-                                  <p:childTnLst>
-                                    <p:set>
-                                      <p:cBhvr>
-                                        <p:cTn id="6" dur="1" fill="hold">
-                                          <p:stCondLst>
-                                            <p:cond delay="0"/>
-                                          </p:stCondLst>
-                                        </p:cTn>
-                                        <p:tgtEl>
-                                          <p:spTgt spid="70658"/>
-                                        </p:tgtEl>
-                                        <p:attrNameLst>
-                                          <p:attrName>style.visibility</p:attrName>
-                                        </p:attrNameLst>
-                                      </p:cBhvr>
-                                      <p:to>
-                                        <p:strVal val="visible"/>
-                                      </p:to>
-                                    </p:set>
-                                    <p:anim calcmode="lin" valueType="num">
-                                      <p:cBhvr>
-                                        <p:cTn id="7" dur="500" fill="hold"/>
-                                        <p:tgtEl>
-                                          <p:spTgt spid="70658"/>
-                                        </p:tgtEl>
-                                        <p:attrNameLst>
-                                          <p:attrName>ppt_w</p:attrName>
-                                        </p:attrNameLst>
-                                      </p:cBhvr>
-                                      <p:tavLst>
-                                        <p:tav tm="0">
-                                          <p:val>
-                                            <p:fltVal val="0"/>
-                                          </p:val>
-                                        </p:tav>
-                                        <p:tav tm="100000">
-                                          <p:val>
-                                            <p:strVal val="#ppt_w"/>
-                                          </p:val>
-                                        </p:tav>
-                                      </p:tavLst>
-                                    </p:anim>
-                                    <p:anim calcmode="lin" valueType="num">
-                                      <p:cBhvr>
-                                        <p:cTn id="8" dur="500" fill="hold"/>
-                                        <p:tgtEl>
-                                          <p:spTgt spid="70658"/>
-                                        </p:tgtEl>
-                                        <p:attrNameLst>
-                                          <p:attrName>ppt_h</p:attrName>
-                                        </p:attrNameLst>
-                                      </p:cBhvr>
-                                      <p:tavLst>
-                                        <p:tav tm="0">
-                                          <p:val>
-                                            <p:fltVal val="0"/>
-                                          </p:val>
-                                        </p:tav>
-                                        <p:tav tm="100000">
-                                          <p:val>
-                                            <p:strVal val="#ppt_h"/>
-                                          </p:val>
-                                        </p:tav>
-                                      </p:tavLst>
-                                    </p:anim>
-                                    <p:animEffect transition="in" filter="fade">
-                                      <p:cBhvr>
-                                        <p:cTn id="9" dur="500"/>
-                                        <p:tgtEl>
-                                          <p:spTgt spid="70658"/>
-                                        </p:tgtEl>
-                                      </p:cBhvr>
-                                    </p:animEffect>
-                                  </p:childTnLst>
-                                </p:cTn>
-                              </p:par>
-                            </p:childTnLst>
-                          </p:cTn>
-                        </p:par>
-                      </p:childTnLst>
-                    </p:cTn>
-                  </p:par>
-                  <p:par>
-                    <p:cTn id="10" fill="hold">
-                      <p:stCondLst>
-                        <p:cond delay="indefinite"/>
-                      </p:stCondLst>
-                      <p:childTnLst>
-                        <p:par>
-                          <p:cTn id="11" fill="hold">
-                            <p:stCondLst>
-                              <p:cond delay="0"/>
-                            </p:stCondLst>
-                            <p:childTnLst>
-                              <p:par>
-                                <p:cTn id="12" presetID="10" presetClass="entr" presetSubtype="0" fill="hold" grpId="0" nodeType="clickEffect">
-                                  <p:stCondLst>
-                                    <p:cond delay="0"/>
-                                  </p:stCondLst>
-                                  <p:childTnLst>
-                                    <p:set>
-                                      <p:cBhvr>
-                                        <p:cTn id="13" dur="1" fill="hold">
-                                          <p:stCondLst>
-                                            <p:cond delay="0"/>
-                                          </p:stCondLst>
-                                        </p:cTn>
-                                        <p:tgtEl>
-                                          <p:spTgt spid="70659">
-                                            <p:txEl>
-                                              <p:pRg st="0" end="0"/>
-                                            </p:txEl>
-                                          </p:spTgt>
-                                        </p:tgtEl>
-                                        <p:attrNameLst>
-                                          <p:attrName>style.visibility</p:attrName>
-                                        </p:attrNameLst>
-                                      </p:cBhvr>
-                                      <p:to>
-                                        <p:strVal val="visible"/>
-                                      </p:to>
-                                    </p:set>
-                                    <p:animEffect transition="in" filter="fade">
-                                      <p:cBhvr>
-                                        <p:cTn id="14" dur="1000">
-                                          <p:stCondLst>
-                                            <p:cond delay="0"/>
-                                          </p:stCondLst>
-                                        </p:cTn>
-                                        <p:tgtEl>
-                                          <p:spTgt spid="70659">
-                                            <p:txEl>
-                                              <p:pRg st="0" end="0"/>
-                                            </p:txEl>
-                                          </p:spTgt>
-                                        </p:tgtEl>
-                                      </p:cBhvr>
-                                    </p:animEffect>
-                                  </p:childTnLst>
-                                </p:cTn>
-                              </p:par>
-                            </p:childTnLst>
-                          </p:cTn>
-                        </p:par>
-                      </p:childTnLst>
-                    </p:cTn>
-                  </p:par>
-                  <p:par>
-                    <p:cTn id="15" fill="hold">
-                      <p:stCondLst>
-                        <p:cond delay="indefinite"/>
-                      </p:stCondLst>
-                      <p:childTnLst>
-                        <p:par>
-                          <p:cTn id="16" fill="hold">
-                            <p:stCondLst>
-                              <p:cond delay="0"/>
-                            </p:stCondLst>
-                            <p:childTnLst>
-                              <p:par>
-                                <p:cTn id="17" presetID="10" presetClass="entr" presetSubtype="0" fill="hold" grpId="0" nodeType="clickEffect">
-                                  <p:stCondLst>
-                                    <p:cond delay="0"/>
-                                  </p:stCondLst>
-                                  <p:childTnLst>
-                                    <p:set>
-                                      <p:cBhvr>
-                                        <p:cTn id="18" dur="1" fill="hold">
-                                          <p:stCondLst>
-                                            <p:cond delay="0"/>
-                                          </p:stCondLst>
-                                        </p:cTn>
-                                        <p:tgtEl>
-                                          <p:spTgt spid="70659">
-                                            <p:txEl>
-                                              <p:pRg st="1" end="1"/>
-                                            </p:txEl>
-                                          </p:spTgt>
-                                        </p:tgtEl>
-                                        <p:attrNameLst>
-                                          <p:attrName>style.visibility</p:attrName>
-                                        </p:attrNameLst>
-                                      </p:cBhvr>
-                                      <p:to>
-                                        <p:strVal val="visible"/>
-                                      </p:to>
-                                    </p:set>
-                                    <p:animEffect transition="in" filter="fade">
-                                      <p:cBhvr>
-                                        <p:cTn id="19" dur="1000">
-                                          <p:stCondLst>
-                                            <p:cond delay="0"/>
-                                          </p:stCondLst>
-                                        </p:cTn>
-                                        <p:tgtEl>
-                                          <p:spTgt spid="70659">
-                                            <p:txEl>
-                                              <p:pRg st="1" end="1"/>
-                                            </p:txEl>
-                                          </p:spTgt>
-                                        </p:tgtEl>
-                                      </p:cBhvr>
-                                    </p:animEffect>
-                                  </p:childTnLst>
-                                </p:cTn>
-                              </p:par>
-                            </p:childTnLst>
-                          </p:cTn>
-                        </p:par>
-                      </p:childTnLst>
-                    </p:cTn>
-                  </p:par>
-                  <p:par>
-                    <p:cTn id="20" fill="hold">
-                      <p:stCondLst>
-                        <p:cond delay="indefinite"/>
-                      </p:stCondLst>
-                      <p:childTnLst>
-                        <p:par>
-                          <p:cTn id="21" fill="hold">
-                            <p:stCondLst>
-                              <p:cond delay="0"/>
-                            </p:stCondLst>
-                            <p:childTnLst>
-                              <p:par>
-                                <p:cTn id="22" presetID="10" presetClass="entr" presetSubtype="0" fill="hold" grpId="0" nodeType="clickEffect">
-                                  <p:stCondLst>
-                                    <p:cond delay="0"/>
-                                  </p:stCondLst>
-                                  <p:childTnLst>
-                                    <p:set>
-                                      <p:cBhvr>
-                                        <p:cTn id="23" dur="1" fill="hold">
-                                          <p:stCondLst>
-                                            <p:cond delay="0"/>
-                                          </p:stCondLst>
-                                        </p:cTn>
-                                        <p:tgtEl>
-                                          <p:spTgt spid="70659">
-                                            <p:txEl>
-                                              <p:pRg st="2" end="2"/>
-                                            </p:txEl>
-                                          </p:spTgt>
-                                        </p:tgtEl>
-                                        <p:attrNameLst>
-                                          <p:attrName>style.visibility</p:attrName>
-                                        </p:attrNameLst>
-                                      </p:cBhvr>
-                                      <p:to>
-                                        <p:strVal val="visible"/>
-                                      </p:to>
-                                    </p:set>
-                                    <p:animEffect transition="in" filter="fade">
-                                      <p:cBhvr>
-                                        <p:cTn id="24" dur="1000">
-                                          <p:stCondLst>
-                                            <p:cond delay="0"/>
-                                          </p:stCondLst>
-                                        </p:cTn>
-                                        <p:tgtEl>
-                                          <p:spTgt spid="70659">
-                                            <p:txEl>
-                                              <p:pRg st="2" end="2"/>
-                                            </p:txEl>
-                                          </p:spTgt>
-                                        </p:tgtEl>
-                                      </p:cBhvr>
-                                    </p:animEffect>
-                                  </p:childTnLst>
-                                </p:cTn>
-                              </p:par>
-                            </p:childTnLst>
-                          </p:cTn>
-                        </p:par>
-                      </p:childTnLst>
-                    </p:cTn>
-                  </p:par>
-                  <p:par>
-                    <p:cTn id="25" fill="hold">
-                      <p:stCondLst>
-                        <p:cond delay="indefinite"/>
-                      </p:stCondLst>
-                      <p:childTnLst>
-                        <p:par>
-                          <p:cTn id="26" fill="hold">
-                            <p:stCondLst>
-                              <p:cond delay="0"/>
-                            </p:stCondLst>
-                            <p:childTnLst>
-                              <p:par>
-                                <p:cTn id="27" presetID="10" presetClass="entr" presetSubtype="0" fill="hold" grpId="0" nodeType="clickEffect">
-                                  <p:stCondLst>
-                                    <p:cond delay="0"/>
-                                  </p:stCondLst>
-                                  <p:childTnLst>
-                                    <p:set>
-                                      <p:cBhvr>
-                                        <p:cTn id="28" dur="1" fill="hold">
-                                          <p:stCondLst>
-                                            <p:cond delay="0"/>
-                                          </p:stCondLst>
-                                        </p:cTn>
-                                        <p:tgtEl>
-                                          <p:spTgt spid="70659">
-                                            <p:txEl>
-                                              <p:pRg st="3" end="3"/>
-                                            </p:txEl>
-                                          </p:spTgt>
-                                        </p:tgtEl>
-                                        <p:attrNameLst>
-                                          <p:attrName>style.visibility</p:attrName>
-                                        </p:attrNameLst>
-                                      </p:cBhvr>
-                                      <p:to>
-                                        <p:strVal val="visible"/>
-                                      </p:to>
-                                    </p:set>
-                                    <p:animEffect transition="in" filter="fade">
-                                      <p:cBhvr>
-                                        <p:cTn id="29" dur="1000">
-                                          <p:stCondLst>
-                                            <p:cond delay="0"/>
-                                          </p:stCondLst>
-                                        </p:cTn>
-                                        <p:tgtEl>
-                                          <p:spTgt spid="70659">
-                                            <p:txEl>
-                                              <p:pRg st="3" end="3"/>
-                                            </p:txEl>
-                                          </p:spTgt>
-                                        </p:tgtEl>
-                                      </p:cBhvr>
-                                    </p:animEffect>
-                                  </p:childTnLst>
-                                </p:cTn>
-                              </p:par>
-                            </p:childTnLst>
-                          </p:cTn>
-                        </p:par>
-                      </p:childTnLst>
-                    </p:cTn>
-                  </p:par>
-                  <p:par>
-                    <p:cTn id="30" fill="hold">
-                      <p:stCondLst>
-                        <p:cond delay="indefinite"/>
-                      </p:stCondLst>
-                      <p:childTnLst>
-                        <p:par>
-                          <p:cTn id="31" fill="hold">
-                            <p:stCondLst>
-                              <p:cond delay="0"/>
-                            </p:stCondLst>
-                            <p:childTnLst>
-                              <p:par>
-                                <p:cTn id="32" presetID="10" presetClass="entr" presetSubtype="0" fill="hold" grpId="0" nodeType="clickEffect">
-                                  <p:stCondLst>
-                                    <p:cond delay="0"/>
-                                  </p:stCondLst>
-                                  <p:childTnLst>
-                                    <p:set>
-                                      <p:cBhvr>
-                                        <p:cTn id="33" dur="1" fill="hold">
-                                          <p:stCondLst>
-                                            <p:cond delay="0"/>
-                                          </p:stCondLst>
-                                        </p:cTn>
-                                        <p:tgtEl>
-                                          <p:spTgt spid="70659">
-                                            <p:txEl>
-                                              <p:pRg st="4" end="4"/>
-                                            </p:txEl>
-                                          </p:spTgt>
-                                        </p:tgtEl>
-                                        <p:attrNameLst>
-                                          <p:attrName>style.visibility</p:attrName>
-                                        </p:attrNameLst>
-                                      </p:cBhvr>
-                                      <p:to>
-                                        <p:strVal val="visible"/>
-                                      </p:to>
-                                    </p:set>
-                                    <p:animEffect transition="in" filter="fade">
-                                      <p:cBhvr>
-                                        <p:cTn id="34" dur="1000">
-                                          <p:stCondLst>
-                                            <p:cond delay="0"/>
-                                          </p:stCondLst>
-                                        </p:cTn>
-                                        <p:tgtEl>
-                                          <p:spTgt spid="70659">
-                                            <p:txEl>
-                                              <p:pRg st="4" end="4"/>
-                                            </p:txEl>
-                                          </p:spTgt>
-                                        </p:tgtEl>
-                                      </p:cBhvr>
-                                    </p:animEffect>
-                                  </p:childTnLst>
-                                </p:cTn>
-                              </p:par>
-                            </p:childTnLst>
-                          </p:cTn>
-                        </p:par>
-                      </p:childTnLst>
-                    </p:cTn>
-                  </p:par>
-                  <p:par>
-                    <p:cTn id="35" fill="hold">
-                      <p:stCondLst>
-                        <p:cond delay="indefinite"/>
-                      </p:stCondLst>
-                      <p:childTnLst>
-                        <p:par>
-                          <p:cTn id="36" fill="hold">
-                            <p:stCondLst>
-                              <p:cond delay="0"/>
-                            </p:stCondLst>
-                            <p:childTnLst>
-                              <p:par>
-                                <p:cTn id="37" presetID="10" presetClass="entr" presetSubtype="0" fill="hold" grpId="0" nodeType="clickEffect">
-                                  <p:stCondLst>
-                                    <p:cond delay="0"/>
-                                  </p:stCondLst>
-                                  <p:childTnLst>
-                                    <p:set>
-                                      <p:cBhvr>
-                                        <p:cTn id="38" dur="1" fill="hold">
-                                          <p:stCondLst>
-                                            <p:cond delay="0"/>
-                                          </p:stCondLst>
-                                        </p:cTn>
-                                        <p:tgtEl>
-                                          <p:spTgt spid="70659">
-                                            <p:txEl>
-                                              <p:pRg st="5" end="5"/>
-                                            </p:txEl>
-                                          </p:spTgt>
-                                        </p:tgtEl>
-                                        <p:attrNameLst>
-                                          <p:attrName>style.visibility</p:attrName>
-                                        </p:attrNameLst>
-                                      </p:cBhvr>
-                                      <p:to>
-                                        <p:strVal val="visible"/>
-                                      </p:to>
-                                    </p:set>
-                                    <p:animEffect transition="in" filter="fade">
-                                      <p:cBhvr>
-                                        <p:cTn id="39" dur="1000">
-                                          <p:stCondLst>
-                                            <p:cond delay="0"/>
-                                          </p:stCondLst>
-                                        </p:cTn>
-                                        <p:tgtEl>
-                                          <p:spTgt spid="70659">
-                                            <p:txEl>
-                                              <p:pRg st="5" end="5"/>
-                                            </p:txEl>
-                                          </p:spTgt>
-                                        </p:tgtEl>
-                                      </p:cBhvr>
-                                    </p:animEffect>
-                                  </p:childTnLst>
-                                </p:cTn>
-                              </p:par>
-                            </p:childTnLst>
-                          </p:cTn>
-                        </p:par>
-                      </p:childTnLst>
-                    </p:cTn>
-                  </p:par>
-                </p:childTnLst>
-              </p:cTn>
-              <p:prevCondLst>
-                <p:cond evt="onPrev" delay="0">
-                  <p:tgtEl>
-                    <p:sldTgt/>
-                  </p:tgtEl>
-                </p:cond>
-              </p:prevCondLst>
-              <p:nextCondLst>
-                <p:cond evt="onNext" delay="0">
-                  <p:tgtEl>
-                    <p:sldTgt/>
-                  </p:tgtEl>
-                </p:cond>
-              </p:nextCondLst>
-            </p:seq>
-          </p:childTnLst>
-        </p:cTn>
-      </p:par>
-    </p:tnLst>
-    <p:bldLst>
-      <p:bldP spid="70658" grpId="0"/>
-      <p:bldP spid="70659" grpId="0" uiExpand="1" build="p"/>
-    </p:bldLst>
-  </p:timing>
 </p:sld>
 </file>
 
@@ -5260,141 +4738,6 @@
   <p:clrMapOvr>
     <a:masterClrMapping/>
   </p:clrMapOvr>
-  <p:timing>
-    <p:tnLst>
-      <p:par>
-        <p:cTn id="1" dur="indefinite" restart="never" nodeType="tmRoot">
-          <p:childTnLst>
-            <p:seq concurrent="1" nextAc="seek">
-              <p:cTn id="2" dur="indefinite" nodeType="mainSeq">
-                <p:childTnLst>
-                  <p:par>
-                    <p:cTn id="3" fill="hold" nodeType="clickPar">
-                      <p:stCondLst>
-                        <p:cond delay="indefinite"/>
-                        <p:cond evt="onBegin" delay="0">
-                          <p:tn val="2"/>
-                        </p:cond>
-                      </p:stCondLst>
-                      <p:childTnLst>
-                        <p:par>
-                          <p:cTn id="4" fill="hold" nodeType="withGroup">
-                            <p:stCondLst>
-                              <p:cond delay="0"/>
-                            </p:stCondLst>
-                            <p:childTnLst>
-                              <p:par>
-                                <p:cTn id="5" presetID="53" presetClass="entr" presetSubtype="0" fill="hold" grpId="0" nodeType="withEffect">
-                                  <p:stCondLst>
-                                    <p:cond delay="0"/>
-                                  </p:stCondLst>
-                                  <p:childTnLst>
-                                    <p:set>
-                                      <p:cBhvr>
-                                        <p:cTn id="6" dur="1" fill="hold">
-                                          <p:stCondLst>
-                                            <p:cond delay="0"/>
-                                          </p:stCondLst>
-                                        </p:cTn>
-                                        <p:tgtEl>
-                                          <p:spTgt spid="70658"/>
-                                        </p:tgtEl>
-                                        <p:attrNameLst>
-                                          <p:attrName>style.visibility</p:attrName>
-                                        </p:attrNameLst>
-                                      </p:cBhvr>
-                                      <p:to>
-                                        <p:strVal val="visible"/>
-                                      </p:to>
-                                    </p:set>
-                                    <p:anim calcmode="lin" valueType="num">
-                                      <p:cBhvr>
-                                        <p:cTn id="7" dur="500" fill="hold"/>
-                                        <p:tgtEl>
-                                          <p:spTgt spid="70658"/>
-                                        </p:tgtEl>
-                                        <p:attrNameLst>
-                                          <p:attrName>ppt_w</p:attrName>
-                                        </p:attrNameLst>
-                                      </p:cBhvr>
-                                      <p:tavLst>
-                                        <p:tav tm="0">
-                                          <p:val>
-                                            <p:fltVal val="0"/>
-                                          </p:val>
-                                        </p:tav>
-                                        <p:tav tm="100000">
-                                          <p:val>
-                                            <p:strVal val="#ppt_w"/>
-                                          </p:val>
-                                        </p:tav>
-                                      </p:tavLst>
-                                    </p:anim>
-                                    <p:anim calcmode="lin" valueType="num">
-                                      <p:cBhvr>
-                                        <p:cTn id="8" dur="500" fill="hold"/>
-                                        <p:tgtEl>
-                                          <p:spTgt spid="70658"/>
-                                        </p:tgtEl>
-                                        <p:attrNameLst>
-                                          <p:attrName>ppt_h</p:attrName>
-                                        </p:attrNameLst>
-                                      </p:cBhvr>
-                                      <p:tavLst>
-                                        <p:tav tm="0">
-                                          <p:val>
-                                            <p:fltVal val="0"/>
-                                          </p:val>
-                                        </p:tav>
-                                        <p:tav tm="100000">
-                                          <p:val>
-                                            <p:strVal val="#ppt_h"/>
-                                          </p:val>
-                                        </p:tav>
-                                      </p:tavLst>
-                                    </p:anim>
-                                    <p:animEffect transition="in" filter="fade">
-                                      <p:cBhvr>
-                                        <p:cTn id="9" dur="500"/>
-                                        <p:tgtEl>
-                                          <p:spTgt spid="70658"/>
-                                        </p:tgtEl>
-                                      </p:cBhvr>
-                                    </p:animEffect>
-                                  </p:childTnLst>
-                                </p:cTn>
-                              </p:par>
-                            </p:childTnLst>
-                          </p:cTn>
-                        </p:par>
-                      </p:childTnLst>
-                    </p:cTn>
-                  </p:par>
-                </p:childTnLst>
-              </p:cTn>
-              <p:prevCondLst>
-                <p:cond evt="onPrev" delay="0">
-                  <p:tgtEl>
-                    <p:sldTgt/>
-                  </p:tgtEl>
-                </p:cond>
-              </p:prevCondLst>
-              <p:nextCondLst>
-                <p:cond evt="onNext" delay="0">
-                  <p:tgtEl>
-                    <p:sldTgt/>
-                  </p:tgtEl>
-                </p:cond>
-              </p:nextCondLst>
-            </p:seq>
-          </p:childTnLst>
-        </p:cTn>
-      </p:par>
-    </p:tnLst>
-    <p:bldLst>
-      <p:bldP spid="70658" grpId="0"/>
-    </p:bldLst>
-  </p:timing>
 </p:sld>
 </file>
 
@@ -5586,194 +4929,6 @@
   <p:clrMapOvr>
     <a:masterClrMapping/>
   </p:clrMapOvr>
-  <p:timing>
-    <p:tnLst>
-      <p:par>
-        <p:cTn id="1" dur="indefinite" restart="never" nodeType="tmRoot">
-          <p:childTnLst>
-            <p:seq concurrent="1" nextAc="seek">
-              <p:cTn id="2" dur="indefinite" nodeType="mainSeq">
-                <p:childTnLst>
-                  <p:par>
-                    <p:cTn id="3" fill="hold" nodeType="clickPar">
-                      <p:stCondLst>
-                        <p:cond delay="indefinite"/>
-                        <p:cond evt="onBegin" delay="0">
-                          <p:tn val="2"/>
-                        </p:cond>
-                      </p:stCondLst>
-                      <p:childTnLst>
-                        <p:par>
-                          <p:cTn id="4" fill="hold" nodeType="withGroup">
-                            <p:stCondLst>
-                              <p:cond delay="0"/>
-                            </p:stCondLst>
-                            <p:childTnLst>
-                              <p:par>
-                                <p:cTn id="5" presetID="53" presetClass="entr" presetSubtype="0" fill="hold" grpId="0" nodeType="withEffect">
-                                  <p:stCondLst>
-                                    <p:cond delay="0"/>
-                                  </p:stCondLst>
-                                  <p:childTnLst>
-                                    <p:set>
-                                      <p:cBhvr>
-                                        <p:cTn id="6" dur="1" fill="hold">
-                                          <p:stCondLst>
-                                            <p:cond delay="0"/>
-                                          </p:stCondLst>
-                                        </p:cTn>
-                                        <p:tgtEl>
-                                          <p:spTgt spid="71682"/>
-                                        </p:tgtEl>
-                                        <p:attrNameLst>
-                                          <p:attrName>style.visibility</p:attrName>
-                                        </p:attrNameLst>
-                                      </p:cBhvr>
-                                      <p:to>
-                                        <p:strVal val="visible"/>
-                                      </p:to>
-                                    </p:set>
-                                    <p:anim calcmode="lin" valueType="num">
-                                      <p:cBhvr>
-                                        <p:cTn id="7" dur="500" fill="hold"/>
-                                        <p:tgtEl>
-                                          <p:spTgt spid="71682"/>
-                                        </p:tgtEl>
-                                        <p:attrNameLst>
-                                          <p:attrName>ppt_w</p:attrName>
-                                        </p:attrNameLst>
-                                      </p:cBhvr>
-                                      <p:tavLst>
-                                        <p:tav tm="0">
-                                          <p:val>
-                                            <p:fltVal val="0"/>
-                                          </p:val>
-                                        </p:tav>
-                                        <p:tav tm="100000">
-                                          <p:val>
-                                            <p:strVal val="#ppt_w"/>
-                                          </p:val>
-                                        </p:tav>
-                                      </p:tavLst>
-                                    </p:anim>
-                                    <p:anim calcmode="lin" valueType="num">
-                                      <p:cBhvr>
-                                        <p:cTn id="8" dur="500" fill="hold"/>
-                                        <p:tgtEl>
-                                          <p:spTgt spid="71682"/>
-                                        </p:tgtEl>
-                                        <p:attrNameLst>
-                                          <p:attrName>ppt_h</p:attrName>
-                                        </p:attrNameLst>
-                                      </p:cBhvr>
-                                      <p:tavLst>
-                                        <p:tav tm="0">
-                                          <p:val>
-                                            <p:fltVal val="0"/>
-                                          </p:val>
-                                        </p:tav>
-                                        <p:tav tm="100000">
-                                          <p:val>
-                                            <p:strVal val="#ppt_h"/>
-                                          </p:val>
-                                        </p:tav>
-                                      </p:tavLst>
-                                    </p:anim>
-                                    <p:animEffect transition="in" filter="fade">
-                                      <p:cBhvr>
-                                        <p:cTn id="9" dur="500"/>
-                                        <p:tgtEl>
-                                          <p:spTgt spid="71682"/>
-                                        </p:tgtEl>
-                                      </p:cBhvr>
-                                    </p:animEffect>
-                                  </p:childTnLst>
-                                </p:cTn>
-                              </p:par>
-                            </p:childTnLst>
-                          </p:cTn>
-                        </p:par>
-                        <p:par>
-                          <p:cTn id="10" fill="hold" nodeType="afterGroup">
-                            <p:stCondLst>
-                              <p:cond delay="500"/>
-                            </p:stCondLst>
-                            <p:childTnLst>
-                              <p:par>
-                                <p:cTn id="11" presetID="22" presetClass="entr" presetSubtype="8" fill="hold" grpId="0" nodeType="afterEffect">
-                                  <p:stCondLst>
-                                    <p:cond delay="0"/>
-                                  </p:stCondLst>
-                                  <p:childTnLst>
-                                    <p:set>
-                                      <p:cBhvr>
-                                        <p:cTn id="12" dur="1" fill="hold">
-                                          <p:stCondLst>
-                                            <p:cond delay="0"/>
-                                          </p:stCondLst>
-                                        </p:cTn>
-                                        <p:tgtEl>
-                                          <p:spTgt spid="71683">
-                                            <p:txEl>
-                                              <p:pRg st="0" end="0"/>
-                                            </p:txEl>
-                                          </p:spTgt>
-                                        </p:tgtEl>
-                                        <p:attrNameLst>
-                                          <p:attrName>style.visibility</p:attrName>
-                                        </p:attrNameLst>
-                                      </p:cBhvr>
-                                      <p:to>
-                                        <p:strVal val="visible"/>
-                                      </p:to>
-                                    </p:set>
-                                    <p:animEffect transition="in" filter="wipe(left)">
-                                      <p:cBhvr>
-                                        <p:cTn id="13" dur="1000"/>
-                                        <p:tgtEl>
-                                          <p:spTgt spid="71683">
-                                            <p:txEl>
-                                              <p:pRg st="0" end="0"/>
-                                            </p:txEl>
-                                          </p:spTgt>
-                                        </p:tgtEl>
-                                      </p:cBhvr>
-                                    </p:animEffect>
-                                  </p:childTnLst>
-                                </p:cTn>
-                              </p:par>
-                            </p:childTnLst>
-                          </p:cTn>
-                        </p:par>
-                      </p:childTnLst>
-                    </p:cTn>
-                  </p:par>
-                </p:childTnLst>
-              </p:cTn>
-              <p:prevCondLst>
-                <p:cond evt="onPrev" delay="0">
-                  <p:tgtEl>
-                    <p:sldTgt/>
-                  </p:tgtEl>
-                </p:cond>
-              </p:prevCondLst>
-              <p:nextCondLst>
-                <p:cond evt="onNext" delay="0">
-                  <p:tgtEl>
-                    <p:sldTgt/>
-                  </p:tgtEl>
-                </p:cond>
-              </p:nextCondLst>
-            </p:seq>
-          </p:childTnLst>
-        </p:cTn>
-      </p:par>
-    </p:tnLst>
-    <p:bldLst>
-      <p:bldP spid="71682" grpId="0"/>
-      <p:bldP spid="71683" grpId="0" uiExpand="1" build="p"/>
-    </p:bldLst>
-  </p:timing>
 </p:sld>
 </file>
 
@@ -5875,141 +5030,6 @@
   <p:clrMapOvr>
     <a:masterClrMapping/>
   </p:clrMapOvr>
-  <p:timing>
-    <p:tnLst>
-      <p:par>
-        <p:cTn id="1" dur="indefinite" restart="never" nodeType="tmRoot">
-          <p:childTnLst>
-            <p:seq concurrent="1" nextAc="seek">
-              <p:cTn id="2" dur="indefinite" nodeType="mainSeq">
-                <p:childTnLst>
-                  <p:par>
-                    <p:cTn id="3" fill="hold" nodeType="clickPar">
-                      <p:stCondLst>
-                        <p:cond delay="indefinite"/>
-                        <p:cond evt="onBegin" delay="0">
-                          <p:tn val="2"/>
-                        </p:cond>
-                      </p:stCondLst>
-                      <p:childTnLst>
-                        <p:par>
-                          <p:cTn id="4" fill="hold" nodeType="withGroup">
-                            <p:stCondLst>
-                              <p:cond delay="0"/>
-                            </p:stCondLst>
-                            <p:childTnLst>
-                              <p:par>
-                                <p:cTn id="5" presetID="53" presetClass="entr" presetSubtype="0" fill="hold" grpId="0" nodeType="withEffect">
-                                  <p:stCondLst>
-                                    <p:cond delay="0"/>
-                                  </p:stCondLst>
-                                  <p:childTnLst>
-                                    <p:set>
-                                      <p:cBhvr>
-                                        <p:cTn id="6" dur="1" fill="hold">
-                                          <p:stCondLst>
-                                            <p:cond delay="0"/>
-                                          </p:stCondLst>
-                                        </p:cTn>
-                                        <p:tgtEl>
-                                          <p:spTgt spid="71682"/>
-                                        </p:tgtEl>
-                                        <p:attrNameLst>
-                                          <p:attrName>style.visibility</p:attrName>
-                                        </p:attrNameLst>
-                                      </p:cBhvr>
-                                      <p:to>
-                                        <p:strVal val="visible"/>
-                                      </p:to>
-                                    </p:set>
-                                    <p:anim calcmode="lin" valueType="num">
-                                      <p:cBhvr>
-                                        <p:cTn id="7" dur="500" fill="hold"/>
-                                        <p:tgtEl>
-                                          <p:spTgt spid="71682"/>
-                                        </p:tgtEl>
-                                        <p:attrNameLst>
-                                          <p:attrName>ppt_w</p:attrName>
-                                        </p:attrNameLst>
-                                      </p:cBhvr>
-                                      <p:tavLst>
-                                        <p:tav tm="0">
-                                          <p:val>
-                                            <p:fltVal val="0"/>
-                                          </p:val>
-                                        </p:tav>
-                                        <p:tav tm="100000">
-                                          <p:val>
-                                            <p:strVal val="#ppt_w"/>
-                                          </p:val>
-                                        </p:tav>
-                                      </p:tavLst>
-                                    </p:anim>
-                                    <p:anim calcmode="lin" valueType="num">
-                                      <p:cBhvr>
-                                        <p:cTn id="8" dur="500" fill="hold"/>
-                                        <p:tgtEl>
-                                          <p:spTgt spid="71682"/>
-                                        </p:tgtEl>
-                                        <p:attrNameLst>
-                                          <p:attrName>ppt_h</p:attrName>
-                                        </p:attrNameLst>
-                                      </p:cBhvr>
-                                      <p:tavLst>
-                                        <p:tav tm="0">
-                                          <p:val>
-                                            <p:fltVal val="0"/>
-                                          </p:val>
-                                        </p:tav>
-                                        <p:tav tm="100000">
-                                          <p:val>
-                                            <p:strVal val="#ppt_h"/>
-                                          </p:val>
-                                        </p:tav>
-                                      </p:tavLst>
-                                    </p:anim>
-                                    <p:animEffect transition="in" filter="fade">
-                                      <p:cBhvr>
-                                        <p:cTn id="9" dur="500"/>
-                                        <p:tgtEl>
-                                          <p:spTgt spid="71682"/>
-                                        </p:tgtEl>
-                                      </p:cBhvr>
-                                    </p:animEffect>
-                                  </p:childTnLst>
-                                </p:cTn>
-                              </p:par>
-                            </p:childTnLst>
-                          </p:cTn>
-                        </p:par>
-                      </p:childTnLst>
-                    </p:cTn>
-                  </p:par>
-                </p:childTnLst>
-              </p:cTn>
-              <p:prevCondLst>
-                <p:cond evt="onPrev" delay="0">
-                  <p:tgtEl>
-                    <p:sldTgt/>
-                  </p:tgtEl>
-                </p:cond>
-              </p:prevCondLst>
-              <p:nextCondLst>
-                <p:cond evt="onNext" delay="0">
-                  <p:tgtEl>
-                    <p:sldTgt/>
-                  </p:tgtEl>
-                </p:cond>
-              </p:nextCondLst>
-            </p:seq>
-          </p:childTnLst>
-        </p:cTn>
-      </p:par>
-    </p:tnLst>
-    <p:bldLst>
-      <p:bldP spid="71682" grpId="0"/>
-    </p:bldLst>
-  </p:timing>
 </p:sld>
 </file>
 
@@ -6276,141 +5296,6 @@
   <p:clrMapOvr>
     <a:masterClrMapping/>
   </p:clrMapOvr>
-  <p:timing>
-    <p:tnLst>
-      <p:par>
-        <p:cTn id="1" dur="indefinite" restart="never" nodeType="tmRoot">
-          <p:childTnLst>
-            <p:seq concurrent="1" nextAc="seek">
-              <p:cTn id="2" dur="indefinite" nodeType="mainSeq">
-                <p:childTnLst>
-                  <p:par>
-                    <p:cTn id="3" fill="hold" nodeType="clickPar">
-                      <p:stCondLst>
-                        <p:cond delay="indefinite"/>
-                        <p:cond evt="onBegin" delay="0">
-                          <p:tn val="2"/>
-                        </p:cond>
-                      </p:stCondLst>
-                      <p:childTnLst>
-                        <p:par>
-                          <p:cTn id="4" fill="hold" nodeType="withGroup">
-                            <p:stCondLst>
-                              <p:cond delay="0"/>
-                            </p:stCondLst>
-                            <p:childTnLst>
-                              <p:par>
-                                <p:cTn id="5" presetID="53" presetClass="entr" presetSubtype="0" fill="hold" grpId="0" nodeType="withEffect">
-                                  <p:stCondLst>
-                                    <p:cond delay="0"/>
-                                  </p:stCondLst>
-                                  <p:childTnLst>
-                                    <p:set>
-                                      <p:cBhvr>
-                                        <p:cTn id="6" dur="1" fill="hold">
-                                          <p:stCondLst>
-                                            <p:cond delay="0"/>
-                                          </p:stCondLst>
-                                        </p:cTn>
-                                        <p:tgtEl>
-                                          <p:spTgt spid="72706"/>
-                                        </p:tgtEl>
-                                        <p:attrNameLst>
-                                          <p:attrName>style.visibility</p:attrName>
-                                        </p:attrNameLst>
-                                      </p:cBhvr>
-                                      <p:to>
-                                        <p:strVal val="visible"/>
-                                      </p:to>
-                                    </p:set>
-                                    <p:anim calcmode="lin" valueType="num">
-                                      <p:cBhvr>
-                                        <p:cTn id="7" dur="500" fill="hold"/>
-                                        <p:tgtEl>
-                                          <p:spTgt spid="72706"/>
-                                        </p:tgtEl>
-                                        <p:attrNameLst>
-                                          <p:attrName>ppt_w</p:attrName>
-                                        </p:attrNameLst>
-                                      </p:cBhvr>
-                                      <p:tavLst>
-                                        <p:tav tm="0">
-                                          <p:val>
-                                            <p:fltVal val="0"/>
-                                          </p:val>
-                                        </p:tav>
-                                        <p:tav tm="100000">
-                                          <p:val>
-                                            <p:strVal val="#ppt_w"/>
-                                          </p:val>
-                                        </p:tav>
-                                      </p:tavLst>
-                                    </p:anim>
-                                    <p:anim calcmode="lin" valueType="num">
-                                      <p:cBhvr>
-                                        <p:cTn id="8" dur="500" fill="hold"/>
-                                        <p:tgtEl>
-                                          <p:spTgt spid="72706"/>
-                                        </p:tgtEl>
-                                        <p:attrNameLst>
-                                          <p:attrName>ppt_h</p:attrName>
-                                        </p:attrNameLst>
-                                      </p:cBhvr>
-                                      <p:tavLst>
-                                        <p:tav tm="0">
-                                          <p:val>
-                                            <p:fltVal val="0"/>
-                                          </p:val>
-                                        </p:tav>
-                                        <p:tav tm="100000">
-                                          <p:val>
-                                            <p:strVal val="#ppt_h"/>
-                                          </p:val>
-                                        </p:tav>
-                                      </p:tavLst>
-                                    </p:anim>
-                                    <p:animEffect transition="in" filter="fade">
-                                      <p:cBhvr>
-                                        <p:cTn id="9" dur="500"/>
-                                        <p:tgtEl>
-                                          <p:spTgt spid="72706"/>
-                                        </p:tgtEl>
-                                      </p:cBhvr>
-                                    </p:animEffect>
-                                  </p:childTnLst>
-                                </p:cTn>
-                              </p:par>
-                            </p:childTnLst>
-                          </p:cTn>
-                        </p:par>
-                      </p:childTnLst>
-                    </p:cTn>
-                  </p:par>
-                </p:childTnLst>
-              </p:cTn>
-              <p:prevCondLst>
-                <p:cond evt="onPrev" delay="0">
-                  <p:tgtEl>
-                    <p:sldTgt/>
-                  </p:tgtEl>
-                </p:cond>
-              </p:prevCondLst>
-              <p:nextCondLst>
-                <p:cond evt="onNext" delay="0">
-                  <p:tgtEl>
-                    <p:sldTgt/>
-                  </p:tgtEl>
-                </p:cond>
-              </p:nextCondLst>
-            </p:seq>
-          </p:childTnLst>
-        </p:cTn>
-      </p:par>
-    </p:tnLst>
-    <p:bldLst>
-      <p:bldP spid="72706" grpId="0"/>
-    </p:bldLst>
-  </p:timing>
 </p:sld>
 </file>
 
@@ -6800,617 +5685,6 @@
   <p:clrMapOvr>
     <a:masterClrMapping/>
   </p:clrMapOvr>
-  <p:timing>
-    <p:tnLst>
-      <p:par>
-        <p:cTn id="1" dur="indefinite" restart="never" nodeType="tmRoot">
-          <p:childTnLst>
-            <p:seq concurrent="1" nextAc="seek">
-              <p:cTn id="2" dur="indefinite" nodeType="mainSeq">
-                <p:childTnLst>
-                  <p:par>
-                    <p:cTn id="3" fill="hold" nodeType="clickPar">
-                      <p:stCondLst>
-                        <p:cond delay="indefinite"/>
-                        <p:cond evt="onBegin" delay="0">
-                          <p:tn val="2"/>
-                        </p:cond>
-                      </p:stCondLst>
-                      <p:childTnLst>
-                        <p:par>
-                          <p:cTn id="4" fill="hold" nodeType="withGroup">
-                            <p:stCondLst>
-                              <p:cond delay="0"/>
-                            </p:stCondLst>
-                            <p:childTnLst>
-                              <p:par>
-                                <p:cTn id="5" presetID="53" presetClass="entr" presetSubtype="0" fill="hold" grpId="0" nodeType="withEffect">
-                                  <p:stCondLst>
-                                    <p:cond delay="0"/>
-                                  </p:stCondLst>
-                                  <p:childTnLst>
-                                    <p:set>
-                                      <p:cBhvr>
-                                        <p:cTn id="6" dur="1" fill="hold">
-                                          <p:stCondLst>
-                                            <p:cond delay="0"/>
-                                          </p:stCondLst>
-                                        </p:cTn>
-                                        <p:tgtEl>
-                                          <p:spTgt spid="72706"/>
-                                        </p:tgtEl>
-                                        <p:attrNameLst>
-                                          <p:attrName>style.visibility</p:attrName>
-                                        </p:attrNameLst>
-                                      </p:cBhvr>
-                                      <p:to>
-                                        <p:strVal val="visible"/>
-                                      </p:to>
-                                    </p:set>
-                                    <p:anim calcmode="lin" valueType="num">
-                                      <p:cBhvr>
-                                        <p:cTn id="7" dur="500" fill="hold"/>
-                                        <p:tgtEl>
-                                          <p:spTgt spid="72706"/>
-                                        </p:tgtEl>
-                                        <p:attrNameLst>
-                                          <p:attrName>ppt_w</p:attrName>
-                                        </p:attrNameLst>
-                                      </p:cBhvr>
-                                      <p:tavLst>
-                                        <p:tav tm="0">
-                                          <p:val>
-                                            <p:fltVal val="0"/>
-                                          </p:val>
-                                        </p:tav>
-                                        <p:tav tm="100000">
-                                          <p:val>
-                                            <p:strVal val="#ppt_w"/>
-                                          </p:val>
-                                        </p:tav>
-                                      </p:tavLst>
-                                    </p:anim>
-                                    <p:anim calcmode="lin" valueType="num">
-                                      <p:cBhvr>
-                                        <p:cTn id="8" dur="500" fill="hold"/>
-                                        <p:tgtEl>
-                                          <p:spTgt spid="72706"/>
-                                        </p:tgtEl>
-                                        <p:attrNameLst>
-                                          <p:attrName>ppt_h</p:attrName>
-                                        </p:attrNameLst>
-                                      </p:cBhvr>
-                                      <p:tavLst>
-                                        <p:tav tm="0">
-                                          <p:val>
-                                            <p:fltVal val="0"/>
-                                          </p:val>
-                                        </p:tav>
-                                        <p:tav tm="100000">
-                                          <p:val>
-                                            <p:strVal val="#ppt_h"/>
-                                          </p:val>
-                                        </p:tav>
-                                      </p:tavLst>
-                                    </p:anim>
-                                    <p:animEffect transition="in" filter="fade">
-                                      <p:cBhvr>
-                                        <p:cTn id="9" dur="500"/>
-                                        <p:tgtEl>
-                                          <p:spTgt spid="72706"/>
-                                        </p:tgtEl>
-                                      </p:cBhvr>
-                                    </p:animEffect>
-                                  </p:childTnLst>
-                                </p:cTn>
-                              </p:par>
-                            </p:childTnLst>
-                          </p:cTn>
-                        </p:par>
-                        <p:par>
-                          <p:cTn id="10" fill="hold">
-                            <p:stCondLst>
-                              <p:cond delay="500"/>
-                            </p:stCondLst>
-                            <p:childTnLst>
-                              <p:par>
-                                <p:cTn id="11" presetID="10" presetClass="entr" presetSubtype="0" fill="hold" grpId="0" nodeType="afterEffect">
-                                  <p:stCondLst>
-                                    <p:cond delay="0"/>
-                                  </p:stCondLst>
-                                  <p:childTnLst>
-                                    <p:set>
-                                      <p:cBhvr>
-                                        <p:cTn id="12" dur="1" fill="hold">
-                                          <p:stCondLst>
-                                            <p:cond delay="0"/>
-                                          </p:stCondLst>
-                                        </p:cTn>
-                                        <p:tgtEl>
-                                          <p:spTgt spid="72707">
-                                            <p:txEl>
-                                              <p:pRg st="0" end="0"/>
-                                            </p:txEl>
-                                          </p:spTgt>
-                                        </p:tgtEl>
-                                        <p:attrNameLst>
-                                          <p:attrName>style.visibility</p:attrName>
-                                        </p:attrNameLst>
-                                      </p:cBhvr>
-                                      <p:to>
-                                        <p:strVal val="visible"/>
-                                      </p:to>
-                                    </p:set>
-                                    <p:animEffect transition="in" filter="fade">
-                                      <p:cBhvr>
-                                        <p:cTn id="13" dur="1000">
-                                          <p:stCondLst>
-                                            <p:cond delay="0"/>
-                                          </p:stCondLst>
-                                        </p:cTn>
-                                        <p:tgtEl>
-                                          <p:spTgt spid="72707">
-                                            <p:txEl>
-                                              <p:pRg st="0" end="0"/>
-                                            </p:txEl>
-                                          </p:spTgt>
-                                        </p:tgtEl>
-                                      </p:cBhvr>
-                                    </p:animEffect>
-                                  </p:childTnLst>
-                                </p:cTn>
-                              </p:par>
-                            </p:childTnLst>
-                          </p:cTn>
-                        </p:par>
-                        <p:par>
-                          <p:cTn id="14" fill="hold">
-                            <p:stCondLst>
-                              <p:cond delay="1500"/>
-                            </p:stCondLst>
-                            <p:childTnLst>
-                              <p:par>
-                                <p:cTn id="15" presetID="10" presetClass="entr" presetSubtype="0" fill="hold" grpId="0" nodeType="afterEffect">
-                                  <p:stCondLst>
-                                    <p:cond delay="0"/>
-                                  </p:stCondLst>
-                                  <p:childTnLst>
-                                    <p:set>
-                                      <p:cBhvr>
-                                        <p:cTn id="16" dur="1" fill="hold">
-                                          <p:stCondLst>
-                                            <p:cond delay="0"/>
-                                          </p:stCondLst>
-                                        </p:cTn>
-                                        <p:tgtEl>
-                                          <p:spTgt spid="72707">
-                                            <p:txEl>
-                                              <p:pRg st="1" end="1"/>
-                                            </p:txEl>
-                                          </p:spTgt>
-                                        </p:tgtEl>
-                                        <p:attrNameLst>
-                                          <p:attrName>style.visibility</p:attrName>
-                                        </p:attrNameLst>
-                                      </p:cBhvr>
-                                      <p:to>
-                                        <p:strVal val="visible"/>
-                                      </p:to>
-                                    </p:set>
-                                    <p:animEffect transition="in" filter="fade">
-                                      <p:cBhvr>
-                                        <p:cTn id="17" dur="1000">
-                                          <p:stCondLst>
-                                            <p:cond delay="0"/>
-                                          </p:stCondLst>
-                                        </p:cTn>
-                                        <p:tgtEl>
-                                          <p:spTgt spid="72707">
-                                            <p:txEl>
-                                              <p:pRg st="1" end="1"/>
-                                            </p:txEl>
-                                          </p:spTgt>
-                                        </p:tgtEl>
-                                      </p:cBhvr>
-                                    </p:animEffect>
-                                  </p:childTnLst>
-                                </p:cTn>
-                              </p:par>
-                            </p:childTnLst>
-                          </p:cTn>
-                        </p:par>
-                        <p:par>
-                          <p:cTn id="18" fill="hold">
-                            <p:stCondLst>
-                              <p:cond delay="2500"/>
-                            </p:stCondLst>
-                            <p:childTnLst>
-                              <p:par>
-                                <p:cTn id="19" presetID="10" presetClass="entr" presetSubtype="0" fill="hold" grpId="0" nodeType="afterEffect">
-                                  <p:stCondLst>
-                                    <p:cond delay="0"/>
-                                  </p:stCondLst>
-                                  <p:childTnLst>
-                                    <p:set>
-                                      <p:cBhvr>
-                                        <p:cTn id="20" dur="1" fill="hold">
-                                          <p:stCondLst>
-                                            <p:cond delay="0"/>
-                                          </p:stCondLst>
-                                        </p:cTn>
-                                        <p:tgtEl>
-                                          <p:spTgt spid="72707">
-                                            <p:txEl>
-                                              <p:pRg st="2" end="2"/>
-                                            </p:txEl>
-                                          </p:spTgt>
-                                        </p:tgtEl>
-                                        <p:attrNameLst>
-                                          <p:attrName>style.visibility</p:attrName>
-                                        </p:attrNameLst>
-                                      </p:cBhvr>
-                                      <p:to>
-                                        <p:strVal val="visible"/>
-                                      </p:to>
-                                    </p:set>
-                                    <p:animEffect transition="in" filter="fade">
-                                      <p:cBhvr>
-                                        <p:cTn id="21" dur="1000">
-                                          <p:stCondLst>
-                                            <p:cond delay="0"/>
-                                          </p:stCondLst>
-                                        </p:cTn>
-                                        <p:tgtEl>
-                                          <p:spTgt spid="72707">
-                                            <p:txEl>
-                                              <p:pRg st="2" end="2"/>
-                                            </p:txEl>
-                                          </p:spTgt>
-                                        </p:tgtEl>
-                                      </p:cBhvr>
-                                    </p:animEffect>
-                                  </p:childTnLst>
-                                </p:cTn>
-                              </p:par>
-                            </p:childTnLst>
-                          </p:cTn>
-                        </p:par>
-                        <p:par>
-                          <p:cTn id="22" fill="hold">
-                            <p:stCondLst>
-                              <p:cond delay="3500"/>
-                            </p:stCondLst>
-                            <p:childTnLst>
-                              <p:par>
-                                <p:cTn id="23" presetID="10" presetClass="entr" presetSubtype="0" fill="hold" grpId="0" nodeType="afterEffect">
-                                  <p:stCondLst>
-                                    <p:cond delay="0"/>
-                                  </p:stCondLst>
-                                  <p:childTnLst>
-                                    <p:set>
-                                      <p:cBhvr>
-                                        <p:cTn id="24" dur="1" fill="hold">
-                                          <p:stCondLst>
-                                            <p:cond delay="0"/>
-                                          </p:stCondLst>
-                                        </p:cTn>
-                                        <p:tgtEl>
-                                          <p:spTgt spid="72707">
-                                            <p:txEl>
-                                              <p:pRg st="3" end="3"/>
-                                            </p:txEl>
-                                          </p:spTgt>
-                                        </p:tgtEl>
-                                        <p:attrNameLst>
-                                          <p:attrName>style.visibility</p:attrName>
-                                        </p:attrNameLst>
-                                      </p:cBhvr>
-                                      <p:to>
-                                        <p:strVal val="visible"/>
-                                      </p:to>
-                                    </p:set>
-                                    <p:animEffect transition="in" filter="fade">
-                                      <p:cBhvr>
-                                        <p:cTn id="25" dur="1000">
-                                          <p:stCondLst>
-                                            <p:cond delay="0"/>
-                                          </p:stCondLst>
-                                        </p:cTn>
-                                        <p:tgtEl>
-                                          <p:spTgt spid="72707">
-                                            <p:txEl>
-                                              <p:pRg st="3" end="3"/>
-                                            </p:txEl>
-                                          </p:spTgt>
-                                        </p:tgtEl>
-                                      </p:cBhvr>
-                                    </p:animEffect>
-                                  </p:childTnLst>
-                                </p:cTn>
-                              </p:par>
-                            </p:childTnLst>
-                          </p:cTn>
-                        </p:par>
-                        <p:par>
-                          <p:cTn id="26" fill="hold">
-                            <p:stCondLst>
-                              <p:cond delay="4500"/>
-                            </p:stCondLst>
-                            <p:childTnLst>
-                              <p:par>
-                                <p:cTn id="27" presetID="10" presetClass="entr" presetSubtype="0" fill="hold" grpId="0" nodeType="afterEffect">
-                                  <p:stCondLst>
-                                    <p:cond delay="0"/>
-                                  </p:stCondLst>
-                                  <p:childTnLst>
-                                    <p:set>
-                                      <p:cBhvr>
-                                        <p:cTn id="28" dur="1" fill="hold">
-                                          <p:stCondLst>
-                                            <p:cond delay="0"/>
-                                          </p:stCondLst>
-                                        </p:cTn>
-                                        <p:tgtEl>
-                                          <p:spTgt spid="72707">
-                                            <p:txEl>
-                                              <p:pRg st="4" end="4"/>
-                                            </p:txEl>
-                                          </p:spTgt>
-                                        </p:tgtEl>
-                                        <p:attrNameLst>
-                                          <p:attrName>style.visibility</p:attrName>
-                                        </p:attrNameLst>
-                                      </p:cBhvr>
-                                      <p:to>
-                                        <p:strVal val="visible"/>
-                                      </p:to>
-                                    </p:set>
-                                    <p:animEffect transition="in" filter="fade">
-                                      <p:cBhvr>
-                                        <p:cTn id="29" dur="1000">
-                                          <p:stCondLst>
-                                            <p:cond delay="0"/>
-                                          </p:stCondLst>
-                                        </p:cTn>
-                                        <p:tgtEl>
-                                          <p:spTgt spid="72707">
-                                            <p:txEl>
-                                              <p:pRg st="4" end="4"/>
-                                            </p:txEl>
-                                          </p:spTgt>
-                                        </p:tgtEl>
-                                      </p:cBhvr>
-                                    </p:animEffect>
-                                  </p:childTnLst>
-                                </p:cTn>
-                              </p:par>
-                            </p:childTnLst>
-                          </p:cTn>
-                        </p:par>
-                      </p:childTnLst>
-                    </p:cTn>
-                  </p:par>
-                  <p:par>
-                    <p:cTn id="30" fill="hold">
-                      <p:stCondLst>
-                        <p:cond delay="indefinite"/>
-                      </p:stCondLst>
-                      <p:childTnLst>
-                        <p:par>
-                          <p:cTn id="31" fill="hold">
-                            <p:stCondLst>
-                              <p:cond delay="0"/>
-                            </p:stCondLst>
-                            <p:childTnLst>
-                              <p:par>
-                                <p:cTn id="32" presetID="10" presetClass="entr" presetSubtype="0" fill="hold" grpId="0" nodeType="clickEffect">
-                                  <p:stCondLst>
-                                    <p:cond delay="0"/>
-                                  </p:stCondLst>
-                                  <p:childTnLst>
-                                    <p:set>
-                                      <p:cBhvr>
-                                        <p:cTn id="33" dur="1" fill="hold">
-                                          <p:stCondLst>
-                                            <p:cond delay="0"/>
-                                          </p:stCondLst>
-                                        </p:cTn>
-                                        <p:tgtEl>
-                                          <p:spTgt spid="72707">
-                                            <p:txEl>
-                                              <p:pRg st="6" end="6"/>
-                                            </p:txEl>
-                                          </p:spTgt>
-                                        </p:tgtEl>
-                                        <p:attrNameLst>
-                                          <p:attrName>style.visibility</p:attrName>
-                                        </p:attrNameLst>
-                                      </p:cBhvr>
-                                      <p:to>
-                                        <p:strVal val="visible"/>
-                                      </p:to>
-                                    </p:set>
-                                    <p:animEffect transition="in" filter="fade">
-                                      <p:cBhvr>
-                                        <p:cTn id="34" dur="1000">
-                                          <p:stCondLst>
-                                            <p:cond delay="0"/>
-                                          </p:stCondLst>
-                                        </p:cTn>
-                                        <p:tgtEl>
-                                          <p:spTgt spid="72707">
-                                            <p:txEl>
-                                              <p:pRg st="6" end="6"/>
-                                            </p:txEl>
-                                          </p:spTgt>
-                                        </p:tgtEl>
-                                      </p:cBhvr>
-                                    </p:animEffect>
-                                  </p:childTnLst>
-                                </p:cTn>
-                              </p:par>
-                            </p:childTnLst>
-                          </p:cTn>
-                        </p:par>
-                      </p:childTnLst>
-                    </p:cTn>
-                  </p:par>
-                  <p:par>
-                    <p:cTn id="35" fill="hold">
-                      <p:stCondLst>
-                        <p:cond delay="indefinite"/>
-                      </p:stCondLst>
-                      <p:childTnLst>
-                        <p:par>
-                          <p:cTn id="36" fill="hold">
-                            <p:stCondLst>
-                              <p:cond delay="0"/>
-                            </p:stCondLst>
-                            <p:childTnLst>
-                              <p:par>
-                                <p:cTn id="37" presetID="10" presetClass="entr" presetSubtype="0" fill="hold" grpId="0" nodeType="clickEffect">
-                                  <p:stCondLst>
-                                    <p:cond delay="0"/>
-                                  </p:stCondLst>
-                                  <p:childTnLst>
-                                    <p:set>
-                                      <p:cBhvr>
-                                        <p:cTn id="38" dur="1" fill="hold">
-                                          <p:stCondLst>
-                                            <p:cond delay="0"/>
-                                          </p:stCondLst>
-                                        </p:cTn>
-                                        <p:tgtEl>
-                                          <p:spTgt spid="72707">
-                                            <p:txEl>
-                                              <p:pRg st="8" end="8"/>
-                                            </p:txEl>
-                                          </p:spTgt>
-                                        </p:tgtEl>
-                                        <p:attrNameLst>
-                                          <p:attrName>style.visibility</p:attrName>
-                                        </p:attrNameLst>
-                                      </p:cBhvr>
-                                      <p:to>
-                                        <p:strVal val="visible"/>
-                                      </p:to>
-                                    </p:set>
-                                    <p:animEffect transition="in" filter="fade">
-                                      <p:cBhvr>
-                                        <p:cTn id="39" dur="1000">
-                                          <p:stCondLst>
-                                            <p:cond delay="0"/>
-                                          </p:stCondLst>
-                                        </p:cTn>
-                                        <p:tgtEl>
-                                          <p:spTgt spid="72707">
-                                            <p:txEl>
-                                              <p:pRg st="8" end="8"/>
-                                            </p:txEl>
-                                          </p:spTgt>
-                                        </p:tgtEl>
-                                      </p:cBhvr>
-                                    </p:animEffect>
-                                  </p:childTnLst>
-                                </p:cTn>
-                              </p:par>
-                            </p:childTnLst>
-                          </p:cTn>
-                        </p:par>
-                      </p:childTnLst>
-                    </p:cTn>
-                  </p:par>
-                  <p:par>
-                    <p:cTn id="40" fill="hold">
-                      <p:stCondLst>
-                        <p:cond delay="indefinite"/>
-                      </p:stCondLst>
-                      <p:childTnLst>
-                        <p:par>
-                          <p:cTn id="41" fill="hold">
-                            <p:stCondLst>
-                              <p:cond delay="0"/>
-                            </p:stCondLst>
-                            <p:childTnLst>
-                              <p:par>
-                                <p:cTn id="42" presetID="10" presetClass="entr" presetSubtype="0" fill="hold" grpId="0" nodeType="clickEffect">
-                                  <p:stCondLst>
-                                    <p:cond delay="0"/>
-                                  </p:stCondLst>
-                                  <p:childTnLst>
-                                    <p:set>
-                                      <p:cBhvr>
-                                        <p:cTn id="43" dur="1" fill="hold">
-                                          <p:stCondLst>
-                                            <p:cond delay="0"/>
-                                          </p:stCondLst>
-                                        </p:cTn>
-                                        <p:tgtEl>
-                                          <p:spTgt spid="72707">
-                                            <p:txEl>
-                                              <p:pRg st="10" end="10"/>
-                                            </p:txEl>
-                                          </p:spTgt>
-                                        </p:tgtEl>
-                                        <p:attrNameLst>
-                                          <p:attrName>style.visibility</p:attrName>
-                                        </p:attrNameLst>
-                                      </p:cBhvr>
-                                      <p:to>
-                                        <p:strVal val="visible"/>
-                                      </p:to>
-                                    </p:set>
-                                    <p:animEffect transition="in" filter="fade">
-                                      <p:cBhvr>
-                                        <p:cTn id="44" dur="1000">
-                                          <p:stCondLst>
-                                            <p:cond delay="0"/>
-                                          </p:stCondLst>
-                                        </p:cTn>
-                                        <p:tgtEl>
-                                          <p:spTgt spid="72707">
-                                            <p:txEl>
-                                              <p:pRg st="10" end="10"/>
-                                            </p:txEl>
-                                          </p:spTgt>
-                                        </p:tgtEl>
-                                      </p:cBhvr>
-                                    </p:animEffect>
-                                  </p:childTnLst>
-                                </p:cTn>
-                              </p:par>
-                            </p:childTnLst>
-                          </p:cTn>
-                        </p:par>
-                      </p:childTnLst>
-                    </p:cTn>
-                  </p:par>
-                </p:childTnLst>
-              </p:cTn>
-              <p:prevCondLst>
-                <p:cond evt="onPrev" delay="0">
-                  <p:tgtEl>
-                    <p:sldTgt/>
-                  </p:tgtEl>
-                </p:cond>
-              </p:prevCondLst>
-              <p:nextCondLst>
-                <p:cond evt="onNext" delay="0">
-                  <p:tgtEl>
-                    <p:sldTgt/>
-                  </p:tgtEl>
-                </p:cond>
-              </p:nextCondLst>
-            </p:seq>
-          </p:childTnLst>
-        </p:cTn>
-      </p:par>
-    </p:tnLst>
-    <p:bldLst>
-      <p:bldP spid="72706" grpId="0"/>
-      <p:bldP spid="72707" grpId="0" uiExpand="1" build="p"/>
-    </p:bldLst>
-  </p:timing>
 </p:sld>
 </file>
 
@@ -7615,141 +5889,6 @@
   <p:clrMapOvr>
     <a:masterClrMapping/>
   </p:clrMapOvr>
-  <p:timing>
-    <p:tnLst>
-      <p:par>
-        <p:cTn id="1" dur="indefinite" restart="never" nodeType="tmRoot">
-          <p:childTnLst>
-            <p:seq concurrent="1" nextAc="seek">
-              <p:cTn id="2" dur="indefinite" nodeType="mainSeq">
-                <p:childTnLst>
-                  <p:par>
-                    <p:cTn id="3" fill="hold" nodeType="clickPar">
-                      <p:stCondLst>
-                        <p:cond delay="indefinite"/>
-                        <p:cond evt="onBegin" delay="0">
-                          <p:tn val="2"/>
-                        </p:cond>
-                      </p:stCondLst>
-                      <p:childTnLst>
-                        <p:par>
-                          <p:cTn id="4" fill="hold" nodeType="withGroup">
-                            <p:stCondLst>
-                              <p:cond delay="0"/>
-                            </p:stCondLst>
-                            <p:childTnLst>
-                              <p:par>
-                                <p:cTn id="5" presetID="53" presetClass="entr" presetSubtype="0" fill="hold" grpId="0" nodeType="withEffect">
-                                  <p:stCondLst>
-                                    <p:cond delay="0"/>
-                                  </p:stCondLst>
-                                  <p:childTnLst>
-                                    <p:set>
-                                      <p:cBhvr>
-                                        <p:cTn id="6" dur="1" fill="hold">
-                                          <p:stCondLst>
-                                            <p:cond delay="0"/>
-                                          </p:stCondLst>
-                                        </p:cTn>
-                                        <p:tgtEl>
-                                          <p:spTgt spid="73730"/>
-                                        </p:tgtEl>
-                                        <p:attrNameLst>
-                                          <p:attrName>style.visibility</p:attrName>
-                                        </p:attrNameLst>
-                                      </p:cBhvr>
-                                      <p:to>
-                                        <p:strVal val="visible"/>
-                                      </p:to>
-                                    </p:set>
-                                    <p:anim calcmode="lin" valueType="num">
-                                      <p:cBhvr>
-                                        <p:cTn id="7" dur="500" fill="hold"/>
-                                        <p:tgtEl>
-                                          <p:spTgt spid="73730"/>
-                                        </p:tgtEl>
-                                        <p:attrNameLst>
-                                          <p:attrName>ppt_w</p:attrName>
-                                        </p:attrNameLst>
-                                      </p:cBhvr>
-                                      <p:tavLst>
-                                        <p:tav tm="0">
-                                          <p:val>
-                                            <p:fltVal val="0"/>
-                                          </p:val>
-                                        </p:tav>
-                                        <p:tav tm="100000">
-                                          <p:val>
-                                            <p:strVal val="#ppt_w"/>
-                                          </p:val>
-                                        </p:tav>
-                                      </p:tavLst>
-                                    </p:anim>
-                                    <p:anim calcmode="lin" valueType="num">
-                                      <p:cBhvr>
-                                        <p:cTn id="8" dur="500" fill="hold"/>
-                                        <p:tgtEl>
-                                          <p:spTgt spid="73730"/>
-                                        </p:tgtEl>
-                                        <p:attrNameLst>
-                                          <p:attrName>ppt_h</p:attrName>
-                                        </p:attrNameLst>
-                                      </p:cBhvr>
-                                      <p:tavLst>
-                                        <p:tav tm="0">
-                                          <p:val>
-                                            <p:fltVal val="0"/>
-                                          </p:val>
-                                        </p:tav>
-                                        <p:tav tm="100000">
-                                          <p:val>
-                                            <p:strVal val="#ppt_h"/>
-                                          </p:val>
-                                        </p:tav>
-                                      </p:tavLst>
-                                    </p:anim>
-                                    <p:animEffect transition="in" filter="fade">
-                                      <p:cBhvr>
-                                        <p:cTn id="9" dur="500"/>
-                                        <p:tgtEl>
-                                          <p:spTgt spid="73730"/>
-                                        </p:tgtEl>
-                                      </p:cBhvr>
-                                    </p:animEffect>
-                                  </p:childTnLst>
-                                </p:cTn>
-                              </p:par>
-                            </p:childTnLst>
-                          </p:cTn>
-                        </p:par>
-                      </p:childTnLst>
-                    </p:cTn>
-                  </p:par>
-                </p:childTnLst>
-              </p:cTn>
-              <p:prevCondLst>
-                <p:cond evt="onPrev" delay="0">
-                  <p:tgtEl>
-                    <p:sldTgt/>
-                  </p:tgtEl>
-                </p:cond>
-              </p:prevCondLst>
-              <p:nextCondLst>
-                <p:cond evt="onNext" delay="0">
-                  <p:tgtEl>
-                    <p:sldTgt/>
-                  </p:tgtEl>
-                </p:cond>
-              </p:nextCondLst>
-            </p:seq>
-          </p:childTnLst>
-        </p:cTn>
-      </p:par>
-    </p:tnLst>
-    <p:bldLst>
-      <p:bldP spid="73730" grpId="0"/>
-    </p:bldLst>
-  </p:timing>
 </p:sld>
 </file>
 
@@ -8890,590 +7029,6 @@
   <p:clrMapOvr>
     <a:masterClrMapping/>
   </p:clrMapOvr>
-  <p:timing>
-    <p:tnLst>
-      <p:par>
-        <p:cTn id="1" dur="indefinite" restart="never" nodeType="tmRoot">
-          <p:childTnLst>
-            <p:seq concurrent="1" nextAc="seek">
-              <p:cTn id="2" dur="indefinite" nodeType="mainSeq">
-                <p:childTnLst>
-                  <p:par>
-                    <p:cTn id="3" fill="hold" nodeType="clickPar">
-                      <p:stCondLst>
-                        <p:cond delay="indefinite"/>
-                        <p:cond evt="onBegin" delay="0">
-                          <p:tn val="2"/>
-                        </p:cond>
-                      </p:stCondLst>
-                      <p:childTnLst>
-                        <p:par>
-                          <p:cTn id="4" fill="hold" nodeType="withGroup">
-                            <p:stCondLst>
-                              <p:cond delay="0"/>
-                            </p:stCondLst>
-                            <p:childTnLst>
-                              <p:par>
-                                <p:cTn id="5" presetID="53" presetClass="entr" presetSubtype="0" fill="hold" grpId="0" nodeType="withEffect">
-                                  <p:stCondLst>
-                                    <p:cond delay="0"/>
-                                  </p:stCondLst>
-                                  <p:childTnLst>
-                                    <p:set>
-                                      <p:cBhvr>
-                                        <p:cTn id="6" dur="1" fill="hold">
-                                          <p:stCondLst>
-                                            <p:cond delay="0"/>
-                                          </p:stCondLst>
-                                        </p:cTn>
-                                        <p:tgtEl>
-                                          <p:spTgt spid="73730"/>
-                                        </p:tgtEl>
-                                        <p:attrNameLst>
-                                          <p:attrName>style.visibility</p:attrName>
-                                        </p:attrNameLst>
-                                      </p:cBhvr>
-                                      <p:to>
-                                        <p:strVal val="visible"/>
-                                      </p:to>
-                                    </p:set>
-                                    <p:anim calcmode="lin" valueType="num">
-                                      <p:cBhvr>
-                                        <p:cTn id="7" dur="500" fill="hold"/>
-                                        <p:tgtEl>
-                                          <p:spTgt spid="73730"/>
-                                        </p:tgtEl>
-                                        <p:attrNameLst>
-                                          <p:attrName>ppt_w</p:attrName>
-                                        </p:attrNameLst>
-                                      </p:cBhvr>
-                                      <p:tavLst>
-                                        <p:tav tm="0">
-                                          <p:val>
-                                            <p:fltVal val="0"/>
-                                          </p:val>
-                                        </p:tav>
-                                        <p:tav tm="100000">
-                                          <p:val>
-                                            <p:strVal val="#ppt_w"/>
-                                          </p:val>
-                                        </p:tav>
-                                      </p:tavLst>
-                                    </p:anim>
-                                    <p:anim calcmode="lin" valueType="num">
-                                      <p:cBhvr>
-                                        <p:cTn id="8" dur="500" fill="hold"/>
-                                        <p:tgtEl>
-                                          <p:spTgt spid="73730"/>
-                                        </p:tgtEl>
-                                        <p:attrNameLst>
-                                          <p:attrName>ppt_h</p:attrName>
-                                        </p:attrNameLst>
-                                      </p:cBhvr>
-                                      <p:tavLst>
-                                        <p:tav tm="0">
-                                          <p:val>
-                                            <p:fltVal val="0"/>
-                                          </p:val>
-                                        </p:tav>
-                                        <p:tav tm="100000">
-                                          <p:val>
-                                            <p:strVal val="#ppt_h"/>
-                                          </p:val>
-                                        </p:tav>
-                                      </p:tavLst>
-                                    </p:anim>
-                                    <p:animEffect transition="in" filter="fade">
-                                      <p:cBhvr>
-                                        <p:cTn id="9" dur="500"/>
-                                        <p:tgtEl>
-                                          <p:spTgt spid="73730"/>
-                                        </p:tgtEl>
-                                      </p:cBhvr>
-                                    </p:animEffect>
-                                  </p:childTnLst>
-                                </p:cTn>
-                              </p:par>
-                            </p:childTnLst>
-                          </p:cTn>
-                        </p:par>
-                        <p:par>
-                          <p:cTn id="10" fill="hold" nodeType="afterGroup">
-                            <p:stCondLst>
-                              <p:cond delay="500"/>
-                            </p:stCondLst>
-                            <p:childTnLst>
-                              <p:par>
-                                <p:cTn id="11" presetID="10" presetClass="entr" presetSubtype="0" fill="hold" grpId="0" nodeType="afterEffect">
-                                  <p:stCondLst>
-                                    <p:cond delay="0"/>
-                                  </p:stCondLst>
-                                  <p:childTnLst>
-                                    <p:set>
-                                      <p:cBhvr>
-                                        <p:cTn id="12" dur="1" fill="hold">
-                                          <p:stCondLst>
-                                            <p:cond delay="0"/>
-                                          </p:stCondLst>
-                                        </p:cTn>
-                                        <p:tgtEl>
-                                          <p:spTgt spid="73731">
-                                            <p:txEl>
-                                              <p:pRg st="0" end="0"/>
-                                            </p:txEl>
-                                          </p:spTgt>
-                                        </p:tgtEl>
-                                        <p:attrNameLst>
-                                          <p:attrName>style.visibility</p:attrName>
-                                        </p:attrNameLst>
-                                      </p:cBhvr>
-                                      <p:to>
-                                        <p:strVal val="visible"/>
-                                      </p:to>
-                                    </p:set>
-                                    <p:animEffect transition="in" filter="fade">
-                                      <p:cBhvr>
-                                        <p:cTn id="13" dur="1000">
-                                          <p:stCondLst>
-                                            <p:cond delay="0"/>
-                                          </p:stCondLst>
-                                        </p:cTn>
-                                        <p:tgtEl>
-                                          <p:spTgt spid="73731">
-                                            <p:txEl>
-                                              <p:pRg st="0" end="0"/>
-                                            </p:txEl>
-                                          </p:spTgt>
-                                        </p:tgtEl>
-                                      </p:cBhvr>
-                                    </p:animEffect>
-                                  </p:childTnLst>
-                                </p:cTn>
-                              </p:par>
-                            </p:childTnLst>
-                          </p:cTn>
-                        </p:par>
-                        <p:par>
-                          <p:cTn id="14" fill="hold">
-                            <p:stCondLst>
-                              <p:cond delay="1500"/>
-                            </p:stCondLst>
-                            <p:childTnLst>
-                              <p:par>
-                                <p:cTn id="15" presetID="10" presetClass="entr" presetSubtype="0" fill="hold" grpId="0" nodeType="afterEffect">
-                                  <p:stCondLst>
-                                    <p:cond delay="0"/>
-                                  </p:stCondLst>
-                                  <p:childTnLst>
-                                    <p:set>
-                                      <p:cBhvr>
-                                        <p:cTn id="16" dur="1" fill="hold">
-                                          <p:stCondLst>
-                                            <p:cond delay="0"/>
-                                          </p:stCondLst>
-                                        </p:cTn>
-                                        <p:tgtEl>
-                                          <p:spTgt spid="73731">
-                                            <p:txEl>
-                                              <p:pRg st="1" end="1"/>
-                                            </p:txEl>
-                                          </p:spTgt>
-                                        </p:tgtEl>
-                                        <p:attrNameLst>
-                                          <p:attrName>style.visibility</p:attrName>
-                                        </p:attrNameLst>
-                                      </p:cBhvr>
-                                      <p:to>
-                                        <p:strVal val="visible"/>
-                                      </p:to>
-                                    </p:set>
-                                    <p:animEffect transition="in" filter="fade">
-                                      <p:cBhvr>
-                                        <p:cTn id="17" dur="1000">
-                                          <p:stCondLst>
-                                            <p:cond delay="0"/>
-                                          </p:stCondLst>
-                                        </p:cTn>
-                                        <p:tgtEl>
-                                          <p:spTgt spid="73731">
-                                            <p:txEl>
-                                              <p:pRg st="1" end="1"/>
-                                            </p:txEl>
-                                          </p:spTgt>
-                                        </p:tgtEl>
-                                      </p:cBhvr>
-                                    </p:animEffect>
-                                  </p:childTnLst>
-                                </p:cTn>
-                              </p:par>
-                            </p:childTnLst>
-                          </p:cTn>
-                        </p:par>
-                        <p:par>
-                          <p:cTn id="18" fill="hold">
-                            <p:stCondLst>
-                              <p:cond delay="2500"/>
-                            </p:stCondLst>
-                            <p:childTnLst>
-                              <p:par>
-                                <p:cTn id="19" presetID="10" presetClass="entr" presetSubtype="0" fill="hold" grpId="0" nodeType="afterEffect">
-                                  <p:stCondLst>
-                                    <p:cond delay="0"/>
-                                  </p:stCondLst>
-                                  <p:childTnLst>
-                                    <p:set>
-                                      <p:cBhvr>
-                                        <p:cTn id="20" dur="1" fill="hold">
-                                          <p:stCondLst>
-                                            <p:cond delay="0"/>
-                                          </p:stCondLst>
-                                        </p:cTn>
-                                        <p:tgtEl>
-                                          <p:spTgt spid="73731">
-                                            <p:txEl>
-                                              <p:pRg st="3" end="3"/>
-                                            </p:txEl>
-                                          </p:spTgt>
-                                        </p:tgtEl>
-                                        <p:attrNameLst>
-                                          <p:attrName>style.visibility</p:attrName>
-                                        </p:attrNameLst>
-                                      </p:cBhvr>
-                                      <p:to>
-                                        <p:strVal val="visible"/>
-                                      </p:to>
-                                    </p:set>
-                                    <p:animEffect transition="in" filter="fade">
-                                      <p:cBhvr>
-                                        <p:cTn id="21" dur="1000">
-                                          <p:stCondLst>
-                                            <p:cond delay="0"/>
-                                          </p:stCondLst>
-                                        </p:cTn>
-                                        <p:tgtEl>
-                                          <p:spTgt spid="73731">
-                                            <p:txEl>
-                                              <p:pRg st="3" end="3"/>
-                                            </p:txEl>
-                                          </p:spTgt>
-                                        </p:tgtEl>
-                                      </p:cBhvr>
-                                    </p:animEffect>
-                                  </p:childTnLst>
-                                </p:cTn>
-                              </p:par>
-                            </p:childTnLst>
-                          </p:cTn>
-                        </p:par>
-                        <p:par>
-                          <p:cTn id="22" fill="hold">
-                            <p:stCondLst>
-                              <p:cond delay="3500"/>
-                            </p:stCondLst>
-                            <p:childTnLst>
-                              <p:par>
-                                <p:cTn id="23" presetID="10" presetClass="entr" presetSubtype="0" fill="hold" grpId="0" nodeType="afterEffect">
-                                  <p:stCondLst>
-                                    <p:cond delay="0"/>
-                                  </p:stCondLst>
-                                  <p:childTnLst>
-                                    <p:set>
-                                      <p:cBhvr>
-                                        <p:cTn id="24" dur="1" fill="hold">
-                                          <p:stCondLst>
-                                            <p:cond delay="0"/>
-                                          </p:stCondLst>
-                                        </p:cTn>
-                                        <p:tgtEl>
-                                          <p:spTgt spid="73731">
-                                            <p:txEl>
-                                              <p:pRg st="4" end="4"/>
-                                            </p:txEl>
-                                          </p:spTgt>
-                                        </p:tgtEl>
-                                        <p:attrNameLst>
-                                          <p:attrName>style.visibility</p:attrName>
-                                        </p:attrNameLst>
-                                      </p:cBhvr>
-                                      <p:to>
-                                        <p:strVal val="visible"/>
-                                      </p:to>
-                                    </p:set>
-                                    <p:animEffect transition="in" filter="fade">
-                                      <p:cBhvr>
-                                        <p:cTn id="25" dur="1000">
-                                          <p:stCondLst>
-                                            <p:cond delay="0"/>
-                                          </p:stCondLst>
-                                        </p:cTn>
-                                        <p:tgtEl>
-                                          <p:spTgt spid="73731">
-                                            <p:txEl>
-                                              <p:pRg st="4" end="4"/>
-                                            </p:txEl>
-                                          </p:spTgt>
-                                        </p:tgtEl>
-                                      </p:cBhvr>
-                                    </p:animEffect>
-                                  </p:childTnLst>
-                                </p:cTn>
-                              </p:par>
-                            </p:childTnLst>
-                          </p:cTn>
-                        </p:par>
-                        <p:par>
-                          <p:cTn id="26" fill="hold">
-                            <p:stCondLst>
-                              <p:cond delay="4500"/>
-                            </p:stCondLst>
-                            <p:childTnLst>
-                              <p:par>
-                                <p:cTn id="27" presetID="10" presetClass="entr" presetSubtype="0" fill="hold" grpId="0" nodeType="afterEffect">
-                                  <p:stCondLst>
-                                    <p:cond delay="0"/>
-                                  </p:stCondLst>
-                                  <p:childTnLst>
-                                    <p:set>
-                                      <p:cBhvr>
-                                        <p:cTn id="28" dur="1" fill="hold">
-                                          <p:stCondLst>
-                                            <p:cond delay="0"/>
-                                          </p:stCondLst>
-                                        </p:cTn>
-                                        <p:tgtEl>
-                                          <p:spTgt spid="73731">
-                                            <p:txEl>
-                                              <p:pRg st="5" end="5"/>
-                                            </p:txEl>
-                                          </p:spTgt>
-                                        </p:tgtEl>
-                                        <p:attrNameLst>
-                                          <p:attrName>style.visibility</p:attrName>
-                                        </p:attrNameLst>
-                                      </p:cBhvr>
-                                      <p:to>
-                                        <p:strVal val="visible"/>
-                                      </p:to>
-                                    </p:set>
-                                    <p:animEffect transition="in" filter="fade">
-                                      <p:cBhvr>
-                                        <p:cTn id="29" dur="1000">
-                                          <p:stCondLst>
-                                            <p:cond delay="0"/>
-                                          </p:stCondLst>
-                                        </p:cTn>
-                                        <p:tgtEl>
-                                          <p:spTgt spid="73731">
-                                            <p:txEl>
-                                              <p:pRg st="5" end="5"/>
-                                            </p:txEl>
-                                          </p:spTgt>
-                                        </p:tgtEl>
-                                      </p:cBhvr>
-                                    </p:animEffect>
-                                  </p:childTnLst>
-                                </p:cTn>
-                              </p:par>
-                            </p:childTnLst>
-                          </p:cTn>
-                        </p:par>
-                        <p:par>
-                          <p:cTn id="30" fill="hold">
-                            <p:stCondLst>
-                              <p:cond delay="5500"/>
-                            </p:stCondLst>
-                            <p:childTnLst>
-                              <p:par>
-                                <p:cTn id="31" presetID="10" presetClass="entr" presetSubtype="0" fill="hold" grpId="0" nodeType="afterEffect">
-                                  <p:stCondLst>
-                                    <p:cond delay="0"/>
-                                  </p:stCondLst>
-                                  <p:childTnLst>
-                                    <p:set>
-                                      <p:cBhvr>
-                                        <p:cTn id="32" dur="1" fill="hold">
-                                          <p:stCondLst>
-                                            <p:cond delay="0"/>
-                                          </p:stCondLst>
-                                        </p:cTn>
-                                        <p:tgtEl>
-                                          <p:spTgt spid="73731">
-                                            <p:txEl>
-                                              <p:pRg st="6" end="6"/>
-                                            </p:txEl>
-                                          </p:spTgt>
-                                        </p:tgtEl>
-                                        <p:attrNameLst>
-                                          <p:attrName>style.visibility</p:attrName>
-                                        </p:attrNameLst>
-                                      </p:cBhvr>
-                                      <p:to>
-                                        <p:strVal val="visible"/>
-                                      </p:to>
-                                    </p:set>
-                                    <p:animEffect transition="in" filter="fade">
-                                      <p:cBhvr>
-                                        <p:cTn id="33" dur="1000">
-                                          <p:stCondLst>
-                                            <p:cond delay="0"/>
-                                          </p:stCondLst>
-                                        </p:cTn>
-                                        <p:tgtEl>
-                                          <p:spTgt spid="73731">
-                                            <p:txEl>
-                                              <p:pRg st="6" end="6"/>
-                                            </p:txEl>
-                                          </p:spTgt>
-                                        </p:tgtEl>
-                                      </p:cBhvr>
-                                    </p:animEffect>
-                                  </p:childTnLst>
-                                </p:cTn>
-                              </p:par>
-                            </p:childTnLst>
-                          </p:cTn>
-                        </p:par>
-                        <p:par>
-                          <p:cTn id="34" fill="hold">
-                            <p:stCondLst>
-                              <p:cond delay="6500"/>
-                            </p:stCondLst>
-                            <p:childTnLst>
-                              <p:par>
-                                <p:cTn id="35" presetID="10" presetClass="entr" presetSubtype="0" fill="hold" grpId="0" nodeType="afterEffect">
-                                  <p:stCondLst>
-                                    <p:cond delay="0"/>
-                                  </p:stCondLst>
-                                  <p:childTnLst>
-                                    <p:set>
-                                      <p:cBhvr>
-                                        <p:cTn id="36" dur="1" fill="hold">
-                                          <p:stCondLst>
-                                            <p:cond delay="0"/>
-                                          </p:stCondLst>
-                                        </p:cTn>
-                                        <p:tgtEl>
-                                          <p:spTgt spid="73731">
-                                            <p:txEl>
-                                              <p:pRg st="7" end="7"/>
-                                            </p:txEl>
-                                          </p:spTgt>
-                                        </p:tgtEl>
-                                        <p:attrNameLst>
-                                          <p:attrName>style.visibility</p:attrName>
-                                        </p:attrNameLst>
-                                      </p:cBhvr>
-                                      <p:to>
-                                        <p:strVal val="visible"/>
-                                      </p:to>
-                                    </p:set>
-                                    <p:animEffect transition="in" filter="fade">
-                                      <p:cBhvr>
-                                        <p:cTn id="37" dur="1000">
-                                          <p:stCondLst>
-                                            <p:cond delay="0"/>
-                                          </p:stCondLst>
-                                        </p:cTn>
-                                        <p:tgtEl>
-                                          <p:spTgt spid="73731">
-                                            <p:txEl>
-                                              <p:pRg st="7" end="7"/>
-                                            </p:txEl>
-                                          </p:spTgt>
-                                        </p:tgtEl>
-                                      </p:cBhvr>
-                                    </p:animEffect>
-                                  </p:childTnLst>
-                                </p:cTn>
-                              </p:par>
-                            </p:childTnLst>
-                          </p:cTn>
-                        </p:par>
-                        <p:par>
-                          <p:cTn id="38" fill="hold">
-                            <p:stCondLst>
-                              <p:cond delay="7500"/>
-                            </p:stCondLst>
-                            <p:childTnLst>
-                              <p:par>
-                                <p:cTn id="39" presetID="10" presetClass="entr" presetSubtype="0" fill="hold" grpId="0" nodeType="afterEffect">
-                                  <p:stCondLst>
-                                    <p:cond delay="0"/>
-                                  </p:stCondLst>
-                                  <p:childTnLst>
-                                    <p:set>
-                                      <p:cBhvr>
-                                        <p:cTn id="40" dur="1" fill="hold">
-                                          <p:stCondLst>
-                                            <p:cond delay="0"/>
-                                          </p:stCondLst>
-                                        </p:cTn>
-                                        <p:tgtEl>
-                                          <p:spTgt spid="73731">
-                                            <p:txEl>
-                                              <p:pRg st="8" end="8"/>
-                                            </p:txEl>
-                                          </p:spTgt>
-                                        </p:tgtEl>
-                                        <p:attrNameLst>
-                                          <p:attrName>style.visibility</p:attrName>
-                                        </p:attrNameLst>
-                                      </p:cBhvr>
-                                      <p:to>
-                                        <p:strVal val="visible"/>
-                                      </p:to>
-                                    </p:set>
-                                    <p:animEffect transition="in" filter="fade">
-                                      <p:cBhvr>
-                                        <p:cTn id="41" dur="1000">
-                                          <p:stCondLst>
-                                            <p:cond delay="0"/>
-                                          </p:stCondLst>
-                                        </p:cTn>
-                                        <p:tgtEl>
-                                          <p:spTgt spid="73731">
-                                            <p:txEl>
-                                              <p:pRg st="8" end="8"/>
-                                            </p:txEl>
-                                          </p:spTgt>
-                                        </p:tgtEl>
-                                      </p:cBhvr>
-                                    </p:animEffect>
-                                  </p:childTnLst>
-                                </p:cTn>
-                              </p:par>
-                            </p:childTnLst>
-                          </p:cTn>
-                        </p:par>
-                      </p:childTnLst>
-                    </p:cTn>
-                  </p:par>
-                </p:childTnLst>
-              </p:cTn>
-              <p:prevCondLst>
-                <p:cond evt="onPrev" delay="0">
-                  <p:tgtEl>
-                    <p:sldTgt/>
-                  </p:tgtEl>
-                </p:cond>
-              </p:prevCondLst>
-              <p:nextCondLst>
-                <p:cond evt="onNext" delay="0">
-                  <p:tgtEl>
-                    <p:sldTgt/>
-                  </p:tgtEl>
-                </p:cond>
-              </p:nextCondLst>
-            </p:seq>
-          </p:childTnLst>
-        </p:cTn>
-      </p:par>
-    </p:tnLst>
-    <p:bldLst>
-      <p:bldP spid="73730" grpId="0"/>
-      <p:bldP spid="73731" grpId="0" uiExpand="1" build="p"/>
-    </p:bldLst>
-  </p:timing>
 </p:sld>
 </file>
 
@@ -10478,319 +8033,6 @@
   <p:clrMapOvr>
     <a:masterClrMapping/>
   </p:clrMapOvr>
-  <p:timing>
-    <p:tnLst>
-      <p:par>
-        <p:cTn id="1" dur="indefinite" restart="never" nodeType="tmRoot">
-          <p:childTnLst>
-            <p:seq concurrent="1" nextAc="seek">
-              <p:cTn id="2" dur="indefinite" nodeType="mainSeq">
-                <p:childTnLst>
-                  <p:par>
-                    <p:cTn id="3" fill="hold" nodeType="clickPar">
-                      <p:stCondLst>
-                        <p:cond delay="indefinite"/>
-                        <p:cond evt="onBegin" delay="0">
-                          <p:tn val="2"/>
-                        </p:cond>
-                      </p:stCondLst>
-                      <p:childTnLst>
-                        <p:par>
-                          <p:cTn id="4" fill="hold" nodeType="withGroup">
-                            <p:stCondLst>
-                              <p:cond delay="0"/>
-                            </p:stCondLst>
-                            <p:childTnLst>
-                              <p:par>
-                                <p:cTn id="5" presetID="53" presetClass="entr" presetSubtype="0" fill="hold" grpId="0" nodeType="withEffect">
-                                  <p:stCondLst>
-                                    <p:cond delay="0"/>
-                                  </p:stCondLst>
-                                  <p:childTnLst>
-                                    <p:set>
-                                      <p:cBhvr>
-                                        <p:cTn id="6" dur="1" fill="hold">
-                                          <p:stCondLst>
-                                            <p:cond delay="0"/>
-                                          </p:stCondLst>
-                                        </p:cTn>
-                                        <p:tgtEl>
-                                          <p:spTgt spid="40962"/>
-                                        </p:tgtEl>
-                                        <p:attrNameLst>
-                                          <p:attrName>style.visibility</p:attrName>
-                                        </p:attrNameLst>
-                                      </p:cBhvr>
-                                      <p:to>
-                                        <p:strVal val="visible"/>
-                                      </p:to>
-                                    </p:set>
-                                    <p:anim calcmode="lin" valueType="num">
-                                      <p:cBhvr>
-                                        <p:cTn id="7" dur="500" fill="hold"/>
-                                        <p:tgtEl>
-                                          <p:spTgt spid="40962"/>
-                                        </p:tgtEl>
-                                        <p:attrNameLst>
-                                          <p:attrName>ppt_w</p:attrName>
-                                        </p:attrNameLst>
-                                      </p:cBhvr>
-                                      <p:tavLst>
-                                        <p:tav tm="0">
-                                          <p:val>
-                                            <p:fltVal val="0"/>
-                                          </p:val>
-                                        </p:tav>
-                                        <p:tav tm="100000">
-                                          <p:val>
-                                            <p:strVal val="#ppt_w"/>
-                                          </p:val>
-                                        </p:tav>
-                                      </p:tavLst>
-                                    </p:anim>
-                                    <p:anim calcmode="lin" valueType="num">
-                                      <p:cBhvr>
-                                        <p:cTn id="8" dur="500" fill="hold"/>
-                                        <p:tgtEl>
-                                          <p:spTgt spid="40962"/>
-                                        </p:tgtEl>
-                                        <p:attrNameLst>
-                                          <p:attrName>ppt_h</p:attrName>
-                                        </p:attrNameLst>
-                                      </p:cBhvr>
-                                      <p:tavLst>
-                                        <p:tav tm="0">
-                                          <p:val>
-                                            <p:fltVal val="0"/>
-                                          </p:val>
-                                        </p:tav>
-                                        <p:tav tm="100000">
-                                          <p:val>
-                                            <p:strVal val="#ppt_h"/>
-                                          </p:val>
-                                        </p:tav>
-                                      </p:tavLst>
-                                    </p:anim>
-                                    <p:animEffect transition="in" filter="fade">
-                                      <p:cBhvr>
-                                        <p:cTn id="9" dur="500"/>
-                                        <p:tgtEl>
-                                          <p:spTgt spid="40962"/>
-                                        </p:tgtEl>
-                                      </p:cBhvr>
-                                    </p:animEffect>
-                                  </p:childTnLst>
-                                </p:cTn>
-                              </p:par>
-                            </p:childTnLst>
-                          </p:cTn>
-                        </p:par>
-                        <p:par>
-                          <p:cTn id="10" fill="hold" nodeType="afterGroup">
-                            <p:stCondLst>
-                              <p:cond delay="500"/>
-                            </p:stCondLst>
-                            <p:childTnLst>
-                              <p:par>
-                                <p:cTn id="11" presetID="10" presetClass="entr" presetSubtype="0" fill="hold" grpId="0" nodeType="afterEffect">
-                                  <p:stCondLst>
-                                    <p:cond delay="0"/>
-                                  </p:stCondLst>
-                                  <p:childTnLst>
-                                    <p:set>
-                                      <p:cBhvr>
-                                        <p:cTn id="12" dur="1" fill="hold">
-                                          <p:stCondLst>
-                                            <p:cond delay="0"/>
-                                          </p:stCondLst>
-                                        </p:cTn>
-                                        <p:tgtEl>
-                                          <p:spTgt spid="40963">
-                                            <p:txEl>
-                                              <p:pRg st="0" end="0"/>
-                                            </p:txEl>
-                                          </p:spTgt>
-                                        </p:tgtEl>
-                                        <p:attrNameLst>
-                                          <p:attrName>style.visibility</p:attrName>
-                                        </p:attrNameLst>
-                                      </p:cBhvr>
-                                      <p:to>
-                                        <p:strVal val="visible"/>
-                                      </p:to>
-                                    </p:set>
-                                    <p:animEffect transition="in" filter="fade">
-                                      <p:cBhvr>
-                                        <p:cTn id="13" dur="1000">
-                                          <p:stCondLst>
-                                            <p:cond delay="0"/>
-                                          </p:stCondLst>
-                                        </p:cTn>
-                                        <p:tgtEl>
-                                          <p:spTgt spid="40963">
-                                            <p:txEl>
-                                              <p:pRg st="0" end="0"/>
-                                            </p:txEl>
-                                          </p:spTgt>
-                                        </p:tgtEl>
-                                      </p:cBhvr>
-                                    </p:animEffect>
-                                  </p:childTnLst>
-                                </p:cTn>
-                              </p:par>
-                            </p:childTnLst>
-                          </p:cTn>
-                        </p:par>
-                        <p:par>
-                          <p:cTn id="14" fill="hold">
-                            <p:stCondLst>
-                              <p:cond delay="1500"/>
-                            </p:stCondLst>
-                            <p:childTnLst>
-                              <p:par>
-                                <p:cTn id="15" presetID="10" presetClass="entr" presetSubtype="0" fill="hold" grpId="0" nodeType="afterEffect">
-                                  <p:stCondLst>
-                                    <p:cond delay="0"/>
-                                  </p:stCondLst>
-                                  <p:childTnLst>
-                                    <p:set>
-                                      <p:cBhvr>
-                                        <p:cTn id="16" dur="1" fill="hold">
-                                          <p:stCondLst>
-                                            <p:cond delay="0"/>
-                                          </p:stCondLst>
-                                        </p:cTn>
-                                        <p:tgtEl>
-                                          <p:spTgt spid="40963">
-                                            <p:txEl>
-                                              <p:pRg st="1" end="1"/>
-                                            </p:txEl>
-                                          </p:spTgt>
-                                        </p:tgtEl>
-                                        <p:attrNameLst>
-                                          <p:attrName>style.visibility</p:attrName>
-                                        </p:attrNameLst>
-                                      </p:cBhvr>
-                                      <p:to>
-                                        <p:strVal val="visible"/>
-                                      </p:to>
-                                    </p:set>
-                                    <p:animEffect transition="in" filter="fade">
-                                      <p:cBhvr>
-                                        <p:cTn id="17" dur="1000">
-                                          <p:stCondLst>
-                                            <p:cond delay="0"/>
-                                          </p:stCondLst>
-                                        </p:cTn>
-                                        <p:tgtEl>
-                                          <p:spTgt spid="40963">
-                                            <p:txEl>
-                                              <p:pRg st="1" end="1"/>
-                                            </p:txEl>
-                                          </p:spTgt>
-                                        </p:tgtEl>
-                                      </p:cBhvr>
-                                    </p:animEffect>
-                                  </p:childTnLst>
-                                </p:cTn>
-                              </p:par>
-                            </p:childTnLst>
-                          </p:cTn>
-                        </p:par>
-                      </p:childTnLst>
-                    </p:cTn>
-                  </p:par>
-                  <p:par>
-                    <p:cTn id="18" fill="hold">
-                      <p:stCondLst>
-                        <p:cond delay="indefinite"/>
-                      </p:stCondLst>
-                      <p:childTnLst>
-                        <p:par>
-                          <p:cTn id="19" fill="hold">
-                            <p:stCondLst>
-                              <p:cond delay="0"/>
-                            </p:stCondLst>
-                            <p:childTnLst>
-                              <p:par>
-                                <p:cTn id="20" presetID="10" presetClass="entr" presetSubtype="0" fill="hold" grpId="0" nodeType="clickEffect">
-                                  <p:stCondLst>
-                                    <p:cond delay="0"/>
-                                  </p:stCondLst>
-                                  <p:childTnLst>
-                                    <p:set>
-                                      <p:cBhvr>
-                                        <p:cTn id="21" dur="1" fill="hold">
-                                          <p:stCondLst>
-                                            <p:cond delay="0"/>
-                                          </p:stCondLst>
-                                        </p:cTn>
-                                        <p:tgtEl>
-                                          <p:spTgt spid="40963">
-                                            <p:txEl>
-                                              <p:pRg st="3" end="3"/>
-                                            </p:txEl>
-                                          </p:spTgt>
-                                        </p:tgtEl>
-                                        <p:attrNameLst>
-                                          <p:attrName>style.visibility</p:attrName>
-                                        </p:attrNameLst>
-                                      </p:cBhvr>
-                                      <p:to>
-                                        <p:strVal val="visible"/>
-                                      </p:to>
-                                    </p:set>
-                                    <p:animEffect transition="in" filter="fade">
-                                      <p:cBhvr>
-                                        <p:cTn id="22" dur="1000">
-                                          <p:stCondLst>
-                                            <p:cond delay="0"/>
-                                          </p:stCondLst>
-                                        </p:cTn>
-                                        <p:tgtEl>
-                                          <p:spTgt spid="40963">
-                                            <p:txEl>
-                                              <p:pRg st="3" end="3"/>
-                                            </p:txEl>
-                                          </p:spTgt>
-                                        </p:tgtEl>
-                                      </p:cBhvr>
-                                    </p:animEffect>
-                                  </p:childTnLst>
-                                </p:cTn>
-                              </p:par>
-                            </p:childTnLst>
-                          </p:cTn>
-                        </p:par>
-                      </p:childTnLst>
-                    </p:cTn>
-                  </p:par>
-                </p:childTnLst>
-              </p:cTn>
-              <p:prevCondLst>
-                <p:cond evt="onPrev" delay="0">
-                  <p:tgtEl>
-                    <p:sldTgt/>
-                  </p:tgtEl>
-                </p:cond>
-              </p:prevCondLst>
-              <p:nextCondLst>
-                <p:cond evt="onNext" delay="0">
-                  <p:tgtEl>
-                    <p:sldTgt/>
-                  </p:tgtEl>
-                </p:cond>
-              </p:nextCondLst>
-            </p:seq>
-          </p:childTnLst>
-        </p:cTn>
-      </p:par>
-    </p:tnLst>
-    <p:bldLst>
-      <p:bldP spid="40962" grpId="0"/>
-      <p:bldP spid="40963" grpId="0" uiExpand="1" build="p"/>
-    </p:bldLst>
-  </p:timing>
 </p:sld>
 </file>
 
@@ -10947,310 +8189,6 @@
   <p:clrMapOvr>
     <a:masterClrMapping/>
   </p:clrMapOvr>
-  <p:timing>
-    <p:tnLst>
-      <p:par>
-        <p:cTn id="1" dur="indefinite" restart="never" nodeType="tmRoot">
-          <p:childTnLst>
-            <p:seq concurrent="1" nextAc="seek">
-              <p:cTn id="2" dur="indefinite" nodeType="mainSeq">
-                <p:childTnLst>
-                  <p:par>
-                    <p:cTn id="3" fill="hold" nodeType="clickPar">
-                      <p:stCondLst>
-                        <p:cond delay="indefinite"/>
-                        <p:cond evt="onBegin" delay="0">
-                          <p:tn val="2"/>
-                        </p:cond>
-                      </p:stCondLst>
-                      <p:childTnLst>
-                        <p:par>
-                          <p:cTn id="4" fill="hold" nodeType="withGroup">
-                            <p:stCondLst>
-                              <p:cond delay="0"/>
-                            </p:stCondLst>
-                            <p:childTnLst>
-                              <p:par>
-                                <p:cTn id="5" presetID="53" presetClass="entr" presetSubtype="0" fill="hold" grpId="0" nodeType="withEffect">
-                                  <p:stCondLst>
-                                    <p:cond delay="0"/>
-                                  </p:stCondLst>
-                                  <p:childTnLst>
-                                    <p:set>
-                                      <p:cBhvr>
-                                        <p:cTn id="6" dur="1" fill="hold">
-                                          <p:stCondLst>
-                                            <p:cond delay="0"/>
-                                          </p:stCondLst>
-                                        </p:cTn>
-                                        <p:tgtEl>
-                                          <p:spTgt spid="40962"/>
-                                        </p:tgtEl>
-                                        <p:attrNameLst>
-                                          <p:attrName>style.visibility</p:attrName>
-                                        </p:attrNameLst>
-                                      </p:cBhvr>
-                                      <p:to>
-                                        <p:strVal val="visible"/>
-                                      </p:to>
-                                    </p:set>
-                                    <p:anim calcmode="lin" valueType="num">
-                                      <p:cBhvr>
-                                        <p:cTn id="7" dur="500" fill="hold"/>
-                                        <p:tgtEl>
-                                          <p:spTgt spid="40962"/>
-                                        </p:tgtEl>
-                                        <p:attrNameLst>
-                                          <p:attrName>ppt_w</p:attrName>
-                                        </p:attrNameLst>
-                                      </p:cBhvr>
-                                      <p:tavLst>
-                                        <p:tav tm="0">
-                                          <p:val>
-                                            <p:fltVal val="0"/>
-                                          </p:val>
-                                        </p:tav>
-                                        <p:tav tm="100000">
-                                          <p:val>
-                                            <p:strVal val="#ppt_w"/>
-                                          </p:val>
-                                        </p:tav>
-                                      </p:tavLst>
-                                    </p:anim>
-                                    <p:anim calcmode="lin" valueType="num">
-                                      <p:cBhvr>
-                                        <p:cTn id="8" dur="500" fill="hold"/>
-                                        <p:tgtEl>
-                                          <p:spTgt spid="40962"/>
-                                        </p:tgtEl>
-                                        <p:attrNameLst>
-                                          <p:attrName>ppt_h</p:attrName>
-                                        </p:attrNameLst>
-                                      </p:cBhvr>
-                                      <p:tavLst>
-                                        <p:tav tm="0">
-                                          <p:val>
-                                            <p:fltVal val="0"/>
-                                          </p:val>
-                                        </p:tav>
-                                        <p:tav tm="100000">
-                                          <p:val>
-                                            <p:strVal val="#ppt_h"/>
-                                          </p:val>
-                                        </p:tav>
-                                      </p:tavLst>
-                                    </p:anim>
-                                    <p:animEffect transition="in" filter="fade">
-                                      <p:cBhvr>
-                                        <p:cTn id="9" dur="500"/>
-                                        <p:tgtEl>
-                                          <p:spTgt spid="40962"/>
-                                        </p:tgtEl>
-                                      </p:cBhvr>
-                                    </p:animEffect>
-                                  </p:childTnLst>
-                                </p:cTn>
-                              </p:par>
-                            </p:childTnLst>
-                          </p:cTn>
-                        </p:par>
-                        <p:par>
-                          <p:cTn id="10" fill="hold" nodeType="afterGroup">
-                            <p:stCondLst>
-                              <p:cond delay="500"/>
-                            </p:stCondLst>
-                            <p:childTnLst>
-                              <p:par>
-                                <p:cTn id="11" presetID="10" presetClass="entr" presetSubtype="0" fill="hold" grpId="0" nodeType="afterEffect">
-                                  <p:stCondLst>
-                                    <p:cond delay="0"/>
-                                  </p:stCondLst>
-                                  <p:childTnLst>
-                                    <p:set>
-                                      <p:cBhvr>
-                                        <p:cTn id="12" dur="1" fill="hold">
-                                          <p:stCondLst>
-                                            <p:cond delay="0"/>
-                                          </p:stCondLst>
-                                        </p:cTn>
-                                        <p:tgtEl>
-                                          <p:spTgt spid="40963">
-                                            <p:txEl>
-                                              <p:pRg st="0" end="0"/>
-                                            </p:txEl>
-                                          </p:spTgt>
-                                        </p:tgtEl>
-                                        <p:attrNameLst>
-                                          <p:attrName>style.visibility</p:attrName>
-                                        </p:attrNameLst>
-                                      </p:cBhvr>
-                                      <p:to>
-                                        <p:strVal val="visible"/>
-                                      </p:to>
-                                    </p:set>
-                                    <p:animEffect transition="in" filter="fade">
-                                      <p:cBhvr>
-                                        <p:cTn id="13" dur="1000">
-                                          <p:stCondLst>
-                                            <p:cond delay="0"/>
-                                          </p:stCondLst>
-                                        </p:cTn>
-                                        <p:tgtEl>
-                                          <p:spTgt spid="40963">
-                                            <p:txEl>
-                                              <p:pRg st="0" end="0"/>
-                                            </p:txEl>
-                                          </p:spTgt>
-                                        </p:tgtEl>
-                                      </p:cBhvr>
-                                    </p:animEffect>
-                                  </p:childTnLst>
-                                </p:cTn>
-                              </p:par>
-                            </p:childTnLst>
-                          </p:cTn>
-                        </p:par>
-                        <p:par>
-                          <p:cTn id="14" fill="hold" nodeType="afterGroup">
-                            <p:stCondLst>
-                              <p:cond delay="1500"/>
-                            </p:stCondLst>
-                            <p:childTnLst>
-                              <p:par>
-                                <p:cTn id="15" presetID="10" presetClass="entr" presetSubtype="0" fill="hold" grpId="0" nodeType="afterEffect">
-                                  <p:stCondLst>
-                                    <p:cond delay="0"/>
-                                  </p:stCondLst>
-                                  <p:childTnLst>
-                                    <p:set>
-                                      <p:cBhvr>
-                                        <p:cTn id="16" dur="1" fill="hold">
-                                          <p:stCondLst>
-                                            <p:cond delay="0"/>
-                                          </p:stCondLst>
-                                        </p:cTn>
-                                        <p:tgtEl>
-                                          <p:spTgt spid="40963">
-                                            <p:txEl>
-                                              <p:pRg st="1" end="1"/>
-                                            </p:txEl>
-                                          </p:spTgt>
-                                        </p:tgtEl>
-                                        <p:attrNameLst>
-                                          <p:attrName>style.visibility</p:attrName>
-                                        </p:attrNameLst>
-                                      </p:cBhvr>
-                                      <p:to>
-                                        <p:strVal val="visible"/>
-                                      </p:to>
-                                    </p:set>
-                                    <p:animEffect transition="in" filter="fade">
-                                      <p:cBhvr>
-                                        <p:cTn id="17" dur="1000">
-                                          <p:stCondLst>
-                                            <p:cond delay="0"/>
-                                          </p:stCondLst>
-                                        </p:cTn>
-                                        <p:tgtEl>
-                                          <p:spTgt spid="40963">
-                                            <p:txEl>
-                                              <p:pRg st="1" end="1"/>
-                                            </p:txEl>
-                                          </p:spTgt>
-                                        </p:tgtEl>
-                                      </p:cBhvr>
-                                    </p:animEffect>
-                                  </p:childTnLst>
-                                </p:cTn>
-                              </p:par>
-                            </p:childTnLst>
-                          </p:cTn>
-                        </p:par>
-                        <p:par>
-                          <p:cTn id="18" fill="hold" nodeType="afterGroup">
-                            <p:stCondLst>
-                              <p:cond delay="2500"/>
-                            </p:stCondLst>
-                            <p:childTnLst>
-                              <p:par>
-                                <p:cTn id="19" presetID="10" presetClass="entr" presetSubtype="0" fill="hold" grpId="0" nodeType="afterEffect">
-                                  <p:stCondLst>
-                                    <p:cond delay="0"/>
-                                  </p:stCondLst>
-                                  <p:childTnLst>
-                                    <p:set>
-                                      <p:cBhvr>
-                                        <p:cTn id="20" dur="1" fill="hold">
-                                          <p:stCondLst>
-                                            <p:cond delay="0"/>
-                                          </p:stCondLst>
-                                        </p:cTn>
-                                        <p:tgtEl>
-                                          <p:spTgt spid="40963">
-                                            <p:txEl>
-                                              <p:pRg st="2" end="2"/>
-                                            </p:txEl>
-                                          </p:spTgt>
-                                        </p:tgtEl>
-                                        <p:attrNameLst>
-                                          <p:attrName>style.visibility</p:attrName>
-                                        </p:attrNameLst>
-                                      </p:cBhvr>
-                                      <p:to>
-                                        <p:strVal val="visible"/>
-                                      </p:to>
-                                    </p:set>
-                                    <p:animEffect transition="in" filter="fade">
-                                      <p:cBhvr>
-                                        <p:cTn id="21" dur="1000">
-                                          <p:stCondLst>
-                                            <p:cond delay="0"/>
-                                          </p:stCondLst>
-                                        </p:cTn>
-                                        <p:tgtEl>
-                                          <p:spTgt spid="40963">
-                                            <p:txEl>
-                                              <p:pRg st="2" end="2"/>
-                                            </p:txEl>
-                                          </p:spTgt>
-                                        </p:tgtEl>
-                                      </p:cBhvr>
-                                    </p:animEffect>
-                                  </p:childTnLst>
-                                </p:cTn>
-                              </p:par>
-                            </p:childTnLst>
-                          </p:cTn>
-                        </p:par>
-                      </p:childTnLst>
-                    </p:cTn>
-                  </p:par>
-                </p:childTnLst>
-              </p:cTn>
-              <p:prevCondLst>
-                <p:cond evt="onPrev" delay="0">
-                  <p:tgtEl>
-                    <p:sldTgt/>
-                  </p:tgtEl>
-                </p:cond>
-              </p:prevCondLst>
-              <p:nextCondLst>
-                <p:cond evt="onNext" delay="0">
-                  <p:tgtEl>
-                    <p:sldTgt/>
-                  </p:tgtEl>
-                </p:cond>
-              </p:nextCondLst>
-            </p:seq>
-          </p:childTnLst>
-        </p:cTn>
-      </p:par>
-    </p:tnLst>
-    <p:bldLst>
-      <p:bldP spid="40962" grpId="0"/>
-      <p:bldP spid="40963" grpId="0" build="p"/>
-    </p:bldLst>
-  </p:timing>
 </p:sld>
 </file>
 
@@ -12296,141 +9234,6 @@
   <p:clrMapOvr>
     <a:masterClrMapping/>
   </p:clrMapOvr>
-  <p:timing>
-    <p:tnLst>
-      <p:par>
-        <p:cTn id="1" dur="indefinite" restart="never" nodeType="tmRoot">
-          <p:childTnLst>
-            <p:seq concurrent="1" nextAc="seek">
-              <p:cTn id="2" dur="indefinite" nodeType="mainSeq">
-                <p:childTnLst>
-                  <p:par>
-                    <p:cTn id="3" fill="hold" nodeType="clickPar">
-                      <p:stCondLst>
-                        <p:cond delay="indefinite"/>
-                        <p:cond evt="onBegin" delay="0">
-                          <p:tn val="2"/>
-                        </p:cond>
-                      </p:stCondLst>
-                      <p:childTnLst>
-                        <p:par>
-                          <p:cTn id="4" fill="hold" nodeType="withGroup">
-                            <p:stCondLst>
-                              <p:cond delay="0"/>
-                            </p:stCondLst>
-                            <p:childTnLst>
-                              <p:par>
-                                <p:cTn id="5" presetID="53" presetClass="entr" presetSubtype="0" fill="hold" grpId="0" nodeType="withEffect">
-                                  <p:stCondLst>
-                                    <p:cond delay="0"/>
-                                  </p:stCondLst>
-                                  <p:childTnLst>
-                                    <p:set>
-                                      <p:cBhvr>
-                                        <p:cTn id="6" dur="1" fill="hold">
-                                          <p:stCondLst>
-                                            <p:cond delay="0"/>
-                                          </p:stCondLst>
-                                        </p:cTn>
-                                        <p:tgtEl>
-                                          <p:spTgt spid="73730"/>
-                                        </p:tgtEl>
-                                        <p:attrNameLst>
-                                          <p:attrName>style.visibility</p:attrName>
-                                        </p:attrNameLst>
-                                      </p:cBhvr>
-                                      <p:to>
-                                        <p:strVal val="visible"/>
-                                      </p:to>
-                                    </p:set>
-                                    <p:anim calcmode="lin" valueType="num">
-                                      <p:cBhvr>
-                                        <p:cTn id="7" dur="500" fill="hold"/>
-                                        <p:tgtEl>
-                                          <p:spTgt spid="73730"/>
-                                        </p:tgtEl>
-                                        <p:attrNameLst>
-                                          <p:attrName>ppt_w</p:attrName>
-                                        </p:attrNameLst>
-                                      </p:cBhvr>
-                                      <p:tavLst>
-                                        <p:tav tm="0">
-                                          <p:val>
-                                            <p:fltVal val="0"/>
-                                          </p:val>
-                                        </p:tav>
-                                        <p:tav tm="100000">
-                                          <p:val>
-                                            <p:strVal val="#ppt_w"/>
-                                          </p:val>
-                                        </p:tav>
-                                      </p:tavLst>
-                                    </p:anim>
-                                    <p:anim calcmode="lin" valueType="num">
-                                      <p:cBhvr>
-                                        <p:cTn id="8" dur="500" fill="hold"/>
-                                        <p:tgtEl>
-                                          <p:spTgt spid="73730"/>
-                                        </p:tgtEl>
-                                        <p:attrNameLst>
-                                          <p:attrName>ppt_h</p:attrName>
-                                        </p:attrNameLst>
-                                      </p:cBhvr>
-                                      <p:tavLst>
-                                        <p:tav tm="0">
-                                          <p:val>
-                                            <p:fltVal val="0"/>
-                                          </p:val>
-                                        </p:tav>
-                                        <p:tav tm="100000">
-                                          <p:val>
-                                            <p:strVal val="#ppt_h"/>
-                                          </p:val>
-                                        </p:tav>
-                                      </p:tavLst>
-                                    </p:anim>
-                                    <p:animEffect transition="in" filter="fade">
-                                      <p:cBhvr>
-                                        <p:cTn id="9" dur="500"/>
-                                        <p:tgtEl>
-                                          <p:spTgt spid="73730"/>
-                                        </p:tgtEl>
-                                      </p:cBhvr>
-                                    </p:animEffect>
-                                  </p:childTnLst>
-                                </p:cTn>
-                              </p:par>
-                            </p:childTnLst>
-                          </p:cTn>
-                        </p:par>
-                      </p:childTnLst>
-                    </p:cTn>
-                  </p:par>
-                </p:childTnLst>
-              </p:cTn>
-              <p:prevCondLst>
-                <p:cond evt="onPrev" delay="0">
-                  <p:tgtEl>
-                    <p:sldTgt/>
-                  </p:tgtEl>
-                </p:cond>
-              </p:prevCondLst>
-              <p:nextCondLst>
-                <p:cond evt="onNext" delay="0">
-                  <p:tgtEl>
-                    <p:sldTgt/>
-                  </p:tgtEl>
-                </p:cond>
-              </p:nextCondLst>
-            </p:seq>
-          </p:childTnLst>
-        </p:cTn>
-      </p:par>
-    </p:tnLst>
-    <p:bldLst>
-      <p:bldP spid="73730" grpId="0"/>
-    </p:bldLst>
-  </p:timing>
 </p:sld>
 </file>
 
@@ -13966,451 +10769,6 @@
   <p:clrMapOvr>
     <a:masterClrMapping/>
   </p:clrMapOvr>
-  <p:timing>
-    <p:tnLst>
-      <p:par>
-        <p:cTn id="1" dur="indefinite" restart="never" nodeType="tmRoot">
-          <p:childTnLst>
-            <p:seq concurrent="1" nextAc="seek">
-              <p:cTn id="2" dur="indefinite" nodeType="mainSeq">
-                <p:childTnLst>
-                  <p:par>
-                    <p:cTn id="3" fill="hold" nodeType="clickPar">
-                      <p:stCondLst>
-                        <p:cond delay="indefinite"/>
-                        <p:cond evt="onBegin" delay="0">
-                          <p:tn val="2"/>
-                        </p:cond>
-                      </p:stCondLst>
-                      <p:childTnLst>
-                        <p:par>
-                          <p:cTn id="4" fill="hold" nodeType="withGroup">
-                            <p:stCondLst>
-                              <p:cond delay="0"/>
-                            </p:stCondLst>
-                            <p:childTnLst>
-                              <p:par>
-                                <p:cTn id="5" presetID="53" presetClass="entr" presetSubtype="0" fill="hold" grpId="0" nodeType="withEffect">
-                                  <p:stCondLst>
-                                    <p:cond delay="0"/>
-                                  </p:stCondLst>
-                                  <p:childTnLst>
-                                    <p:set>
-                                      <p:cBhvr>
-                                        <p:cTn id="6" dur="1" fill="hold">
-                                          <p:stCondLst>
-                                            <p:cond delay="0"/>
-                                          </p:stCondLst>
-                                        </p:cTn>
-                                        <p:tgtEl>
-                                          <p:spTgt spid="78850"/>
-                                        </p:tgtEl>
-                                        <p:attrNameLst>
-                                          <p:attrName>style.visibility</p:attrName>
-                                        </p:attrNameLst>
-                                      </p:cBhvr>
-                                      <p:to>
-                                        <p:strVal val="visible"/>
-                                      </p:to>
-                                    </p:set>
-                                    <p:anim calcmode="lin" valueType="num">
-                                      <p:cBhvr>
-                                        <p:cTn id="7" dur="500" fill="hold"/>
-                                        <p:tgtEl>
-                                          <p:spTgt spid="78850"/>
-                                        </p:tgtEl>
-                                        <p:attrNameLst>
-                                          <p:attrName>ppt_w</p:attrName>
-                                        </p:attrNameLst>
-                                      </p:cBhvr>
-                                      <p:tavLst>
-                                        <p:tav tm="0">
-                                          <p:val>
-                                            <p:fltVal val="0"/>
-                                          </p:val>
-                                        </p:tav>
-                                        <p:tav tm="100000">
-                                          <p:val>
-                                            <p:strVal val="#ppt_w"/>
-                                          </p:val>
-                                        </p:tav>
-                                      </p:tavLst>
-                                    </p:anim>
-                                    <p:anim calcmode="lin" valueType="num">
-                                      <p:cBhvr>
-                                        <p:cTn id="8" dur="500" fill="hold"/>
-                                        <p:tgtEl>
-                                          <p:spTgt spid="78850"/>
-                                        </p:tgtEl>
-                                        <p:attrNameLst>
-                                          <p:attrName>ppt_h</p:attrName>
-                                        </p:attrNameLst>
-                                      </p:cBhvr>
-                                      <p:tavLst>
-                                        <p:tav tm="0">
-                                          <p:val>
-                                            <p:fltVal val="0"/>
-                                          </p:val>
-                                        </p:tav>
-                                        <p:tav tm="100000">
-                                          <p:val>
-                                            <p:strVal val="#ppt_h"/>
-                                          </p:val>
-                                        </p:tav>
-                                      </p:tavLst>
-                                    </p:anim>
-                                    <p:animEffect transition="in" filter="fade">
-                                      <p:cBhvr>
-                                        <p:cTn id="9" dur="500"/>
-                                        <p:tgtEl>
-                                          <p:spTgt spid="78850"/>
-                                        </p:tgtEl>
-                                      </p:cBhvr>
-                                    </p:animEffect>
-                                  </p:childTnLst>
-                                </p:cTn>
-                              </p:par>
-                            </p:childTnLst>
-                          </p:cTn>
-                        </p:par>
-                        <p:par>
-                          <p:cTn id="10" fill="hold" nodeType="afterGroup">
-                            <p:stCondLst>
-                              <p:cond delay="500"/>
-                            </p:stCondLst>
-                            <p:childTnLst>
-                              <p:par>
-                                <p:cTn id="11" presetID="10" presetClass="entr" presetSubtype="0" fill="hold" grpId="0" nodeType="afterEffect">
-                                  <p:stCondLst>
-                                    <p:cond delay="0"/>
-                                  </p:stCondLst>
-                                  <p:childTnLst>
-                                    <p:set>
-                                      <p:cBhvr>
-                                        <p:cTn id="12" dur="1" fill="hold">
-                                          <p:stCondLst>
-                                            <p:cond delay="0"/>
-                                          </p:stCondLst>
-                                        </p:cTn>
-                                        <p:tgtEl>
-                                          <p:spTgt spid="78851">
-                                            <p:txEl>
-                                              <p:pRg st="0" end="0"/>
-                                            </p:txEl>
-                                          </p:spTgt>
-                                        </p:tgtEl>
-                                        <p:attrNameLst>
-                                          <p:attrName>style.visibility</p:attrName>
-                                        </p:attrNameLst>
-                                      </p:cBhvr>
-                                      <p:to>
-                                        <p:strVal val="visible"/>
-                                      </p:to>
-                                    </p:set>
-                                    <p:animEffect transition="in" filter="fade">
-                                      <p:cBhvr>
-                                        <p:cTn id="13" dur="1000">
-                                          <p:stCondLst>
-                                            <p:cond delay="0"/>
-                                          </p:stCondLst>
-                                        </p:cTn>
-                                        <p:tgtEl>
-                                          <p:spTgt spid="78851">
-                                            <p:txEl>
-                                              <p:pRg st="0" end="0"/>
-                                            </p:txEl>
-                                          </p:spTgt>
-                                        </p:tgtEl>
-                                      </p:cBhvr>
-                                    </p:animEffect>
-                                  </p:childTnLst>
-                                </p:cTn>
-                              </p:par>
-                              <p:par>
-                                <p:cTn id="14" presetID="10" presetClass="entr" presetSubtype="0" fill="hold" grpId="0" nodeType="withEffect">
-                                  <p:stCondLst>
-                                    <p:cond delay="0"/>
-                                  </p:stCondLst>
-                                  <p:childTnLst>
-                                    <p:set>
-                                      <p:cBhvr>
-                                        <p:cTn id="15" dur="1" fill="hold">
-                                          <p:stCondLst>
-                                            <p:cond delay="0"/>
-                                          </p:stCondLst>
-                                        </p:cTn>
-                                        <p:tgtEl>
-                                          <p:spTgt spid="78851">
-                                            <p:txEl>
-                                              <p:pRg st="1" end="1"/>
-                                            </p:txEl>
-                                          </p:spTgt>
-                                        </p:tgtEl>
-                                        <p:attrNameLst>
-                                          <p:attrName>style.visibility</p:attrName>
-                                        </p:attrNameLst>
-                                      </p:cBhvr>
-                                      <p:to>
-                                        <p:strVal val="visible"/>
-                                      </p:to>
-                                    </p:set>
-                                    <p:animEffect transition="in" filter="fade">
-                                      <p:cBhvr>
-                                        <p:cTn id="16" dur="1000">
-                                          <p:stCondLst>
-                                            <p:cond delay="0"/>
-                                          </p:stCondLst>
-                                        </p:cTn>
-                                        <p:tgtEl>
-                                          <p:spTgt spid="78851">
-                                            <p:txEl>
-                                              <p:pRg st="1" end="1"/>
-                                            </p:txEl>
-                                          </p:spTgt>
-                                        </p:tgtEl>
-                                      </p:cBhvr>
-                                    </p:animEffect>
-                                  </p:childTnLst>
-                                </p:cTn>
-                              </p:par>
-                              <p:par>
-                                <p:cTn id="17" presetID="10" presetClass="entr" presetSubtype="0" fill="hold" grpId="0" nodeType="withEffect">
-                                  <p:stCondLst>
-                                    <p:cond delay="0"/>
-                                  </p:stCondLst>
-                                  <p:childTnLst>
-                                    <p:set>
-                                      <p:cBhvr>
-                                        <p:cTn id="18" dur="1" fill="hold">
-                                          <p:stCondLst>
-                                            <p:cond delay="0"/>
-                                          </p:stCondLst>
-                                        </p:cTn>
-                                        <p:tgtEl>
-                                          <p:spTgt spid="78851">
-                                            <p:txEl>
-                                              <p:pRg st="2" end="2"/>
-                                            </p:txEl>
-                                          </p:spTgt>
-                                        </p:tgtEl>
-                                        <p:attrNameLst>
-                                          <p:attrName>style.visibility</p:attrName>
-                                        </p:attrNameLst>
-                                      </p:cBhvr>
-                                      <p:to>
-                                        <p:strVal val="visible"/>
-                                      </p:to>
-                                    </p:set>
-                                    <p:animEffect transition="in" filter="fade">
-                                      <p:cBhvr>
-                                        <p:cTn id="19" dur="1000">
-                                          <p:stCondLst>
-                                            <p:cond delay="0"/>
-                                          </p:stCondLst>
-                                        </p:cTn>
-                                        <p:tgtEl>
-                                          <p:spTgt spid="78851">
-                                            <p:txEl>
-                                              <p:pRg st="2" end="2"/>
-                                            </p:txEl>
-                                          </p:spTgt>
-                                        </p:tgtEl>
-                                      </p:cBhvr>
-                                    </p:animEffect>
-                                  </p:childTnLst>
-                                </p:cTn>
-                              </p:par>
-                              <p:par>
-                                <p:cTn id="20" presetID="10" presetClass="entr" presetSubtype="0" fill="hold" grpId="0" nodeType="withEffect">
-                                  <p:stCondLst>
-                                    <p:cond delay="0"/>
-                                  </p:stCondLst>
-                                  <p:childTnLst>
-                                    <p:set>
-                                      <p:cBhvr>
-                                        <p:cTn id="21" dur="1" fill="hold">
-                                          <p:stCondLst>
-                                            <p:cond delay="0"/>
-                                          </p:stCondLst>
-                                        </p:cTn>
-                                        <p:tgtEl>
-                                          <p:spTgt spid="78851">
-                                            <p:txEl>
-                                              <p:pRg st="3" end="3"/>
-                                            </p:txEl>
-                                          </p:spTgt>
-                                        </p:tgtEl>
-                                        <p:attrNameLst>
-                                          <p:attrName>style.visibility</p:attrName>
-                                        </p:attrNameLst>
-                                      </p:cBhvr>
-                                      <p:to>
-                                        <p:strVal val="visible"/>
-                                      </p:to>
-                                    </p:set>
-                                    <p:animEffect transition="in" filter="fade">
-                                      <p:cBhvr>
-                                        <p:cTn id="22" dur="1000">
-                                          <p:stCondLst>
-                                            <p:cond delay="0"/>
-                                          </p:stCondLst>
-                                        </p:cTn>
-                                        <p:tgtEl>
-                                          <p:spTgt spid="78851">
-                                            <p:txEl>
-                                              <p:pRg st="3" end="3"/>
-                                            </p:txEl>
-                                          </p:spTgt>
-                                        </p:tgtEl>
-                                      </p:cBhvr>
-                                    </p:animEffect>
-                                  </p:childTnLst>
-                                </p:cTn>
-                              </p:par>
-                              <p:par>
-                                <p:cTn id="23" presetID="10" presetClass="entr" presetSubtype="0" fill="hold" grpId="0" nodeType="withEffect">
-                                  <p:stCondLst>
-                                    <p:cond delay="0"/>
-                                  </p:stCondLst>
-                                  <p:childTnLst>
-                                    <p:set>
-                                      <p:cBhvr>
-                                        <p:cTn id="24" dur="1" fill="hold">
-                                          <p:stCondLst>
-                                            <p:cond delay="0"/>
-                                          </p:stCondLst>
-                                        </p:cTn>
-                                        <p:tgtEl>
-                                          <p:spTgt spid="78851">
-                                            <p:txEl>
-                                              <p:pRg st="4" end="4"/>
-                                            </p:txEl>
-                                          </p:spTgt>
-                                        </p:tgtEl>
-                                        <p:attrNameLst>
-                                          <p:attrName>style.visibility</p:attrName>
-                                        </p:attrNameLst>
-                                      </p:cBhvr>
-                                      <p:to>
-                                        <p:strVal val="visible"/>
-                                      </p:to>
-                                    </p:set>
-                                    <p:animEffect transition="in" filter="fade">
-                                      <p:cBhvr>
-                                        <p:cTn id="25" dur="1000">
-                                          <p:stCondLst>
-                                            <p:cond delay="0"/>
-                                          </p:stCondLst>
-                                        </p:cTn>
-                                        <p:tgtEl>
-                                          <p:spTgt spid="78851">
-                                            <p:txEl>
-                                              <p:pRg st="4" end="4"/>
-                                            </p:txEl>
-                                          </p:spTgt>
-                                        </p:tgtEl>
-                                      </p:cBhvr>
-                                    </p:animEffect>
-                                  </p:childTnLst>
-                                </p:cTn>
-                              </p:par>
-                            </p:childTnLst>
-                          </p:cTn>
-                        </p:par>
-                      </p:childTnLst>
-                    </p:cTn>
-                  </p:par>
-                  <p:par>
-                    <p:cTn id="26" fill="hold">
-                      <p:stCondLst>
-                        <p:cond delay="indefinite"/>
-                      </p:stCondLst>
-                      <p:childTnLst>
-                        <p:par>
-                          <p:cTn id="27" fill="hold">
-                            <p:stCondLst>
-                              <p:cond delay="0"/>
-                            </p:stCondLst>
-                            <p:childTnLst>
-                              <p:par>
-                                <p:cTn id="28" presetID="10" presetClass="entr" presetSubtype="0" fill="hold" grpId="0" nodeType="clickEffect">
-                                  <p:stCondLst>
-                                    <p:cond delay="0"/>
-                                  </p:stCondLst>
-                                  <p:childTnLst>
-                                    <p:set>
-                                      <p:cBhvr>
-                                        <p:cTn id="29" dur="1" fill="hold">
-                                          <p:stCondLst>
-                                            <p:cond delay="0"/>
-                                          </p:stCondLst>
-                                        </p:cTn>
-                                        <p:tgtEl>
-                                          <p:spTgt spid="78851">
-                                            <p:txEl>
-                                              <p:pRg st="9" end="9"/>
-                                            </p:txEl>
-                                          </p:spTgt>
-                                        </p:tgtEl>
-                                        <p:attrNameLst>
-                                          <p:attrName>style.visibility</p:attrName>
-                                        </p:attrNameLst>
-                                      </p:cBhvr>
-                                      <p:to>
-                                        <p:strVal val="visible"/>
-                                      </p:to>
-                                    </p:set>
-                                    <p:animEffect transition="in" filter="fade">
-                                      <p:cBhvr>
-                                        <p:cTn id="30" dur="1000">
-                                          <p:stCondLst>
-                                            <p:cond delay="0"/>
-                                          </p:stCondLst>
-                                        </p:cTn>
-                                        <p:tgtEl>
-                                          <p:spTgt spid="78851">
-                                            <p:txEl>
-                                              <p:pRg st="9" end="9"/>
-                                            </p:txEl>
-                                          </p:spTgt>
-                                        </p:tgtEl>
-                                      </p:cBhvr>
-                                    </p:animEffect>
-                                  </p:childTnLst>
-                                </p:cTn>
-                              </p:par>
-                            </p:childTnLst>
-                          </p:cTn>
-                        </p:par>
-                      </p:childTnLst>
-                    </p:cTn>
-                  </p:par>
-                </p:childTnLst>
-              </p:cTn>
-              <p:prevCondLst>
-                <p:cond evt="onPrev" delay="0">
-                  <p:tgtEl>
-                    <p:sldTgt/>
-                  </p:tgtEl>
-                </p:cond>
-              </p:prevCondLst>
-              <p:nextCondLst>
-                <p:cond evt="onNext" delay="0">
-                  <p:tgtEl>
-                    <p:sldTgt/>
-                  </p:tgtEl>
-                </p:cond>
-              </p:nextCondLst>
-            </p:seq>
-          </p:childTnLst>
-        </p:cTn>
-      </p:par>
-    </p:tnLst>
-    <p:bldLst>
-      <p:bldP spid="78850" grpId="0"/>
-      <p:bldP spid="78851" grpId="0" uiExpand="1" build="p"/>
-    </p:bldLst>
-  </p:timing>
 </p:sld>
 </file>
 
@@ -16653,141 +13011,6 @@
   <p:clrMapOvr>
     <a:masterClrMapping/>
   </p:clrMapOvr>
-  <p:timing>
-    <p:tnLst>
-      <p:par>
-        <p:cTn id="1" dur="indefinite" restart="never" nodeType="tmRoot">
-          <p:childTnLst>
-            <p:seq concurrent="1" nextAc="seek">
-              <p:cTn id="2" dur="indefinite" nodeType="mainSeq">
-                <p:childTnLst>
-                  <p:par>
-                    <p:cTn id="3" fill="hold" nodeType="clickPar">
-                      <p:stCondLst>
-                        <p:cond delay="indefinite"/>
-                        <p:cond evt="onBegin" delay="0">
-                          <p:tn val="2"/>
-                        </p:cond>
-                      </p:stCondLst>
-                      <p:childTnLst>
-                        <p:par>
-                          <p:cTn id="4" fill="hold" nodeType="withGroup">
-                            <p:stCondLst>
-                              <p:cond delay="0"/>
-                            </p:stCondLst>
-                            <p:childTnLst>
-                              <p:par>
-                                <p:cTn id="5" presetID="53" presetClass="entr" presetSubtype="0" fill="hold" grpId="0" nodeType="withEffect">
-                                  <p:stCondLst>
-                                    <p:cond delay="0"/>
-                                  </p:stCondLst>
-                                  <p:childTnLst>
-                                    <p:set>
-                                      <p:cBhvr>
-                                        <p:cTn id="6" dur="1" fill="hold">
-                                          <p:stCondLst>
-                                            <p:cond delay="0"/>
-                                          </p:stCondLst>
-                                        </p:cTn>
-                                        <p:tgtEl>
-                                          <p:spTgt spid="45058"/>
-                                        </p:tgtEl>
-                                        <p:attrNameLst>
-                                          <p:attrName>style.visibility</p:attrName>
-                                        </p:attrNameLst>
-                                      </p:cBhvr>
-                                      <p:to>
-                                        <p:strVal val="visible"/>
-                                      </p:to>
-                                    </p:set>
-                                    <p:anim calcmode="lin" valueType="num">
-                                      <p:cBhvr>
-                                        <p:cTn id="7" dur="500" fill="hold"/>
-                                        <p:tgtEl>
-                                          <p:spTgt spid="45058"/>
-                                        </p:tgtEl>
-                                        <p:attrNameLst>
-                                          <p:attrName>ppt_w</p:attrName>
-                                        </p:attrNameLst>
-                                      </p:cBhvr>
-                                      <p:tavLst>
-                                        <p:tav tm="0">
-                                          <p:val>
-                                            <p:fltVal val="0"/>
-                                          </p:val>
-                                        </p:tav>
-                                        <p:tav tm="100000">
-                                          <p:val>
-                                            <p:strVal val="#ppt_w"/>
-                                          </p:val>
-                                        </p:tav>
-                                      </p:tavLst>
-                                    </p:anim>
-                                    <p:anim calcmode="lin" valueType="num">
-                                      <p:cBhvr>
-                                        <p:cTn id="8" dur="500" fill="hold"/>
-                                        <p:tgtEl>
-                                          <p:spTgt spid="45058"/>
-                                        </p:tgtEl>
-                                        <p:attrNameLst>
-                                          <p:attrName>ppt_h</p:attrName>
-                                        </p:attrNameLst>
-                                      </p:cBhvr>
-                                      <p:tavLst>
-                                        <p:tav tm="0">
-                                          <p:val>
-                                            <p:fltVal val="0"/>
-                                          </p:val>
-                                        </p:tav>
-                                        <p:tav tm="100000">
-                                          <p:val>
-                                            <p:strVal val="#ppt_h"/>
-                                          </p:val>
-                                        </p:tav>
-                                      </p:tavLst>
-                                    </p:anim>
-                                    <p:animEffect transition="in" filter="fade">
-                                      <p:cBhvr>
-                                        <p:cTn id="9" dur="500"/>
-                                        <p:tgtEl>
-                                          <p:spTgt spid="45058"/>
-                                        </p:tgtEl>
-                                      </p:cBhvr>
-                                    </p:animEffect>
-                                  </p:childTnLst>
-                                </p:cTn>
-                              </p:par>
-                            </p:childTnLst>
-                          </p:cTn>
-                        </p:par>
-                      </p:childTnLst>
-                    </p:cTn>
-                  </p:par>
-                </p:childTnLst>
-              </p:cTn>
-              <p:prevCondLst>
-                <p:cond evt="onPrev" delay="0">
-                  <p:tgtEl>
-                    <p:sldTgt/>
-                  </p:tgtEl>
-                </p:cond>
-              </p:prevCondLst>
-              <p:nextCondLst>
-                <p:cond evt="onNext" delay="0">
-                  <p:tgtEl>
-                    <p:sldTgt/>
-                  </p:tgtEl>
-                </p:cond>
-              </p:nextCondLst>
-            </p:seq>
-          </p:childTnLst>
-        </p:cTn>
-      </p:par>
-    </p:tnLst>
-    <p:bldLst>
-      <p:bldP spid="45058" grpId="0"/>
-    </p:bldLst>
-  </p:timing>
 </p:sld>
 </file>
 
@@ -17010,384 +13233,6 @@
   <p:clrMapOvr>
     <a:masterClrMapping/>
   </p:clrMapOvr>
-  <p:timing>
-    <p:tnLst>
-      <p:par>
-        <p:cTn id="1" dur="indefinite" restart="never" nodeType="tmRoot">
-          <p:childTnLst>
-            <p:seq concurrent="1" nextAc="seek">
-              <p:cTn id="2" dur="indefinite" nodeType="mainSeq">
-                <p:childTnLst>
-                  <p:par>
-                    <p:cTn id="3" fill="hold" nodeType="clickPar">
-                      <p:stCondLst>
-                        <p:cond delay="indefinite"/>
-                        <p:cond evt="onBegin" delay="0">
-                          <p:tn val="2"/>
-                        </p:cond>
-                      </p:stCondLst>
-                      <p:childTnLst>
-                        <p:par>
-                          <p:cTn id="4" fill="hold" nodeType="withGroup">
-                            <p:stCondLst>
-                              <p:cond delay="0"/>
-                            </p:stCondLst>
-                            <p:childTnLst>
-                              <p:par>
-                                <p:cTn id="5" presetID="53" presetClass="entr" presetSubtype="0" fill="hold" grpId="0" nodeType="withEffect">
-                                  <p:stCondLst>
-                                    <p:cond delay="0"/>
-                                  </p:stCondLst>
-                                  <p:childTnLst>
-                                    <p:set>
-                                      <p:cBhvr>
-                                        <p:cTn id="6" dur="1" fill="hold">
-                                          <p:stCondLst>
-                                            <p:cond delay="0"/>
-                                          </p:stCondLst>
-                                        </p:cTn>
-                                        <p:tgtEl>
-                                          <p:spTgt spid="13314"/>
-                                        </p:tgtEl>
-                                        <p:attrNameLst>
-                                          <p:attrName>style.visibility</p:attrName>
-                                        </p:attrNameLst>
-                                      </p:cBhvr>
-                                      <p:to>
-                                        <p:strVal val="visible"/>
-                                      </p:to>
-                                    </p:set>
-                                    <p:anim calcmode="lin" valueType="num">
-                                      <p:cBhvr>
-                                        <p:cTn id="7" dur="500" fill="hold"/>
-                                        <p:tgtEl>
-                                          <p:spTgt spid="13314"/>
-                                        </p:tgtEl>
-                                        <p:attrNameLst>
-                                          <p:attrName>ppt_w</p:attrName>
-                                        </p:attrNameLst>
-                                      </p:cBhvr>
-                                      <p:tavLst>
-                                        <p:tav tm="0">
-                                          <p:val>
-                                            <p:fltVal val="0"/>
-                                          </p:val>
-                                        </p:tav>
-                                        <p:tav tm="100000">
-                                          <p:val>
-                                            <p:strVal val="#ppt_w"/>
-                                          </p:val>
-                                        </p:tav>
-                                      </p:tavLst>
-                                    </p:anim>
-                                    <p:anim calcmode="lin" valueType="num">
-                                      <p:cBhvr>
-                                        <p:cTn id="8" dur="500" fill="hold"/>
-                                        <p:tgtEl>
-                                          <p:spTgt spid="13314"/>
-                                        </p:tgtEl>
-                                        <p:attrNameLst>
-                                          <p:attrName>ppt_h</p:attrName>
-                                        </p:attrNameLst>
-                                      </p:cBhvr>
-                                      <p:tavLst>
-                                        <p:tav tm="0">
-                                          <p:val>
-                                            <p:fltVal val="0"/>
-                                          </p:val>
-                                        </p:tav>
-                                        <p:tav tm="100000">
-                                          <p:val>
-                                            <p:strVal val="#ppt_h"/>
-                                          </p:val>
-                                        </p:tav>
-                                      </p:tavLst>
-                                    </p:anim>
-                                    <p:animEffect transition="in" filter="fade">
-                                      <p:cBhvr>
-                                        <p:cTn id="9" dur="500"/>
-                                        <p:tgtEl>
-                                          <p:spTgt spid="13314"/>
-                                        </p:tgtEl>
-                                      </p:cBhvr>
-                                    </p:animEffect>
-                                  </p:childTnLst>
-                                </p:cTn>
-                              </p:par>
-                            </p:childTnLst>
-                          </p:cTn>
-                        </p:par>
-                      </p:childTnLst>
-                    </p:cTn>
-                  </p:par>
-                  <p:par>
-                    <p:cTn id="10" fill="hold" nodeType="clickPar">
-                      <p:stCondLst>
-                        <p:cond delay="indefinite"/>
-                      </p:stCondLst>
-                      <p:childTnLst>
-                        <p:par>
-                          <p:cTn id="11" fill="hold" nodeType="withGroup">
-                            <p:stCondLst>
-                              <p:cond delay="0"/>
-                            </p:stCondLst>
-                            <p:childTnLst>
-                              <p:par>
-                                <p:cTn id="12" presetID="10" presetClass="entr" presetSubtype="0" fill="hold" grpId="0" nodeType="clickEffect">
-                                  <p:stCondLst>
-                                    <p:cond delay="0"/>
-                                  </p:stCondLst>
-                                  <p:childTnLst>
-                                    <p:set>
-                                      <p:cBhvr>
-                                        <p:cTn id="13" dur="1" fill="hold">
-                                          <p:stCondLst>
-                                            <p:cond delay="0"/>
-                                          </p:stCondLst>
-                                        </p:cTn>
-                                        <p:tgtEl>
-                                          <p:spTgt spid="13315">
-                                            <p:txEl>
-                                              <p:pRg st="0" end="0"/>
-                                            </p:txEl>
-                                          </p:spTgt>
-                                        </p:tgtEl>
-                                        <p:attrNameLst>
-                                          <p:attrName>style.visibility</p:attrName>
-                                        </p:attrNameLst>
-                                      </p:cBhvr>
-                                      <p:to>
-                                        <p:strVal val="visible"/>
-                                      </p:to>
-                                    </p:set>
-                                    <p:animEffect transition="in" filter="fade">
-                                      <p:cBhvr>
-                                        <p:cTn id="14" dur="1000">
-                                          <p:stCondLst>
-                                            <p:cond delay="0"/>
-                                          </p:stCondLst>
-                                        </p:cTn>
-                                        <p:tgtEl>
-                                          <p:spTgt spid="13315">
-                                            <p:txEl>
-                                              <p:pRg st="0" end="0"/>
-                                            </p:txEl>
-                                          </p:spTgt>
-                                        </p:tgtEl>
-                                      </p:cBhvr>
-                                    </p:animEffect>
-                                  </p:childTnLst>
-                                </p:cTn>
-                              </p:par>
-                            </p:childTnLst>
-                          </p:cTn>
-                        </p:par>
-                        <p:par>
-                          <p:cTn id="15" fill="hold" nodeType="afterGroup">
-                            <p:stCondLst>
-                              <p:cond delay="1000"/>
-                            </p:stCondLst>
-                            <p:childTnLst>
-                              <p:par>
-                                <p:cTn id="16" presetID="10" presetClass="entr" presetSubtype="0" fill="hold" grpId="0" nodeType="afterEffect">
-                                  <p:stCondLst>
-                                    <p:cond delay="0"/>
-                                  </p:stCondLst>
-                                  <p:childTnLst>
-                                    <p:set>
-                                      <p:cBhvr>
-                                        <p:cTn id="17" dur="1" fill="hold">
-                                          <p:stCondLst>
-                                            <p:cond delay="0"/>
-                                          </p:stCondLst>
-                                        </p:cTn>
-                                        <p:tgtEl>
-                                          <p:spTgt spid="13315">
-                                            <p:txEl>
-                                              <p:pRg st="1" end="1"/>
-                                            </p:txEl>
-                                          </p:spTgt>
-                                        </p:tgtEl>
-                                        <p:attrNameLst>
-                                          <p:attrName>style.visibility</p:attrName>
-                                        </p:attrNameLst>
-                                      </p:cBhvr>
-                                      <p:to>
-                                        <p:strVal val="visible"/>
-                                      </p:to>
-                                    </p:set>
-                                    <p:animEffect transition="in" filter="fade">
-                                      <p:cBhvr>
-                                        <p:cTn id="18" dur="1000">
-                                          <p:stCondLst>
-                                            <p:cond delay="0"/>
-                                          </p:stCondLst>
-                                        </p:cTn>
-                                        <p:tgtEl>
-                                          <p:spTgt spid="13315">
-                                            <p:txEl>
-                                              <p:pRg st="1" end="1"/>
-                                            </p:txEl>
-                                          </p:spTgt>
-                                        </p:tgtEl>
-                                      </p:cBhvr>
-                                    </p:animEffect>
-                                  </p:childTnLst>
-                                </p:cTn>
-                              </p:par>
-                            </p:childTnLst>
-                          </p:cTn>
-                        </p:par>
-                        <p:par>
-                          <p:cTn id="19" fill="hold">
-                            <p:stCondLst>
-                              <p:cond delay="2000"/>
-                            </p:stCondLst>
-                            <p:childTnLst>
-                              <p:par>
-                                <p:cTn id="20" presetID="10" presetClass="entr" presetSubtype="0" fill="hold" grpId="0" nodeType="afterEffect">
-                                  <p:stCondLst>
-                                    <p:cond delay="0"/>
-                                  </p:stCondLst>
-                                  <p:childTnLst>
-                                    <p:set>
-                                      <p:cBhvr>
-                                        <p:cTn id="21" dur="1" fill="hold">
-                                          <p:stCondLst>
-                                            <p:cond delay="0"/>
-                                          </p:stCondLst>
-                                        </p:cTn>
-                                        <p:tgtEl>
-                                          <p:spTgt spid="13315">
-                                            <p:txEl>
-                                              <p:pRg st="2" end="2"/>
-                                            </p:txEl>
-                                          </p:spTgt>
-                                        </p:tgtEl>
-                                        <p:attrNameLst>
-                                          <p:attrName>style.visibility</p:attrName>
-                                        </p:attrNameLst>
-                                      </p:cBhvr>
-                                      <p:to>
-                                        <p:strVal val="visible"/>
-                                      </p:to>
-                                    </p:set>
-                                    <p:animEffect transition="in" filter="fade">
-                                      <p:cBhvr>
-                                        <p:cTn id="22" dur="1000">
-                                          <p:stCondLst>
-                                            <p:cond delay="0"/>
-                                          </p:stCondLst>
-                                        </p:cTn>
-                                        <p:tgtEl>
-                                          <p:spTgt spid="13315">
-                                            <p:txEl>
-                                              <p:pRg st="2" end="2"/>
-                                            </p:txEl>
-                                          </p:spTgt>
-                                        </p:tgtEl>
-                                      </p:cBhvr>
-                                    </p:animEffect>
-                                  </p:childTnLst>
-                                </p:cTn>
-                              </p:par>
-                            </p:childTnLst>
-                          </p:cTn>
-                        </p:par>
-                      </p:childTnLst>
-                    </p:cTn>
-                  </p:par>
-                  <p:par>
-                    <p:cTn id="23" fill="hold" nodeType="clickPar">
-                      <p:stCondLst>
-                        <p:cond delay="indefinite"/>
-                      </p:stCondLst>
-                      <p:childTnLst>
-                        <p:par>
-                          <p:cTn id="24" fill="hold" nodeType="withGroup">
-                            <p:stCondLst>
-                              <p:cond delay="0"/>
-                            </p:stCondLst>
-                            <p:childTnLst>
-                              <p:par>
-                                <p:cTn id="25" presetID="10" presetClass="entr" presetSubtype="0" fill="hold" grpId="0" nodeType="clickEffect">
-                                  <p:stCondLst>
-                                    <p:cond delay="0"/>
-                                  </p:stCondLst>
-                                  <p:childTnLst>
-                                    <p:set>
-                                      <p:cBhvr>
-                                        <p:cTn id="26" dur="1" fill="hold">
-                                          <p:stCondLst>
-                                            <p:cond delay="0"/>
-                                          </p:stCondLst>
-                                        </p:cTn>
-                                        <p:tgtEl>
-                                          <p:spTgt spid="13315">
-                                            <p:txEl>
-                                              <p:pRg st="3" end="3"/>
-                                            </p:txEl>
-                                          </p:spTgt>
-                                        </p:tgtEl>
-                                        <p:attrNameLst>
-                                          <p:attrName>style.visibility</p:attrName>
-                                        </p:attrNameLst>
-                                      </p:cBhvr>
-                                      <p:to>
-                                        <p:strVal val="visible"/>
-                                      </p:to>
-                                    </p:set>
-                                    <p:animEffect transition="in" filter="fade">
-                                      <p:cBhvr>
-                                        <p:cTn id="27" dur="1000">
-                                          <p:stCondLst>
-                                            <p:cond delay="0"/>
-                                          </p:stCondLst>
-                                        </p:cTn>
-                                        <p:tgtEl>
-                                          <p:spTgt spid="13315">
-                                            <p:txEl>
-                                              <p:pRg st="3" end="3"/>
-                                            </p:txEl>
-                                          </p:spTgt>
-                                        </p:tgtEl>
-                                      </p:cBhvr>
-                                    </p:animEffect>
-                                  </p:childTnLst>
-                                </p:cTn>
-                              </p:par>
-                            </p:childTnLst>
-                          </p:cTn>
-                        </p:par>
-                      </p:childTnLst>
-                    </p:cTn>
-                  </p:par>
-                </p:childTnLst>
-              </p:cTn>
-              <p:prevCondLst>
-                <p:cond evt="onPrev" delay="0">
-                  <p:tgtEl>
-                    <p:sldTgt/>
-                  </p:tgtEl>
-                </p:cond>
-              </p:prevCondLst>
-              <p:nextCondLst>
-                <p:cond evt="onNext" delay="0">
-                  <p:tgtEl>
-                    <p:sldTgt/>
-                  </p:tgtEl>
-                </p:cond>
-              </p:nextCondLst>
-            </p:seq>
-          </p:childTnLst>
-        </p:cTn>
-      </p:par>
-    </p:tnLst>
-    <p:bldLst>
-      <p:bldP spid="13314" grpId="0"/>
-      <p:bldP spid="13315" grpId="0" uiExpand="1" build="p"/>
-    </p:bldLst>
-  </p:timing>
 </p:sld>
 </file>
 
@@ -17490,141 +13335,6 @@
   <p:clrMapOvr>
     <a:masterClrMapping/>
   </p:clrMapOvr>
-  <p:timing>
-    <p:tnLst>
-      <p:par>
-        <p:cTn id="1" dur="indefinite" restart="never" nodeType="tmRoot">
-          <p:childTnLst>
-            <p:seq concurrent="1" nextAc="seek">
-              <p:cTn id="2" dur="indefinite" nodeType="mainSeq">
-                <p:childTnLst>
-                  <p:par>
-                    <p:cTn id="3" fill="hold" nodeType="clickPar">
-                      <p:stCondLst>
-                        <p:cond delay="indefinite"/>
-                        <p:cond evt="onBegin" delay="0">
-                          <p:tn val="2"/>
-                        </p:cond>
-                      </p:stCondLst>
-                      <p:childTnLst>
-                        <p:par>
-                          <p:cTn id="4" fill="hold" nodeType="withGroup">
-                            <p:stCondLst>
-                              <p:cond delay="0"/>
-                            </p:stCondLst>
-                            <p:childTnLst>
-                              <p:par>
-                                <p:cTn id="5" presetID="53" presetClass="entr" presetSubtype="0" fill="hold" grpId="0" nodeType="withEffect">
-                                  <p:stCondLst>
-                                    <p:cond delay="0"/>
-                                  </p:stCondLst>
-                                  <p:childTnLst>
-                                    <p:set>
-                                      <p:cBhvr>
-                                        <p:cTn id="6" dur="1" fill="hold">
-                                          <p:stCondLst>
-                                            <p:cond delay="0"/>
-                                          </p:stCondLst>
-                                        </p:cTn>
-                                        <p:tgtEl>
-                                          <p:spTgt spid="75778"/>
-                                        </p:tgtEl>
-                                        <p:attrNameLst>
-                                          <p:attrName>style.visibility</p:attrName>
-                                        </p:attrNameLst>
-                                      </p:cBhvr>
-                                      <p:to>
-                                        <p:strVal val="visible"/>
-                                      </p:to>
-                                    </p:set>
-                                    <p:anim calcmode="lin" valueType="num">
-                                      <p:cBhvr>
-                                        <p:cTn id="7" dur="500" fill="hold"/>
-                                        <p:tgtEl>
-                                          <p:spTgt spid="75778"/>
-                                        </p:tgtEl>
-                                        <p:attrNameLst>
-                                          <p:attrName>ppt_w</p:attrName>
-                                        </p:attrNameLst>
-                                      </p:cBhvr>
-                                      <p:tavLst>
-                                        <p:tav tm="0">
-                                          <p:val>
-                                            <p:fltVal val="0"/>
-                                          </p:val>
-                                        </p:tav>
-                                        <p:tav tm="100000">
-                                          <p:val>
-                                            <p:strVal val="#ppt_w"/>
-                                          </p:val>
-                                        </p:tav>
-                                      </p:tavLst>
-                                    </p:anim>
-                                    <p:anim calcmode="lin" valueType="num">
-                                      <p:cBhvr>
-                                        <p:cTn id="8" dur="500" fill="hold"/>
-                                        <p:tgtEl>
-                                          <p:spTgt spid="75778"/>
-                                        </p:tgtEl>
-                                        <p:attrNameLst>
-                                          <p:attrName>ppt_h</p:attrName>
-                                        </p:attrNameLst>
-                                      </p:cBhvr>
-                                      <p:tavLst>
-                                        <p:tav tm="0">
-                                          <p:val>
-                                            <p:fltVal val="0"/>
-                                          </p:val>
-                                        </p:tav>
-                                        <p:tav tm="100000">
-                                          <p:val>
-                                            <p:strVal val="#ppt_h"/>
-                                          </p:val>
-                                        </p:tav>
-                                      </p:tavLst>
-                                    </p:anim>
-                                    <p:animEffect transition="in" filter="fade">
-                                      <p:cBhvr>
-                                        <p:cTn id="9" dur="500"/>
-                                        <p:tgtEl>
-                                          <p:spTgt spid="75778"/>
-                                        </p:tgtEl>
-                                      </p:cBhvr>
-                                    </p:animEffect>
-                                  </p:childTnLst>
-                                </p:cTn>
-                              </p:par>
-                            </p:childTnLst>
-                          </p:cTn>
-                        </p:par>
-                      </p:childTnLst>
-                    </p:cTn>
-                  </p:par>
-                </p:childTnLst>
-              </p:cTn>
-              <p:prevCondLst>
-                <p:cond evt="onPrev" delay="0">
-                  <p:tgtEl>
-                    <p:sldTgt/>
-                  </p:tgtEl>
-                </p:cond>
-              </p:prevCondLst>
-              <p:nextCondLst>
-                <p:cond evt="onNext" delay="0">
-                  <p:tgtEl>
-                    <p:sldTgt/>
-                  </p:tgtEl>
-                </p:cond>
-              </p:nextCondLst>
-            </p:seq>
-          </p:childTnLst>
-        </p:cTn>
-      </p:par>
-    </p:tnLst>
-    <p:bldLst>
-      <p:bldP spid="75778" grpId="0"/>
-    </p:bldLst>
-  </p:timing>
 </p:sld>
 </file>
 
@@ -17747,141 +13457,6 @@
   <p:clrMapOvr>
     <a:masterClrMapping/>
   </p:clrMapOvr>
-  <p:timing>
-    <p:tnLst>
-      <p:par>
-        <p:cTn id="1" dur="indefinite" restart="never" nodeType="tmRoot">
-          <p:childTnLst>
-            <p:seq concurrent="1" nextAc="seek">
-              <p:cTn id="2" dur="indefinite" nodeType="mainSeq">
-                <p:childTnLst>
-                  <p:par>
-                    <p:cTn id="3" fill="hold" nodeType="clickPar">
-                      <p:stCondLst>
-                        <p:cond delay="indefinite"/>
-                        <p:cond evt="onBegin" delay="0">
-                          <p:tn val="2"/>
-                        </p:cond>
-                      </p:stCondLst>
-                      <p:childTnLst>
-                        <p:par>
-                          <p:cTn id="4" fill="hold" nodeType="withGroup">
-                            <p:stCondLst>
-                              <p:cond delay="0"/>
-                            </p:stCondLst>
-                            <p:childTnLst>
-                              <p:par>
-                                <p:cTn id="5" presetID="53" presetClass="entr" presetSubtype="0" fill="hold" grpId="0" nodeType="withEffect">
-                                  <p:stCondLst>
-                                    <p:cond delay="0"/>
-                                  </p:stCondLst>
-                                  <p:childTnLst>
-                                    <p:set>
-                                      <p:cBhvr>
-                                        <p:cTn id="6" dur="1" fill="hold">
-                                          <p:stCondLst>
-                                            <p:cond delay="0"/>
-                                          </p:stCondLst>
-                                        </p:cTn>
-                                        <p:tgtEl>
-                                          <p:spTgt spid="75778"/>
-                                        </p:tgtEl>
-                                        <p:attrNameLst>
-                                          <p:attrName>style.visibility</p:attrName>
-                                        </p:attrNameLst>
-                                      </p:cBhvr>
-                                      <p:to>
-                                        <p:strVal val="visible"/>
-                                      </p:to>
-                                    </p:set>
-                                    <p:anim calcmode="lin" valueType="num">
-                                      <p:cBhvr>
-                                        <p:cTn id="7" dur="500" fill="hold"/>
-                                        <p:tgtEl>
-                                          <p:spTgt spid="75778"/>
-                                        </p:tgtEl>
-                                        <p:attrNameLst>
-                                          <p:attrName>ppt_w</p:attrName>
-                                        </p:attrNameLst>
-                                      </p:cBhvr>
-                                      <p:tavLst>
-                                        <p:tav tm="0">
-                                          <p:val>
-                                            <p:fltVal val="0"/>
-                                          </p:val>
-                                        </p:tav>
-                                        <p:tav tm="100000">
-                                          <p:val>
-                                            <p:strVal val="#ppt_w"/>
-                                          </p:val>
-                                        </p:tav>
-                                      </p:tavLst>
-                                    </p:anim>
-                                    <p:anim calcmode="lin" valueType="num">
-                                      <p:cBhvr>
-                                        <p:cTn id="8" dur="500" fill="hold"/>
-                                        <p:tgtEl>
-                                          <p:spTgt spid="75778"/>
-                                        </p:tgtEl>
-                                        <p:attrNameLst>
-                                          <p:attrName>ppt_h</p:attrName>
-                                        </p:attrNameLst>
-                                      </p:cBhvr>
-                                      <p:tavLst>
-                                        <p:tav tm="0">
-                                          <p:val>
-                                            <p:fltVal val="0"/>
-                                          </p:val>
-                                        </p:tav>
-                                        <p:tav tm="100000">
-                                          <p:val>
-                                            <p:strVal val="#ppt_h"/>
-                                          </p:val>
-                                        </p:tav>
-                                      </p:tavLst>
-                                    </p:anim>
-                                    <p:animEffect transition="in" filter="fade">
-                                      <p:cBhvr>
-                                        <p:cTn id="9" dur="500"/>
-                                        <p:tgtEl>
-                                          <p:spTgt spid="75778"/>
-                                        </p:tgtEl>
-                                      </p:cBhvr>
-                                    </p:animEffect>
-                                  </p:childTnLst>
-                                </p:cTn>
-                              </p:par>
-                            </p:childTnLst>
-                          </p:cTn>
-                        </p:par>
-                      </p:childTnLst>
-                    </p:cTn>
-                  </p:par>
-                </p:childTnLst>
-              </p:cTn>
-              <p:prevCondLst>
-                <p:cond evt="onPrev" delay="0">
-                  <p:tgtEl>
-                    <p:sldTgt/>
-                  </p:tgtEl>
-                </p:cond>
-              </p:prevCondLst>
-              <p:nextCondLst>
-                <p:cond evt="onNext" delay="0">
-                  <p:tgtEl>
-                    <p:sldTgt/>
-                  </p:tgtEl>
-                </p:cond>
-              </p:nextCondLst>
-            </p:seq>
-          </p:childTnLst>
-        </p:cTn>
-      </p:par>
-    </p:tnLst>
-    <p:bldLst>
-      <p:bldP spid="75778" grpId="0"/>
-    </p:bldLst>
-  </p:timing>
 </p:sld>
 </file>
 
@@ -18754,141 +14329,6 @@
   <p:clrMapOvr>
     <a:masterClrMapping/>
   </p:clrMapOvr>
-  <p:timing>
-    <p:tnLst>
-      <p:par>
-        <p:cTn id="1" dur="indefinite" restart="never" nodeType="tmRoot">
-          <p:childTnLst>
-            <p:seq concurrent="1" nextAc="seek">
-              <p:cTn id="2" dur="indefinite" nodeType="mainSeq">
-                <p:childTnLst>
-                  <p:par>
-                    <p:cTn id="3" fill="hold" nodeType="clickPar">
-                      <p:stCondLst>
-                        <p:cond delay="indefinite"/>
-                        <p:cond evt="onBegin" delay="0">
-                          <p:tn val="2"/>
-                        </p:cond>
-                      </p:stCondLst>
-                      <p:childTnLst>
-                        <p:par>
-                          <p:cTn id="4" fill="hold" nodeType="withGroup">
-                            <p:stCondLst>
-                              <p:cond delay="0"/>
-                            </p:stCondLst>
-                            <p:childTnLst>
-                              <p:par>
-                                <p:cTn id="5" presetID="53" presetClass="entr" presetSubtype="0" fill="hold" grpId="0" nodeType="withEffect">
-                                  <p:stCondLst>
-                                    <p:cond delay="0"/>
-                                  </p:stCondLst>
-                                  <p:childTnLst>
-                                    <p:set>
-                                      <p:cBhvr>
-                                        <p:cTn id="6" dur="1" fill="hold">
-                                          <p:stCondLst>
-                                            <p:cond delay="0"/>
-                                          </p:stCondLst>
-                                        </p:cTn>
-                                        <p:tgtEl>
-                                          <p:spTgt spid="45058"/>
-                                        </p:tgtEl>
-                                        <p:attrNameLst>
-                                          <p:attrName>style.visibility</p:attrName>
-                                        </p:attrNameLst>
-                                      </p:cBhvr>
-                                      <p:to>
-                                        <p:strVal val="visible"/>
-                                      </p:to>
-                                    </p:set>
-                                    <p:anim calcmode="lin" valueType="num">
-                                      <p:cBhvr>
-                                        <p:cTn id="7" dur="500" fill="hold"/>
-                                        <p:tgtEl>
-                                          <p:spTgt spid="45058"/>
-                                        </p:tgtEl>
-                                        <p:attrNameLst>
-                                          <p:attrName>ppt_w</p:attrName>
-                                        </p:attrNameLst>
-                                      </p:cBhvr>
-                                      <p:tavLst>
-                                        <p:tav tm="0">
-                                          <p:val>
-                                            <p:fltVal val="0"/>
-                                          </p:val>
-                                        </p:tav>
-                                        <p:tav tm="100000">
-                                          <p:val>
-                                            <p:strVal val="#ppt_w"/>
-                                          </p:val>
-                                        </p:tav>
-                                      </p:tavLst>
-                                    </p:anim>
-                                    <p:anim calcmode="lin" valueType="num">
-                                      <p:cBhvr>
-                                        <p:cTn id="8" dur="500" fill="hold"/>
-                                        <p:tgtEl>
-                                          <p:spTgt spid="45058"/>
-                                        </p:tgtEl>
-                                        <p:attrNameLst>
-                                          <p:attrName>ppt_h</p:attrName>
-                                        </p:attrNameLst>
-                                      </p:cBhvr>
-                                      <p:tavLst>
-                                        <p:tav tm="0">
-                                          <p:val>
-                                            <p:fltVal val="0"/>
-                                          </p:val>
-                                        </p:tav>
-                                        <p:tav tm="100000">
-                                          <p:val>
-                                            <p:strVal val="#ppt_h"/>
-                                          </p:val>
-                                        </p:tav>
-                                      </p:tavLst>
-                                    </p:anim>
-                                    <p:animEffect transition="in" filter="fade">
-                                      <p:cBhvr>
-                                        <p:cTn id="9" dur="500"/>
-                                        <p:tgtEl>
-                                          <p:spTgt spid="45058"/>
-                                        </p:tgtEl>
-                                      </p:cBhvr>
-                                    </p:animEffect>
-                                  </p:childTnLst>
-                                </p:cTn>
-                              </p:par>
-                            </p:childTnLst>
-                          </p:cTn>
-                        </p:par>
-                      </p:childTnLst>
-                    </p:cTn>
-                  </p:par>
-                </p:childTnLst>
-              </p:cTn>
-              <p:prevCondLst>
-                <p:cond evt="onPrev" delay="0">
-                  <p:tgtEl>
-                    <p:sldTgt/>
-                  </p:tgtEl>
-                </p:cond>
-              </p:prevCondLst>
-              <p:nextCondLst>
-                <p:cond evt="onNext" delay="0">
-                  <p:tgtEl>
-                    <p:sldTgt/>
-                  </p:tgtEl>
-                </p:cond>
-              </p:nextCondLst>
-            </p:seq>
-          </p:childTnLst>
-        </p:cTn>
-      </p:par>
-    </p:tnLst>
-    <p:bldLst>
-      <p:bldP spid="45058" grpId="0"/>
-    </p:bldLst>
-  </p:timing>
 </p:sld>
 </file>
 
@@ -19098,532 +14538,6 @@
   <p:clrMapOvr>
     <a:masterClrMapping/>
   </p:clrMapOvr>
-  <p:timing>
-    <p:tnLst>
-      <p:par>
-        <p:cTn id="1" dur="indefinite" restart="never" nodeType="tmRoot">
-          <p:childTnLst>
-            <p:seq concurrent="1" nextAc="seek">
-              <p:cTn id="2" dur="indefinite" nodeType="mainSeq">
-                <p:childTnLst>
-                  <p:par>
-                    <p:cTn id="3" fill="hold" nodeType="clickPar">
-                      <p:stCondLst>
-                        <p:cond delay="indefinite"/>
-                        <p:cond evt="onBegin" delay="0">
-                          <p:tn val="2"/>
-                        </p:cond>
-                      </p:stCondLst>
-                      <p:childTnLst>
-                        <p:par>
-                          <p:cTn id="4" fill="hold" nodeType="withGroup">
-                            <p:stCondLst>
-                              <p:cond delay="0"/>
-                            </p:stCondLst>
-                            <p:childTnLst>
-                              <p:par>
-                                <p:cTn id="5" presetID="53" presetClass="entr" presetSubtype="0" fill="hold" grpId="0" nodeType="withEffect">
-                                  <p:stCondLst>
-                                    <p:cond delay="0"/>
-                                  </p:stCondLst>
-                                  <p:childTnLst>
-                                    <p:set>
-                                      <p:cBhvr>
-                                        <p:cTn id="6" dur="1" fill="hold">
-                                          <p:stCondLst>
-                                            <p:cond delay="0"/>
-                                          </p:stCondLst>
-                                        </p:cTn>
-                                        <p:tgtEl>
-                                          <p:spTgt spid="69634"/>
-                                        </p:tgtEl>
-                                        <p:attrNameLst>
-                                          <p:attrName>style.visibility</p:attrName>
-                                        </p:attrNameLst>
-                                      </p:cBhvr>
-                                      <p:to>
-                                        <p:strVal val="visible"/>
-                                      </p:to>
-                                    </p:set>
-                                    <p:anim calcmode="lin" valueType="num">
-                                      <p:cBhvr>
-                                        <p:cTn id="7" dur="500" fill="hold"/>
-                                        <p:tgtEl>
-                                          <p:spTgt spid="69634"/>
-                                        </p:tgtEl>
-                                        <p:attrNameLst>
-                                          <p:attrName>ppt_w</p:attrName>
-                                        </p:attrNameLst>
-                                      </p:cBhvr>
-                                      <p:tavLst>
-                                        <p:tav tm="0">
-                                          <p:val>
-                                            <p:fltVal val="0"/>
-                                          </p:val>
-                                        </p:tav>
-                                        <p:tav tm="100000">
-                                          <p:val>
-                                            <p:strVal val="#ppt_w"/>
-                                          </p:val>
-                                        </p:tav>
-                                      </p:tavLst>
-                                    </p:anim>
-                                    <p:anim calcmode="lin" valueType="num">
-                                      <p:cBhvr>
-                                        <p:cTn id="8" dur="500" fill="hold"/>
-                                        <p:tgtEl>
-                                          <p:spTgt spid="69634"/>
-                                        </p:tgtEl>
-                                        <p:attrNameLst>
-                                          <p:attrName>ppt_h</p:attrName>
-                                        </p:attrNameLst>
-                                      </p:cBhvr>
-                                      <p:tavLst>
-                                        <p:tav tm="0">
-                                          <p:val>
-                                            <p:fltVal val="0"/>
-                                          </p:val>
-                                        </p:tav>
-                                        <p:tav tm="100000">
-                                          <p:val>
-                                            <p:strVal val="#ppt_h"/>
-                                          </p:val>
-                                        </p:tav>
-                                      </p:tavLst>
-                                    </p:anim>
-                                    <p:animEffect transition="in" filter="fade">
-                                      <p:cBhvr>
-                                        <p:cTn id="9" dur="500"/>
-                                        <p:tgtEl>
-                                          <p:spTgt spid="69634"/>
-                                        </p:tgtEl>
-                                      </p:cBhvr>
-                                    </p:animEffect>
-                                  </p:childTnLst>
-                                </p:cTn>
-                              </p:par>
-                            </p:childTnLst>
-                          </p:cTn>
-                        </p:par>
-                      </p:childTnLst>
-                    </p:cTn>
-                  </p:par>
-                  <p:par>
-                    <p:cTn id="10" fill="hold">
-                      <p:stCondLst>
-                        <p:cond delay="indefinite"/>
-                      </p:stCondLst>
-                      <p:childTnLst>
-                        <p:par>
-                          <p:cTn id="11" fill="hold">
-                            <p:stCondLst>
-                              <p:cond delay="0"/>
-                            </p:stCondLst>
-                            <p:childTnLst>
-                              <p:par>
-                                <p:cTn id="12" presetID="10" presetClass="entr" presetSubtype="0" fill="hold" grpId="0" nodeType="clickEffect">
-                                  <p:stCondLst>
-                                    <p:cond delay="0"/>
-                                  </p:stCondLst>
-                                  <p:childTnLst>
-                                    <p:set>
-                                      <p:cBhvr>
-                                        <p:cTn id="13" dur="1" fill="hold">
-                                          <p:stCondLst>
-                                            <p:cond delay="0"/>
-                                          </p:stCondLst>
-                                        </p:cTn>
-                                        <p:tgtEl>
-                                          <p:spTgt spid="69635">
-                                            <p:txEl>
-                                              <p:pRg st="0" end="0"/>
-                                            </p:txEl>
-                                          </p:spTgt>
-                                        </p:tgtEl>
-                                        <p:attrNameLst>
-                                          <p:attrName>style.visibility</p:attrName>
-                                        </p:attrNameLst>
-                                      </p:cBhvr>
-                                      <p:to>
-                                        <p:strVal val="visible"/>
-                                      </p:to>
-                                    </p:set>
-                                    <p:animEffect transition="in" filter="fade">
-                                      <p:cBhvr>
-                                        <p:cTn id="14" dur="1000">
-                                          <p:stCondLst>
-                                            <p:cond delay="0"/>
-                                          </p:stCondLst>
-                                        </p:cTn>
-                                        <p:tgtEl>
-                                          <p:spTgt spid="69635">
-                                            <p:txEl>
-                                              <p:pRg st="0" end="0"/>
-                                            </p:txEl>
-                                          </p:spTgt>
-                                        </p:tgtEl>
-                                      </p:cBhvr>
-                                    </p:animEffect>
-                                  </p:childTnLst>
-                                </p:cTn>
-                              </p:par>
-                            </p:childTnLst>
-                          </p:cTn>
-                        </p:par>
-                      </p:childTnLst>
-                    </p:cTn>
-                  </p:par>
-                  <p:par>
-                    <p:cTn id="15" fill="hold">
-                      <p:stCondLst>
-                        <p:cond delay="indefinite"/>
-                      </p:stCondLst>
-                      <p:childTnLst>
-                        <p:par>
-                          <p:cTn id="16" fill="hold">
-                            <p:stCondLst>
-                              <p:cond delay="0"/>
-                            </p:stCondLst>
-                            <p:childTnLst>
-                              <p:par>
-                                <p:cTn id="17" presetID="10" presetClass="entr" presetSubtype="0" fill="hold" grpId="0" nodeType="clickEffect">
-                                  <p:stCondLst>
-                                    <p:cond delay="0"/>
-                                  </p:stCondLst>
-                                  <p:childTnLst>
-                                    <p:set>
-                                      <p:cBhvr>
-                                        <p:cTn id="18" dur="1" fill="hold">
-                                          <p:stCondLst>
-                                            <p:cond delay="0"/>
-                                          </p:stCondLst>
-                                        </p:cTn>
-                                        <p:tgtEl>
-                                          <p:spTgt spid="69635">
-                                            <p:txEl>
-                                              <p:pRg st="1" end="1"/>
-                                            </p:txEl>
-                                          </p:spTgt>
-                                        </p:tgtEl>
-                                        <p:attrNameLst>
-                                          <p:attrName>style.visibility</p:attrName>
-                                        </p:attrNameLst>
-                                      </p:cBhvr>
-                                      <p:to>
-                                        <p:strVal val="visible"/>
-                                      </p:to>
-                                    </p:set>
-                                    <p:animEffect transition="in" filter="fade">
-                                      <p:cBhvr>
-                                        <p:cTn id="19" dur="1000">
-                                          <p:stCondLst>
-                                            <p:cond delay="0"/>
-                                          </p:stCondLst>
-                                        </p:cTn>
-                                        <p:tgtEl>
-                                          <p:spTgt spid="69635">
-                                            <p:txEl>
-                                              <p:pRg st="1" end="1"/>
-                                            </p:txEl>
-                                          </p:spTgt>
-                                        </p:tgtEl>
-                                      </p:cBhvr>
-                                    </p:animEffect>
-                                  </p:childTnLst>
-                                </p:cTn>
-                              </p:par>
-                            </p:childTnLst>
-                          </p:cTn>
-                        </p:par>
-                      </p:childTnLst>
-                    </p:cTn>
-                  </p:par>
-                  <p:par>
-                    <p:cTn id="20" fill="hold" nodeType="clickPar">
-                      <p:stCondLst>
-                        <p:cond delay="indefinite"/>
-                      </p:stCondLst>
-                      <p:childTnLst>
-                        <p:par>
-                          <p:cTn id="21" fill="hold" nodeType="withGroup">
-                            <p:stCondLst>
-                              <p:cond delay="0"/>
-                            </p:stCondLst>
-                            <p:childTnLst>
-                              <p:par>
-                                <p:cTn id="22" presetID="10" presetClass="entr" presetSubtype="0" fill="hold" grpId="0" nodeType="clickEffect">
-                                  <p:stCondLst>
-                                    <p:cond delay="0"/>
-                                  </p:stCondLst>
-                                  <p:childTnLst>
-                                    <p:set>
-                                      <p:cBhvr>
-                                        <p:cTn id="23" dur="1" fill="hold">
-                                          <p:stCondLst>
-                                            <p:cond delay="0"/>
-                                          </p:stCondLst>
-                                        </p:cTn>
-                                        <p:tgtEl>
-                                          <p:spTgt spid="69635">
-                                            <p:txEl>
-                                              <p:pRg st="2" end="2"/>
-                                            </p:txEl>
-                                          </p:spTgt>
-                                        </p:tgtEl>
-                                        <p:attrNameLst>
-                                          <p:attrName>style.visibility</p:attrName>
-                                        </p:attrNameLst>
-                                      </p:cBhvr>
-                                      <p:to>
-                                        <p:strVal val="visible"/>
-                                      </p:to>
-                                    </p:set>
-                                    <p:animEffect transition="in" filter="fade">
-                                      <p:cBhvr>
-                                        <p:cTn id="24" dur="1000">
-                                          <p:stCondLst>
-                                            <p:cond delay="0"/>
-                                          </p:stCondLst>
-                                        </p:cTn>
-                                        <p:tgtEl>
-                                          <p:spTgt spid="69635">
-                                            <p:txEl>
-                                              <p:pRg st="2" end="2"/>
-                                            </p:txEl>
-                                          </p:spTgt>
-                                        </p:tgtEl>
-                                      </p:cBhvr>
-                                    </p:animEffect>
-                                  </p:childTnLst>
-                                </p:cTn>
-                              </p:par>
-                            </p:childTnLst>
-                          </p:cTn>
-                        </p:par>
-                      </p:childTnLst>
-                    </p:cTn>
-                  </p:par>
-                  <p:par>
-                    <p:cTn id="25" fill="hold" nodeType="clickPar">
-                      <p:stCondLst>
-                        <p:cond delay="indefinite"/>
-                      </p:stCondLst>
-                      <p:childTnLst>
-                        <p:par>
-                          <p:cTn id="26" fill="hold" nodeType="withGroup">
-                            <p:stCondLst>
-                              <p:cond delay="0"/>
-                            </p:stCondLst>
-                            <p:childTnLst>
-                              <p:par>
-                                <p:cTn id="27" presetID="10" presetClass="entr" presetSubtype="0" fill="hold" grpId="0" nodeType="clickEffect">
-                                  <p:stCondLst>
-                                    <p:cond delay="0"/>
-                                  </p:stCondLst>
-                                  <p:childTnLst>
-                                    <p:set>
-                                      <p:cBhvr>
-                                        <p:cTn id="28" dur="1" fill="hold">
-                                          <p:stCondLst>
-                                            <p:cond delay="0"/>
-                                          </p:stCondLst>
-                                        </p:cTn>
-                                        <p:tgtEl>
-                                          <p:spTgt spid="69635">
-                                            <p:txEl>
-                                              <p:pRg st="3" end="3"/>
-                                            </p:txEl>
-                                          </p:spTgt>
-                                        </p:tgtEl>
-                                        <p:attrNameLst>
-                                          <p:attrName>style.visibility</p:attrName>
-                                        </p:attrNameLst>
-                                      </p:cBhvr>
-                                      <p:to>
-                                        <p:strVal val="visible"/>
-                                      </p:to>
-                                    </p:set>
-                                    <p:animEffect transition="in" filter="fade">
-                                      <p:cBhvr>
-                                        <p:cTn id="29" dur="1000">
-                                          <p:stCondLst>
-                                            <p:cond delay="0"/>
-                                          </p:stCondLst>
-                                        </p:cTn>
-                                        <p:tgtEl>
-                                          <p:spTgt spid="69635">
-                                            <p:txEl>
-                                              <p:pRg st="3" end="3"/>
-                                            </p:txEl>
-                                          </p:spTgt>
-                                        </p:tgtEl>
-                                      </p:cBhvr>
-                                    </p:animEffect>
-                                  </p:childTnLst>
-                                </p:cTn>
-                              </p:par>
-                            </p:childTnLst>
-                          </p:cTn>
-                        </p:par>
-                      </p:childTnLst>
-                    </p:cTn>
-                  </p:par>
-                  <p:par>
-                    <p:cTn id="30" fill="hold" nodeType="clickPar">
-                      <p:stCondLst>
-                        <p:cond delay="indefinite"/>
-                      </p:stCondLst>
-                      <p:childTnLst>
-                        <p:par>
-                          <p:cTn id="31" fill="hold" nodeType="withGroup">
-                            <p:stCondLst>
-                              <p:cond delay="0"/>
-                            </p:stCondLst>
-                            <p:childTnLst>
-                              <p:par>
-                                <p:cTn id="32" presetID="10" presetClass="entr" presetSubtype="0" fill="hold" grpId="0" nodeType="clickEffect">
-                                  <p:stCondLst>
-                                    <p:cond delay="0"/>
-                                  </p:stCondLst>
-                                  <p:childTnLst>
-                                    <p:set>
-                                      <p:cBhvr>
-                                        <p:cTn id="33" dur="1" fill="hold">
-                                          <p:stCondLst>
-                                            <p:cond delay="0"/>
-                                          </p:stCondLst>
-                                        </p:cTn>
-                                        <p:tgtEl>
-                                          <p:spTgt spid="69635">
-                                            <p:txEl>
-                                              <p:pRg st="4" end="4"/>
-                                            </p:txEl>
-                                          </p:spTgt>
-                                        </p:tgtEl>
-                                        <p:attrNameLst>
-                                          <p:attrName>style.visibility</p:attrName>
-                                        </p:attrNameLst>
-                                      </p:cBhvr>
-                                      <p:to>
-                                        <p:strVal val="visible"/>
-                                      </p:to>
-                                    </p:set>
-                                    <p:animEffect transition="in" filter="fade">
-                                      <p:cBhvr>
-                                        <p:cTn id="34" dur="1000">
-                                          <p:stCondLst>
-                                            <p:cond delay="0"/>
-                                          </p:stCondLst>
-                                        </p:cTn>
-                                        <p:tgtEl>
-                                          <p:spTgt spid="69635">
-                                            <p:txEl>
-                                              <p:pRg st="4" end="4"/>
-                                            </p:txEl>
-                                          </p:spTgt>
-                                        </p:tgtEl>
-                                      </p:cBhvr>
-                                    </p:animEffect>
-                                  </p:childTnLst>
-                                </p:cTn>
-                              </p:par>
-                            </p:childTnLst>
-                          </p:cTn>
-                        </p:par>
-                      </p:childTnLst>
-                    </p:cTn>
-                  </p:par>
-                  <p:par>
-                    <p:cTn id="35" fill="hold" nodeType="clickPar">
-                      <p:stCondLst>
-                        <p:cond delay="indefinite"/>
-                      </p:stCondLst>
-                      <p:childTnLst>
-                        <p:par>
-                          <p:cTn id="36" fill="hold" nodeType="withGroup">
-                            <p:stCondLst>
-                              <p:cond delay="0"/>
-                            </p:stCondLst>
-                            <p:childTnLst>
-                              <p:par>
-                                <p:cTn id="37" presetID="10" presetClass="entr" presetSubtype="0" fill="hold" grpId="0" nodeType="clickEffect">
-                                  <p:stCondLst>
-                                    <p:cond delay="0"/>
-                                  </p:stCondLst>
-                                  <p:childTnLst>
-                                    <p:set>
-                                      <p:cBhvr>
-                                        <p:cTn id="38" dur="1" fill="hold">
-                                          <p:stCondLst>
-                                            <p:cond delay="0"/>
-                                          </p:stCondLst>
-                                        </p:cTn>
-                                        <p:tgtEl>
-                                          <p:spTgt spid="69635">
-                                            <p:txEl>
-                                              <p:pRg st="5" end="5"/>
-                                            </p:txEl>
-                                          </p:spTgt>
-                                        </p:tgtEl>
-                                        <p:attrNameLst>
-                                          <p:attrName>style.visibility</p:attrName>
-                                        </p:attrNameLst>
-                                      </p:cBhvr>
-                                      <p:to>
-                                        <p:strVal val="visible"/>
-                                      </p:to>
-                                    </p:set>
-                                    <p:animEffect transition="in" filter="fade">
-                                      <p:cBhvr>
-                                        <p:cTn id="39" dur="1000">
-                                          <p:stCondLst>
-                                            <p:cond delay="0"/>
-                                          </p:stCondLst>
-                                        </p:cTn>
-                                        <p:tgtEl>
-                                          <p:spTgt spid="69635">
-                                            <p:txEl>
-                                              <p:pRg st="5" end="5"/>
-                                            </p:txEl>
-                                          </p:spTgt>
-                                        </p:tgtEl>
-                                      </p:cBhvr>
-                                    </p:animEffect>
-                                  </p:childTnLst>
-                                </p:cTn>
-                              </p:par>
-                            </p:childTnLst>
-                          </p:cTn>
-                        </p:par>
-                      </p:childTnLst>
-                    </p:cTn>
-                  </p:par>
-                </p:childTnLst>
-              </p:cTn>
-              <p:prevCondLst>
-                <p:cond evt="onPrev" delay="0">
-                  <p:tgtEl>
-                    <p:sldTgt/>
-                  </p:tgtEl>
-                </p:cond>
-              </p:prevCondLst>
-              <p:nextCondLst>
-                <p:cond evt="onNext" delay="0">
-                  <p:tgtEl>
-                    <p:sldTgt/>
-                  </p:tgtEl>
-                </p:cond>
-              </p:nextCondLst>
-            </p:seq>
-          </p:childTnLst>
-        </p:cTn>
-      </p:par>
-    </p:tnLst>
-    <p:bldLst>
-      <p:bldP spid="69634" grpId="0"/>
-      <p:bldP spid="69635" grpId="0" uiExpand="1" build="p"/>
-    </p:bldLst>
-  </p:timing>
 </p:sld>
 </file>
 
@@ -20377,141 +15291,6 @@
   <p:clrMapOvr>
     <a:masterClrMapping/>
   </p:clrMapOvr>
-  <p:timing>
-    <p:tnLst>
-      <p:par>
-        <p:cTn id="1" dur="indefinite" restart="never" nodeType="tmRoot">
-          <p:childTnLst>
-            <p:seq concurrent="1" nextAc="seek">
-              <p:cTn id="2" dur="indefinite" nodeType="mainSeq">
-                <p:childTnLst>
-                  <p:par>
-                    <p:cTn id="3" fill="hold" nodeType="clickPar">
-                      <p:stCondLst>
-                        <p:cond delay="indefinite"/>
-                        <p:cond evt="onBegin" delay="0">
-                          <p:tn val="2"/>
-                        </p:cond>
-                      </p:stCondLst>
-                      <p:childTnLst>
-                        <p:par>
-                          <p:cTn id="4" fill="hold" nodeType="withGroup">
-                            <p:stCondLst>
-                              <p:cond delay="0"/>
-                            </p:stCondLst>
-                            <p:childTnLst>
-                              <p:par>
-                                <p:cTn id="5" presetID="53" presetClass="entr" presetSubtype="0" fill="hold" grpId="0" nodeType="withEffect">
-                                  <p:stCondLst>
-                                    <p:cond delay="0"/>
-                                  </p:stCondLst>
-                                  <p:childTnLst>
-                                    <p:set>
-                                      <p:cBhvr>
-                                        <p:cTn id="6" dur="1" fill="hold">
-                                          <p:stCondLst>
-                                            <p:cond delay="0"/>
-                                          </p:stCondLst>
-                                        </p:cTn>
-                                        <p:tgtEl>
-                                          <p:spTgt spid="70658"/>
-                                        </p:tgtEl>
-                                        <p:attrNameLst>
-                                          <p:attrName>style.visibility</p:attrName>
-                                        </p:attrNameLst>
-                                      </p:cBhvr>
-                                      <p:to>
-                                        <p:strVal val="visible"/>
-                                      </p:to>
-                                    </p:set>
-                                    <p:anim calcmode="lin" valueType="num">
-                                      <p:cBhvr>
-                                        <p:cTn id="7" dur="500" fill="hold"/>
-                                        <p:tgtEl>
-                                          <p:spTgt spid="70658"/>
-                                        </p:tgtEl>
-                                        <p:attrNameLst>
-                                          <p:attrName>ppt_w</p:attrName>
-                                        </p:attrNameLst>
-                                      </p:cBhvr>
-                                      <p:tavLst>
-                                        <p:tav tm="0">
-                                          <p:val>
-                                            <p:fltVal val="0"/>
-                                          </p:val>
-                                        </p:tav>
-                                        <p:tav tm="100000">
-                                          <p:val>
-                                            <p:strVal val="#ppt_w"/>
-                                          </p:val>
-                                        </p:tav>
-                                      </p:tavLst>
-                                    </p:anim>
-                                    <p:anim calcmode="lin" valueType="num">
-                                      <p:cBhvr>
-                                        <p:cTn id="8" dur="500" fill="hold"/>
-                                        <p:tgtEl>
-                                          <p:spTgt spid="70658"/>
-                                        </p:tgtEl>
-                                        <p:attrNameLst>
-                                          <p:attrName>ppt_h</p:attrName>
-                                        </p:attrNameLst>
-                                      </p:cBhvr>
-                                      <p:tavLst>
-                                        <p:tav tm="0">
-                                          <p:val>
-                                            <p:fltVal val="0"/>
-                                          </p:val>
-                                        </p:tav>
-                                        <p:tav tm="100000">
-                                          <p:val>
-                                            <p:strVal val="#ppt_h"/>
-                                          </p:val>
-                                        </p:tav>
-                                      </p:tavLst>
-                                    </p:anim>
-                                    <p:animEffect transition="in" filter="fade">
-                                      <p:cBhvr>
-                                        <p:cTn id="9" dur="500"/>
-                                        <p:tgtEl>
-                                          <p:spTgt spid="70658"/>
-                                        </p:tgtEl>
-                                      </p:cBhvr>
-                                    </p:animEffect>
-                                  </p:childTnLst>
-                                </p:cTn>
-                              </p:par>
-                            </p:childTnLst>
-                          </p:cTn>
-                        </p:par>
-                      </p:childTnLst>
-                    </p:cTn>
-                  </p:par>
-                </p:childTnLst>
-              </p:cTn>
-              <p:prevCondLst>
-                <p:cond evt="onPrev" delay="0">
-                  <p:tgtEl>
-                    <p:sldTgt/>
-                  </p:tgtEl>
-                </p:cond>
-              </p:prevCondLst>
-              <p:nextCondLst>
-                <p:cond evt="onNext" delay="0">
-                  <p:tgtEl>
-                    <p:sldTgt/>
-                  </p:tgtEl>
-                </p:cond>
-              </p:nextCondLst>
-            </p:seq>
-          </p:childTnLst>
-        </p:cTn>
-      </p:par>
-    </p:tnLst>
-    <p:bldLst>
-      <p:bldP spid="70658" grpId="0"/>
-    </p:bldLst>
-  </p:timing>
 </p:sld>
 </file>
 

--- a/slides/ppt/08_JDBC.pptx
+++ b/slides/ppt/08_JDBC.pptx
@@ -252,14 +252,14 @@
           <a:effectLst/>
           <a:extLst>
             <a:ext uri="{909E8E84-426E-40dd-AFC4-6F175D3DCCD1}">
-              <a14:hiddenFill xmlns="" xmlns:a14="http://schemas.microsoft.com/office/drawing/2010/main">
+              <a14:hiddenFill xmlns:a14="http://schemas.microsoft.com/office/drawing/2010/main" xmlns="">
                 <a:solidFill>
                   <a:schemeClr val="accent1"/>
                 </a:solidFill>
               </a14:hiddenFill>
             </a:ext>
             <a:ext uri="{91240B29-F687-4f45-9708-019B960494DF}">
-              <a14:hiddenLine xmlns="" xmlns:a14="http://schemas.microsoft.com/office/drawing/2010/main" w="9525">
+              <a14:hiddenLine xmlns:a14="http://schemas.microsoft.com/office/drawing/2010/main" xmlns="" w="9525">
                 <a:solidFill>
                   <a:schemeClr val="tx1"/>
                 </a:solidFill>
@@ -269,7 +269,7 @@
               </a14:hiddenLine>
             </a:ext>
             <a:ext uri="{AF507438-7753-43e0-B8FC-AC1667EBCBE1}">
-              <a14:hiddenEffects xmlns="" xmlns:a14="http://schemas.microsoft.com/office/drawing/2010/main">
+              <a14:hiddenEffects xmlns:a14="http://schemas.microsoft.com/office/drawing/2010/main" xmlns="">
                 <a:effectLst>
                   <a:outerShdw blurRad="63500" dist="38099" dir="2700000" algn="ctr" rotWithShape="0">
                     <a:schemeClr val="bg2">
@@ -280,7 +280,7 @@
               </a14:hiddenEffects>
             </a:ext>
             <a:ext uri="{FAA26D3D-D897-4be2-8F04-BA451C77F1D7}">
-              <ma14:placeholderFlag xmlns="" xmlns:ma14="http://schemas.microsoft.com/office/mac/drawingml/2011/main" val="1"/>
+              <ma14:placeholderFlag xmlns:ma14="http://schemas.microsoft.com/office/mac/drawingml/2011/main" xmlns="" val="1"/>
             </a:ext>
           </a:extLst>
         </p:spPr>
@@ -325,14 +325,14 @@
           <a:effectLst/>
           <a:extLst>
             <a:ext uri="{909E8E84-426E-40dd-AFC4-6F175D3DCCD1}">
-              <a14:hiddenFill xmlns="" xmlns:a14="http://schemas.microsoft.com/office/drawing/2010/main">
+              <a14:hiddenFill xmlns:a14="http://schemas.microsoft.com/office/drawing/2010/main" xmlns="">
                 <a:solidFill>
                   <a:schemeClr val="accent1"/>
                 </a:solidFill>
               </a14:hiddenFill>
             </a:ext>
             <a:ext uri="{91240B29-F687-4f45-9708-019B960494DF}">
-              <a14:hiddenLine xmlns="" xmlns:a14="http://schemas.microsoft.com/office/drawing/2010/main" w="9525">
+              <a14:hiddenLine xmlns:a14="http://schemas.microsoft.com/office/drawing/2010/main" xmlns="" w="9525">
                 <a:solidFill>
                   <a:schemeClr val="tx1"/>
                 </a:solidFill>
@@ -342,7 +342,7 @@
               </a14:hiddenLine>
             </a:ext>
             <a:ext uri="{AF507438-7753-43e0-B8FC-AC1667EBCBE1}">
-              <a14:hiddenEffects xmlns="" xmlns:a14="http://schemas.microsoft.com/office/drawing/2010/main">
+              <a14:hiddenEffects xmlns:a14="http://schemas.microsoft.com/office/drawing/2010/main" xmlns="">
                 <a:effectLst>
                   <a:outerShdw blurRad="63500" dist="38099" dir="2700000" algn="ctr" rotWithShape="0">
                     <a:schemeClr val="bg2">
@@ -353,7 +353,7 @@
               </a14:hiddenEffects>
             </a:ext>
             <a:ext uri="{FAA26D3D-D897-4be2-8F04-BA451C77F1D7}">
-              <ma14:placeholderFlag xmlns="" xmlns:ma14="http://schemas.microsoft.com/office/mac/drawingml/2011/main" val="1"/>
+              <ma14:placeholderFlag xmlns:ma14="http://schemas.microsoft.com/office/mac/drawingml/2011/main" xmlns="" val="1"/>
             </a:ext>
           </a:extLst>
         </p:spPr>
@@ -403,7 +403,7 @@
           <a:effectLst/>
           <a:extLst>
             <a:ext uri="{AF507438-7753-43e0-B8FC-AC1667EBCBE1}">
-              <a14:hiddenEffects xmlns="" xmlns:a14="http://schemas.microsoft.com/office/drawing/2010/main">
+              <a14:hiddenEffects xmlns:a14="http://schemas.microsoft.com/office/drawing/2010/main" xmlns="">
                 <a:effectLst>
                   <a:outerShdw blurRad="63500" dist="38099" dir="2700000" algn="ctr" rotWithShape="0">
                     <a:srgbClr val="000000">
@@ -414,7 +414,7 @@
               </a14:hiddenEffects>
             </a:ext>
             <a:ext uri="{53640926-AAD7-44d8-BBD7-CCE9431645EC}">
-              <a14:shadowObscured xmlns="" xmlns:a14="http://schemas.microsoft.com/office/drawing/2010/main" val="1"/>
+              <a14:shadowObscured xmlns:a14="http://schemas.microsoft.com/office/drawing/2010/main" xmlns="" val="1"/>
             </a:ext>
           </a:extLst>
         </p:spPr>
@@ -444,14 +444,14 @@
           <a:effectLst/>
           <a:extLst>
             <a:ext uri="{909E8E84-426E-40dd-AFC4-6F175D3DCCD1}">
-              <a14:hiddenFill xmlns="" xmlns:a14="http://schemas.microsoft.com/office/drawing/2010/main">
+              <a14:hiddenFill xmlns:a14="http://schemas.microsoft.com/office/drawing/2010/main" xmlns="">
                 <a:solidFill>
                   <a:schemeClr val="accent1"/>
                 </a:solidFill>
               </a14:hiddenFill>
             </a:ext>
             <a:ext uri="{91240B29-F687-4f45-9708-019B960494DF}">
-              <a14:hiddenLine xmlns="" xmlns:a14="http://schemas.microsoft.com/office/drawing/2010/main" w="9525">
+              <a14:hiddenLine xmlns:a14="http://schemas.microsoft.com/office/drawing/2010/main" xmlns="" w="9525">
                 <a:solidFill>
                   <a:schemeClr val="tx1"/>
                 </a:solidFill>
@@ -461,7 +461,7 @@
               </a14:hiddenLine>
             </a:ext>
             <a:ext uri="{AF507438-7753-43e0-B8FC-AC1667EBCBE1}">
-              <a14:hiddenEffects xmlns="" xmlns:a14="http://schemas.microsoft.com/office/drawing/2010/main">
+              <a14:hiddenEffects xmlns:a14="http://schemas.microsoft.com/office/drawing/2010/main" xmlns="">
                 <a:effectLst>
                   <a:outerShdw blurRad="63500" dist="38099" dir="2700000" algn="ctr" rotWithShape="0">
                     <a:schemeClr val="bg2">
@@ -472,7 +472,7 @@
               </a14:hiddenEffects>
             </a:ext>
             <a:ext uri="{FAA26D3D-D897-4be2-8F04-BA451C77F1D7}">
-              <ma14:placeholderFlag xmlns="" xmlns:ma14="http://schemas.microsoft.com/office/mac/drawingml/2011/main" val="1"/>
+              <ma14:placeholderFlag xmlns:ma14="http://schemas.microsoft.com/office/mac/drawingml/2011/main" xmlns="" val="1"/>
             </a:ext>
           </a:extLst>
         </p:spPr>
@@ -545,14 +545,14 @@
           <a:effectLst/>
           <a:extLst>
             <a:ext uri="{909E8E84-426E-40dd-AFC4-6F175D3DCCD1}">
-              <a14:hiddenFill xmlns="" xmlns:a14="http://schemas.microsoft.com/office/drawing/2010/main">
+              <a14:hiddenFill xmlns:a14="http://schemas.microsoft.com/office/drawing/2010/main" xmlns="">
                 <a:solidFill>
                   <a:schemeClr val="accent1"/>
                 </a:solidFill>
               </a14:hiddenFill>
             </a:ext>
             <a:ext uri="{91240B29-F687-4f45-9708-019B960494DF}">
-              <a14:hiddenLine xmlns="" xmlns:a14="http://schemas.microsoft.com/office/drawing/2010/main" w="9525">
+              <a14:hiddenLine xmlns:a14="http://schemas.microsoft.com/office/drawing/2010/main" xmlns="" w="9525">
                 <a:solidFill>
                   <a:schemeClr val="tx1"/>
                 </a:solidFill>
@@ -562,7 +562,7 @@
               </a14:hiddenLine>
             </a:ext>
             <a:ext uri="{AF507438-7753-43e0-B8FC-AC1667EBCBE1}">
-              <a14:hiddenEffects xmlns="" xmlns:a14="http://schemas.microsoft.com/office/drawing/2010/main">
+              <a14:hiddenEffects xmlns:a14="http://schemas.microsoft.com/office/drawing/2010/main" xmlns="">
                 <a:effectLst>
                   <a:outerShdw blurRad="63500" dist="38099" dir="2700000" algn="ctr" rotWithShape="0">
                     <a:schemeClr val="bg2">
@@ -573,7 +573,7 @@
               </a14:hiddenEffects>
             </a:ext>
             <a:ext uri="{FAA26D3D-D897-4be2-8F04-BA451C77F1D7}">
-              <ma14:placeholderFlag xmlns="" xmlns:ma14="http://schemas.microsoft.com/office/mac/drawingml/2011/main" val="1"/>
+              <ma14:placeholderFlag xmlns:ma14="http://schemas.microsoft.com/office/mac/drawingml/2011/main" xmlns="" val="1"/>
             </a:ext>
           </a:extLst>
         </p:spPr>
@@ -618,14 +618,14 @@
           <a:effectLst/>
           <a:extLst>
             <a:ext uri="{909E8E84-426E-40dd-AFC4-6F175D3DCCD1}">
-              <a14:hiddenFill xmlns="" xmlns:a14="http://schemas.microsoft.com/office/drawing/2010/main">
+              <a14:hiddenFill xmlns:a14="http://schemas.microsoft.com/office/drawing/2010/main" xmlns="">
                 <a:solidFill>
                   <a:schemeClr val="accent1"/>
                 </a:solidFill>
               </a14:hiddenFill>
             </a:ext>
             <a:ext uri="{91240B29-F687-4f45-9708-019B960494DF}">
-              <a14:hiddenLine xmlns="" xmlns:a14="http://schemas.microsoft.com/office/drawing/2010/main" w="9525">
+              <a14:hiddenLine xmlns:a14="http://schemas.microsoft.com/office/drawing/2010/main" xmlns="" w="9525">
                 <a:solidFill>
                   <a:schemeClr val="tx1"/>
                 </a:solidFill>
@@ -635,7 +635,7 @@
               </a14:hiddenLine>
             </a:ext>
             <a:ext uri="{AF507438-7753-43e0-B8FC-AC1667EBCBE1}">
-              <a14:hiddenEffects xmlns="" xmlns:a14="http://schemas.microsoft.com/office/drawing/2010/main">
+              <a14:hiddenEffects xmlns:a14="http://schemas.microsoft.com/office/drawing/2010/main" xmlns="">
                 <a:effectLst>
                   <a:outerShdw blurRad="63500" dist="38099" dir="2700000" algn="ctr" rotWithShape="0">
                     <a:schemeClr val="bg2">
@@ -646,7 +646,7 @@
               </a14:hiddenEffects>
             </a:ext>
             <a:ext uri="{FAA26D3D-D897-4be2-8F04-BA451C77F1D7}">
-              <ma14:placeholderFlag xmlns="" xmlns:ma14="http://schemas.microsoft.com/office/mac/drawingml/2011/main" val="1"/>
+              <ma14:placeholderFlag xmlns:ma14="http://schemas.microsoft.com/office/mac/drawingml/2011/main" xmlns="" val="1"/>
             </a:ext>
           </a:extLst>
         </p:spPr>
@@ -861,7 +861,7 @@
           <a:ln/>
           <a:extLst>
             <a:ext uri="{FAA26D3D-D897-4be2-8F04-BA451C77F1D7}">
-              <ma14:placeholderFlag xmlns="" xmlns:ma14="http://schemas.microsoft.com/office/mac/drawingml/2011/main" val="1"/>
+              <ma14:placeholderFlag xmlns:ma14="http://schemas.microsoft.com/office/mac/drawingml/2011/main" xmlns="" val="1"/>
             </a:ext>
           </a:extLst>
         </p:spPr>
@@ -950,7 +950,7 @@
           <a:ln/>
           <a:extLst>
             <a:ext uri="{FAA26D3D-D897-4be2-8F04-BA451C77F1D7}">
-              <ma14:placeholderFlag xmlns="" xmlns:ma14="http://schemas.microsoft.com/office/mac/drawingml/2011/main" val="1"/>
+              <ma14:placeholderFlag xmlns:ma14="http://schemas.microsoft.com/office/mac/drawingml/2011/main" xmlns="" val="1"/>
             </a:ext>
           </a:extLst>
         </p:spPr>
@@ -1039,7 +1039,7 @@
           <a:ln/>
           <a:extLst>
             <a:ext uri="{FAA26D3D-D897-4be2-8F04-BA451C77F1D7}">
-              <ma14:placeholderFlag xmlns="" xmlns:ma14="http://schemas.microsoft.com/office/mac/drawingml/2011/main" val="1"/>
+              <ma14:placeholderFlag xmlns:ma14="http://schemas.microsoft.com/office/mac/drawingml/2011/main" xmlns="" val="1"/>
             </a:ext>
           </a:extLst>
         </p:spPr>
@@ -10543,19 +10543,21 @@
           <a:lstStyle/>
           <a:p>
             <a:r>
+              <a:rPr lang="en-US" dirty="0">
+                <a:cs typeface="Calibri"/>
+              </a:rPr>
+              <a:t>Connection </a:t>
+            </a:r>
+            <a:r>
               <a:rPr lang="en-US" dirty="0" err="1">
-                <a:latin typeface="Calibri"/>
                 <a:cs typeface="Calibri"/>
               </a:rPr>
-              <a:t>DatabaseMetaData</a:t>
-            </a:r>
-            <a:r>
-              <a:rPr lang="en-US" dirty="0">
-                <a:latin typeface="Calibri"/>
-                <a:cs typeface="Calibri"/>
-              </a:rPr>
-              <a:t> object </a:t>
-            </a:r>
+              <a:t>MetaData</a:t>
+            </a:r>
+            <a:endParaRPr lang="en-US" dirty="0">
+              <a:latin typeface="Calibri"/>
+              <a:cs typeface="Calibri"/>
+            </a:endParaRPr>
           </a:p>
         </p:txBody>
       </p:sp>
@@ -10805,19 +10807,23 @@
           <a:lstStyle/>
           <a:p>
             <a:r>
+              <a:rPr lang="en-US" dirty="0">
+                <a:latin typeface="Calibri"/>
+                <a:cs typeface="Calibri"/>
+              </a:rPr>
+              <a:t>Connection </a:t>
+            </a:r>
+            <a:r>
               <a:rPr lang="en-US" dirty="0" err="1">
                 <a:latin typeface="Calibri"/>
                 <a:cs typeface="Calibri"/>
               </a:rPr>
-              <a:t>DatabaseMetaData</a:t>
-            </a:r>
-            <a:r>
-              <a:rPr lang="en-US" dirty="0">
-                <a:latin typeface="Calibri"/>
-                <a:cs typeface="Calibri"/>
-              </a:rPr>
-              <a:t> object </a:t>
-            </a:r>
+              <a:t>MetaData</a:t>
+            </a:r>
+            <a:endParaRPr lang="en-US" dirty="0">
+              <a:latin typeface="Calibri"/>
+              <a:cs typeface="Calibri"/>
+            </a:endParaRPr>
           </a:p>
         </p:txBody>
       </p:sp>
@@ -11324,14 +11330,44 @@
           <a:lstStyle/>
           <a:p>
             <a:r>
-              <a:rPr lang="en-US">
+              <a:rPr lang="en-US" dirty="0" err="1">
                 <a:solidFill>
                   <a:srgbClr val="000000"/>
                 </a:solidFill>
                 <a:latin typeface="Calibri"/>
                 <a:cs typeface="Calibri"/>
               </a:rPr>
-              <a:t>ResultSetMetaData </a:t>
+              <a:t>ResultSet</a:t>
+            </a:r>
+            <a:r>
+              <a:rPr lang="en-US" dirty="0">
+                <a:solidFill>
+                  <a:srgbClr val="000000"/>
+                </a:solidFill>
+                <a:latin typeface="Calibri"/>
+                <a:cs typeface="Calibri"/>
+              </a:rPr>
+              <a:t> </a:t>
+            </a:r>
+            <a:r>
+              <a:rPr lang="en-US" dirty="0" err="1">
+                <a:solidFill>
+                  <a:srgbClr val="000000"/>
+                </a:solidFill>
+                <a:latin typeface="Calibri"/>
+                <a:cs typeface="Calibri"/>
+              </a:rPr>
+              <a:t>MetaData</a:t>
+            </a:r>
+            <a:r>
+              <a:rPr lang="en-US" dirty="0">
+                <a:solidFill>
+                  <a:srgbClr val="000000"/>
+                </a:solidFill>
+                <a:latin typeface="Calibri"/>
+                <a:cs typeface="Calibri"/>
+              </a:rPr>
+              <a:t> </a:t>
             </a:r>
             <a:endParaRPr lang="en-US" dirty="0">
               <a:latin typeface="Calibri"/>
@@ -12305,14 +12341,36 @@
             </a:r>
             <a:r>
               <a:rPr lang="en-US" sz="2100" dirty="0"/>
-              <a:t>object, default mode is auto-commit, i.e., each </a:t>
-            </a:r>
-            <a:r>
-              <a:rPr lang="en-US" sz="2100" dirty="0" err="1"/>
+              <a:t>object, </a:t>
+            </a:r>
+            <a:r>
+              <a:rPr lang="en-US" sz="2100" dirty="0">
+                <a:solidFill>
+                  <a:schemeClr val="accent6">
+                    <a:lumMod val="75000"/>
+                  </a:schemeClr>
+                </a:solidFill>
+              </a:rPr>
+              <a:t>default mode is auto-commit, i.e., each </a:t>
+            </a:r>
+            <a:r>
+              <a:rPr lang="en-US" sz="2100" dirty="0" err="1">
+                <a:solidFill>
+                  <a:schemeClr val="accent6">
+                    <a:lumMod val="75000"/>
+                  </a:schemeClr>
+                </a:solidFill>
+              </a:rPr>
               <a:t>sql</a:t>
             </a:r>
             <a:r>
-              <a:rPr lang="en-US" sz="2100" dirty="0"/>
+              <a:rPr lang="en-US" sz="2100" dirty="0">
+                <a:solidFill>
+                  <a:schemeClr val="accent6">
+                    <a:lumMod val="75000"/>
+                  </a:schemeClr>
+                </a:solidFill>
+              </a:rPr>
               <a:t> statement is treated as a transaction</a:t>
             </a:r>
           </a:p>
